--- a/Working/2_VersionControl/2_VersionControl.pptx
+++ b/Working/2_VersionControl/2_VersionControl.pptx
@@ -9,10 +9,12 @@
     <p:sldId id="258" r:id="rId3"/>
     <p:sldId id="259" r:id="rId4"/>
     <p:sldId id="260" r:id="rId5"/>
-    <p:sldId id="261" r:id="rId6"/>
-    <p:sldId id="262" r:id="rId7"/>
-    <p:sldId id="263" r:id="rId8"/>
-    <p:sldId id="264" r:id="rId9"/>
+    <p:sldId id="265" r:id="rId6"/>
+    <p:sldId id="261" r:id="rId7"/>
+    <p:sldId id="267" r:id="rId8"/>
+    <p:sldId id="262" r:id="rId9"/>
+    <p:sldId id="263" r:id="rId10"/>
+    <p:sldId id="264" r:id="rId11"/>
   </p:sldIdLst>
   <p:sldSz cx="12192000" cy="6858000"/>
   <p:notesSz cx="6858000" cy="9144000"/>
@@ -124,11 +126,13 @@
         <p14:section name="Git" id="{68BED324-F9FD-4188-88A7-FA3A1338DAA4}">
           <p14:sldIdLst>
             <p14:sldId id="260"/>
+            <p14:sldId id="265"/>
           </p14:sldIdLst>
         </p14:section>
         <p14:section name="GitHub" id="{495F8D3B-6743-4832-8BD4-752D8F1E4750}">
           <p14:sldIdLst>
             <p14:sldId id="261"/>
+            <p14:sldId id="267"/>
           </p14:sldIdLst>
         </p14:section>
         <p14:section name="Setup" id="{92AEE623-99BD-4217-A0F8-0D2FB3C2A157}">
@@ -3912,6 +3916,86 @@
 </p:sld>
 </file>
 
+<file path=ppt/slides/slide10.xml><?xml version="1.0" encoding="utf-8"?>
+<p:sld xmlns:a="http://schemas.openxmlformats.org/drawingml/2006/main" xmlns:r="http://schemas.openxmlformats.org/officeDocument/2006/relationships" xmlns:p="http://schemas.openxmlformats.org/presentationml/2006/main">
+  <p:cSld>
+    <p:spTree>
+      <p:nvGrpSpPr>
+        <p:cNvPr id="1" name=""/>
+        <p:cNvGrpSpPr/>
+        <p:nvPr/>
+      </p:nvGrpSpPr>
+      <p:grpSpPr>
+        <a:xfrm>
+          <a:off x="0" y="0"/>
+          <a:ext cx="0" cy="0"/>
+          <a:chOff x="0" y="0"/>
+          <a:chExt cx="0" cy="0"/>
+        </a:xfrm>
+      </p:grpSpPr>
+      <p:sp>
+        <p:nvSpPr>
+          <p:cNvPr id="2" name="Title 1">
+            <a:extLst>
+              <a:ext uri="{FF2B5EF4-FFF2-40B4-BE49-F238E27FC236}">
+                <a16:creationId xmlns:a16="http://schemas.microsoft.com/office/drawing/2014/main" id="{4DF178C7-120D-4AE8-B26F-BFA3959D9798}"/>
+              </a:ext>
+            </a:extLst>
+          </p:cNvPr>
+          <p:cNvSpPr>
+            <a:spLocks noGrp="1"/>
+          </p:cNvSpPr>
+          <p:nvPr>
+            <p:ph type="title"/>
+          </p:nvPr>
+        </p:nvSpPr>
+        <p:spPr/>
+        <p:txBody>
+          <a:bodyPr/>
+          <a:lstStyle/>
+          <a:p>
+            <a:endParaRPr lang="en-US"/>
+          </a:p>
+        </p:txBody>
+      </p:sp>
+      <p:sp>
+        <p:nvSpPr>
+          <p:cNvPr id="3" name="Content Placeholder 2">
+            <a:extLst>
+              <a:ext uri="{FF2B5EF4-FFF2-40B4-BE49-F238E27FC236}">
+                <a16:creationId xmlns:a16="http://schemas.microsoft.com/office/drawing/2014/main" id="{C36822C3-41DF-469F-8956-912A332FA942}"/>
+              </a:ext>
+            </a:extLst>
+          </p:cNvPr>
+          <p:cNvSpPr>
+            <a:spLocks noGrp="1"/>
+          </p:cNvSpPr>
+          <p:nvPr>
+            <p:ph idx="1"/>
+          </p:nvPr>
+        </p:nvSpPr>
+        <p:spPr/>
+        <p:txBody>
+          <a:bodyPr/>
+          <a:lstStyle/>
+          <a:p>
+            <a:endParaRPr lang="en-US"/>
+          </a:p>
+        </p:txBody>
+      </p:sp>
+    </p:spTree>
+    <p:extLst>
+      <p:ext uri="{BB962C8B-B14F-4D97-AF65-F5344CB8AC3E}">
+        <p14:creationId xmlns:p14="http://schemas.microsoft.com/office/powerpoint/2010/main" val="3310373015"/>
+      </p:ext>
+    </p:extLst>
+  </p:cSld>
+  <p:clrMapOvr>
+    <a:masterClrMapping/>
+  </p:clrMapOvr>
+</p:sld>
+</file>
+
 <file path=ppt/slides/slide2.xml><?xml version="1.0" encoding="utf-8"?>
 <p:sld xmlns:a="http://schemas.openxmlformats.org/drawingml/2006/main" xmlns:r="http://schemas.openxmlformats.org/officeDocument/2006/relationships" xmlns:p="http://schemas.openxmlformats.org/presentationml/2006/main">
   <p:cSld>
@@ -4336,7 +4420,10 @@
           <a:bodyPr/>
           <a:lstStyle/>
           <a:p>
-            <a:endParaRPr lang="en-US"/>
+            <a:r>
+              <a:rPr lang="en-US" dirty="0"/>
+              <a:t>Introduction to Git</a:t>
+            </a:r>
           </a:p>
         </p:txBody>
       </p:sp>
@@ -4356,15 +4443,231 @@
             <p:ph idx="1"/>
           </p:nvPr>
         </p:nvSpPr>
-        <p:spPr/>
+        <p:spPr>
+          <a:xfrm>
+            <a:off x="1097280" y="1845734"/>
+            <a:ext cx="5279872" cy="4023360"/>
+          </a:xfrm>
+        </p:spPr>
         <p:txBody>
           <a:bodyPr/>
           <a:lstStyle/>
           <a:p>
-            <a:endParaRPr lang="en-US"/>
-          </a:p>
-        </p:txBody>
-      </p:sp>
+            <a:r>
+              <a:rPr lang="en-US" dirty="0"/>
+              <a:t>Most widely-used version control system</a:t>
+            </a:r>
+          </a:p>
+          <a:p>
+            <a:pPr lvl="1"/>
+            <a:r>
+              <a:rPr lang="en-US" dirty="0"/>
+              <a:t>Completely open-source system developed by </a:t>
+            </a:r>
+            <a:r>
+              <a:rPr lang="en-US" dirty="0">
+                <a:hlinkClick r:id="rId2"/>
+              </a:rPr>
+              <a:t>Linus Torvalds</a:t>
+            </a:r>
+            <a:r>
+              <a:rPr lang="en-US" dirty="0"/>
+              <a:t> (who also created Linux) in 2005</a:t>
+            </a:r>
+          </a:p>
+          <a:p>
+            <a:r>
+              <a:rPr lang="en-US" dirty="0"/>
+              <a:t>What does Git do? </a:t>
+            </a:r>
+          </a:p>
+          <a:p>
+            <a:pPr lvl="1"/>
+            <a:r>
+              <a:rPr lang="en-US" dirty="0"/>
+              <a:t>Manage coding projects using repositories</a:t>
+            </a:r>
+          </a:p>
+          <a:p>
+            <a:pPr lvl="1"/>
+            <a:r>
+              <a:rPr lang="en-US" dirty="0"/>
+              <a:t>Controls &amp; tracks changing w/ staging &amp; committing</a:t>
+            </a:r>
+          </a:p>
+          <a:p>
+            <a:pPr lvl="1"/>
+            <a:r>
+              <a:rPr lang="en-US" b="1" dirty="0"/>
+              <a:t>Enables code revision &amp; updates w/o the risk of breaking code by branching &amp; merging</a:t>
+            </a:r>
+          </a:p>
+          <a:p>
+            <a:pPr lvl="1"/>
+            <a:r>
+              <a:rPr lang="en-US" dirty="0"/>
+              <a:t>Provides a local working copy via cloning (not like working on a Google doc, for example)</a:t>
+            </a:r>
+          </a:p>
+        </p:txBody>
+      </p:sp>
+      <p:sp>
+        <p:nvSpPr>
+          <p:cNvPr id="4" name="TextBox 3">
+            <a:extLst>
+              <a:ext uri="{FF2B5EF4-FFF2-40B4-BE49-F238E27FC236}">
+                <a16:creationId xmlns:a16="http://schemas.microsoft.com/office/drawing/2014/main" id="{EAC0B4CC-3F33-467D-988C-24B972522563}"/>
+              </a:ext>
+            </a:extLst>
+          </p:cNvPr>
+          <p:cNvSpPr txBox="1"/>
+          <p:nvPr/>
+        </p:nvSpPr>
+        <p:spPr>
+          <a:xfrm>
+            <a:off x="0" y="6432897"/>
+            <a:ext cx="6936828" cy="276999"/>
+          </a:xfrm>
+          <a:prstGeom prst="rect">
+            <a:avLst/>
+          </a:prstGeom>
+          <a:noFill/>
+        </p:spPr>
+        <p:txBody>
+          <a:bodyPr wrap="square" rtlCol="0">
+            <a:spAutoFit/>
+          </a:bodyPr>
+          <a:lstStyle/>
+          <a:p>
+            <a:r>
+              <a:rPr lang="en-US" sz="1200" dirty="0">
+                <a:solidFill>
+                  <a:schemeClr val="bg2"/>
+                </a:solidFill>
+              </a:rPr>
+              <a:t>Sources: </a:t>
+            </a:r>
+            <a:r>
+              <a:rPr lang="en-US" sz="1200" dirty="0">
+                <a:solidFill>
+                  <a:schemeClr val="bg2"/>
+                </a:solidFill>
+                <a:hlinkClick r:id="rId3">
+                  <a:extLst>
+                    <a:ext uri="{A12FA001-AC4F-418D-AE19-62706E023703}">
+                      <ahyp:hlinkClr xmlns:ahyp="http://schemas.microsoft.com/office/drawing/2018/hyperlinkcolor" val="tx"/>
+                    </a:ext>
+                  </a:extLst>
+                </a:hlinkClick>
+              </a:rPr>
+              <a:t>https://git-scm.com/</a:t>
+            </a:r>
+            <a:r>
+              <a:rPr lang="en-US" sz="1200" dirty="0">
+                <a:solidFill>
+                  <a:schemeClr val="bg2"/>
+                </a:solidFill>
+              </a:rPr>
+              <a:t>, </a:t>
+            </a:r>
+            <a:r>
+              <a:rPr lang="en-US" sz="1200" dirty="0">
+                <a:solidFill>
+                  <a:schemeClr val="bg2"/>
+                </a:solidFill>
+                <a:hlinkClick r:id="rId4">
+                  <a:extLst>
+                    <a:ext uri="{A12FA001-AC4F-418D-AE19-62706E023703}">
+                      <ahyp:hlinkClr xmlns:ahyp="http://schemas.microsoft.com/office/drawing/2018/hyperlinkcolor" val="tx"/>
+                    </a:ext>
+                  </a:extLst>
+                </a:hlinkClick>
+              </a:rPr>
+              <a:t>https://www.w3schools.com/git/git_intro.asp?remote=github</a:t>
+            </a:r>
+            <a:r>
+              <a:rPr lang="en-US" sz="1200" dirty="0">
+                <a:solidFill>
+                  <a:schemeClr val="bg2"/>
+                </a:solidFill>
+              </a:rPr>
+              <a:t>  </a:t>
+            </a:r>
+          </a:p>
+        </p:txBody>
+      </p:sp>
+      <p:pic>
+        <p:nvPicPr>
+          <p:cNvPr id="6" name="Picture 5" descr="A picture containing text, indoor, toy&#10;&#10;Description automatically generated">
+            <a:extLst>
+              <a:ext uri="{FF2B5EF4-FFF2-40B4-BE49-F238E27FC236}">
+                <a16:creationId xmlns:a16="http://schemas.microsoft.com/office/drawing/2014/main" id="{89A5737A-AEF6-4558-A5C6-403E4DB20C15}"/>
+              </a:ext>
+            </a:extLst>
+          </p:cNvPr>
+          <p:cNvPicPr>
+            <a:picLocks noChangeAspect="1"/>
+          </p:cNvPicPr>
+          <p:nvPr/>
+        </p:nvPicPr>
+        <p:blipFill>
+          <a:blip r:embed="rId5">
+            <a:extLst>
+              <a:ext uri="{28A0092B-C50C-407E-A947-70E740481C1C}">
+                <a14:useLocalDpi xmlns:a14="http://schemas.microsoft.com/office/drawing/2010/main" val="0"/>
+              </a:ext>
+            </a:extLst>
+          </a:blip>
+          <a:stretch>
+            <a:fillRect/>
+          </a:stretch>
+        </p:blipFill>
+        <p:spPr>
+          <a:xfrm>
+            <a:off x="6643662" y="2357284"/>
+            <a:ext cx="4512018" cy="3000259"/>
+          </a:xfrm>
+          <a:prstGeom prst="rect">
+            <a:avLst/>
+          </a:prstGeom>
+        </p:spPr>
+      </p:pic>
+      <p:pic>
+        <p:nvPicPr>
+          <p:cNvPr id="8" name="Picture 7">
+            <a:extLst>
+              <a:ext uri="{FF2B5EF4-FFF2-40B4-BE49-F238E27FC236}">
+                <a16:creationId xmlns:a16="http://schemas.microsoft.com/office/drawing/2014/main" id="{21F884C3-1062-492F-ABA2-748BE7189B28}"/>
+              </a:ext>
+            </a:extLst>
+          </p:cNvPr>
+          <p:cNvPicPr>
+            <a:picLocks noChangeAspect="1"/>
+          </p:cNvPicPr>
+          <p:nvPr/>
+        </p:nvPicPr>
+        <p:blipFill>
+          <a:blip r:embed="rId6">
+            <a:extLst>
+              <a:ext uri="{28A0092B-C50C-407E-A947-70E740481C1C}">
+                <a14:useLocalDpi xmlns:a14="http://schemas.microsoft.com/office/drawing/2010/main" val="0"/>
+              </a:ext>
+            </a:extLst>
+          </a:blip>
+          <a:stretch>
+            <a:fillRect/>
+          </a:stretch>
+        </p:blipFill>
+        <p:spPr>
+          <a:xfrm>
+            <a:off x="10006271" y="1011981"/>
+            <a:ext cx="1149409" cy="558829"/>
+          </a:xfrm>
+          <a:prstGeom prst="rect">
+            <a:avLst/>
+          </a:prstGeom>
+        </p:spPr>
+      </p:pic>
     </p:spTree>
     <p:extLst>
       <p:ext uri="{BB962C8B-B14F-4D97-AF65-F5344CB8AC3E}">
@@ -4400,7 +4703,7 @@
           <p:cNvPr id="2" name="Title 1">
             <a:extLst>
               <a:ext uri="{FF2B5EF4-FFF2-40B4-BE49-F238E27FC236}">
-                <a16:creationId xmlns:a16="http://schemas.microsoft.com/office/drawing/2014/main" id="{4DF178C7-120D-4AE8-B26F-BFA3959D9798}"/>
+                <a16:creationId xmlns:a16="http://schemas.microsoft.com/office/drawing/2014/main" id="{668E2C93-B06E-481A-AFEC-427F69B38D40}"/>
               </a:ext>
             </a:extLst>
           </p:cNvPr>
@@ -4416,7 +4719,10 @@
           <a:bodyPr/>
           <a:lstStyle/>
           <a:p>
-            <a:endParaRPr lang="en-US"/>
+            <a:r>
+              <a:rPr lang="en-US" dirty="0"/>
+              <a:t>…but how does Git work? </a:t>
+            </a:r>
           </a:p>
         </p:txBody>
       </p:sp>
@@ -4425,7 +4731,7 @@
           <p:cNvPr id="3" name="Content Placeholder 2">
             <a:extLst>
               <a:ext uri="{FF2B5EF4-FFF2-40B4-BE49-F238E27FC236}">
-                <a16:creationId xmlns:a16="http://schemas.microsoft.com/office/drawing/2014/main" id="{C36822C3-41DF-469F-8956-912A332FA942}"/>
+                <a16:creationId xmlns:a16="http://schemas.microsoft.com/office/drawing/2014/main" id="{7F348622-0CE5-4122-833A-2F04B270CA31}"/>
               </a:ext>
             </a:extLst>
           </p:cNvPr>
@@ -4436,19 +4742,192 @@
             <p:ph idx="1"/>
           </p:nvPr>
         </p:nvSpPr>
-        <p:spPr/>
+        <p:spPr>
+          <a:xfrm>
+            <a:off x="1097280" y="1845734"/>
+            <a:ext cx="5839548" cy="4023360"/>
+          </a:xfrm>
+        </p:spPr>
         <p:txBody>
           <a:bodyPr/>
           <a:lstStyle/>
           <a:p>
-            <a:endParaRPr lang="en-US"/>
-          </a:p>
-        </p:txBody>
-      </p:sp>
+            <a:r>
+              <a:rPr lang="en-US" dirty="0"/>
+              <a:t>Three primary components:</a:t>
+            </a:r>
+          </a:p>
+          <a:p>
+            <a:pPr lvl="1"/>
+            <a:r>
+              <a:rPr lang="en-US" b="1" dirty="0"/>
+              <a:t>Working directory </a:t>
+            </a:r>
+            <a:r>
+              <a:rPr lang="en-US" dirty="0"/>
+              <a:t>– Where changes are made</a:t>
+            </a:r>
+          </a:p>
+          <a:p>
+            <a:pPr lvl="1"/>
+            <a:r>
+              <a:rPr lang="en-US" b="1" dirty="0"/>
+              <a:t>Staging area </a:t>
+            </a:r>
+            <a:r>
+              <a:rPr lang="en-US" dirty="0"/>
+              <a:t>– Where changes are indexed (accounted for) &amp; prepared for application</a:t>
+            </a:r>
+          </a:p>
+          <a:p>
+            <a:pPr lvl="1"/>
+            <a:r>
+              <a:rPr lang="en-US" b="1" dirty="0"/>
+              <a:t>Repository</a:t>
+            </a:r>
+            <a:r>
+              <a:rPr lang="en-US" dirty="0"/>
+              <a:t> – Where changes are applied</a:t>
+            </a:r>
+          </a:p>
+          <a:p>
+            <a:r>
+              <a:rPr lang="en-US" dirty="0"/>
+              <a:t>It’s all hidden in the .git directory…</a:t>
+            </a:r>
+          </a:p>
+          <a:p>
+            <a:pPr lvl="1"/>
+            <a:r>
+              <a:rPr lang="en-US" dirty="0"/>
+              <a:t>objects/ stores snapshot (“commit”) metadata</a:t>
+            </a:r>
+          </a:p>
+          <a:p>
+            <a:pPr lvl="1"/>
+            <a:r>
+              <a:rPr lang="en-US" dirty="0"/>
+              <a:t>refs/ points to commits</a:t>
+            </a:r>
+          </a:p>
+          <a:p>
+            <a:pPr lvl="1"/>
+            <a:r>
+              <a:rPr lang="en-US" dirty="0"/>
+              <a:t>/index stores pointers to commits (e.g., branches)</a:t>
+            </a:r>
+          </a:p>
+          <a:p>
+            <a:pPr lvl="1"/>
+            <a:r>
+              <a:rPr lang="en-US" dirty="0"/>
+              <a:t>/HEAD points to current branch</a:t>
+            </a:r>
+          </a:p>
+        </p:txBody>
+      </p:sp>
+      <p:sp>
+        <p:nvSpPr>
+          <p:cNvPr id="8" name="TextBox 7">
+            <a:extLst>
+              <a:ext uri="{FF2B5EF4-FFF2-40B4-BE49-F238E27FC236}">
+                <a16:creationId xmlns:a16="http://schemas.microsoft.com/office/drawing/2014/main" id="{16C1EE27-5ED9-416E-8A67-FB6338B4B91C}"/>
+              </a:ext>
+            </a:extLst>
+          </p:cNvPr>
+          <p:cNvSpPr txBox="1"/>
+          <p:nvPr/>
+        </p:nvSpPr>
+        <p:spPr>
+          <a:xfrm>
+            <a:off x="0" y="6432897"/>
+            <a:ext cx="6936828" cy="276999"/>
+          </a:xfrm>
+          <a:prstGeom prst="rect">
+            <a:avLst/>
+          </a:prstGeom>
+          <a:noFill/>
+        </p:spPr>
+        <p:txBody>
+          <a:bodyPr wrap="square" rtlCol="0">
+            <a:spAutoFit/>
+          </a:bodyPr>
+          <a:lstStyle/>
+          <a:p>
+            <a:r>
+              <a:rPr lang="en-US" sz="1200" dirty="0">
+                <a:solidFill>
+                  <a:schemeClr val="bg2"/>
+                </a:solidFill>
+              </a:rPr>
+              <a:t>Sources: </a:t>
+            </a:r>
+            <a:r>
+              <a:rPr lang="en-US" sz="1200" dirty="0">
+                <a:solidFill>
+                  <a:schemeClr val="bg2"/>
+                </a:solidFill>
+                <a:hlinkClick r:id="rId2">
+                  <a:extLst>
+                    <a:ext uri="{A12FA001-AC4F-418D-AE19-62706E023703}">
+                      <ahyp:hlinkClr xmlns:ahyp="http://schemas.microsoft.com/office/drawing/2018/hyperlinkcolor" val="tx"/>
+                    </a:ext>
+                  </a:extLst>
+                </a:hlinkClick>
+              </a:rPr>
+              <a:t>https://developer.ibm.com/tutorials/d-learn-workings-git/</a:t>
+            </a:r>
+            <a:r>
+              <a:rPr lang="en-US" sz="1200" dirty="0">
+                <a:solidFill>
+                  <a:schemeClr val="bg2"/>
+                </a:solidFill>
+              </a:rPr>
+              <a:t>   </a:t>
+            </a:r>
+          </a:p>
+        </p:txBody>
+      </p:sp>
+      <p:pic>
+        <p:nvPicPr>
+          <p:cNvPr id="11" name="Picture 10" descr="Diagram&#10;&#10;Description automatically generated">
+            <a:extLst>
+              <a:ext uri="{FF2B5EF4-FFF2-40B4-BE49-F238E27FC236}">
+                <a16:creationId xmlns:a16="http://schemas.microsoft.com/office/drawing/2014/main" id="{07FFF1A8-DD09-4008-B76C-8C1AA184EAE1}"/>
+              </a:ext>
+            </a:extLst>
+          </p:cNvPr>
+          <p:cNvPicPr>
+            <a:picLocks noChangeAspect="1"/>
+          </p:cNvPicPr>
+          <p:nvPr/>
+        </p:nvPicPr>
+        <p:blipFill>
+          <a:blip r:embed="rId3">
+            <a:extLst>
+              <a:ext uri="{28A0092B-C50C-407E-A947-70E740481C1C}">
+                <a14:useLocalDpi xmlns:a14="http://schemas.microsoft.com/office/drawing/2010/main" val="0"/>
+              </a:ext>
+            </a:extLst>
+          </a:blip>
+          <a:stretch>
+            <a:fillRect/>
+          </a:stretch>
+        </p:blipFill>
+        <p:spPr>
+          <a:xfrm>
+            <a:off x="6936828" y="2621948"/>
+            <a:ext cx="4982752" cy="2470931"/>
+          </a:xfrm>
+          <a:prstGeom prst="rect">
+            <a:avLst/>
+          </a:prstGeom>
+        </p:spPr>
+      </p:pic>
     </p:spTree>
     <p:extLst>
       <p:ext uri="{BB962C8B-B14F-4D97-AF65-F5344CB8AC3E}">
-        <p14:creationId xmlns:p14="http://schemas.microsoft.com/office/powerpoint/2010/main" val="109136638"/>
+        <p14:creationId xmlns:p14="http://schemas.microsoft.com/office/powerpoint/2010/main" val="4162476691"/>
       </p:ext>
     </p:extLst>
   </p:cSld>
@@ -4496,19 +4975,853 @@
           <a:bodyPr/>
           <a:lstStyle/>
           <a:p>
-            <a:endParaRPr lang="en-US"/>
-          </a:p>
-        </p:txBody>
-      </p:sp>
-      <p:sp>
-        <p:nvSpPr>
-          <p:cNvPr id="3" name="Content Placeholder 2">
+            <a:r>
+              <a:rPr lang="en-US" dirty="0"/>
+              <a:t>Git or GitHub?</a:t>
+            </a:r>
+          </a:p>
+        </p:txBody>
+      </p:sp>
+      <p:grpSp>
+        <p:nvGrpSpPr>
+          <p:cNvPr id="36" name="Group 35">
             <a:extLst>
               <a:ext uri="{FF2B5EF4-FFF2-40B4-BE49-F238E27FC236}">
-                <a16:creationId xmlns:a16="http://schemas.microsoft.com/office/drawing/2014/main" id="{C36822C3-41DF-469F-8956-912A332FA942}"/>
+                <a16:creationId xmlns:a16="http://schemas.microsoft.com/office/drawing/2014/main" id="{97A1F960-9CD3-4C66-9C01-8CAB1BD3EA45}"/>
               </a:ext>
             </a:extLst>
           </p:cNvPr>
+          <p:cNvGrpSpPr/>
+          <p:nvPr/>
+        </p:nvGrpSpPr>
+        <p:grpSpPr>
+          <a:xfrm>
+            <a:off x="7335620" y="2009736"/>
+            <a:ext cx="4442547" cy="3709713"/>
+            <a:chOff x="7335620" y="2009736"/>
+            <a:chExt cx="4442547" cy="3709713"/>
+          </a:xfrm>
+        </p:grpSpPr>
+        <p:pic>
+          <p:nvPicPr>
+            <p:cNvPr id="24" name="Picture 23" descr="Icon&#10;&#10;Description automatically generated with low confidence">
+              <a:extLst>
+                <a:ext uri="{FF2B5EF4-FFF2-40B4-BE49-F238E27FC236}">
+                  <a16:creationId xmlns:a16="http://schemas.microsoft.com/office/drawing/2014/main" id="{A6C276A7-2E9A-4E15-B7AE-9ADD84FE6FA8}"/>
+                </a:ext>
+              </a:extLst>
+            </p:cNvPr>
+            <p:cNvPicPr>
+              <a:picLocks noChangeAspect="1"/>
+            </p:cNvPicPr>
+            <p:nvPr/>
+          </p:nvPicPr>
+          <p:blipFill>
+            <a:blip r:embed="rId2">
+              <a:extLst>
+                <a:ext uri="{28A0092B-C50C-407E-A947-70E740481C1C}">
+                  <a14:useLocalDpi xmlns:a14="http://schemas.microsoft.com/office/drawing/2010/main" val="0"/>
+                </a:ext>
+              </a:extLst>
+            </a:blip>
+            <a:stretch>
+              <a:fillRect/>
+            </a:stretch>
+          </p:blipFill>
+          <p:spPr>
+            <a:xfrm>
+              <a:off x="7335620" y="4832131"/>
+              <a:ext cx="1480849" cy="887318"/>
+            </a:xfrm>
+            <a:prstGeom prst="rect">
+              <a:avLst/>
+            </a:prstGeom>
+          </p:spPr>
+        </p:pic>
+        <p:pic>
+          <p:nvPicPr>
+            <p:cNvPr id="25" name="Picture 24" descr="Icon&#10;&#10;Description automatically generated with low confidence">
+              <a:extLst>
+                <a:ext uri="{FF2B5EF4-FFF2-40B4-BE49-F238E27FC236}">
+                  <a16:creationId xmlns:a16="http://schemas.microsoft.com/office/drawing/2014/main" id="{E1698C65-B92C-4FFD-B352-C070615CCFF9}"/>
+                </a:ext>
+              </a:extLst>
+            </p:cNvPr>
+            <p:cNvPicPr>
+              <a:picLocks noChangeAspect="1"/>
+            </p:cNvPicPr>
+            <p:nvPr/>
+          </p:nvPicPr>
+          <p:blipFill>
+            <a:blip r:embed="rId2">
+              <a:extLst>
+                <a:ext uri="{28A0092B-C50C-407E-A947-70E740481C1C}">
+                  <a14:useLocalDpi xmlns:a14="http://schemas.microsoft.com/office/drawing/2010/main" val="0"/>
+                </a:ext>
+              </a:extLst>
+            </a:blip>
+            <a:stretch>
+              <a:fillRect/>
+            </a:stretch>
+          </p:blipFill>
+          <p:spPr>
+            <a:xfrm>
+              <a:off x="8816469" y="4832131"/>
+              <a:ext cx="1480849" cy="887318"/>
+            </a:xfrm>
+            <a:prstGeom prst="rect">
+              <a:avLst/>
+            </a:prstGeom>
+          </p:spPr>
+        </p:pic>
+        <p:pic>
+          <p:nvPicPr>
+            <p:cNvPr id="26" name="Picture 25" descr="Icon&#10;&#10;Description automatically generated with low confidence">
+              <a:extLst>
+                <a:ext uri="{FF2B5EF4-FFF2-40B4-BE49-F238E27FC236}">
+                  <a16:creationId xmlns:a16="http://schemas.microsoft.com/office/drawing/2014/main" id="{E9138DEB-3AA5-41FE-8C5C-BF9D51513E80}"/>
+                </a:ext>
+              </a:extLst>
+            </p:cNvPr>
+            <p:cNvPicPr>
+              <a:picLocks noChangeAspect="1"/>
+            </p:cNvPicPr>
+            <p:nvPr/>
+          </p:nvPicPr>
+          <p:blipFill>
+            <a:blip r:embed="rId2">
+              <a:extLst>
+                <a:ext uri="{28A0092B-C50C-407E-A947-70E740481C1C}">
+                  <a14:useLocalDpi xmlns:a14="http://schemas.microsoft.com/office/drawing/2010/main" val="0"/>
+                </a:ext>
+              </a:extLst>
+            </a:blip>
+            <a:stretch>
+              <a:fillRect/>
+            </a:stretch>
+          </p:blipFill>
+          <p:spPr>
+            <a:xfrm>
+              <a:off x="10297318" y="4832131"/>
+              <a:ext cx="1480849" cy="887318"/>
+            </a:xfrm>
+            <a:prstGeom prst="rect">
+              <a:avLst/>
+            </a:prstGeom>
+          </p:spPr>
+        </p:pic>
+        <p:grpSp>
+          <p:nvGrpSpPr>
+            <p:cNvPr id="31" name="Group 30">
+              <a:extLst>
+                <a:ext uri="{FF2B5EF4-FFF2-40B4-BE49-F238E27FC236}">
+                  <a16:creationId xmlns:a16="http://schemas.microsoft.com/office/drawing/2014/main" id="{14E913DA-BF2C-450D-92B8-AFF1086B92F1}"/>
+                </a:ext>
+              </a:extLst>
+            </p:cNvPr>
+            <p:cNvGrpSpPr/>
+            <p:nvPr/>
+          </p:nvGrpSpPr>
+          <p:grpSpPr>
+            <a:xfrm>
+              <a:off x="8371930" y="2009736"/>
+              <a:ext cx="2101911" cy="1419264"/>
+              <a:chOff x="8369382" y="1623848"/>
+              <a:chExt cx="2101911" cy="1419264"/>
+            </a:xfrm>
+          </p:grpSpPr>
+          <p:pic>
+            <p:nvPicPr>
+              <p:cNvPr id="28" name="Picture 27">
+                <a:extLst>
+                  <a:ext uri="{FF2B5EF4-FFF2-40B4-BE49-F238E27FC236}">
+                    <a16:creationId xmlns:a16="http://schemas.microsoft.com/office/drawing/2014/main" id="{E302F5AC-B79B-4610-81E1-2407189322A5}"/>
+                  </a:ext>
+                </a:extLst>
+              </p:cNvPr>
+              <p:cNvPicPr>
+                <a:picLocks noChangeAspect="1"/>
+              </p:cNvPicPr>
+              <p:nvPr/>
+            </p:nvPicPr>
+            <p:blipFill>
+              <a:blip r:embed="rId3"/>
+              <a:stretch>
+                <a:fillRect/>
+              </a:stretch>
+            </p:blipFill>
+            <p:spPr>
+              <a:xfrm>
+                <a:off x="8369382" y="1855601"/>
+                <a:ext cx="1187511" cy="1187511"/>
+              </a:xfrm>
+              <a:prstGeom prst="rect">
+                <a:avLst/>
+              </a:prstGeom>
+            </p:spPr>
+          </p:pic>
+          <p:pic>
+            <p:nvPicPr>
+              <p:cNvPr id="30" name="Graphic 29" descr="Syncing cloud with solid fill">
+                <a:extLst>
+                  <a:ext uri="{FF2B5EF4-FFF2-40B4-BE49-F238E27FC236}">
+                    <a16:creationId xmlns:a16="http://schemas.microsoft.com/office/drawing/2014/main" id="{DEADDEB9-80A6-49A8-8CB0-CE3FE0B25E82}"/>
+                  </a:ext>
+                </a:extLst>
+              </p:cNvPr>
+              <p:cNvPicPr>
+                <a:picLocks noChangeAspect="1"/>
+              </p:cNvPicPr>
+              <p:nvPr/>
+            </p:nvPicPr>
+            <p:blipFill>
+              <a:blip r:embed="rId4">
+                <a:extLst>
+                  <a:ext uri="{28A0092B-C50C-407E-A947-70E740481C1C}">
+                    <a14:useLocalDpi xmlns:a14="http://schemas.microsoft.com/office/drawing/2010/main" val="0"/>
+                  </a:ext>
+                  <a:ext uri="{96DAC541-7B7A-43D3-8B79-37D633B846F1}">
+                    <asvg:svgBlip xmlns:asvg="http://schemas.microsoft.com/office/drawing/2016/SVG/main" r:embed="rId5"/>
+                  </a:ext>
+                </a:extLst>
+              </a:blip>
+              <a:stretch>
+                <a:fillRect/>
+              </a:stretch>
+            </p:blipFill>
+            <p:spPr>
+              <a:xfrm>
+                <a:off x="9556893" y="1623848"/>
+                <a:ext cx="914400" cy="914400"/>
+              </a:xfrm>
+              <a:prstGeom prst="rect">
+                <a:avLst/>
+              </a:prstGeom>
+            </p:spPr>
+          </p:pic>
+        </p:grpSp>
+        <p:grpSp>
+          <p:nvGrpSpPr>
+            <p:cNvPr id="34" name="Group 33">
+              <a:extLst>
+                <a:ext uri="{FF2B5EF4-FFF2-40B4-BE49-F238E27FC236}">
+                  <a16:creationId xmlns:a16="http://schemas.microsoft.com/office/drawing/2014/main" id="{B5C011FD-1EDE-432F-A3EF-969A5BF4CDF7}"/>
+                </a:ext>
+              </a:extLst>
+            </p:cNvPr>
+            <p:cNvGrpSpPr/>
+            <p:nvPr/>
+          </p:nvGrpSpPr>
+          <p:grpSpPr>
+            <a:xfrm>
+              <a:off x="7417477" y="3236294"/>
+              <a:ext cx="4280536" cy="1512701"/>
+              <a:chOff x="7417477" y="3236294"/>
+              <a:chExt cx="4280536" cy="1512701"/>
+            </a:xfrm>
+          </p:grpSpPr>
+          <p:sp>
+            <p:nvSpPr>
+              <p:cNvPr id="33" name="Left Brace 32">
+                <a:extLst>
+                  <a:ext uri="{FF2B5EF4-FFF2-40B4-BE49-F238E27FC236}">
+                    <a16:creationId xmlns:a16="http://schemas.microsoft.com/office/drawing/2014/main" id="{24C79E4E-13C0-4F60-A38E-37EBDE7F2AA5}"/>
+                  </a:ext>
+                </a:extLst>
+              </p:cNvPr>
+              <p:cNvSpPr/>
+              <p:nvPr/>
+            </p:nvSpPr>
+            <p:spPr>
+              <a:xfrm rot="5400000">
+                <a:off x="9325204" y="2376186"/>
+                <a:ext cx="465082" cy="4280536"/>
+              </a:xfrm>
+              <a:custGeom>
+                <a:avLst/>
+                <a:gdLst>
+                  <a:gd name="connsiteX0" fmla="*/ 465082 w 465082"/>
+                  <a:gd name="connsiteY0" fmla="*/ 4280536 h 4280536"/>
+                  <a:gd name="connsiteX1" fmla="*/ 232541 w 465082"/>
+                  <a:gd name="connsiteY1" fmla="*/ 4241781 h 4280536"/>
+                  <a:gd name="connsiteX2" fmla="*/ 232541 w 465082"/>
+                  <a:gd name="connsiteY2" fmla="*/ 3787974 h 4280536"/>
+                  <a:gd name="connsiteX3" fmla="*/ 232541 w 465082"/>
+                  <a:gd name="connsiteY3" fmla="*/ 3292912 h 4280536"/>
+                  <a:gd name="connsiteX4" fmla="*/ 232541 w 465082"/>
+                  <a:gd name="connsiteY4" fmla="*/ 2777223 h 4280536"/>
+                  <a:gd name="connsiteX5" fmla="*/ 232541 w 465082"/>
+                  <a:gd name="connsiteY5" fmla="*/ 2179023 h 4280536"/>
+                  <a:gd name="connsiteX6" fmla="*/ 0 w 465082"/>
+                  <a:gd name="connsiteY6" fmla="*/ 2140268 h 4280536"/>
+                  <a:gd name="connsiteX7" fmla="*/ 232541 w 465082"/>
+                  <a:gd name="connsiteY7" fmla="*/ 2101513 h 4280536"/>
+                  <a:gd name="connsiteX8" fmla="*/ 232541 w 465082"/>
+                  <a:gd name="connsiteY8" fmla="*/ 1627079 h 4280536"/>
+                  <a:gd name="connsiteX9" fmla="*/ 232541 w 465082"/>
+                  <a:gd name="connsiteY9" fmla="*/ 1173272 h 4280536"/>
+                  <a:gd name="connsiteX10" fmla="*/ 232541 w 465082"/>
+                  <a:gd name="connsiteY10" fmla="*/ 657582 h 4280536"/>
+                  <a:gd name="connsiteX11" fmla="*/ 232541 w 465082"/>
+                  <a:gd name="connsiteY11" fmla="*/ 38755 h 4280536"/>
+                  <a:gd name="connsiteX12" fmla="*/ 465082 w 465082"/>
+                  <a:gd name="connsiteY12" fmla="*/ 0 h 4280536"/>
+                  <a:gd name="connsiteX13" fmla="*/ 465082 w 465082"/>
+                  <a:gd name="connsiteY13" fmla="*/ 492262 h 4280536"/>
+                  <a:gd name="connsiteX14" fmla="*/ 465082 w 465082"/>
+                  <a:gd name="connsiteY14" fmla="*/ 898913 h 4280536"/>
+                  <a:gd name="connsiteX15" fmla="*/ 465082 w 465082"/>
+                  <a:gd name="connsiteY15" fmla="*/ 1433980 h 4280536"/>
+                  <a:gd name="connsiteX16" fmla="*/ 465082 w 465082"/>
+                  <a:gd name="connsiteY16" fmla="*/ 1840630 h 4280536"/>
+                  <a:gd name="connsiteX17" fmla="*/ 465082 w 465082"/>
+                  <a:gd name="connsiteY17" fmla="*/ 2332892 h 4280536"/>
+                  <a:gd name="connsiteX18" fmla="*/ 465082 w 465082"/>
+                  <a:gd name="connsiteY18" fmla="*/ 2825154 h 4280536"/>
+                  <a:gd name="connsiteX19" fmla="*/ 465082 w 465082"/>
+                  <a:gd name="connsiteY19" fmla="*/ 3317415 h 4280536"/>
+                  <a:gd name="connsiteX20" fmla="*/ 465082 w 465082"/>
+                  <a:gd name="connsiteY20" fmla="*/ 3809677 h 4280536"/>
+                  <a:gd name="connsiteX21" fmla="*/ 465082 w 465082"/>
+                  <a:gd name="connsiteY21" fmla="*/ 4280536 h 4280536"/>
+                  <a:gd name="connsiteX0" fmla="*/ 465082 w 465082"/>
+                  <a:gd name="connsiteY0" fmla="*/ 4280536 h 4280536"/>
+                  <a:gd name="connsiteX1" fmla="*/ 232541 w 465082"/>
+                  <a:gd name="connsiteY1" fmla="*/ 4241781 h 4280536"/>
+                  <a:gd name="connsiteX2" fmla="*/ 232541 w 465082"/>
+                  <a:gd name="connsiteY2" fmla="*/ 3684836 h 4280536"/>
+                  <a:gd name="connsiteX3" fmla="*/ 232541 w 465082"/>
+                  <a:gd name="connsiteY3" fmla="*/ 3169147 h 4280536"/>
+                  <a:gd name="connsiteX4" fmla="*/ 232541 w 465082"/>
+                  <a:gd name="connsiteY4" fmla="*/ 2179023 h 4280536"/>
+                  <a:gd name="connsiteX5" fmla="*/ 0 w 465082"/>
+                  <a:gd name="connsiteY5" fmla="*/ 2140268 h 4280536"/>
+                  <a:gd name="connsiteX6" fmla="*/ 232541 w 465082"/>
+                  <a:gd name="connsiteY6" fmla="*/ 2101513 h 4280536"/>
+                  <a:gd name="connsiteX7" fmla="*/ 232541 w 465082"/>
+                  <a:gd name="connsiteY7" fmla="*/ 1606451 h 4280536"/>
+                  <a:gd name="connsiteX8" fmla="*/ 232541 w 465082"/>
+                  <a:gd name="connsiteY8" fmla="*/ 1132017 h 4280536"/>
+                  <a:gd name="connsiteX9" fmla="*/ 232541 w 465082"/>
+                  <a:gd name="connsiteY9" fmla="*/ 616327 h 4280536"/>
+                  <a:gd name="connsiteX10" fmla="*/ 232541 w 465082"/>
+                  <a:gd name="connsiteY10" fmla="*/ 38755 h 4280536"/>
+                  <a:gd name="connsiteX11" fmla="*/ 465082 w 465082"/>
+                  <a:gd name="connsiteY11" fmla="*/ 0 h 4280536"/>
+                </a:gdLst>
+                <a:ahLst/>
+                <a:cxnLst>
+                  <a:cxn ang="0">
+                    <a:pos x="connsiteX0" y="connsiteY0"/>
+                  </a:cxn>
+                  <a:cxn ang="0">
+                    <a:pos x="connsiteX1" y="connsiteY1"/>
+                  </a:cxn>
+                  <a:cxn ang="0">
+                    <a:pos x="connsiteX2" y="connsiteY2"/>
+                  </a:cxn>
+                  <a:cxn ang="0">
+                    <a:pos x="connsiteX3" y="connsiteY3"/>
+                  </a:cxn>
+                  <a:cxn ang="0">
+                    <a:pos x="connsiteX4" y="connsiteY4"/>
+                  </a:cxn>
+                  <a:cxn ang="0">
+                    <a:pos x="connsiteX5" y="connsiteY5"/>
+                  </a:cxn>
+                  <a:cxn ang="0">
+                    <a:pos x="connsiteX6" y="connsiteY6"/>
+                  </a:cxn>
+                  <a:cxn ang="0">
+                    <a:pos x="connsiteX7" y="connsiteY7"/>
+                  </a:cxn>
+                  <a:cxn ang="0">
+                    <a:pos x="connsiteX8" y="connsiteY8"/>
+                  </a:cxn>
+                  <a:cxn ang="0">
+                    <a:pos x="connsiteX9" y="connsiteY9"/>
+                  </a:cxn>
+                  <a:cxn ang="0">
+                    <a:pos x="connsiteX10" y="connsiteY10"/>
+                  </a:cxn>
+                  <a:cxn ang="0">
+                    <a:pos x="connsiteX11" y="connsiteY11"/>
+                  </a:cxn>
+                </a:cxnLst>
+                <a:rect l="l" t="t" r="r" b="b"/>
+                <a:pathLst>
+                  <a:path w="465082" h="4280536" stroke="0" extrusionOk="0">
+                    <a:moveTo>
+                      <a:pt x="465082" y="4280536"/>
+                    </a:moveTo>
+                    <a:cubicBezTo>
+                      <a:pt x="335223" y="4284237"/>
+                      <a:pt x="227765" y="4259930"/>
+                      <a:pt x="232541" y="4241781"/>
+                    </a:cubicBezTo>
+                    <a:cubicBezTo>
+                      <a:pt x="190260" y="4029267"/>
+                      <a:pt x="260076" y="3881336"/>
+                      <a:pt x="232541" y="3787974"/>
+                    </a:cubicBezTo>
+                    <a:cubicBezTo>
+                      <a:pt x="205006" y="3694612"/>
+                      <a:pt x="281945" y="3435671"/>
+                      <a:pt x="232541" y="3292912"/>
+                    </a:cubicBezTo>
+                    <a:cubicBezTo>
+                      <a:pt x="183137" y="3150153"/>
+                      <a:pt x="238495" y="2908050"/>
+                      <a:pt x="232541" y="2777223"/>
+                    </a:cubicBezTo>
+                    <a:cubicBezTo>
+                      <a:pt x="226587" y="2646396"/>
+                      <a:pt x="290263" y="2419326"/>
+                      <a:pt x="232541" y="2179023"/>
+                    </a:cubicBezTo>
+                    <a:cubicBezTo>
+                      <a:pt x="258124" y="2172409"/>
+                      <a:pt x="114969" y="2135015"/>
+                      <a:pt x="0" y="2140268"/>
+                    </a:cubicBezTo>
+                    <a:cubicBezTo>
+                      <a:pt x="129732" y="2141439"/>
+                      <a:pt x="232394" y="2121648"/>
+                      <a:pt x="232541" y="2101513"/>
+                    </a:cubicBezTo>
+                    <a:cubicBezTo>
+                      <a:pt x="215993" y="1940948"/>
+                      <a:pt x="270851" y="1736685"/>
+                      <a:pt x="232541" y="1627079"/>
+                    </a:cubicBezTo>
+                    <a:cubicBezTo>
+                      <a:pt x="194231" y="1517473"/>
+                      <a:pt x="258382" y="1358200"/>
+                      <a:pt x="232541" y="1173272"/>
+                    </a:cubicBezTo>
+                    <a:cubicBezTo>
+                      <a:pt x="206700" y="988344"/>
+                      <a:pt x="274562" y="812651"/>
+                      <a:pt x="232541" y="657582"/>
+                    </a:cubicBezTo>
+                    <a:cubicBezTo>
+                      <a:pt x="190520" y="502513"/>
+                      <a:pt x="235256" y="250313"/>
+                      <a:pt x="232541" y="38755"/>
+                    </a:cubicBezTo>
+                    <a:cubicBezTo>
+                      <a:pt x="236605" y="16533"/>
+                      <a:pt x="335445" y="3280"/>
+                      <a:pt x="465082" y="0"/>
+                    </a:cubicBezTo>
+                    <a:cubicBezTo>
+                      <a:pt x="478669" y="194734"/>
+                      <a:pt x="447294" y="333756"/>
+                      <a:pt x="465082" y="492262"/>
+                    </a:cubicBezTo>
+                    <a:cubicBezTo>
+                      <a:pt x="482870" y="650768"/>
+                      <a:pt x="449940" y="735317"/>
+                      <a:pt x="465082" y="898913"/>
+                    </a:cubicBezTo>
+                    <a:cubicBezTo>
+                      <a:pt x="480224" y="1062509"/>
+                      <a:pt x="405302" y="1291671"/>
+                      <a:pt x="465082" y="1433980"/>
+                    </a:cubicBezTo>
+                    <a:cubicBezTo>
+                      <a:pt x="524862" y="1576289"/>
+                      <a:pt x="423750" y="1662807"/>
+                      <a:pt x="465082" y="1840630"/>
+                    </a:cubicBezTo>
+                    <a:cubicBezTo>
+                      <a:pt x="506414" y="2018453"/>
+                      <a:pt x="450974" y="2180132"/>
+                      <a:pt x="465082" y="2332892"/>
+                    </a:cubicBezTo>
+                    <a:cubicBezTo>
+                      <a:pt x="479190" y="2485652"/>
+                      <a:pt x="435649" y="2665183"/>
+                      <a:pt x="465082" y="2825154"/>
+                    </a:cubicBezTo>
+                    <a:cubicBezTo>
+                      <a:pt x="494515" y="2985125"/>
+                      <a:pt x="428230" y="3189097"/>
+                      <a:pt x="465082" y="3317415"/>
+                    </a:cubicBezTo>
+                    <a:cubicBezTo>
+                      <a:pt x="501934" y="3445733"/>
+                      <a:pt x="406296" y="3635286"/>
+                      <a:pt x="465082" y="3809677"/>
+                    </a:cubicBezTo>
+                    <a:cubicBezTo>
+                      <a:pt x="523868" y="3984068"/>
+                      <a:pt x="422763" y="4056467"/>
+                      <a:pt x="465082" y="4280536"/>
+                    </a:cubicBezTo>
+                    <a:close/>
+                  </a:path>
+                  <a:path w="465082" h="4280536" fill="none" extrusionOk="0">
+                    <a:moveTo>
+                      <a:pt x="465082" y="4280536"/>
+                    </a:moveTo>
+                    <a:cubicBezTo>
+                      <a:pt x="332040" y="4281611"/>
+                      <a:pt x="229558" y="4259216"/>
+                      <a:pt x="232541" y="4241781"/>
+                    </a:cubicBezTo>
+                    <a:cubicBezTo>
+                      <a:pt x="211548" y="3983428"/>
+                      <a:pt x="254475" y="3803978"/>
+                      <a:pt x="232541" y="3684836"/>
+                    </a:cubicBezTo>
+                    <a:cubicBezTo>
+                      <a:pt x="210607" y="3565695"/>
+                      <a:pt x="272316" y="3320004"/>
+                      <a:pt x="232541" y="3169147"/>
+                    </a:cubicBezTo>
+                    <a:cubicBezTo>
+                      <a:pt x="192766" y="3018290"/>
+                      <a:pt x="260144" y="2385389"/>
+                      <a:pt x="232541" y="2179023"/>
+                    </a:cubicBezTo>
+                    <a:cubicBezTo>
+                      <a:pt x="231872" y="2151404"/>
+                      <a:pt x="135330" y="2169195"/>
+                      <a:pt x="0" y="2140268"/>
+                    </a:cubicBezTo>
+                    <a:cubicBezTo>
+                      <a:pt x="132017" y="2138455"/>
+                      <a:pt x="230521" y="2119308"/>
+                      <a:pt x="232541" y="2101513"/>
+                    </a:cubicBezTo>
+                    <a:cubicBezTo>
+                      <a:pt x="207697" y="1981561"/>
+                      <a:pt x="259245" y="1716934"/>
+                      <a:pt x="232541" y="1606451"/>
+                    </a:cubicBezTo>
+                    <a:cubicBezTo>
+                      <a:pt x="205837" y="1495968"/>
+                      <a:pt x="264214" y="1266252"/>
+                      <a:pt x="232541" y="1132017"/>
+                    </a:cubicBezTo>
+                    <a:cubicBezTo>
+                      <a:pt x="200868" y="997782"/>
+                      <a:pt x="252318" y="807078"/>
+                      <a:pt x="232541" y="616327"/>
+                    </a:cubicBezTo>
+                    <a:cubicBezTo>
+                      <a:pt x="212764" y="425576"/>
+                      <a:pt x="280434" y="240029"/>
+                      <a:pt x="232541" y="38755"/>
+                    </a:cubicBezTo>
+                    <a:cubicBezTo>
+                      <a:pt x="235776" y="19235"/>
+                      <a:pt x="343656" y="27566"/>
+                      <a:pt x="465082" y="0"/>
+                    </a:cubicBezTo>
+                  </a:path>
+                </a:pathLst>
+              </a:custGeom>
+              <a:ln w="38100">
+                <a:extLst>
+                  <a:ext uri="{C807C97D-BFC1-408E-A445-0C87EB9F89A2}">
+                    <ask:lineSketchStyleProps xmlns:ask="http://schemas.microsoft.com/office/drawing/2018/sketchyshapes" sd="70388535">
+                      <a:prstGeom prst="leftBrace">
+                        <a:avLst/>
+                      </a:prstGeom>
+                      <ask:type>
+                        <ask:lineSketchScribble/>
+                      </ask:type>
+                    </ask:lineSketchStyleProps>
+                  </a:ext>
+                </a:extLst>
+              </a:ln>
+            </p:spPr>
+            <p:style>
+              <a:lnRef idx="1">
+                <a:schemeClr val="accent1"/>
+              </a:lnRef>
+              <a:fillRef idx="0">
+                <a:schemeClr val="accent1"/>
+              </a:fillRef>
+              <a:effectRef idx="0">
+                <a:schemeClr val="accent1"/>
+              </a:effectRef>
+              <a:fontRef idx="minor">
+                <a:schemeClr val="tx1"/>
+              </a:fontRef>
+            </p:style>
+            <p:txBody>
+              <a:bodyPr rtlCol="0" anchor="ctr"/>
+              <a:lstStyle/>
+              <a:p>
+                <a:pPr algn="ctr"/>
+                <a:endParaRPr lang="en-US"/>
+              </a:p>
+            </p:txBody>
+          </p:sp>
+          <p:sp>
+            <p:nvSpPr>
+              <p:cNvPr id="32" name="Arrow: Right 31">
+                <a:extLst>
+                  <a:ext uri="{FF2B5EF4-FFF2-40B4-BE49-F238E27FC236}">
+                    <a16:creationId xmlns:a16="http://schemas.microsoft.com/office/drawing/2014/main" id="{4CFEE6A3-ADD3-4DEA-A034-5984C81B1116}"/>
+                  </a:ext>
+                </a:extLst>
+              </p:cNvPr>
+              <p:cNvSpPr/>
+              <p:nvPr/>
+            </p:nvSpPr>
+            <p:spPr>
+              <a:xfrm rot="16200000">
+                <a:off x="8925548" y="3830654"/>
+                <a:ext cx="1280160" cy="91440"/>
+              </a:xfrm>
+              <a:custGeom>
+                <a:avLst/>
+                <a:gdLst>
+                  <a:gd name="connsiteX0" fmla="*/ 0 w 1280160"/>
+                  <a:gd name="connsiteY0" fmla="*/ 22860 h 91440"/>
+                  <a:gd name="connsiteX1" fmla="*/ 423824 w 1280160"/>
+                  <a:gd name="connsiteY1" fmla="*/ 22860 h 91440"/>
+                  <a:gd name="connsiteX2" fmla="*/ 810616 w 1280160"/>
+                  <a:gd name="connsiteY2" fmla="*/ 22860 h 91440"/>
+                  <a:gd name="connsiteX3" fmla="*/ 1234440 w 1280160"/>
+                  <a:gd name="connsiteY3" fmla="*/ 22860 h 91440"/>
+                  <a:gd name="connsiteX4" fmla="*/ 1234440 w 1280160"/>
+                  <a:gd name="connsiteY4" fmla="*/ 0 h 91440"/>
+                  <a:gd name="connsiteX5" fmla="*/ 1280160 w 1280160"/>
+                  <a:gd name="connsiteY5" fmla="*/ 45720 h 91440"/>
+                  <a:gd name="connsiteX6" fmla="*/ 1234440 w 1280160"/>
+                  <a:gd name="connsiteY6" fmla="*/ 91440 h 91440"/>
+                  <a:gd name="connsiteX7" fmla="*/ 1234440 w 1280160"/>
+                  <a:gd name="connsiteY7" fmla="*/ 68580 h 91440"/>
+                  <a:gd name="connsiteX8" fmla="*/ 835304 w 1280160"/>
+                  <a:gd name="connsiteY8" fmla="*/ 68580 h 91440"/>
+                  <a:gd name="connsiteX9" fmla="*/ 411480 w 1280160"/>
+                  <a:gd name="connsiteY9" fmla="*/ 68580 h 91440"/>
+                  <a:gd name="connsiteX10" fmla="*/ 0 w 1280160"/>
+                  <a:gd name="connsiteY10" fmla="*/ 68580 h 91440"/>
+                  <a:gd name="connsiteX11" fmla="*/ 0 w 1280160"/>
+                  <a:gd name="connsiteY11" fmla="*/ 22860 h 91440"/>
+                </a:gdLst>
+                <a:ahLst/>
+                <a:cxnLst>
+                  <a:cxn ang="0">
+                    <a:pos x="connsiteX0" y="connsiteY0"/>
+                  </a:cxn>
+                  <a:cxn ang="0">
+                    <a:pos x="connsiteX1" y="connsiteY1"/>
+                  </a:cxn>
+                  <a:cxn ang="0">
+                    <a:pos x="connsiteX2" y="connsiteY2"/>
+                  </a:cxn>
+                  <a:cxn ang="0">
+                    <a:pos x="connsiteX3" y="connsiteY3"/>
+                  </a:cxn>
+                  <a:cxn ang="0">
+                    <a:pos x="connsiteX4" y="connsiteY4"/>
+                  </a:cxn>
+                  <a:cxn ang="0">
+                    <a:pos x="connsiteX5" y="connsiteY5"/>
+                  </a:cxn>
+                  <a:cxn ang="0">
+                    <a:pos x="connsiteX6" y="connsiteY6"/>
+                  </a:cxn>
+                  <a:cxn ang="0">
+                    <a:pos x="connsiteX7" y="connsiteY7"/>
+                  </a:cxn>
+                  <a:cxn ang="0">
+                    <a:pos x="connsiteX8" y="connsiteY8"/>
+                  </a:cxn>
+                  <a:cxn ang="0">
+                    <a:pos x="connsiteX9" y="connsiteY9"/>
+                  </a:cxn>
+                  <a:cxn ang="0">
+                    <a:pos x="connsiteX10" y="connsiteY10"/>
+                  </a:cxn>
+                  <a:cxn ang="0">
+                    <a:pos x="connsiteX11" y="connsiteY11"/>
+                  </a:cxn>
+                </a:cxnLst>
+                <a:rect l="l" t="t" r="r" b="b"/>
+                <a:pathLst>
+                  <a:path w="1280160" h="91440" fill="none" extrusionOk="0">
+                    <a:moveTo>
+                      <a:pt x="0" y="22860"/>
+                    </a:moveTo>
+                    <a:cubicBezTo>
+                      <a:pt x="189433" y="-8435"/>
+                      <a:pt x="323214" y="61962"/>
+                      <a:pt x="423824" y="22860"/>
+                    </a:cubicBezTo>
+                    <a:cubicBezTo>
+                      <a:pt x="524434" y="-16242"/>
+                      <a:pt x="657061" y="39636"/>
+                      <a:pt x="810616" y="22860"/>
+                    </a:cubicBezTo>
+                    <a:cubicBezTo>
+                      <a:pt x="964171" y="6084"/>
+                      <a:pt x="1047127" y="72441"/>
+                      <a:pt x="1234440" y="22860"/>
+                    </a:cubicBezTo>
+                    <a:cubicBezTo>
+                      <a:pt x="1231922" y="18043"/>
+                      <a:pt x="1237092" y="4853"/>
+                      <a:pt x="1234440" y="0"/>
+                    </a:cubicBezTo>
+                    <a:cubicBezTo>
+                      <a:pt x="1248945" y="5982"/>
+                      <a:pt x="1265145" y="37327"/>
+                      <a:pt x="1280160" y="45720"/>
+                    </a:cubicBezTo>
+                    <a:cubicBezTo>
+                      <a:pt x="1263489" y="64556"/>
+                      <a:pt x="1240970" y="76370"/>
+                      <a:pt x="1234440" y="91440"/>
+                    </a:cubicBezTo>
+                    <a:cubicBezTo>
+                      <a:pt x="1231972" y="85315"/>
+                      <a:pt x="1235450" y="76347"/>
+                      <a:pt x="1234440" y="68580"/>
+                    </a:cubicBezTo>
+                    <a:cubicBezTo>
+                      <a:pt x="1146366" y="85071"/>
+                      <a:pt x="967749" y="65985"/>
+                      <a:pt x="835304" y="68580"/>
+                    </a:cubicBezTo>
+                    <a:cubicBezTo>
+                      <a:pt x="702859" y="71175"/>
+                      <a:pt x="576883" y="61756"/>
+                      <a:pt x="411480" y="68580"/>
+                    </a:cubicBezTo>
+                    <a:cubicBezTo>
+                      <a:pt x="246077" y="75404"/>
+                      <a:pt x="149053" y="38457"/>
+                      <a:pt x="0" y="68580"/>
+                    </a:cubicBezTo>
+                    <a:cubicBezTo>
+                      <a:pt x="-1807" y="58495"/>
+                      <a:pt x="3415" y="45172"/>
+                      <a:pt x="0" y="22860"/>
+                    </a:cubicBezTo>
+                    <a:close/>
+                  </a:path>
+                  <a:path w="1280160" h="91440" stroke="0" extrusionOk="0">
+                    <a:moveTo>
+                      <a:pt x="0" y="22860"/>
+                    </a:moveTo>
+                    <a:cubicBezTo>
+                      <a:pt x="94095" y="-669"/>
+                      <a:pt x="247466" y="29917"/>
+                      <a:pt x="374447" y="22860"/>
+                    </a:cubicBezTo>
+                    <a:cubicBezTo>
+                      <a:pt x="501428" y="15803"/>
+                      <a:pt x="596533" y="28849"/>
+                      <a:pt x="785927" y="22860"/>
+                    </a:cubicBezTo>
+                    <a:cubicBezTo>
+                      <a:pt x="975321" y="16871"/>
+                      <a:pt x="1021363" y="34574"/>
+                      <a:pt x="1234440" y="22860"/>
+                    </a:cubicBezTo>
+                    <a:cubicBezTo>
+                      <a:pt x="1233410" y="18238"/>
+                      <a:pt x="1237041" y="8988"/>
+                      <a:pt x="1234440" y="0"/>
+                    </a:cubicBezTo>
+                    <a:cubicBezTo>
+                      <a:pt x="1245116" y="8893"/>
+                      <a:pt x="1260452" y="26784"/>
+                      <a:pt x="1280160" y="45720"/>
+                    </a:cubicBezTo>
+                    <a:cubicBezTo>
+                      <a:pt x="1264610" y="69633"/>
+                      <a:pt x="1248932" y="68380"/>
+                      <a:pt x="1234440" y="91440"/>
+                    </a:cubicBezTo>
+                    <a:cubicBezTo>
+                      <a:pt x="1232749" y="86433"/>
+                      <a:pt x="1236855" y="74792"/>
+                      <a:pt x="1234440" y="68580"/>
+                    </a:cubicBezTo>
+                    <a:cubicBezTo>
+                      <a:pt x="1059826" y="85214"/>
+                      <a:pt x="1006446" y="33727"/>
+                      <a:pt x="798271" y="68580"/>
+                    </a:cubicBezTo>
+                    <a:cubicBezTo>
+                      <a:pt x="590096" y="103433"/>
+                      <a:pt x="555807" y="37752"/>
+                      <a:pt x="386791" y="68580"/>
+                    </a:cubicBezTo>
+                    <a:cubicBezTo>
+                      <a:pt x="217775" y="99408"/>
+                      <a:pt x="143717" y="37225"/>
+                      <a:pt x="0" y="68580"/>
+                    </a:cubicBezTo>
+                    <a:cubicBezTo>
+                      <a:pt x="-3076" y="57483"/>
+                      <a:pt x="204" y="43755"/>
+                      <a:pt x="0" y="22860"/>
+                    </a:cubicBezTo>
+                    <a:close/>
+                  </a:path>
+                </a:pathLst>
+              </a:custGeom>
+              <a:ln>
+                <a:extLst>
+                  <a:ext uri="{C807C97D-BFC1-408E-A445-0C87EB9F89A2}">
+                    <ask:lineSketchStyleProps xmlns:ask="http://schemas.microsoft.com/office/drawing/2018/sketchyshapes" sd="1398590423">
+                      <a:prstGeom prst="rightArrow">
+                        <a:avLst/>
+                      </a:prstGeom>
+                      <ask:type>
+                        <ask:lineSketchScribble/>
+                      </ask:type>
+                    </ask:lineSketchStyleProps>
+                  </a:ext>
+                </a:extLst>
+              </a:ln>
+            </p:spPr>
+            <p:style>
+              <a:lnRef idx="2">
+                <a:schemeClr val="accent1">
+                  <a:shade val="50000"/>
+                </a:schemeClr>
+              </a:lnRef>
+              <a:fillRef idx="1">
+                <a:schemeClr val="accent1"/>
+              </a:fillRef>
+              <a:effectRef idx="0">
+                <a:schemeClr val="accent1"/>
+              </a:effectRef>
+              <a:fontRef idx="minor">
+                <a:schemeClr val="lt1"/>
+              </a:fontRef>
+            </p:style>
+            <p:txBody>
+              <a:bodyPr rtlCol="0" anchor="ctr"/>
+              <a:lstStyle/>
+              <a:p>
+                <a:pPr algn="ctr"/>
+                <a:endParaRPr lang="en-US"/>
+              </a:p>
+            </p:txBody>
+          </p:sp>
+        </p:grpSp>
+      </p:grpSp>
+      <p:sp>
+        <p:nvSpPr>
+          <p:cNvPr id="35" name="Content Placeholder 2">
+            <a:extLst>
+              <a:ext uri="{FF2B5EF4-FFF2-40B4-BE49-F238E27FC236}">
+                <a16:creationId xmlns:a16="http://schemas.microsoft.com/office/drawing/2014/main" id="{BE215A45-6334-41DE-AEF1-C9A27C3908C1}"/>
+              </a:ext>
+            </a:extLst>
+          </p:cNvPr>
           <p:cNvSpPr>
             <a:spLocks noGrp="1"/>
           </p:cNvSpPr>
@@ -4516,19 +5829,34 @@
             <p:ph idx="1"/>
           </p:nvPr>
         </p:nvSpPr>
-        <p:spPr/>
+        <p:spPr>
+          <a:xfrm>
+            <a:off x="1097279" y="1845734"/>
+            <a:ext cx="6107561" cy="4023360"/>
+          </a:xfrm>
+        </p:spPr>
         <p:txBody>
           <a:bodyPr/>
           <a:lstStyle/>
           <a:p>
-            <a:endParaRPr lang="en-US"/>
+            <a:r>
+              <a:rPr lang="en-US" dirty="0"/>
+              <a:t>GitHub is a centralized, online hub for hosting &amp; managing projects using Git</a:t>
+            </a:r>
+          </a:p>
+          <a:p>
+            <a:pPr lvl="1"/>
+            <a:r>
+              <a:rPr lang="en-US" dirty="0"/>
+              <a:t>In a sense, provides a visual representation of what Git does, which enables simpler hosting, collaborating, &amp; sharing</a:t>
+            </a:r>
           </a:p>
         </p:txBody>
       </p:sp>
     </p:spTree>
     <p:extLst>
       <p:ext uri="{BB962C8B-B14F-4D97-AF65-F5344CB8AC3E}">
-        <p14:creationId xmlns:p14="http://schemas.microsoft.com/office/powerpoint/2010/main" val="2411260650"/>
+        <p14:creationId xmlns:p14="http://schemas.microsoft.com/office/powerpoint/2010/main" val="109136638"/>
       </p:ext>
     </p:extLst>
   </p:cSld>
@@ -4576,16 +5904,19 @@
           <a:bodyPr/>
           <a:lstStyle/>
           <a:p>
-            <a:endParaRPr lang="en-US"/>
-          </a:p>
-        </p:txBody>
-      </p:sp>
-      <p:sp>
-        <p:nvSpPr>
-          <p:cNvPr id="3" name="Content Placeholder 2">
+            <a:r>
+              <a:rPr lang="en-US" dirty="0"/>
+              <a:t>Git or GitHub?</a:t>
+            </a:r>
+          </a:p>
+        </p:txBody>
+      </p:sp>
+      <p:sp>
+        <p:nvSpPr>
+          <p:cNvPr id="4" name="Content Placeholder 3">
             <a:extLst>
               <a:ext uri="{FF2B5EF4-FFF2-40B4-BE49-F238E27FC236}">
-                <a16:creationId xmlns:a16="http://schemas.microsoft.com/office/drawing/2014/main" id="{C36822C3-41DF-469F-8956-912A332FA942}"/>
+                <a16:creationId xmlns:a16="http://schemas.microsoft.com/office/drawing/2014/main" id="{33E8E3F2-2529-4C82-B7A2-210232857135}"/>
               </a:ext>
             </a:extLst>
           </p:cNvPr>
@@ -4601,14 +5932,50 @@
           <a:bodyPr/>
           <a:lstStyle/>
           <a:p>
-            <a:endParaRPr lang="en-US"/>
-          </a:p>
-        </p:txBody>
-      </p:sp>
+            <a:endParaRPr lang="en-US" dirty="0"/>
+          </a:p>
+        </p:txBody>
+      </p:sp>
+      <p:pic>
+        <p:nvPicPr>
+          <p:cNvPr id="17" name="Picture 16" descr="Graphical user interface, text, application, email&#10;&#10;Description automatically generated">
+            <a:extLst>
+              <a:ext uri="{FF2B5EF4-FFF2-40B4-BE49-F238E27FC236}">
+                <a16:creationId xmlns:a16="http://schemas.microsoft.com/office/drawing/2014/main" id="{B2911D1C-258B-46E3-B57D-76FD938A3EEA}"/>
+              </a:ext>
+            </a:extLst>
+          </p:cNvPr>
+          <p:cNvPicPr>
+            <a:picLocks noChangeAspect="1"/>
+          </p:cNvPicPr>
+          <p:nvPr/>
+        </p:nvPicPr>
+        <p:blipFill>
+          <a:blip r:embed="rId2">
+            <a:extLst>
+              <a:ext uri="{28A0092B-C50C-407E-A947-70E740481C1C}">
+                <a14:useLocalDpi xmlns:a14="http://schemas.microsoft.com/office/drawing/2010/main" val="0"/>
+              </a:ext>
+            </a:extLst>
+          </a:blip>
+          <a:stretch>
+            <a:fillRect/>
+          </a:stretch>
+        </p:blipFill>
+        <p:spPr>
+          <a:xfrm>
+            <a:off x="127701" y="545109"/>
+            <a:ext cx="11932919" cy="5625611"/>
+          </a:xfrm>
+          <a:prstGeom prst="rect">
+            <a:avLst/>
+          </a:prstGeom>
+        </p:spPr>
+      </p:pic>
     </p:spTree>
     <p:extLst>
       <p:ext uri="{BB962C8B-B14F-4D97-AF65-F5344CB8AC3E}">
-        <p14:creationId xmlns:p14="http://schemas.microsoft.com/office/powerpoint/2010/main" val="1735832946"/>
+        <p14:creationId xmlns:p14="http://schemas.microsoft.com/office/powerpoint/2010/main" val="2246122900"/>
       </p:ext>
     </p:extLst>
   </p:cSld>
@@ -4656,7 +6023,10 @@
           <a:bodyPr/>
           <a:lstStyle/>
           <a:p>
-            <a:endParaRPr lang="en-US"/>
+            <a:r>
+              <a:rPr lang="en-US" dirty="0"/>
+              <a:t>Setting up Git/Hub</a:t>
+            </a:r>
           </a:p>
         </p:txBody>
       </p:sp>
@@ -4688,7 +6058,87 @@
     </p:spTree>
     <p:extLst>
       <p:ext uri="{BB962C8B-B14F-4D97-AF65-F5344CB8AC3E}">
-        <p14:creationId xmlns:p14="http://schemas.microsoft.com/office/powerpoint/2010/main" val="3310373015"/>
+        <p14:creationId xmlns:p14="http://schemas.microsoft.com/office/powerpoint/2010/main" val="2411260650"/>
+      </p:ext>
+    </p:extLst>
+  </p:cSld>
+  <p:clrMapOvr>
+    <a:masterClrMapping/>
+  </p:clrMapOvr>
+</p:sld>
+</file>
+
+<file path=ppt/slides/slide9.xml><?xml version="1.0" encoding="utf-8"?>
+<p:sld xmlns:a="http://schemas.openxmlformats.org/drawingml/2006/main" xmlns:r="http://schemas.openxmlformats.org/officeDocument/2006/relationships" xmlns:p="http://schemas.openxmlformats.org/presentationml/2006/main">
+  <p:cSld>
+    <p:spTree>
+      <p:nvGrpSpPr>
+        <p:cNvPr id="1" name=""/>
+        <p:cNvGrpSpPr/>
+        <p:nvPr/>
+      </p:nvGrpSpPr>
+      <p:grpSpPr>
+        <a:xfrm>
+          <a:off x="0" y="0"/>
+          <a:ext cx="0" cy="0"/>
+          <a:chOff x="0" y="0"/>
+          <a:chExt cx="0" cy="0"/>
+        </a:xfrm>
+      </p:grpSpPr>
+      <p:sp>
+        <p:nvSpPr>
+          <p:cNvPr id="2" name="Title 1">
+            <a:extLst>
+              <a:ext uri="{FF2B5EF4-FFF2-40B4-BE49-F238E27FC236}">
+                <a16:creationId xmlns:a16="http://schemas.microsoft.com/office/drawing/2014/main" id="{4DF178C7-120D-4AE8-B26F-BFA3959D9798}"/>
+              </a:ext>
+            </a:extLst>
+          </p:cNvPr>
+          <p:cNvSpPr>
+            <a:spLocks noGrp="1"/>
+          </p:cNvSpPr>
+          <p:nvPr>
+            <p:ph type="title"/>
+          </p:nvPr>
+        </p:nvSpPr>
+        <p:spPr/>
+        <p:txBody>
+          <a:bodyPr/>
+          <a:lstStyle/>
+          <a:p>
+            <a:endParaRPr lang="en-US"/>
+          </a:p>
+        </p:txBody>
+      </p:sp>
+      <p:sp>
+        <p:nvSpPr>
+          <p:cNvPr id="3" name="Content Placeholder 2">
+            <a:extLst>
+              <a:ext uri="{FF2B5EF4-FFF2-40B4-BE49-F238E27FC236}">
+                <a16:creationId xmlns:a16="http://schemas.microsoft.com/office/drawing/2014/main" id="{C36822C3-41DF-469F-8956-912A332FA942}"/>
+              </a:ext>
+            </a:extLst>
+          </p:cNvPr>
+          <p:cNvSpPr>
+            <a:spLocks noGrp="1"/>
+          </p:cNvSpPr>
+          <p:nvPr>
+            <p:ph idx="1"/>
+          </p:nvPr>
+        </p:nvSpPr>
+        <p:spPr/>
+        <p:txBody>
+          <a:bodyPr/>
+          <a:lstStyle/>
+          <a:p>
+            <a:endParaRPr lang="en-US"/>
+          </a:p>
+        </p:txBody>
+      </p:sp>
+    </p:spTree>
+    <p:extLst>
+      <p:ext uri="{BB962C8B-B14F-4D97-AF65-F5344CB8AC3E}">
+        <p14:creationId xmlns:p14="http://schemas.microsoft.com/office/powerpoint/2010/main" val="1735832946"/>
       </p:ext>
     </p:extLst>
   </p:cSld>
@@ -4701,7 +6151,7 @@
 <file path=ppt/theme/theme1.xml><?xml version="1.0" encoding="utf-8"?>
 <a:theme xmlns:a="http://schemas.openxmlformats.org/drawingml/2006/main" name="Retrospect">
   <a:themeElements>
-    <a:clrScheme name="Retrospect">
+    <a:clrScheme name="Custom 1">
       <a:dk1>
         <a:sysClr val="windowText" lastClr="000000"/>
       </a:dk1>
@@ -4733,7 +6183,7 @@
         <a:srgbClr val="855D5D"/>
       </a:accent6>
       <a:hlink>
-        <a:srgbClr val="CC9900"/>
+        <a:srgbClr val="0070C0"/>
       </a:hlink>
       <a:folHlink>
         <a:srgbClr val="96A9A9"/>

--- a/Working/2_VersionControl/2_VersionControl.pptx
+++ b/Working/2_VersionControl/2_VersionControl.pptx
@@ -4,6 +4,9 @@
   <p:sldMasterIdLst>
     <p:sldMasterId id="2147483672" r:id="rId1"/>
   </p:sldMasterIdLst>
+  <p:notesMasterIdLst>
+    <p:notesMasterId r:id="rId18"/>
+  </p:notesMasterIdLst>
   <p:sldIdLst>
     <p:sldId id="256" r:id="rId2"/>
     <p:sldId id="258" r:id="rId3"/>
@@ -13,8 +16,14 @@
     <p:sldId id="261" r:id="rId7"/>
     <p:sldId id="267" r:id="rId8"/>
     <p:sldId id="262" r:id="rId9"/>
-    <p:sldId id="263" r:id="rId10"/>
-    <p:sldId id="264" r:id="rId11"/>
+    <p:sldId id="268" r:id="rId10"/>
+    <p:sldId id="269" r:id="rId11"/>
+    <p:sldId id="270" r:id="rId12"/>
+    <p:sldId id="272" r:id="rId13"/>
+    <p:sldId id="273" r:id="rId14"/>
+    <p:sldId id="263" r:id="rId15"/>
+    <p:sldId id="274" r:id="rId16"/>
+    <p:sldId id="264" r:id="rId17"/>
   </p:sldIdLst>
   <p:sldSz cx="12192000" cy="6858000"/>
   <p:notesSz cx="6858000" cy="9144000"/>
@@ -138,11 +147,17 @@
         <p14:section name="Setup" id="{92AEE623-99BD-4217-A0F8-0D2FB3C2A157}">
           <p14:sldIdLst>
             <p14:sldId id="262"/>
+            <p14:sldId id="268"/>
+            <p14:sldId id="269"/>
+            <p14:sldId id="270"/>
+            <p14:sldId id="272"/>
+            <p14:sldId id="273"/>
           </p14:sldIdLst>
         </p14:section>
         <p14:section name="Using Git" id="{4CE33AB5-18DC-4501-91A7-F291107D1018}">
           <p14:sldIdLst>
             <p14:sldId id="263"/>
+            <p14:sldId id="274"/>
           </p14:sldIdLst>
         </p14:section>
         <p14:section name="Collaboration" id="{72AFF26A-9BA0-422A-B9C0-556DE85F6220}">
@@ -157,6 +172,526 @@
     </p:ext>
   </p:extLst>
 </p:presentation>
+</file>
+
+<file path=ppt/notesMasters/notesMaster1.xml><?xml version="1.0" encoding="utf-8"?>
+<p:notesMaster xmlns:a="http://schemas.openxmlformats.org/drawingml/2006/main" xmlns:r="http://schemas.openxmlformats.org/officeDocument/2006/relationships" xmlns:p="http://schemas.openxmlformats.org/presentationml/2006/main">
+  <p:cSld>
+    <p:bg>
+      <p:bgRef idx="1001">
+        <a:schemeClr val="bg1"/>
+      </p:bgRef>
+    </p:bg>
+    <p:spTree>
+      <p:nvGrpSpPr>
+        <p:cNvPr id="1" name=""/>
+        <p:cNvGrpSpPr/>
+        <p:nvPr/>
+      </p:nvGrpSpPr>
+      <p:grpSpPr>
+        <a:xfrm>
+          <a:off x="0" y="0"/>
+          <a:ext cx="0" cy="0"/>
+          <a:chOff x="0" y="0"/>
+          <a:chExt cx="0" cy="0"/>
+        </a:xfrm>
+      </p:grpSpPr>
+      <p:sp>
+        <p:nvSpPr>
+          <p:cNvPr id="2" name="Header Placeholder 1"/>
+          <p:cNvSpPr>
+            <a:spLocks noGrp="1"/>
+          </p:cNvSpPr>
+          <p:nvPr>
+            <p:ph type="hdr" sz="quarter"/>
+          </p:nvPr>
+        </p:nvSpPr>
+        <p:spPr>
+          <a:xfrm>
+            <a:off x="0" y="0"/>
+            <a:ext cx="2971800" cy="458788"/>
+          </a:xfrm>
+          <a:prstGeom prst="rect">
+            <a:avLst/>
+          </a:prstGeom>
+        </p:spPr>
+        <p:txBody>
+          <a:bodyPr vert="horz" lIns="91440" tIns="45720" rIns="91440" bIns="45720" rtlCol="0"/>
+          <a:lstStyle>
+            <a:lvl1pPr algn="l">
+              <a:defRPr sz="1200"/>
+            </a:lvl1pPr>
+          </a:lstStyle>
+          <a:p>
+            <a:endParaRPr lang="en-US"/>
+          </a:p>
+        </p:txBody>
+      </p:sp>
+      <p:sp>
+        <p:nvSpPr>
+          <p:cNvPr id="3" name="Date Placeholder 2"/>
+          <p:cNvSpPr>
+            <a:spLocks noGrp="1"/>
+          </p:cNvSpPr>
+          <p:nvPr>
+            <p:ph type="dt" idx="1"/>
+          </p:nvPr>
+        </p:nvSpPr>
+        <p:spPr>
+          <a:xfrm>
+            <a:off x="3884613" y="0"/>
+            <a:ext cx="2971800" cy="458788"/>
+          </a:xfrm>
+          <a:prstGeom prst="rect">
+            <a:avLst/>
+          </a:prstGeom>
+        </p:spPr>
+        <p:txBody>
+          <a:bodyPr vert="horz" lIns="91440" tIns="45720" rIns="91440" bIns="45720" rtlCol="0"/>
+          <a:lstStyle>
+            <a:lvl1pPr algn="r">
+              <a:defRPr sz="1200"/>
+            </a:lvl1pPr>
+          </a:lstStyle>
+          <a:p>
+            <a:fld id="{DB44C3B0-F801-4B77-ADD8-7CCF27B470A8}" type="datetimeFigureOut">
+              <a:rPr lang="en-US" smtClean="0"/>
+              <a:t>1/29/2022</a:t>
+            </a:fld>
+            <a:endParaRPr lang="en-US"/>
+          </a:p>
+        </p:txBody>
+      </p:sp>
+      <p:sp>
+        <p:nvSpPr>
+          <p:cNvPr id="4" name="Slide Image Placeholder 3"/>
+          <p:cNvSpPr>
+            <a:spLocks noGrp="1" noRot="1" noChangeAspect="1"/>
+          </p:cNvSpPr>
+          <p:nvPr>
+            <p:ph type="sldImg" idx="2"/>
+          </p:nvPr>
+        </p:nvSpPr>
+        <p:spPr>
+          <a:xfrm>
+            <a:off x="685800" y="1143000"/>
+            <a:ext cx="5486400" cy="3086100"/>
+          </a:xfrm>
+          <a:prstGeom prst="rect">
+            <a:avLst/>
+          </a:prstGeom>
+          <a:noFill/>
+          <a:ln w="12700">
+            <a:solidFill>
+              <a:prstClr val="black"/>
+            </a:solidFill>
+          </a:ln>
+        </p:spPr>
+        <p:txBody>
+          <a:bodyPr vert="horz" lIns="91440" tIns="45720" rIns="91440" bIns="45720" rtlCol="0" anchor="ctr"/>
+          <a:lstStyle/>
+          <a:p>
+            <a:endParaRPr lang="en-US"/>
+          </a:p>
+        </p:txBody>
+      </p:sp>
+      <p:sp>
+        <p:nvSpPr>
+          <p:cNvPr id="5" name="Notes Placeholder 4"/>
+          <p:cNvSpPr>
+            <a:spLocks noGrp="1"/>
+          </p:cNvSpPr>
+          <p:nvPr>
+            <p:ph type="body" sz="quarter" idx="3"/>
+          </p:nvPr>
+        </p:nvSpPr>
+        <p:spPr>
+          <a:xfrm>
+            <a:off x="685800" y="4400550"/>
+            <a:ext cx="5486400" cy="3600450"/>
+          </a:xfrm>
+          <a:prstGeom prst="rect">
+            <a:avLst/>
+          </a:prstGeom>
+        </p:spPr>
+        <p:txBody>
+          <a:bodyPr vert="horz" lIns="91440" tIns="45720" rIns="91440" bIns="45720" rtlCol="0"/>
+          <a:lstStyle/>
+          <a:p>
+            <a:pPr lvl="0"/>
+            <a:r>
+              <a:rPr lang="en-US"/>
+              <a:t>Click to edit Master text styles</a:t>
+            </a:r>
+          </a:p>
+          <a:p>
+            <a:pPr lvl="1"/>
+            <a:r>
+              <a:rPr lang="en-US"/>
+              <a:t>Second level</a:t>
+            </a:r>
+          </a:p>
+          <a:p>
+            <a:pPr lvl="2"/>
+            <a:r>
+              <a:rPr lang="en-US"/>
+              <a:t>Third level</a:t>
+            </a:r>
+          </a:p>
+          <a:p>
+            <a:pPr lvl="3"/>
+            <a:r>
+              <a:rPr lang="en-US"/>
+              <a:t>Fourth level</a:t>
+            </a:r>
+          </a:p>
+          <a:p>
+            <a:pPr lvl="4"/>
+            <a:r>
+              <a:rPr lang="en-US"/>
+              <a:t>Fifth level</a:t>
+            </a:r>
+          </a:p>
+        </p:txBody>
+      </p:sp>
+      <p:sp>
+        <p:nvSpPr>
+          <p:cNvPr id="6" name="Footer Placeholder 5"/>
+          <p:cNvSpPr>
+            <a:spLocks noGrp="1"/>
+          </p:cNvSpPr>
+          <p:nvPr>
+            <p:ph type="ftr" sz="quarter" idx="4"/>
+          </p:nvPr>
+        </p:nvSpPr>
+        <p:spPr>
+          <a:xfrm>
+            <a:off x="0" y="8685213"/>
+            <a:ext cx="2971800" cy="458787"/>
+          </a:xfrm>
+          <a:prstGeom prst="rect">
+            <a:avLst/>
+          </a:prstGeom>
+        </p:spPr>
+        <p:txBody>
+          <a:bodyPr vert="horz" lIns="91440" tIns="45720" rIns="91440" bIns="45720" rtlCol="0" anchor="b"/>
+          <a:lstStyle>
+            <a:lvl1pPr algn="l">
+              <a:defRPr sz="1200"/>
+            </a:lvl1pPr>
+          </a:lstStyle>
+          <a:p>
+            <a:endParaRPr lang="en-US"/>
+          </a:p>
+        </p:txBody>
+      </p:sp>
+      <p:sp>
+        <p:nvSpPr>
+          <p:cNvPr id="7" name="Slide Number Placeholder 6"/>
+          <p:cNvSpPr>
+            <a:spLocks noGrp="1"/>
+          </p:cNvSpPr>
+          <p:nvPr>
+            <p:ph type="sldNum" sz="quarter" idx="5"/>
+          </p:nvPr>
+        </p:nvSpPr>
+        <p:spPr>
+          <a:xfrm>
+            <a:off x="3884613" y="8685213"/>
+            <a:ext cx="2971800" cy="458787"/>
+          </a:xfrm>
+          <a:prstGeom prst="rect">
+            <a:avLst/>
+          </a:prstGeom>
+        </p:spPr>
+        <p:txBody>
+          <a:bodyPr vert="horz" lIns="91440" tIns="45720" rIns="91440" bIns="45720" rtlCol="0" anchor="b"/>
+          <a:lstStyle>
+            <a:lvl1pPr algn="r">
+              <a:defRPr sz="1200"/>
+            </a:lvl1pPr>
+          </a:lstStyle>
+          <a:p>
+            <a:fld id="{850BCB3C-34B7-4811-8687-6EA5C8C7A053}" type="slidenum">
+              <a:rPr lang="en-US" smtClean="0"/>
+              <a:t>‹#›</a:t>
+            </a:fld>
+            <a:endParaRPr lang="en-US"/>
+          </a:p>
+        </p:txBody>
+      </p:sp>
+    </p:spTree>
+    <p:extLst>
+      <p:ext uri="{BB962C8B-B14F-4D97-AF65-F5344CB8AC3E}">
+        <p14:creationId xmlns:p14="http://schemas.microsoft.com/office/powerpoint/2010/main" val="1832630080"/>
+      </p:ext>
+    </p:extLst>
+  </p:cSld>
+  <p:clrMap bg1="lt1" tx1="dk1" bg2="lt2" tx2="dk2" accent1="accent1" accent2="accent2" accent3="accent3" accent4="accent4" accent5="accent5" accent6="accent6" hlink="hlink" folHlink="folHlink"/>
+  <p:notesStyle>
+    <a:lvl1pPr marL="0" algn="l" defTabSz="914400" rtl="0" eaLnBrk="1" latinLnBrk="0" hangingPunct="1">
+      <a:defRPr sz="1200" kern="1200">
+        <a:solidFill>
+          <a:schemeClr val="tx1"/>
+        </a:solidFill>
+        <a:latin typeface="+mn-lt"/>
+        <a:ea typeface="+mn-ea"/>
+        <a:cs typeface="+mn-cs"/>
+      </a:defRPr>
+    </a:lvl1pPr>
+    <a:lvl2pPr marL="457200" algn="l" defTabSz="914400" rtl="0" eaLnBrk="1" latinLnBrk="0" hangingPunct="1">
+      <a:defRPr sz="1200" kern="1200">
+        <a:solidFill>
+          <a:schemeClr val="tx1"/>
+        </a:solidFill>
+        <a:latin typeface="+mn-lt"/>
+        <a:ea typeface="+mn-ea"/>
+        <a:cs typeface="+mn-cs"/>
+      </a:defRPr>
+    </a:lvl2pPr>
+    <a:lvl3pPr marL="914400" algn="l" defTabSz="914400" rtl="0" eaLnBrk="1" latinLnBrk="0" hangingPunct="1">
+      <a:defRPr sz="1200" kern="1200">
+        <a:solidFill>
+          <a:schemeClr val="tx1"/>
+        </a:solidFill>
+        <a:latin typeface="+mn-lt"/>
+        <a:ea typeface="+mn-ea"/>
+        <a:cs typeface="+mn-cs"/>
+      </a:defRPr>
+    </a:lvl3pPr>
+    <a:lvl4pPr marL="1371600" algn="l" defTabSz="914400" rtl="0" eaLnBrk="1" latinLnBrk="0" hangingPunct="1">
+      <a:defRPr sz="1200" kern="1200">
+        <a:solidFill>
+          <a:schemeClr val="tx1"/>
+        </a:solidFill>
+        <a:latin typeface="+mn-lt"/>
+        <a:ea typeface="+mn-ea"/>
+        <a:cs typeface="+mn-cs"/>
+      </a:defRPr>
+    </a:lvl4pPr>
+    <a:lvl5pPr marL="1828800" algn="l" defTabSz="914400" rtl="0" eaLnBrk="1" latinLnBrk="0" hangingPunct="1">
+      <a:defRPr sz="1200" kern="1200">
+        <a:solidFill>
+          <a:schemeClr val="tx1"/>
+        </a:solidFill>
+        <a:latin typeface="+mn-lt"/>
+        <a:ea typeface="+mn-ea"/>
+        <a:cs typeface="+mn-cs"/>
+      </a:defRPr>
+    </a:lvl5pPr>
+    <a:lvl6pPr marL="2286000" algn="l" defTabSz="914400" rtl="0" eaLnBrk="1" latinLnBrk="0" hangingPunct="1">
+      <a:defRPr sz="1200" kern="1200">
+        <a:solidFill>
+          <a:schemeClr val="tx1"/>
+        </a:solidFill>
+        <a:latin typeface="+mn-lt"/>
+        <a:ea typeface="+mn-ea"/>
+        <a:cs typeface="+mn-cs"/>
+      </a:defRPr>
+    </a:lvl6pPr>
+    <a:lvl7pPr marL="2743200" algn="l" defTabSz="914400" rtl="0" eaLnBrk="1" latinLnBrk="0" hangingPunct="1">
+      <a:defRPr sz="1200" kern="1200">
+        <a:solidFill>
+          <a:schemeClr val="tx1"/>
+        </a:solidFill>
+        <a:latin typeface="+mn-lt"/>
+        <a:ea typeface="+mn-ea"/>
+        <a:cs typeface="+mn-cs"/>
+      </a:defRPr>
+    </a:lvl7pPr>
+    <a:lvl8pPr marL="3200400" algn="l" defTabSz="914400" rtl="0" eaLnBrk="1" latinLnBrk="0" hangingPunct="1">
+      <a:defRPr sz="1200" kern="1200">
+        <a:solidFill>
+          <a:schemeClr val="tx1"/>
+        </a:solidFill>
+        <a:latin typeface="+mn-lt"/>
+        <a:ea typeface="+mn-ea"/>
+        <a:cs typeface="+mn-cs"/>
+      </a:defRPr>
+    </a:lvl8pPr>
+    <a:lvl9pPr marL="3657600" algn="l" defTabSz="914400" rtl="0" eaLnBrk="1" latinLnBrk="0" hangingPunct="1">
+      <a:defRPr sz="1200" kern="1200">
+        <a:solidFill>
+          <a:schemeClr val="tx1"/>
+        </a:solidFill>
+        <a:latin typeface="+mn-lt"/>
+        <a:ea typeface="+mn-ea"/>
+        <a:cs typeface="+mn-cs"/>
+      </a:defRPr>
+    </a:lvl9pPr>
+  </p:notesStyle>
+</p:notesMaster>
+</file>
+
+<file path=ppt/notesSlides/notesSlide1.xml><?xml version="1.0" encoding="utf-8"?>
+<p:notes xmlns:a="http://schemas.openxmlformats.org/drawingml/2006/main" xmlns:r="http://schemas.openxmlformats.org/officeDocument/2006/relationships" xmlns:p="http://schemas.openxmlformats.org/presentationml/2006/main">
+  <p:cSld>
+    <p:spTree>
+      <p:nvGrpSpPr>
+        <p:cNvPr id="1" name=""/>
+        <p:cNvGrpSpPr/>
+        <p:nvPr/>
+      </p:nvGrpSpPr>
+      <p:grpSpPr>
+        <a:xfrm>
+          <a:off x="0" y="0"/>
+          <a:ext cx="0" cy="0"/>
+          <a:chOff x="0" y="0"/>
+          <a:chExt cx="0" cy="0"/>
+        </a:xfrm>
+      </p:grpSpPr>
+      <p:sp>
+        <p:nvSpPr>
+          <p:cNvPr id="2" name="Slide Image Placeholder 1"/>
+          <p:cNvSpPr>
+            <a:spLocks noGrp="1" noRot="1" noChangeAspect="1"/>
+          </p:cNvSpPr>
+          <p:nvPr>
+            <p:ph type="sldImg"/>
+          </p:nvPr>
+        </p:nvSpPr>
+        <p:spPr/>
+      </p:sp>
+      <p:sp>
+        <p:nvSpPr>
+          <p:cNvPr id="3" name="Notes Placeholder 2"/>
+          <p:cNvSpPr>
+            <a:spLocks noGrp="1"/>
+          </p:cNvSpPr>
+          <p:nvPr>
+            <p:ph type="body" idx="1"/>
+          </p:nvPr>
+        </p:nvSpPr>
+        <p:spPr/>
+        <p:txBody>
+          <a:bodyPr/>
+          <a:lstStyle/>
+          <a:p>
+            <a:r>
+              <a:rPr lang="en-US" dirty="0"/>
+              <a:t>Do a live demo of the workflow using a dummy file.</a:t>
+            </a:r>
+          </a:p>
+        </p:txBody>
+      </p:sp>
+      <p:sp>
+        <p:nvSpPr>
+          <p:cNvPr id="4" name="Slide Number Placeholder 3"/>
+          <p:cNvSpPr>
+            <a:spLocks noGrp="1"/>
+          </p:cNvSpPr>
+          <p:nvPr>
+            <p:ph type="sldNum" sz="quarter" idx="5"/>
+          </p:nvPr>
+        </p:nvSpPr>
+        <p:spPr/>
+        <p:txBody>
+          <a:bodyPr/>
+          <a:lstStyle/>
+          <a:p>
+            <a:fld id="{850BCB3C-34B7-4811-8687-6EA5C8C7A053}" type="slidenum">
+              <a:rPr lang="en-US" smtClean="0"/>
+              <a:t>14</a:t>
+            </a:fld>
+            <a:endParaRPr lang="en-US"/>
+          </a:p>
+        </p:txBody>
+      </p:sp>
+    </p:spTree>
+    <p:extLst>
+      <p:ext uri="{BB962C8B-B14F-4D97-AF65-F5344CB8AC3E}">
+        <p14:creationId xmlns:p14="http://schemas.microsoft.com/office/powerpoint/2010/main" val="3922658608"/>
+      </p:ext>
+    </p:extLst>
+  </p:cSld>
+  <p:clrMapOvr>
+    <a:masterClrMapping/>
+  </p:clrMapOvr>
+</p:notes>
+</file>
+
+<file path=ppt/notesSlides/notesSlide2.xml><?xml version="1.0" encoding="utf-8"?>
+<p:notes xmlns:a="http://schemas.openxmlformats.org/drawingml/2006/main" xmlns:r="http://schemas.openxmlformats.org/officeDocument/2006/relationships" xmlns:p="http://schemas.openxmlformats.org/presentationml/2006/main">
+  <p:cSld>
+    <p:spTree>
+      <p:nvGrpSpPr>
+        <p:cNvPr id="1" name=""/>
+        <p:cNvGrpSpPr/>
+        <p:nvPr/>
+      </p:nvGrpSpPr>
+      <p:grpSpPr>
+        <a:xfrm>
+          <a:off x="0" y="0"/>
+          <a:ext cx="0" cy="0"/>
+          <a:chOff x="0" y="0"/>
+          <a:chExt cx="0" cy="0"/>
+        </a:xfrm>
+      </p:grpSpPr>
+      <p:sp>
+        <p:nvSpPr>
+          <p:cNvPr id="2" name="Slide Image Placeholder 1"/>
+          <p:cNvSpPr>
+            <a:spLocks noGrp="1" noRot="1" noChangeAspect="1"/>
+          </p:cNvSpPr>
+          <p:nvPr>
+            <p:ph type="sldImg"/>
+          </p:nvPr>
+        </p:nvSpPr>
+        <p:spPr/>
+      </p:sp>
+      <p:sp>
+        <p:nvSpPr>
+          <p:cNvPr id="3" name="Notes Placeholder 2"/>
+          <p:cNvSpPr>
+            <a:spLocks noGrp="1"/>
+          </p:cNvSpPr>
+          <p:nvPr>
+            <p:ph type="body" idx="1"/>
+          </p:nvPr>
+        </p:nvSpPr>
+        <p:spPr/>
+        <p:txBody>
+          <a:bodyPr/>
+          <a:lstStyle/>
+          <a:p>
+            <a:endParaRPr lang="en-US" dirty="0"/>
+          </a:p>
+        </p:txBody>
+      </p:sp>
+      <p:sp>
+        <p:nvSpPr>
+          <p:cNvPr id="4" name="Slide Number Placeholder 3"/>
+          <p:cNvSpPr>
+            <a:spLocks noGrp="1"/>
+          </p:cNvSpPr>
+          <p:nvPr>
+            <p:ph type="sldNum" sz="quarter" idx="5"/>
+          </p:nvPr>
+        </p:nvSpPr>
+        <p:spPr/>
+        <p:txBody>
+          <a:bodyPr/>
+          <a:lstStyle/>
+          <a:p>
+            <a:fld id="{850BCB3C-34B7-4811-8687-6EA5C8C7A053}" type="slidenum">
+              <a:rPr lang="en-US" smtClean="0"/>
+              <a:t>15</a:t>
+            </a:fld>
+            <a:endParaRPr lang="en-US"/>
+          </a:p>
+        </p:txBody>
+      </p:sp>
+    </p:spTree>
+    <p:extLst>
+      <p:ext uri="{BB962C8B-B14F-4D97-AF65-F5344CB8AC3E}">
+        <p14:creationId xmlns:p14="http://schemas.microsoft.com/office/powerpoint/2010/main" val="2105981036"/>
+      </p:ext>
+    </p:extLst>
+  </p:cSld>
+  <p:clrMapOvr>
+    <a:masterClrMapping/>
+  </p:clrMapOvr>
+</p:notes>
 </file>
 
 <file path=ppt/slideLayouts/slideLayout1.xml><?xml version="1.0" encoding="utf-8"?>
@@ -385,7 +920,7 @@
           <a:p>
             <a:fld id="{44E25285-474A-4959-9C7C-12EEF81F7AF9}" type="datetimeFigureOut">
               <a:rPr lang="en-US" smtClean="0"/>
-              <a:t>1/27/2022</a:t>
+              <a:t>1/29/2022</a:t>
             </a:fld>
             <a:endParaRPr lang="en-US"/>
           </a:p>
@@ -593,7 +1128,7 @@
           <a:p>
             <a:fld id="{44E25285-474A-4959-9C7C-12EEF81F7AF9}" type="datetimeFigureOut">
               <a:rPr lang="en-US" smtClean="0"/>
-              <a:t>1/27/2022</a:t>
+              <a:t>1/29/2022</a:t>
             </a:fld>
             <a:endParaRPr lang="en-US"/>
           </a:p>
@@ -849,7 +1384,7 @@
           <a:p>
             <a:fld id="{44E25285-474A-4959-9C7C-12EEF81F7AF9}" type="datetimeFigureOut">
               <a:rPr lang="en-US" smtClean="0"/>
-              <a:t>1/27/2022</a:t>
+              <a:t>1/29/2022</a:t>
             </a:fld>
             <a:endParaRPr lang="en-US"/>
           </a:p>
@@ -1019,7 +1554,7 @@
           <a:p>
             <a:fld id="{44E25285-474A-4959-9C7C-12EEF81F7AF9}" type="datetimeFigureOut">
               <a:rPr lang="en-US" smtClean="0"/>
-              <a:t>1/27/2022</a:t>
+              <a:t>1/29/2022</a:t>
             </a:fld>
             <a:endParaRPr lang="en-US"/>
           </a:p>
@@ -1362,7 +1897,7 @@
           <a:p>
             <a:fld id="{44E25285-474A-4959-9C7C-12EEF81F7AF9}" type="datetimeFigureOut">
               <a:rPr lang="en-US" smtClean="0"/>
-              <a:t>1/27/2022</a:t>
+              <a:t>1/29/2022</a:t>
             </a:fld>
             <a:endParaRPr lang="en-US"/>
           </a:p>
@@ -1637,7 +2172,7 @@
           <a:p>
             <a:fld id="{44E25285-474A-4959-9C7C-12EEF81F7AF9}" type="datetimeFigureOut">
               <a:rPr lang="en-US" smtClean="0"/>
-              <a:t>1/27/2022</a:t>
+              <a:t>1/29/2022</a:t>
             </a:fld>
             <a:endParaRPr lang="en-US"/>
           </a:p>
@@ -2016,7 +2551,7 @@
           <a:p>
             <a:fld id="{44E25285-474A-4959-9C7C-12EEF81F7AF9}" type="datetimeFigureOut">
               <a:rPr lang="en-US" smtClean="0"/>
-              <a:t>1/27/2022</a:t>
+              <a:t>1/29/2022</a:t>
             </a:fld>
             <a:endParaRPr lang="en-US"/>
           </a:p>
@@ -2134,7 +2669,7 @@
           <a:p>
             <a:fld id="{44E25285-474A-4959-9C7C-12EEF81F7AF9}" type="datetimeFigureOut">
               <a:rPr lang="en-US" smtClean="0"/>
-              <a:t>1/27/2022</a:t>
+              <a:t>1/29/2022</a:t>
             </a:fld>
             <a:endParaRPr lang="en-US"/>
           </a:p>
@@ -2305,7 +2840,7 @@
           <a:p>
             <a:fld id="{44E25285-474A-4959-9C7C-12EEF81F7AF9}" type="datetimeFigureOut">
               <a:rPr lang="en-US" smtClean="0"/>
-              <a:t>1/27/2022</a:t>
+              <a:t>1/29/2022</a:t>
             </a:fld>
             <a:endParaRPr lang="en-US"/>
           </a:p>
@@ -2659,7 +3194,7 @@
           <a:p>
             <a:fld id="{44E25285-474A-4959-9C7C-12EEF81F7AF9}" type="datetimeFigureOut">
               <a:rPr lang="en-US" smtClean="0"/>
-              <a:t>1/27/2022</a:t>
+              <a:t>1/29/2022</a:t>
             </a:fld>
             <a:endParaRPr lang="en-US"/>
           </a:p>
@@ -3036,7 +3571,7 @@
           <a:p>
             <a:fld id="{44E25285-474A-4959-9C7C-12EEF81F7AF9}" type="datetimeFigureOut">
               <a:rPr lang="en-US" smtClean="0"/>
-              <a:t>1/27/2022</a:t>
+              <a:t>1/29/2022</a:t>
             </a:fld>
             <a:endParaRPr lang="en-US"/>
           </a:p>
@@ -3323,7 +3858,7 @@
           <a:p>
             <a:fld id="{44E25285-474A-4959-9C7C-12EEF81F7AF9}" type="datetimeFigureOut">
               <a:rPr lang="en-US" smtClean="0"/>
-              <a:t>1/27/2022</a:t>
+              <a:t>1/29/2022</a:t>
             </a:fld>
             <a:endParaRPr lang="en-US"/>
           </a:p>
@@ -3933,6 +4468,2052 @@
           <a:chExt cx="0" cy="0"/>
         </a:xfrm>
       </p:grpSpPr>
+      <p:pic>
+        <p:nvPicPr>
+          <p:cNvPr id="9" name="Content Placeholder 8">
+            <a:extLst>
+              <a:ext uri="{FF2B5EF4-FFF2-40B4-BE49-F238E27FC236}">
+                <a16:creationId xmlns:a16="http://schemas.microsoft.com/office/drawing/2014/main" id="{043DFF0A-D743-4CE8-8848-130B34D78407}"/>
+              </a:ext>
+            </a:extLst>
+          </p:cNvPr>
+          <p:cNvPicPr>
+            <a:picLocks noGrp="1" noChangeAspect="1"/>
+          </p:cNvPicPr>
+          <p:nvPr>
+            <p:ph idx="1"/>
+          </p:nvPr>
+        </p:nvPicPr>
+        <p:blipFill>
+          <a:blip r:embed="rId2">
+            <a:extLst>
+              <a:ext uri="{28A0092B-C50C-407E-A947-70E740481C1C}">
+                <a14:useLocalDpi xmlns:a14="http://schemas.microsoft.com/office/drawing/2010/main" val="0"/>
+              </a:ext>
+            </a:extLst>
+          </a:blip>
+          <a:srcRect/>
+          <a:stretch/>
+        </p:blipFill>
+        <p:spPr>
+          <a:xfrm>
+            <a:off x="1719832" y="212043"/>
+            <a:ext cx="8752335" cy="5912860"/>
+          </a:xfrm>
+        </p:spPr>
+      </p:pic>
+      <p:grpSp>
+        <p:nvGrpSpPr>
+          <p:cNvPr id="21" name="Group 20">
+            <a:extLst>
+              <a:ext uri="{FF2B5EF4-FFF2-40B4-BE49-F238E27FC236}">
+                <a16:creationId xmlns:a16="http://schemas.microsoft.com/office/drawing/2014/main" id="{5D8138A4-1C28-420B-9BCE-1DB486D27856}"/>
+              </a:ext>
+            </a:extLst>
+          </p:cNvPr>
+          <p:cNvGrpSpPr/>
+          <p:nvPr/>
+        </p:nvGrpSpPr>
+        <p:grpSpPr>
+          <a:xfrm>
+            <a:off x="6700345" y="4316443"/>
+            <a:ext cx="5491655" cy="1871522"/>
+            <a:chOff x="6110961" y="-188809"/>
+            <a:chExt cx="5491655" cy="1871522"/>
+          </a:xfrm>
+        </p:grpSpPr>
+        <p:sp>
+          <p:nvSpPr>
+            <p:cNvPr id="22" name="Rectangle: Rounded Corners 21">
+              <a:extLst>
+                <a:ext uri="{FF2B5EF4-FFF2-40B4-BE49-F238E27FC236}">
+                  <a16:creationId xmlns:a16="http://schemas.microsoft.com/office/drawing/2014/main" id="{F5E2D74A-3CAA-4A91-9E28-9E16A26226A7}"/>
+                </a:ext>
+              </a:extLst>
+            </p:cNvPr>
+            <p:cNvSpPr/>
+            <p:nvPr/>
+          </p:nvSpPr>
+          <p:spPr>
+            <a:xfrm>
+              <a:off x="6110961" y="705250"/>
+              <a:ext cx="3886200" cy="977463"/>
+            </a:xfrm>
+            <a:custGeom>
+              <a:avLst/>
+              <a:gdLst>
+                <a:gd name="connsiteX0" fmla="*/ 0 w 3886200"/>
+                <a:gd name="connsiteY0" fmla="*/ 162914 h 977463"/>
+                <a:gd name="connsiteX1" fmla="*/ 162914 w 3886200"/>
+                <a:gd name="connsiteY1" fmla="*/ 0 h 977463"/>
+                <a:gd name="connsiteX2" fmla="*/ 791913 w 3886200"/>
+                <a:gd name="connsiteY2" fmla="*/ 0 h 977463"/>
+                <a:gd name="connsiteX3" fmla="*/ 1420912 w 3886200"/>
+                <a:gd name="connsiteY3" fmla="*/ 0 h 977463"/>
+                <a:gd name="connsiteX4" fmla="*/ 1943100 w 3886200"/>
+                <a:gd name="connsiteY4" fmla="*/ 0 h 977463"/>
+                <a:gd name="connsiteX5" fmla="*/ 2429684 w 3886200"/>
+                <a:gd name="connsiteY5" fmla="*/ 0 h 977463"/>
+                <a:gd name="connsiteX6" fmla="*/ 2987476 w 3886200"/>
+                <a:gd name="connsiteY6" fmla="*/ 0 h 977463"/>
+                <a:gd name="connsiteX7" fmla="*/ 3723286 w 3886200"/>
+                <a:gd name="connsiteY7" fmla="*/ 0 h 977463"/>
+                <a:gd name="connsiteX8" fmla="*/ 3886200 w 3886200"/>
+                <a:gd name="connsiteY8" fmla="*/ 162914 h 977463"/>
+                <a:gd name="connsiteX9" fmla="*/ 3886200 w 3886200"/>
+                <a:gd name="connsiteY9" fmla="*/ 501764 h 977463"/>
+                <a:gd name="connsiteX10" fmla="*/ 3886200 w 3886200"/>
+                <a:gd name="connsiteY10" fmla="*/ 814549 h 977463"/>
+                <a:gd name="connsiteX11" fmla="*/ 3723286 w 3886200"/>
+                <a:gd name="connsiteY11" fmla="*/ 977463 h 977463"/>
+                <a:gd name="connsiteX12" fmla="*/ 3129891 w 3886200"/>
+                <a:gd name="connsiteY12" fmla="*/ 977463 h 977463"/>
+                <a:gd name="connsiteX13" fmla="*/ 2500892 w 3886200"/>
+                <a:gd name="connsiteY13" fmla="*/ 977463 h 977463"/>
+                <a:gd name="connsiteX14" fmla="*/ 1907496 w 3886200"/>
+                <a:gd name="connsiteY14" fmla="*/ 977463 h 977463"/>
+                <a:gd name="connsiteX15" fmla="*/ 1314101 w 3886200"/>
+                <a:gd name="connsiteY15" fmla="*/ 977463 h 977463"/>
+                <a:gd name="connsiteX16" fmla="*/ 791913 w 3886200"/>
+                <a:gd name="connsiteY16" fmla="*/ 977463 h 977463"/>
+                <a:gd name="connsiteX17" fmla="*/ 162914 w 3886200"/>
+                <a:gd name="connsiteY17" fmla="*/ 977463 h 977463"/>
+                <a:gd name="connsiteX18" fmla="*/ 0 w 3886200"/>
+                <a:gd name="connsiteY18" fmla="*/ 814549 h 977463"/>
+                <a:gd name="connsiteX19" fmla="*/ 0 w 3886200"/>
+                <a:gd name="connsiteY19" fmla="*/ 495248 h 977463"/>
+                <a:gd name="connsiteX20" fmla="*/ 0 w 3886200"/>
+                <a:gd name="connsiteY20" fmla="*/ 162914 h 977463"/>
+              </a:gdLst>
+              <a:ahLst/>
+              <a:cxnLst>
+                <a:cxn ang="0">
+                  <a:pos x="connsiteX0" y="connsiteY0"/>
+                </a:cxn>
+                <a:cxn ang="0">
+                  <a:pos x="connsiteX1" y="connsiteY1"/>
+                </a:cxn>
+                <a:cxn ang="0">
+                  <a:pos x="connsiteX2" y="connsiteY2"/>
+                </a:cxn>
+                <a:cxn ang="0">
+                  <a:pos x="connsiteX3" y="connsiteY3"/>
+                </a:cxn>
+                <a:cxn ang="0">
+                  <a:pos x="connsiteX4" y="connsiteY4"/>
+                </a:cxn>
+                <a:cxn ang="0">
+                  <a:pos x="connsiteX5" y="connsiteY5"/>
+                </a:cxn>
+                <a:cxn ang="0">
+                  <a:pos x="connsiteX6" y="connsiteY6"/>
+                </a:cxn>
+                <a:cxn ang="0">
+                  <a:pos x="connsiteX7" y="connsiteY7"/>
+                </a:cxn>
+                <a:cxn ang="0">
+                  <a:pos x="connsiteX8" y="connsiteY8"/>
+                </a:cxn>
+                <a:cxn ang="0">
+                  <a:pos x="connsiteX9" y="connsiteY9"/>
+                </a:cxn>
+                <a:cxn ang="0">
+                  <a:pos x="connsiteX10" y="connsiteY10"/>
+                </a:cxn>
+                <a:cxn ang="0">
+                  <a:pos x="connsiteX11" y="connsiteY11"/>
+                </a:cxn>
+                <a:cxn ang="0">
+                  <a:pos x="connsiteX12" y="connsiteY12"/>
+                </a:cxn>
+                <a:cxn ang="0">
+                  <a:pos x="connsiteX13" y="connsiteY13"/>
+                </a:cxn>
+                <a:cxn ang="0">
+                  <a:pos x="connsiteX14" y="connsiteY14"/>
+                </a:cxn>
+                <a:cxn ang="0">
+                  <a:pos x="connsiteX15" y="connsiteY15"/>
+                </a:cxn>
+                <a:cxn ang="0">
+                  <a:pos x="connsiteX16" y="connsiteY16"/>
+                </a:cxn>
+                <a:cxn ang="0">
+                  <a:pos x="connsiteX17" y="connsiteY17"/>
+                </a:cxn>
+                <a:cxn ang="0">
+                  <a:pos x="connsiteX18" y="connsiteY18"/>
+                </a:cxn>
+                <a:cxn ang="0">
+                  <a:pos x="connsiteX19" y="connsiteY19"/>
+                </a:cxn>
+                <a:cxn ang="0">
+                  <a:pos x="connsiteX20" y="connsiteY20"/>
+                </a:cxn>
+              </a:cxnLst>
+              <a:rect l="l" t="t" r="r" b="b"/>
+              <a:pathLst>
+                <a:path w="3886200" h="977463" extrusionOk="0">
+                  <a:moveTo>
+                    <a:pt x="0" y="162914"/>
+                  </a:moveTo>
+                  <a:cubicBezTo>
+                    <a:pt x="-12580" y="54498"/>
+                    <a:pt x="76678" y="-15049"/>
+                    <a:pt x="162914" y="0"/>
+                  </a:cubicBezTo>
+                  <a:cubicBezTo>
+                    <a:pt x="295525" y="-32687"/>
+                    <a:pt x="536834" y="28484"/>
+                    <a:pt x="791913" y="0"/>
+                  </a:cubicBezTo>
+                  <a:cubicBezTo>
+                    <a:pt x="1046992" y="-28484"/>
+                    <a:pt x="1178656" y="6405"/>
+                    <a:pt x="1420912" y="0"/>
+                  </a:cubicBezTo>
+                  <a:cubicBezTo>
+                    <a:pt x="1663168" y="-6405"/>
+                    <a:pt x="1756467" y="44166"/>
+                    <a:pt x="1943100" y="0"/>
+                  </a:cubicBezTo>
+                  <a:cubicBezTo>
+                    <a:pt x="2129733" y="-44166"/>
+                    <a:pt x="2250586" y="51741"/>
+                    <a:pt x="2429684" y="0"/>
+                  </a:cubicBezTo>
+                  <a:cubicBezTo>
+                    <a:pt x="2608782" y="-51741"/>
+                    <a:pt x="2826774" y="13477"/>
+                    <a:pt x="2987476" y="0"/>
+                  </a:cubicBezTo>
+                  <a:cubicBezTo>
+                    <a:pt x="3148178" y="-13477"/>
+                    <a:pt x="3553623" y="21716"/>
+                    <a:pt x="3723286" y="0"/>
+                  </a:cubicBezTo>
+                  <a:cubicBezTo>
+                    <a:pt x="3814023" y="-3359"/>
+                    <a:pt x="3877228" y="82840"/>
+                    <a:pt x="3886200" y="162914"/>
+                  </a:cubicBezTo>
+                  <a:cubicBezTo>
+                    <a:pt x="3898537" y="304080"/>
+                    <a:pt x="3862403" y="357699"/>
+                    <a:pt x="3886200" y="501764"/>
+                  </a:cubicBezTo>
+                  <a:cubicBezTo>
+                    <a:pt x="3909997" y="645829"/>
+                    <a:pt x="3885279" y="724465"/>
+                    <a:pt x="3886200" y="814549"/>
+                  </a:cubicBezTo>
+                  <a:cubicBezTo>
+                    <a:pt x="3893189" y="899779"/>
+                    <a:pt x="3811862" y="983643"/>
+                    <a:pt x="3723286" y="977463"/>
+                  </a:cubicBezTo>
+                  <a:cubicBezTo>
+                    <a:pt x="3600932" y="1000950"/>
+                    <a:pt x="3299306" y="926011"/>
+                    <a:pt x="3129891" y="977463"/>
+                  </a:cubicBezTo>
+                  <a:cubicBezTo>
+                    <a:pt x="2960477" y="1028915"/>
+                    <a:pt x="2679289" y="946561"/>
+                    <a:pt x="2500892" y="977463"/>
+                  </a:cubicBezTo>
+                  <a:cubicBezTo>
+                    <a:pt x="2322495" y="1008365"/>
+                    <a:pt x="2078232" y="966186"/>
+                    <a:pt x="1907496" y="977463"/>
+                  </a:cubicBezTo>
+                  <a:cubicBezTo>
+                    <a:pt x="1736760" y="988740"/>
+                    <a:pt x="1511925" y="955336"/>
+                    <a:pt x="1314101" y="977463"/>
+                  </a:cubicBezTo>
+                  <a:cubicBezTo>
+                    <a:pt x="1116278" y="999590"/>
+                    <a:pt x="1014985" y="945448"/>
+                    <a:pt x="791913" y="977463"/>
+                  </a:cubicBezTo>
+                  <a:cubicBezTo>
+                    <a:pt x="568841" y="1009478"/>
+                    <a:pt x="352979" y="971761"/>
+                    <a:pt x="162914" y="977463"/>
+                  </a:cubicBezTo>
+                  <a:cubicBezTo>
+                    <a:pt x="62000" y="973176"/>
+                    <a:pt x="8943" y="898053"/>
+                    <a:pt x="0" y="814549"/>
+                  </a:cubicBezTo>
+                  <a:cubicBezTo>
+                    <a:pt x="-31386" y="734001"/>
+                    <a:pt x="27253" y="582167"/>
+                    <a:pt x="0" y="495248"/>
+                  </a:cubicBezTo>
+                  <a:cubicBezTo>
+                    <a:pt x="-27253" y="408329"/>
+                    <a:pt x="11663" y="259090"/>
+                    <a:pt x="0" y="162914"/>
+                  </a:cubicBezTo>
+                  <a:close/>
+                </a:path>
+              </a:pathLst>
+            </a:custGeom>
+            <a:noFill/>
+            <a:ln w="38100">
+              <a:extLst>
+                <a:ext uri="{C807C97D-BFC1-408E-A445-0C87EB9F89A2}">
+                  <ask:lineSketchStyleProps xmlns:ask="http://schemas.microsoft.com/office/drawing/2018/sketchyshapes" sd="590317558">
+                    <a:prstGeom prst="roundRect">
+                      <a:avLst/>
+                    </a:prstGeom>
+                    <ask:type>
+                      <ask:lineSketchScribble/>
+                    </ask:type>
+                  </ask:lineSketchStyleProps>
+                </a:ext>
+              </a:extLst>
+            </a:ln>
+          </p:spPr>
+          <p:style>
+            <a:lnRef idx="2">
+              <a:schemeClr val="accent1">
+                <a:shade val="50000"/>
+              </a:schemeClr>
+            </a:lnRef>
+            <a:fillRef idx="1">
+              <a:schemeClr val="accent1"/>
+            </a:fillRef>
+            <a:effectRef idx="0">
+              <a:schemeClr val="accent1"/>
+            </a:effectRef>
+            <a:fontRef idx="minor">
+              <a:schemeClr val="lt1"/>
+            </a:fontRef>
+          </p:style>
+          <p:txBody>
+            <a:bodyPr rtlCol="0" anchor="ctr"/>
+            <a:lstStyle/>
+            <a:p>
+              <a:pPr algn="ctr"/>
+              <a:endParaRPr lang="en-US"/>
+            </a:p>
+          </p:txBody>
+        </p:sp>
+        <p:sp>
+          <p:nvSpPr>
+            <p:cNvPr id="23" name="TextBox 22">
+              <a:extLst>
+                <a:ext uri="{FF2B5EF4-FFF2-40B4-BE49-F238E27FC236}">
+                  <a16:creationId xmlns:a16="http://schemas.microsoft.com/office/drawing/2014/main" id="{97EDF7E4-BC7A-455F-BDEE-5147D4AA9364}"/>
+                </a:ext>
+              </a:extLst>
+            </p:cNvPr>
+            <p:cNvSpPr txBox="1"/>
+            <p:nvPr/>
+          </p:nvSpPr>
+          <p:spPr>
+            <a:xfrm>
+              <a:off x="9647971" y="-188809"/>
+              <a:ext cx="1954645" cy="830997"/>
+            </a:xfrm>
+            <a:prstGeom prst="rect">
+              <a:avLst/>
+            </a:prstGeom>
+            <a:noFill/>
+          </p:spPr>
+          <p:txBody>
+            <a:bodyPr wrap="square" rtlCol="0">
+              <a:spAutoFit/>
+            </a:bodyPr>
+            <a:lstStyle/>
+            <a:p>
+              <a:r>
+                <a:rPr lang="en-US" sz="1600" b="1" dirty="0">
+                  <a:solidFill>
+                    <a:schemeClr val="accent2"/>
+                  </a:solidFill>
+                </a:rPr>
+                <a:t>Go to Settings --&gt; Collaborators &amp; add me as a Collaborator</a:t>
+              </a:r>
+            </a:p>
+          </p:txBody>
+        </p:sp>
+      </p:grpSp>
+    </p:spTree>
+    <p:extLst>
+      <p:ext uri="{BB962C8B-B14F-4D97-AF65-F5344CB8AC3E}">
+        <p14:creationId xmlns:p14="http://schemas.microsoft.com/office/powerpoint/2010/main" val="1368300798"/>
+      </p:ext>
+    </p:extLst>
+  </p:cSld>
+  <p:clrMapOvr>
+    <a:masterClrMapping/>
+  </p:clrMapOvr>
+</p:sld>
+</file>
+
+<file path=ppt/slides/slide11.xml><?xml version="1.0" encoding="utf-8"?>
+<p:sld xmlns:a="http://schemas.openxmlformats.org/drawingml/2006/main" xmlns:r="http://schemas.openxmlformats.org/officeDocument/2006/relationships" xmlns:p="http://schemas.openxmlformats.org/presentationml/2006/main">
+  <p:cSld>
+    <p:spTree>
+      <p:nvGrpSpPr>
+        <p:cNvPr id="1" name=""/>
+        <p:cNvGrpSpPr/>
+        <p:nvPr/>
+      </p:nvGrpSpPr>
+      <p:grpSpPr>
+        <a:xfrm>
+          <a:off x="0" y="0"/>
+          <a:ext cx="0" cy="0"/>
+          <a:chOff x="0" y="0"/>
+          <a:chExt cx="0" cy="0"/>
+        </a:xfrm>
+      </p:grpSpPr>
+      <p:sp>
+        <p:nvSpPr>
+          <p:cNvPr id="2" name="Title 1">
+            <a:extLst>
+              <a:ext uri="{FF2B5EF4-FFF2-40B4-BE49-F238E27FC236}">
+                <a16:creationId xmlns:a16="http://schemas.microsoft.com/office/drawing/2014/main" id="{4DF178C7-120D-4AE8-B26F-BFA3959D9798}"/>
+              </a:ext>
+            </a:extLst>
+          </p:cNvPr>
+          <p:cNvSpPr>
+            <a:spLocks noGrp="1"/>
+          </p:cNvSpPr>
+          <p:nvPr>
+            <p:ph type="title"/>
+          </p:nvPr>
+        </p:nvSpPr>
+        <p:spPr/>
+        <p:txBody>
+          <a:bodyPr/>
+          <a:lstStyle/>
+          <a:p>
+            <a:r>
+              <a:rPr lang="en-US" dirty="0"/>
+              <a:t>Setting up Git/Hub</a:t>
+            </a:r>
+          </a:p>
+        </p:txBody>
+      </p:sp>
+      <p:sp>
+        <p:nvSpPr>
+          <p:cNvPr id="3" name="Content Placeholder 2">
+            <a:extLst>
+              <a:ext uri="{FF2B5EF4-FFF2-40B4-BE49-F238E27FC236}">
+                <a16:creationId xmlns:a16="http://schemas.microsoft.com/office/drawing/2014/main" id="{C36822C3-41DF-469F-8956-912A332FA942}"/>
+              </a:ext>
+            </a:extLst>
+          </p:cNvPr>
+          <p:cNvSpPr>
+            <a:spLocks noGrp="1"/>
+          </p:cNvSpPr>
+          <p:nvPr>
+            <p:ph idx="1"/>
+          </p:nvPr>
+        </p:nvSpPr>
+        <p:spPr>
+          <a:xfrm>
+            <a:off x="1097280" y="1845734"/>
+            <a:ext cx="6430754" cy="4023360"/>
+          </a:xfrm>
+        </p:spPr>
+        <p:txBody>
+          <a:bodyPr>
+            <a:normAutofit/>
+          </a:bodyPr>
+          <a:lstStyle/>
+          <a:p>
+            <a:r>
+              <a:rPr lang="en-US" dirty="0"/>
+              <a:t>Navigate to your Git bash… A few important commands are needed!</a:t>
+            </a:r>
+          </a:p>
+          <a:p>
+            <a:pPr lvl="1"/>
+            <a:r>
+              <a:rPr lang="en-US" b="1" dirty="0"/>
+              <a:t>ls</a:t>
+            </a:r>
+            <a:r>
+              <a:rPr lang="en-US" dirty="0"/>
+              <a:t> – List what’s in your current working directory (“CWD”)</a:t>
+            </a:r>
+          </a:p>
+          <a:p>
+            <a:pPr lvl="1"/>
+            <a:r>
+              <a:rPr lang="en-US" b="1" dirty="0"/>
+              <a:t>cd</a:t>
+            </a:r>
+            <a:r>
+              <a:rPr lang="en-US" dirty="0"/>
+              <a:t> &lt;</a:t>
+            </a:r>
+            <a:r>
+              <a:rPr lang="en-US" dirty="0" err="1"/>
+              <a:t>filepath</a:t>
+            </a:r>
+            <a:r>
+              <a:rPr lang="en-US" dirty="0"/>
+              <a:t>&gt; – Change CWD to that specified by </a:t>
+            </a:r>
+            <a:r>
+              <a:rPr lang="en-US" dirty="0" err="1"/>
+              <a:t>filepath</a:t>
+            </a:r>
+            <a:endParaRPr lang="en-US" dirty="0"/>
+          </a:p>
+          <a:p>
+            <a:pPr lvl="1"/>
+            <a:r>
+              <a:rPr lang="en-US" b="1" dirty="0" err="1"/>
+              <a:t>mkdir</a:t>
+            </a:r>
+            <a:r>
+              <a:rPr lang="en-US" dirty="0"/>
+              <a:t> &lt;</a:t>
+            </a:r>
+            <a:r>
+              <a:rPr lang="en-US" dirty="0" err="1"/>
+              <a:t>newdirectory</a:t>
+            </a:r>
+            <a:r>
+              <a:rPr lang="en-US" dirty="0"/>
+              <a:t>&gt; – Make new directory (folder) in CWD</a:t>
+            </a:r>
+          </a:p>
+          <a:p>
+            <a:pPr lvl="1"/>
+            <a:r>
+              <a:rPr lang="en-US" dirty="0" err="1"/>
+              <a:t>pwd</a:t>
+            </a:r>
+            <a:r>
+              <a:rPr lang="en-US" dirty="0"/>
+              <a:t> – Print path to CWD</a:t>
+            </a:r>
+          </a:p>
+          <a:p>
+            <a:pPr lvl="1"/>
+            <a:r>
+              <a:rPr lang="en-US" dirty="0"/>
+              <a:t>mv &lt;filename&gt; &lt;</a:t>
+            </a:r>
+            <a:r>
+              <a:rPr lang="en-US" dirty="0" err="1"/>
+              <a:t>newfilepath</a:t>
+            </a:r>
+            <a:r>
+              <a:rPr lang="en-US" dirty="0"/>
+              <a:t>&gt; – Move file in CWD to new location</a:t>
+            </a:r>
+          </a:p>
+          <a:p>
+            <a:pPr lvl="1"/>
+            <a:r>
+              <a:rPr lang="en-US" dirty="0"/>
+              <a:t>cp &lt;filename&gt; &lt;</a:t>
+            </a:r>
+            <a:r>
+              <a:rPr lang="en-US" dirty="0" err="1"/>
+              <a:t>newfilepath</a:t>
+            </a:r>
+            <a:r>
+              <a:rPr lang="en-US" dirty="0"/>
+              <a:t>&gt; – Copy file in CWD to new location</a:t>
+            </a:r>
+          </a:p>
+          <a:p>
+            <a:pPr lvl="1"/>
+            <a:r>
+              <a:rPr lang="en-US" dirty="0"/>
+              <a:t>cat &lt;filename&gt; – Print out file contents in bash</a:t>
+            </a:r>
+          </a:p>
+          <a:p>
+            <a:pPr lvl="1"/>
+            <a:r>
+              <a:rPr lang="en-US" dirty="0"/>
+              <a:t>touch &lt;filename&gt; – Create empty file w/ file name in CWD</a:t>
+            </a:r>
+          </a:p>
+          <a:p>
+            <a:r>
+              <a:rPr lang="en-US" dirty="0"/>
+              <a:t>You can </a:t>
+            </a:r>
+            <a:r>
+              <a:rPr lang="en-US" dirty="0">
+                <a:hlinkClick r:id="rId2"/>
+              </a:rPr>
+              <a:t>find more commands here</a:t>
+            </a:r>
+            <a:endParaRPr lang="en-US" dirty="0"/>
+          </a:p>
+        </p:txBody>
+      </p:sp>
+      <p:sp>
+        <p:nvSpPr>
+          <p:cNvPr id="9" name="TextBox 8">
+            <a:extLst>
+              <a:ext uri="{FF2B5EF4-FFF2-40B4-BE49-F238E27FC236}">
+                <a16:creationId xmlns:a16="http://schemas.microsoft.com/office/drawing/2014/main" id="{7B44DBC5-3FC0-4E95-9F26-4341CAB09720}"/>
+              </a:ext>
+            </a:extLst>
+          </p:cNvPr>
+          <p:cNvSpPr txBox="1"/>
+          <p:nvPr/>
+        </p:nvSpPr>
+        <p:spPr>
+          <a:xfrm>
+            <a:off x="6096001" y="5995570"/>
+            <a:ext cx="6096000" cy="338554"/>
+          </a:xfrm>
+          <a:prstGeom prst="rect">
+            <a:avLst/>
+          </a:prstGeom>
+          <a:noFill/>
+        </p:spPr>
+        <p:txBody>
+          <a:bodyPr wrap="square" rtlCol="0">
+            <a:spAutoFit/>
+          </a:bodyPr>
+          <a:lstStyle/>
+          <a:p>
+            <a:pPr algn="r"/>
+            <a:r>
+              <a:rPr lang="en-US" sz="1600" b="1" dirty="0">
+                <a:solidFill>
+                  <a:schemeClr val="accent2"/>
+                </a:solidFill>
+              </a:rPr>
+              <a:t>Note: In this course, angle brackets (&lt;&gt;) indicate user input required</a:t>
+            </a:r>
+          </a:p>
+        </p:txBody>
+      </p:sp>
+      <p:pic>
+        <p:nvPicPr>
+          <p:cNvPr id="10" name="Picture 9" descr="Text&#10;&#10;Description automatically generated">
+            <a:extLst>
+              <a:ext uri="{FF2B5EF4-FFF2-40B4-BE49-F238E27FC236}">
+                <a16:creationId xmlns:a16="http://schemas.microsoft.com/office/drawing/2014/main" id="{7FED14D5-5B48-4EC6-8B9B-0D3426F7BD44}"/>
+              </a:ext>
+            </a:extLst>
+          </p:cNvPr>
+          <p:cNvPicPr>
+            <a:picLocks noChangeAspect="1"/>
+          </p:cNvPicPr>
+          <p:nvPr/>
+        </p:nvPicPr>
+        <p:blipFill>
+          <a:blip r:embed="rId3">
+            <a:extLst>
+              <a:ext uri="{28A0092B-C50C-407E-A947-70E740481C1C}">
+                <a14:useLocalDpi xmlns:a14="http://schemas.microsoft.com/office/drawing/2010/main" val="0"/>
+              </a:ext>
+            </a:extLst>
+          </a:blip>
+          <a:stretch>
+            <a:fillRect/>
+          </a:stretch>
+        </p:blipFill>
+        <p:spPr>
+          <a:xfrm>
+            <a:off x="7528034" y="2326600"/>
+            <a:ext cx="4663966" cy="2686568"/>
+          </a:xfrm>
+          <a:prstGeom prst="rect">
+            <a:avLst/>
+          </a:prstGeom>
+        </p:spPr>
+      </p:pic>
+    </p:spTree>
+    <p:extLst>
+      <p:ext uri="{BB962C8B-B14F-4D97-AF65-F5344CB8AC3E}">
+        <p14:creationId xmlns:p14="http://schemas.microsoft.com/office/powerpoint/2010/main" val="4276666534"/>
+      </p:ext>
+    </p:extLst>
+  </p:cSld>
+  <p:clrMapOvr>
+    <a:masterClrMapping/>
+  </p:clrMapOvr>
+</p:sld>
+</file>
+
+<file path=ppt/slides/slide12.xml><?xml version="1.0" encoding="utf-8"?>
+<p:sld xmlns:a="http://schemas.openxmlformats.org/drawingml/2006/main" xmlns:r="http://schemas.openxmlformats.org/officeDocument/2006/relationships" xmlns:p="http://schemas.openxmlformats.org/presentationml/2006/main">
+  <p:cSld>
+    <p:spTree>
+      <p:nvGrpSpPr>
+        <p:cNvPr id="1" name=""/>
+        <p:cNvGrpSpPr/>
+        <p:nvPr/>
+      </p:nvGrpSpPr>
+      <p:grpSpPr>
+        <a:xfrm>
+          <a:off x="0" y="0"/>
+          <a:ext cx="0" cy="0"/>
+          <a:chOff x="0" y="0"/>
+          <a:chExt cx="0" cy="0"/>
+        </a:xfrm>
+      </p:grpSpPr>
+      <p:sp>
+        <p:nvSpPr>
+          <p:cNvPr id="2" name="Title 1">
+            <a:extLst>
+              <a:ext uri="{FF2B5EF4-FFF2-40B4-BE49-F238E27FC236}">
+                <a16:creationId xmlns:a16="http://schemas.microsoft.com/office/drawing/2014/main" id="{133ED518-B1EC-47A9-B303-173D70E95CE8}"/>
+              </a:ext>
+            </a:extLst>
+          </p:cNvPr>
+          <p:cNvSpPr>
+            <a:spLocks noGrp="1"/>
+          </p:cNvSpPr>
+          <p:nvPr>
+            <p:ph type="title"/>
+          </p:nvPr>
+        </p:nvSpPr>
+        <p:spPr/>
+        <p:txBody>
+          <a:bodyPr/>
+          <a:lstStyle/>
+          <a:p>
+            <a:r>
+              <a:rPr lang="en-US" dirty="0"/>
+              <a:t>Connect Git to GitHub</a:t>
+            </a:r>
+          </a:p>
+        </p:txBody>
+      </p:sp>
+      <p:sp>
+        <p:nvSpPr>
+          <p:cNvPr id="3" name="Content Placeholder 2">
+            <a:extLst>
+              <a:ext uri="{FF2B5EF4-FFF2-40B4-BE49-F238E27FC236}">
+                <a16:creationId xmlns:a16="http://schemas.microsoft.com/office/drawing/2014/main" id="{D387C07C-56CD-4AB7-8A4C-56C90CF9E345}"/>
+              </a:ext>
+            </a:extLst>
+          </p:cNvPr>
+          <p:cNvSpPr>
+            <a:spLocks noGrp="1"/>
+          </p:cNvSpPr>
+          <p:nvPr>
+            <p:ph sz="half" idx="1"/>
+          </p:nvPr>
+        </p:nvSpPr>
+        <p:spPr/>
+        <p:txBody>
+          <a:bodyPr>
+            <a:normAutofit/>
+          </a:bodyPr>
+          <a:lstStyle/>
+          <a:p>
+            <a:r>
+              <a:rPr lang="en-US" dirty="0"/>
+              <a:t>Must authenticate Git client w/ your GitHub</a:t>
+            </a:r>
+          </a:p>
+          <a:p>
+            <a:pPr lvl="1"/>
+            <a:r>
+              <a:rPr lang="en-US" dirty="0"/>
+              <a:t>SSH (recommended) – </a:t>
+            </a:r>
+            <a:r>
+              <a:rPr lang="en-US" dirty="0">
+                <a:hlinkClick r:id="rId2"/>
+              </a:rPr>
+              <a:t>More on SSH here</a:t>
+            </a:r>
+            <a:endParaRPr lang="en-US" dirty="0"/>
+          </a:p>
+          <a:p>
+            <a:pPr lvl="1"/>
+            <a:r>
+              <a:rPr lang="en-US" dirty="0"/>
+              <a:t>HTTPS</a:t>
+            </a:r>
+          </a:p>
+          <a:p>
+            <a:r>
+              <a:rPr lang="en-US" dirty="0"/>
+              <a:t>Step 1: Create SSH key using Git bash</a:t>
+            </a:r>
+          </a:p>
+          <a:p>
+            <a:pPr lvl="1"/>
+            <a:r>
+              <a:rPr lang="en-US" dirty="0"/>
+              <a:t>`</a:t>
+            </a:r>
+            <a:r>
+              <a:rPr lang="en-US" dirty="0" err="1"/>
+              <a:t>ssh</a:t>
+            </a:r>
+            <a:r>
+              <a:rPr lang="en-US" dirty="0"/>
+              <a:t>-keygen -t ed25519 -C &lt;</a:t>
+            </a:r>
+            <a:r>
+              <a:rPr lang="en-US" dirty="0" err="1"/>
+              <a:t>your_email_address</a:t>
+            </a:r>
+            <a:r>
+              <a:rPr lang="en-US" dirty="0"/>
+              <a:t>&gt;`</a:t>
+            </a:r>
+          </a:p>
+          <a:p>
+            <a:pPr lvl="1"/>
+            <a:r>
+              <a:rPr lang="en-US" dirty="0"/>
+              <a:t>Accept default location for key</a:t>
+            </a:r>
+          </a:p>
+          <a:p>
+            <a:pPr lvl="1"/>
+            <a:r>
+              <a:rPr lang="en-US" dirty="0"/>
+              <a:t>Enter &amp; re-enter key passphrase for enhanced security</a:t>
+            </a:r>
+          </a:p>
+          <a:p>
+            <a:r>
+              <a:rPr lang="en-US" dirty="0"/>
+              <a:t>Step 2: Add SSH key to </a:t>
+            </a:r>
+            <a:r>
+              <a:rPr lang="en-US" dirty="0" err="1"/>
+              <a:t>ssh</a:t>
+            </a:r>
+            <a:r>
+              <a:rPr lang="en-US" dirty="0"/>
+              <a:t>-agent</a:t>
+            </a:r>
+          </a:p>
+          <a:p>
+            <a:pPr lvl="1"/>
+            <a:r>
+              <a:rPr lang="en-US" dirty="0"/>
+              <a:t>`eval $(</a:t>
+            </a:r>
+            <a:r>
+              <a:rPr lang="en-US" dirty="0" err="1"/>
+              <a:t>ssh</a:t>
+            </a:r>
+            <a:r>
+              <a:rPr lang="en-US" dirty="0"/>
+              <a:t>-agent -s)`</a:t>
+            </a:r>
+          </a:p>
+          <a:p>
+            <a:pPr lvl="1"/>
+            <a:r>
+              <a:rPr lang="en-US" dirty="0"/>
+              <a:t>`</a:t>
+            </a:r>
+            <a:r>
+              <a:rPr lang="en-US" dirty="0" err="1"/>
+              <a:t>ssh</a:t>
+            </a:r>
+            <a:r>
+              <a:rPr lang="en-US" dirty="0"/>
+              <a:t>-add ~/.</a:t>
+            </a:r>
+            <a:r>
+              <a:rPr lang="en-US" dirty="0" err="1"/>
+              <a:t>ssh</a:t>
+            </a:r>
+            <a:r>
+              <a:rPr lang="en-US" dirty="0"/>
+              <a:t>/id_ed25519`</a:t>
+            </a:r>
+          </a:p>
+        </p:txBody>
+      </p:sp>
+      <p:sp>
+        <p:nvSpPr>
+          <p:cNvPr id="4" name="Content Placeholder 3">
+            <a:extLst>
+              <a:ext uri="{FF2B5EF4-FFF2-40B4-BE49-F238E27FC236}">
+                <a16:creationId xmlns:a16="http://schemas.microsoft.com/office/drawing/2014/main" id="{AE014189-2419-4CD1-8526-705E980944C7}"/>
+              </a:ext>
+            </a:extLst>
+          </p:cNvPr>
+          <p:cNvSpPr>
+            <a:spLocks noGrp="1"/>
+          </p:cNvSpPr>
+          <p:nvPr>
+            <p:ph sz="half" idx="2"/>
+          </p:nvPr>
+        </p:nvSpPr>
+        <p:spPr/>
+        <p:txBody>
+          <a:bodyPr>
+            <a:normAutofit/>
+          </a:bodyPr>
+          <a:lstStyle/>
+          <a:p>
+            <a:r>
+              <a:rPr lang="en-US" dirty="0"/>
+              <a:t>Step 3: Add SSH key to </a:t>
+            </a:r>
+            <a:r>
+              <a:rPr lang="en-US" dirty="0" err="1"/>
+              <a:t>Github</a:t>
+            </a:r>
+            <a:r>
+              <a:rPr lang="en-US" dirty="0"/>
+              <a:t> account</a:t>
+            </a:r>
+          </a:p>
+          <a:p>
+            <a:pPr lvl="1"/>
+            <a:r>
+              <a:rPr lang="en-US" dirty="0"/>
+              <a:t>`clip &lt; ~/.</a:t>
+            </a:r>
+            <a:r>
+              <a:rPr lang="en-US" dirty="0" err="1"/>
+              <a:t>ssh</a:t>
+            </a:r>
+            <a:r>
+              <a:rPr lang="en-US" dirty="0"/>
+              <a:t>/id_ed25519.pub`</a:t>
+            </a:r>
+          </a:p>
+          <a:p>
+            <a:pPr lvl="1"/>
+            <a:r>
+              <a:rPr lang="en-US" dirty="0"/>
+              <a:t>Log into </a:t>
+            </a:r>
+            <a:r>
+              <a:rPr lang="en-US" dirty="0" err="1"/>
+              <a:t>Github</a:t>
+            </a:r>
+            <a:endParaRPr lang="en-US" dirty="0"/>
+          </a:p>
+          <a:p>
+            <a:pPr lvl="1"/>
+            <a:r>
+              <a:rPr lang="en-US" dirty="0"/>
+              <a:t>Go to settings &gt; SSH and GPG keys</a:t>
+            </a:r>
+          </a:p>
+          <a:p>
+            <a:pPr lvl="1"/>
+            <a:r>
+              <a:rPr lang="en-US" dirty="0"/>
+              <a:t>Click New SSH key</a:t>
+            </a:r>
+          </a:p>
+          <a:p>
+            <a:pPr lvl="1"/>
+            <a:r>
+              <a:rPr lang="en-US" dirty="0"/>
+              <a:t>Paste into “Key” text box</a:t>
+            </a:r>
+          </a:p>
+          <a:p>
+            <a:pPr lvl="1"/>
+            <a:r>
+              <a:rPr lang="en-US" dirty="0"/>
+              <a:t>Add “Title” (name of computer you’re using)</a:t>
+            </a:r>
+          </a:p>
+          <a:p>
+            <a:pPr lvl="1"/>
+            <a:r>
+              <a:rPr lang="en-US" dirty="0"/>
+              <a:t>Click “Add SSH key”</a:t>
+            </a:r>
+          </a:p>
+          <a:p>
+            <a:endParaRPr lang="en-US" dirty="0"/>
+          </a:p>
+        </p:txBody>
+      </p:sp>
+      <p:sp>
+        <p:nvSpPr>
+          <p:cNvPr id="5" name="TextBox 4">
+            <a:extLst>
+              <a:ext uri="{FF2B5EF4-FFF2-40B4-BE49-F238E27FC236}">
+                <a16:creationId xmlns:a16="http://schemas.microsoft.com/office/drawing/2014/main" id="{C28F3A90-536D-4916-AC34-E2F3D53F1F24}"/>
+              </a:ext>
+            </a:extLst>
+          </p:cNvPr>
+          <p:cNvSpPr txBox="1"/>
+          <p:nvPr/>
+        </p:nvSpPr>
+        <p:spPr>
+          <a:xfrm>
+            <a:off x="6096001" y="5995570"/>
+            <a:ext cx="6096000" cy="338554"/>
+          </a:xfrm>
+          <a:prstGeom prst="rect">
+            <a:avLst/>
+          </a:prstGeom>
+          <a:noFill/>
+        </p:spPr>
+        <p:txBody>
+          <a:bodyPr wrap="square" rtlCol="0">
+            <a:spAutoFit/>
+          </a:bodyPr>
+          <a:lstStyle/>
+          <a:p>
+            <a:pPr algn="r"/>
+            <a:r>
+              <a:rPr lang="en-US" sz="1600" b="1" dirty="0">
+                <a:solidFill>
+                  <a:schemeClr val="accent2"/>
+                </a:solidFill>
+              </a:rPr>
+              <a:t>Note: In general, backticks (`) indicate code or commands</a:t>
+            </a:r>
+          </a:p>
+        </p:txBody>
+      </p:sp>
+    </p:spTree>
+    <p:extLst>
+      <p:ext uri="{BB962C8B-B14F-4D97-AF65-F5344CB8AC3E}">
+        <p14:creationId xmlns:p14="http://schemas.microsoft.com/office/powerpoint/2010/main" val="1851704805"/>
+      </p:ext>
+    </p:extLst>
+  </p:cSld>
+  <p:clrMapOvr>
+    <a:masterClrMapping/>
+  </p:clrMapOvr>
+</p:sld>
+</file>
+
+<file path=ppt/slides/slide13.xml><?xml version="1.0" encoding="utf-8"?>
+<p:sld xmlns:a="http://schemas.openxmlformats.org/drawingml/2006/main" xmlns:r="http://schemas.openxmlformats.org/officeDocument/2006/relationships" xmlns:p="http://schemas.openxmlformats.org/presentationml/2006/main">
+  <p:cSld>
+    <p:spTree>
+      <p:nvGrpSpPr>
+        <p:cNvPr id="1" name=""/>
+        <p:cNvGrpSpPr/>
+        <p:nvPr/>
+      </p:nvGrpSpPr>
+      <p:grpSpPr>
+        <a:xfrm>
+          <a:off x="0" y="0"/>
+          <a:ext cx="0" cy="0"/>
+          <a:chOff x="0" y="0"/>
+          <a:chExt cx="0" cy="0"/>
+        </a:xfrm>
+      </p:grpSpPr>
+      <p:sp>
+        <p:nvSpPr>
+          <p:cNvPr id="2" name="Title 1">
+            <a:extLst>
+              <a:ext uri="{FF2B5EF4-FFF2-40B4-BE49-F238E27FC236}">
+                <a16:creationId xmlns:a16="http://schemas.microsoft.com/office/drawing/2014/main" id="{4DF178C7-120D-4AE8-B26F-BFA3959D9798}"/>
+              </a:ext>
+            </a:extLst>
+          </p:cNvPr>
+          <p:cNvSpPr>
+            <a:spLocks noGrp="1"/>
+          </p:cNvSpPr>
+          <p:nvPr>
+            <p:ph type="title"/>
+          </p:nvPr>
+        </p:nvSpPr>
+        <p:spPr/>
+        <p:txBody>
+          <a:bodyPr/>
+          <a:lstStyle/>
+          <a:p>
+            <a:r>
+              <a:rPr lang="en-US" dirty="0"/>
+              <a:t>Cloning your Git Repo </a:t>
+            </a:r>
+          </a:p>
+        </p:txBody>
+      </p:sp>
+      <p:sp>
+        <p:nvSpPr>
+          <p:cNvPr id="3" name="Content Placeholder 2">
+            <a:extLst>
+              <a:ext uri="{FF2B5EF4-FFF2-40B4-BE49-F238E27FC236}">
+                <a16:creationId xmlns:a16="http://schemas.microsoft.com/office/drawing/2014/main" id="{C36822C3-41DF-469F-8956-912A332FA942}"/>
+              </a:ext>
+            </a:extLst>
+          </p:cNvPr>
+          <p:cNvSpPr>
+            <a:spLocks noGrp="1"/>
+          </p:cNvSpPr>
+          <p:nvPr>
+            <p:ph idx="1"/>
+          </p:nvPr>
+        </p:nvSpPr>
+        <p:spPr>
+          <a:xfrm>
+            <a:off x="1097280" y="1845734"/>
+            <a:ext cx="3931920" cy="4023360"/>
+          </a:xfrm>
+        </p:spPr>
+        <p:txBody>
+          <a:bodyPr/>
+          <a:lstStyle/>
+          <a:p>
+            <a:r>
+              <a:rPr lang="en-US" dirty="0"/>
+              <a:t>Last thing before we start using Git: You need to clone your repo onto your computer</a:t>
+            </a:r>
+          </a:p>
+          <a:p>
+            <a:pPr lvl="1"/>
+            <a:r>
+              <a:rPr lang="en-US" dirty="0"/>
+              <a:t>Makes a local copy of your repo so you can write/update/manage code</a:t>
+            </a:r>
+          </a:p>
+          <a:p>
+            <a:r>
+              <a:rPr lang="en-US" dirty="0"/>
+              <a:t>Step 1: Copy SSH link</a:t>
+            </a:r>
+          </a:p>
+          <a:p>
+            <a:pPr lvl="1"/>
+            <a:r>
+              <a:rPr lang="en-US" dirty="0"/>
+              <a:t>In repo, go to Code &gt; SSH</a:t>
+            </a:r>
+          </a:p>
+          <a:p>
+            <a:r>
+              <a:rPr lang="en-US" dirty="0"/>
+              <a:t>Step 2: Clone to location of choice</a:t>
+            </a:r>
+          </a:p>
+          <a:p>
+            <a:pPr lvl="1"/>
+            <a:r>
+              <a:rPr lang="en-US" dirty="0"/>
+              <a:t>`cd &lt;</a:t>
+            </a:r>
+            <a:r>
+              <a:rPr lang="en-US" dirty="0" err="1"/>
+              <a:t>path_to_location</a:t>
+            </a:r>
+            <a:r>
+              <a:rPr lang="en-US" dirty="0"/>
+              <a:t>&gt;`</a:t>
+            </a:r>
+          </a:p>
+          <a:p>
+            <a:pPr lvl="1"/>
+            <a:r>
+              <a:rPr lang="en-US" dirty="0"/>
+              <a:t>`git clone &lt;SSH link&gt;`</a:t>
+            </a:r>
+          </a:p>
+          <a:p>
+            <a:endParaRPr lang="en-US" dirty="0"/>
+          </a:p>
+        </p:txBody>
+      </p:sp>
+      <p:grpSp>
+        <p:nvGrpSpPr>
+          <p:cNvPr id="13" name="Group 12">
+            <a:extLst>
+              <a:ext uri="{FF2B5EF4-FFF2-40B4-BE49-F238E27FC236}">
+                <a16:creationId xmlns:a16="http://schemas.microsoft.com/office/drawing/2014/main" id="{7C84C353-3413-4D50-99F2-4C79EB939DA5}"/>
+              </a:ext>
+            </a:extLst>
+          </p:cNvPr>
+          <p:cNvGrpSpPr/>
+          <p:nvPr/>
+        </p:nvGrpSpPr>
+        <p:grpSpPr>
+          <a:xfrm>
+            <a:off x="5239678" y="2137498"/>
+            <a:ext cx="6912907" cy="3731596"/>
+            <a:chOff x="5279092" y="2564111"/>
+            <a:chExt cx="6912907" cy="3731596"/>
+          </a:xfrm>
+        </p:grpSpPr>
+        <p:pic>
+          <p:nvPicPr>
+            <p:cNvPr id="9" name="Picture 8" descr="Graphical user interface, text, application, email, website&#10;&#10;Description automatically generated">
+              <a:extLst>
+                <a:ext uri="{FF2B5EF4-FFF2-40B4-BE49-F238E27FC236}">
+                  <a16:creationId xmlns:a16="http://schemas.microsoft.com/office/drawing/2014/main" id="{62919687-D3C8-41E1-9495-AD2685B693DE}"/>
+                </a:ext>
+              </a:extLst>
+            </p:cNvPr>
+            <p:cNvPicPr>
+              <a:picLocks noChangeAspect="1"/>
+            </p:cNvPicPr>
+            <p:nvPr/>
+          </p:nvPicPr>
+          <p:blipFill>
+            <a:blip r:embed="rId2">
+              <a:extLst>
+                <a:ext uri="{28A0092B-C50C-407E-A947-70E740481C1C}">
+                  <a14:useLocalDpi xmlns:a14="http://schemas.microsoft.com/office/drawing/2010/main" val="0"/>
+                </a:ext>
+              </a:extLst>
+            </a:blip>
+            <a:stretch>
+              <a:fillRect/>
+            </a:stretch>
+          </p:blipFill>
+          <p:spPr>
+            <a:xfrm>
+              <a:off x="5279092" y="2564111"/>
+              <a:ext cx="6852201" cy="3731596"/>
+            </a:xfrm>
+            <a:prstGeom prst="rect">
+              <a:avLst/>
+            </a:prstGeom>
+          </p:spPr>
+        </p:pic>
+        <p:sp>
+          <p:nvSpPr>
+            <p:cNvPr id="11" name="Rectangle: Rounded Corners 10">
+              <a:extLst>
+                <a:ext uri="{FF2B5EF4-FFF2-40B4-BE49-F238E27FC236}">
+                  <a16:creationId xmlns:a16="http://schemas.microsoft.com/office/drawing/2014/main" id="{4FB7F9A7-89EF-4C9A-93B4-12FBC17AF5D7}"/>
+                </a:ext>
+              </a:extLst>
+            </p:cNvPr>
+            <p:cNvSpPr/>
+            <p:nvPr/>
+          </p:nvSpPr>
+          <p:spPr>
+            <a:xfrm>
+              <a:off x="9199178" y="3941177"/>
+              <a:ext cx="2992821" cy="1553106"/>
+            </a:xfrm>
+            <a:custGeom>
+              <a:avLst/>
+              <a:gdLst>
+                <a:gd name="connsiteX0" fmla="*/ 0 w 2992821"/>
+                <a:gd name="connsiteY0" fmla="*/ 258856 h 1553106"/>
+                <a:gd name="connsiteX1" fmla="*/ 258856 w 2992821"/>
+                <a:gd name="connsiteY1" fmla="*/ 0 h 1553106"/>
+                <a:gd name="connsiteX2" fmla="*/ 778629 w 2992821"/>
+                <a:gd name="connsiteY2" fmla="*/ 0 h 1553106"/>
+                <a:gd name="connsiteX3" fmla="*/ 1298402 w 2992821"/>
+                <a:gd name="connsiteY3" fmla="*/ 0 h 1553106"/>
+                <a:gd name="connsiteX4" fmla="*/ 1743921 w 2992821"/>
+                <a:gd name="connsiteY4" fmla="*/ 0 h 1553106"/>
+                <a:gd name="connsiteX5" fmla="*/ 2164690 w 2992821"/>
+                <a:gd name="connsiteY5" fmla="*/ 0 h 1553106"/>
+                <a:gd name="connsiteX6" fmla="*/ 2733965 w 2992821"/>
+                <a:gd name="connsiteY6" fmla="*/ 0 h 1553106"/>
+                <a:gd name="connsiteX7" fmla="*/ 2992821 w 2992821"/>
+                <a:gd name="connsiteY7" fmla="*/ 258856 h 1553106"/>
+                <a:gd name="connsiteX8" fmla="*/ 2992821 w 2992821"/>
+                <a:gd name="connsiteY8" fmla="*/ 755845 h 1553106"/>
+                <a:gd name="connsiteX9" fmla="*/ 2992821 w 2992821"/>
+                <a:gd name="connsiteY9" fmla="*/ 1294250 h 1553106"/>
+                <a:gd name="connsiteX10" fmla="*/ 2733965 w 2992821"/>
+                <a:gd name="connsiteY10" fmla="*/ 1553106 h 1553106"/>
+                <a:gd name="connsiteX11" fmla="*/ 2189441 w 2992821"/>
+                <a:gd name="connsiteY11" fmla="*/ 1553106 h 1553106"/>
+                <a:gd name="connsiteX12" fmla="*/ 1743921 w 2992821"/>
+                <a:gd name="connsiteY12" fmla="*/ 1553106 h 1553106"/>
+                <a:gd name="connsiteX13" fmla="*/ 1224149 w 2992821"/>
+                <a:gd name="connsiteY13" fmla="*/ 1553106 h 1553106"/>
+                <a:gd name="connsiteX14" fmla="*/ 729127 w 2992821"/>
+                <a:gd name="connsiteY14" fmla="*/ 1553106 h 1553106"/>
+                <a:gd name="connsiteX15" fmla="*/ 258856 w 2992821"/>
+                <a:gd name="connsiteY15" fmla="*/ 1553106 h 1553106"/>
+                <a:gd name="connsiteX16" fmla="*/ 0 w 2992821"/>
+                <a:gd name="connsiteY16" fmla="*/ 1294250 h 1553106"/>
+                <a:gd name="connsiteX17" fmla="*/ 0 w 2992821"/>
+                <a:gd name="connsiteY17" fmla="*/ 766199 h 1553106"/>
+                <a:gd name="connsiteX18" fmla="*/ 0 w 2992821"/>
+                <a:gd name="connsiteY18" fmla="*/ 258856 h 1553106"/>
+              </a:gdLst>
+              <a:ahLst/>
+              <a:cxnLst>
+                <a:cxn ang="0">
+                  <a:pos x="connsiteX0" y="connsiteY0"/>
+                </a:cxn>
+                <a:cxn ang="0">
+                  <a:pos x="connsiteX1" y="connsiteY1"/>
+                </a:cxn>
+                <a:cxn ang="0">
+                  <a:pos x="connsiteX2" y="connsiteY2"/>
+                </a:cxn>
+                <a:cxn ang="0">
+                  <a:pos x="connsiteX3" y="connsiteY3"/>
+                </a:cxn>
+                <a:cxn ang="0">
+                  <a:pos x="connsiteX4" y="connsiteY4"/>
+                </a:cxn>
+                <a:cxn ang="0">
+                  <a:pos x="connsiteX5" y="connsiteY5"/>
+                </a:cxn>
+                <a:cxn ang="0">
+                  <a:pos x="connsiteX6" y="connsiteY6"/>
+                </a:cxn>
+                <a:cxn ang="0">
+                  <a:pos x="connsiteX7" y="connsiteY7"/>
+                </a:cxn>
+                <a:cxn ang="0">
+                  <a:pos x="connsiteX8" y="connsiteY8"/>
+                </a:cxn>
+                <a:cxn ang="0">
+                  <a:pos x="connsiteX9" y="connsiteY9"/>
+                </a:cxn>
+                <a:cxn ang="0">
+                  <a:pos x="connsiteX10" y="connsiteY10"/>
+                </a:cxn>
+                <a:cxn ang="0">
+                  <a:pos x="connsiteX11" y="connsiteY11"/>
+                </a:cxn>
+                <a:cxn ang="0">
+                  <a:pos x="connsiteX12" y="connsiteY12"/>
+                </a:cxn>
+                <a:cxn ang="0">
+                  <a:pos x="connsiteX13" y="connsiteY13"/>
+                </a:cxn>
+                <a:cxn ang="0">
+                  <a:pos x="connsiteX14" y="connsiteY14"/>
+                </a:cxn>
+                <a:cxn ang="0">
+                  <a:pos x="connsiteX15" y="connsiteY15"/>
+                </a:cxn>
+                <a:cxn ang="0">
+                  <a:pos x="connsiteX16" y="connsiteY16"/>
+                </a:cxn>
+                <a:cxn ang="0">
+                  <a:pos x="connsiteX17" y="connsiteY17"/>
+                </a:cxn>
+                <a:cxn ang="0">
+                  <a:pos x="connsiteX18" y="connsiteY18"/>
+                </a:cxn>
+              </a:cxnLst>
+              <a:rect l="l" t="t" r="r" b="b"/>
+              <a:pathLst>
+                <a:path w="2992821" h="1553106" extrusionOk="0">
+                  <a:moveTo>
+                    <a:pt x="0" y="258856"/>
+                  </a:moveTo>
+                  <a:cubicBezTo>
+                    <a:pt x="-7660" y="104666"/>
+                    <a:pt x="126002" y="-40687"/>
+                    <a:pt x="258856" y="0"/>
+                  </a:cubicBezTo>
+                  <a:cubicBezTo>
+                    <a:pt x="508208" y="-61527"/>
+                    <a:pt x="548467" y="48036"/>
+                    <a:pt x="778629" y="0"/>
+                  </a:cubicBezTo>
+                  <a:cubicBezTo>
+                    <a:pt x="1008791" y="-48036"/>
+                    <a:pt x="1149707" y="15187"/>
+                    <a:pt x="1298402" y="0"/>
+                  </a:cubicBezTo>
+                  <a:cubicBezTo>
+                    <a:pt x="1447097" y="-15187"/>
+                    <a:pt x="1604558" y="10108"/>
+                    <a:pt x="1743921" y="0"/>
+                  </a:cubicBezTo>
+                  <a:cubicBezTo>
+                    <a:pt x="1883284" y="-10108"/>
+                    <a:pt x="2057075" y="10875"/>
+                    <a:pt x="2164690" y="0"/>
+                  </a:cubicBezTo>
+                  <a:cubicBezTo>
+                    <a:pt x="2272305" y="-10875"/>
+                    <a:pt x="2518966" y="823"/>
+                    <a:pt x="2733965" y="0"/>
+                  </a:cubicBezTo>
+                  <a:cubicBezTo>
+                    <a:pt x="2889888" y="-20907"/>
+                    <a:pt x="2982907" y="106293"/>
+                    <a:pt x="2992821" y="258856"/>
+                  </a:cubicBezTo>
+                  <a:cubicBezTo>
+                    <a:pt x="2995594" y="372035"/>
+                    <a:pt x="2979389" y="516781"/>
+                    <a:pt x="2992821" y="755845"/>
+                  </a:cubicBezTo>
+                  <a:cubicBezTo>
+                    <a:pt x="3006253" y="994909"/>
+                    <a:pt x="2939196" y="1159692"/>
+                    <a:pt x="2992821" y="1294250"/>
+                  </a:cubicBezTo>
+                  <a:cubicBezTo>
+                    <a:pt x="3009084" y="1398262"/>
+                    <a:pt x="2845713" y="1539982"/>
+                    <a:pt x="2733965" y="1553106"/>
+                  </a:cubicBezTo>
+                  <a:cubicBezTo>
+                    <a:pt x="2476930" y="1585750"/>
+                    <a:pt x="2328592" y="1520908"/>
+                    <a:pt x="2189441" y="1553106"/>
+                  </a:cubicBezTo>
+                  <a:cubicBezTo>
+                    <a:pt x="2050290" y="1585304"/>
+                    <a:pt x="1890001" y="1530888"/>
+                    <a:pt x="1743921" y="1553106"/>
+                  </a:cubicBezTo>
+                  <a:cubicBezTo>
+                    <a:pt x="1597841" y="1575324"/>
+                    <a:pt x="1432444" y="1527967"/>
+                    <a:pt x="1224149" y="1553106"/>
+                  </a:cubicBezTo>
+                  <a:cubicBezTo>
+                    <a:pt x="1015854" y="1578245"/>
+                    <a:pt x="886621" y="1504744"/>
+                    <a:pt x="729127" y="1553106"/>
+                  </a:cubicBezTo>
+                  <a:cubicBezTo>
+                    <a:pt x="571633" y="1601468"/>
+                    <a:pt x="493390" y="1534313"/>
+                    <a:pt x="258856" y="1553106"/>
+                  </a:cubicBezTo>
+                  <a:cubicBezTo>
+                    <a:pt x="126744" y="1560691"/>
+                    <a:pt x="24819" y="1421316"/>
+                    <a:pt x="0" y="1294250"/>
+                  </a:cubicBezTo>
+                  <a:cubicBezTo>
+                    <a:pt x="-27361" y="1094727"/>
+                    <a:pt x="10031" y="997445"/>
+                    <a:pt x="0" y="766199"/>
+                  </a:cubicBezTo>
+                  <a:cubicBezTo>
+                    <a:pt x="-10031" y="534953"/>
+                    <a:pt x="16654" y="487516"/>
+                    <a:pt x="0" y="258856"/>
+                  </a:cubicBezTo>
+                  <a:close/>
+                </a:path>
+              </a:pathLst>
+            </a:custGeom>
+            <a:noFill/>
+            <a:ln w="38100">
+              <a:extLst>
+                <a:ext uri="{C807C97D-BFC1-408E-A445-0C87EB9F89A2}">
+                  <ask:lineSketchStyleProps xmlns:ask="http://schemas.microsoft.com/office/drawing/2018/sketchyshapes" sd="590317558">
+                    <a:prstGeom prst="roundRect">
+                      <a:avLst/>
+                    </a:prstGeom>
+                    <ask:type>
+                      <ask:lineSketchScribble/>
+                    </ask:type>
+                  </ask:lineSketchStyleProps>
+                </a:ext>
+              </a:extLst>
+            </a:ln>
+          </p:spPr>
+          <p:style>
+            <a:lnRef idx="2">
+              <a:schemeClr val="accent1">
+                <a:shade val="50000"/>
+              </a:schemeClr>
+            </a:lnRef>
+            <a:fillRef idx="1">
+              <a:schemeClr val="accent1"/>
+            </a:fillRef>
+            <a:effectRef idx="0">
+              <a:schemeClr val="accent1"/>
+            </a:effectRef>
+            <a:fontRef idx="minor">
+              <a:schemeClr val="lt1"/>
+            </a:fontRef>
+          </p:style>
+          <p:txBody>
+            <a:bodyPr rtlCol="0" anchor="ctr"/>
+            <a:lstStyle/>
+            <a:p>
+              <a:pPr algn="ctr"/>
+              <a:endParaRPr lang="en-US"/>
+            </a:p>
+          </p:txBody>
+        </p:sp>
+      </p:grpSp>
+    </p:spTree>
+    <p:extLst>
+      <p:ext uri="{BB962C8B-B14F-4D97-AF65-F5344CB8AC3E}">
+        <p14:creationId xmlns:p14="http://schemas.microsoft.com/office/powerpoint/2010/main" val="785097432"/>
+      </p:ext>
+    </p:extLst>
+  </p:cSld>
+  <p:clrMapOvr>
+    <a:masterClrMapping/>
+  </p:clrMapOvr>
+</p:sld>
+</file>
+
+<file path=ppt/slides/slide14.xml><?xml version="1.0" encoding="utf-8"?>
+<p:sld xmlns:a="http://schemas.openxmlformats.org/drawingml/2006/main" xmlns:r="http://schemas.openxmlformats.org/officeDocument/2006/relationships" xmlns:p="http://schemas.openxmlformats.org/presentationml/2006/main">
+  <p:cSld>
+    <p:spTree>
+      <p:nvGrpSpPr>
+        <p:cNvPr id="1" name=""/>
+        <p:cNvGrpSpPr/>
+        <p:nvPr/>
+      </p:nvGrpSpPr>
+      <p:grpSpPr>
+        <a:xfrm>
+          <a:off x="0" y="0"/>
+          <a:ext cx="0" cy="0"/>
+          <a:chOff x="0" y="0"/>
+          <a:chExt cx="0" cy="0"/>
+        </a:xfrm>
+      </p:grpSpPr>
+      <p:sp>
+        <p:nvSpPr>
+          <p:cNvPr id="2" name="Title 1">
+            <a:extLst>
+              <a:ext uri="{FF2B5EF4-FFF2-40B4-BE49-F238E27FC236}">
+                <a16:creationId xmlns:a16="http://schemas.microsoft.com/office/drawing/2014/main" id="{4DF178C7-120D-4AE8-B26F-BFA3959D9798}"/>
+              </a:ext>
+            </a:extLst>
+          </p:cNvPr>
+          <p:cNvSpPr>
+            <a:spLocks noGrp="1"/>
+          </p:cNvSpPr>
+          <p:nvPr>
+            <p:ph type="title"/>
+          </p:nvPr>
+        </p:nvSpPr>
+        <p:spPr/>
+        <p:txBody>
+          <a:bodyPr/>
+          <a:lstStyle/>
+          <a:p>
+            <a:r>
+              <a:rPr lang="en-US" dirty="0"/>
+              <a:t>Using Git</a:t>
+            </a:r>
+          </a:p>
+        </p:txBody>
+      </p:sp>
+      <p:sp>
+        <p:nvSpPr>
+          <p:cNvPr id="3" name="Content Placeholder 2">
+            <a:extLst>
+              <a:ext uri="{FF2B5EF4-FFF2-40B4-BE49-F238E27FC236}">
+                <a16:creationId xmlns:a16="http://schemas.microsoft.com/office/drawing/2014/main" id="{C36822C3-41DF-469F-8956-912A332FA942}"/>
+              </a:ext>
+            </a:extLst>
+          </p:cNvPr>
+          <p:cNvSpPr>
+            <a:spLocks noGrp="1"/>
+          </p:cNvSpPr>
+          <p:nvPr>
+            <p:ph idx="1"/>
+          </p:nvPr>
+        </p:nvSpPr>
+        <p:spPr/>
+        <p:txBody>
+          <a:bodyPr/>
+          <a:lstStyle/>
+          <a:p>
+            <a:r>
+              <a:rPr lang="en-US" dirty="0"/>
+              <a:t>Five basic commands to start:</a:t>
+            </a:r>
+          </a:p>
+          <a:p>
+            <a:pPr lvl="1"/>
+            <a:r>
+              <a:rPr lang="en-US" dirty="0"/>
+              <a:t>`git </a:t>
+            </a:r>
+            <a:r>
+              <a:rPr lang="en-US" b="1" dirty="0"/>
+              <a:t>status</a:t>
+            </a:r>
+            <a:r>
+              <a:rPr lang="en-US" dirty="0"/>
+              <a:t>` – Gives you a status report for each file</a:t>
+            </a:r>
+          </a:p>
+          <a:p>
+            <a:pPr lvl="1"/>
+            <a:r>
+              <a:rPr lang="en-US" dirty="0"/>
+              <a:t>`git </a:t>
+            </a:r>
+            <a:r>
+              <a:rPr lang="en-US" b="1" dirty="0"/>
+              <a:t>add</a:t>
+            </a:r>
+            <a:r>
+              <a:rPr lang="en-US" dirty="0"/>
+              <a:t> &lt;filename&gt;` – Adds file to staging… use `*` to add all files</a:t>
+            </a:r>
+          </a:p>
+          <a:p>
+            <a:pPr lvl="1"/>
+            <a:r>
+              <a:rPr lang="en-US" dirty="0"/>
+              <a:t>`git </a:t>
+            </a:r>
+            <a:r>
+              <a:rPr lang="en-US" b="1" dirty="0"/>
+              <a:t>commit</a:t>
+            </a:r>
+            <a:r>
+              <a:rPr lang="en-US" dirty="0"/>
+              <a:t> -m &lt;message&gt;` – Commits changes in staging area; message should briefly summarize the point of the update</a:t>
+            </a:r>
+          </a:p>
+          <a:p>
+            <a:pPr lvl="1"/>
+            <a:endParaRPr lang="en-US" dirty="0"/>
+          </a:p>
+          <a:p>
+            <a:pPr lvl="1"/>
+            <a:endParaRPr lang="en-US" dirty="0"/>
+          </a:p>
+          <a:p>
+            <a:pPr lvl="1"/>
+            <a:endParaRPr lang="en-US" dirty="0"/>
+          </a:p>
+          <a:p>
+            <a:pPr lvl="1"/>
+            <a:endParaRPr lang="en-US" dirty="0"/>
+          </a:p>
+          <a:p>
+            <a:pPr lvl="1"/>
+            <a:endParaRPr lang="en-US" dirty="0"/>
+          </a:p>
+          <a:p>
+            <a:pPr lvl="1"/>
+            <a:r>
+              <a:rPr lang="en-US" dirty="0"/>
+              <a:t>`git </a:t>
+            </a:r>
+            <a:r>
+              <a:rPr lang="en-US" b="1" dirty="0"/>
+              <a:t>push</a:t>
+            </a:r>
+            <a:r>
+              <a:rPr lang="en-US" dirty="0"/>
+              <a:t>` – Send commit to repo</a:t>
+            </a:r>
+          </a:p>
+          <a:p>
+            <a:pPr lvl="1"/>
+            <a:r>
+              <a:rPr lang="en-US" dirty="0"/>
+              <a:t>`git pull` – Pull most recent updates from repo (only necessary for collaborative work)</a:t>
+            </a:r>
+          </a:p>
+        </p:txBody>
+      </p:sp>
+      <p:pic>
+        <p:nvPicPr>
+          <p:cNvPr id="5" name="Picture 4" descr="Graphical user interface, text, application&#10;&#10;Description automatically generated">
+            <a:extLst>
+              <a:ext uri="{FF2B5EF4-FFF2-40B4-BE49-F238E27FC236}">
+                <a16:creationId xmlns:a16="http://schemas.microsoft.com/office/drawing/2014/main" id="{1AA2FA88-284A-4278-A21B-C5415D660385}"/>
+              </a:ext>
+            </a:extLst>
+          </p:cNvPr>
+          <p:cNvPicPr>
+            <a:picLocks noChangeAspect="1"/>
+          </p:cNvPicPr>
+          <p:nvPr/>
+        </p:nvPicPr>
+        <p:blipFill>
+          <a:blip r:embed="rId3">
+            <a:extLst>
+              <a:ext uri="{28A0092B-C50C-407E-A947-70E740481C1C}">
+                <a14:useLocalDpi xmlns:a14="http://schemas.microsoft.com/office/drawing/2010/main" val="0"/>
+              </a:ext>
+            </a:extLst>
+          </a:blip>
+          <a:stretch>
+            <a:fillRect/>
+          </a:stretch>
+        </p:blipFill>
+        <p:spPr>
+          <a:xfrm>
+            <a:off x="1895259" y="3397468"/>
+            <a:ext cx="8401482" cy="1606633"/>
+          </a:xfrm>
+          <a:prstGeom prst="rect">
+            <a:avLst/>
+          </a:prstGeom>
+        </p:spPr>
+      </p:pic>
+      <p:sp>
+        <p:nvSpPr>
+          <p:cNvPr id="6" name="Arrow: Right 5">
+            <a:extLst>
+              <a:ext uri="{FF2B5EF4-FFF2-40B4-BE49-F238E27FC236}">
+                <a16:creationId xmlns:a16="http://schemas.microsoft.com/office/drawing/2014/main" id="{C5206462-EF5E-4F83-B5BD-89C51C9F3C30}"/>
+              </a:ext>
+            </a:extLst>
+          </p:cNvPr>
+          <p:cNvSpPr/>
+          <p:nvPr/>
+        </p:nvSpPr>
+        <p:spPr>
+          <a:xfrm rot="2701308">
+            <a:off x="3478561" y="3617819"/>
+            <a:ext cx="1280160" cy="91440"/>
+          </a:xfrm>
+          <a:custGeom>
+            <a:avLst/>
+            <a:gdLst>
+              <a:gd name="connsiteX0" fmla="*/ 0 w 1280160"/>
+              <a:gd name="connsiteY0" fmla="*/ 22860 h 91440"/>
+              <a:gd name="connsiteX1" fmla="*/ 423824 w 1280160"/>
+              <a:gd name="connsiteY1" fmla="*/ 22860 h 91440"/>
+              <a:gd name="connsiteX2" fmla="*/ 810616 w 1280160"/>
+              <a:gd name="connsiteY2" fmla="*/ 22860 h 91440"/>
+              <a:gd name="connsiteX3" fmla="*/ 1234440 w 1280160"/>
+              <a:gd name="connsiteY3" fmla="*/ 22860 h 91440"/>
+              <a:gd name="connsiteX4" fmla="*/ 1234440 w 1280160"/>
+              <a:gd name="connsiteY4" fmla="*/ 0 h 91440"/>
+              <a:gd name="connsiteX5" fmla="*/ 1280160 w 1280160"/>
+              <a:gd name="connsiteY5" fmla="*/ 45720 h 91440"/>
+              <a:gd name="connsiteX6" fmla="*/ 1234440 w 1280160"/>
+              <a:gd name="connsiteY6" fmla="*/ 91440 h 91440"/>
+              <a:gd name="connsiteX7" fmla="*/ 1234440 w 1280160"/>
+              <a:gd name="connsiteY7" fmla="*/ 68580 h 91440"/>
+              <a:gd name="connsiteX8" fmla="*/ 835304 w 1280160"/>
+              <a:gd name="connsiteY8" fmla="*/ 68580 h 91440"/>
+              <a:gd name="connsiteX9" fmla="*/ 411480 w 1280160"/>
+              <a:gd name="connsiteY9" fmla="*/ 68580 h 91440"/>
+              <a:gd name="connsiteX10" fmla="*/ 0 w 1280160"/>
+              <a:gd name="connsiteY10" fmla="*/ 68580 h 91440"/>
+              <a:gd name="connsiteX11" fmla="*/ 0 w 1280160"/>
+              <a:gd name="connsiteY11" fmla="*/ 22860 h 91440"/>
+            </a:gdLst>
+            <a:ahLst/>
+            <a:cxnLst>
+              <a:cxn ang="0">
+                <a:pos x="connsiteX0" y="connsiteY0"/>
+              </a:cxn>
+              <a:cxn ang="0">
+                <a:pos x="connsiteX1" y="connsiteY1"/>
+              </a:cxn>
+              <a:cxn ang="0">
+                <a:pos x="connsiteX2" y="connsiteY2"/>
+              </a:cxn>
+              <a:cxn ang="0">
+                <a:pos x="connsiteX3" y="connsiteY3"/>
+              </a:cxn>
+              <a:cxn ang="0">
+                <a:pos x="connsiteX4" y="connsiteY4"/>
+              </a:cxn>
+              <a:cxn ang="0">
+                <a:pos x="connsiteX5" y="connsiteY5"/>
+              </a:cxn>
+              <a:cxn ang="0">
+                <a:pos x="connsiteX6" y="connsiteY6"/>
+              </a:cxn>
+              <a:cxn ang="0">
+                <a:pos x="connsiteX7" y="connsiteY7"/>
+              </a:cxn>
+              <a:cxn ang="0">
+                <a:pos x="connsiteX8" y="connsiteY8"/>
+              </a:cxn>
+              <a:cxn ang="0">
+                <a:pos x="connsiteX9" y="connsiteY9"/>
+              </a:cxn>
+              <a:cxn ang="0">
+                <a:pos x="connsiteX10" y="connsiteY10"/>
+              </a:cxn>
+              <a:cxn ang="0">
+                <a:pos x="connsiteX11" y="connsiteY11"/>
+              </a:cxn>
+            </a:cxnLst>
+            <a:rect l="l" t="t" r="r" b="b"/>
+            <a:pathLst>
+              <a:path w="1280160" h="91440" fill="none" extrusionOk="0">
+                <a:moveTo>
+                  <a:pt x="0" y="22860"/>
+                </a:moveTo>
+                <a:cubicBezTo>
+                  <a:pt x="189433" y="-8435"/>
+                  <a:pt x="323214" y="61962"/>
+                  <a:pt x="423824" y="22860"/>
+                </a:cubicBezTo>
+                <a:cubicBezTo>
+                  <a:pt x="524434" y="-16242"/>
+                  <a:pt x="657061" y="39636"/>
+                  <a:pt x="810616" y="22860"/>
+                </a:cubicBezTo>
+                <a:cubicBezTo>
+                  <a:pt x="964171" y="6084"/>
+                  <a:pt x="1047127" y="72441"/>
+                  <a:pt x="1234440" y="22860"/>
+                </a:cubicBezTo>
+                <a:cubicBezTo>
+                  <a:pt x="1231922" y="18043"/>
+                  <a:pt x="1237092" y="4853"/>
+                  <a:pt x="1234440" y="0"/>
+                </a:cubicBezTo>
+                <a:cubicBezTo>
+                  <a:pt x="1248945" y="5982"/>
+                  <a:pt x="1265145" y="37327"/>
+                  <a:pt x="1280160" y="45720"/>
+                </a:cubicBezTo>
+                <a:cubicBezTo>
+                  <a:pt x="1263489" y="64556"/>
+                  <a:pt x="1240970" y="76370"/>
+                  <a:pt x="1234440" y="91440"/>
+                </a:cubicBezTo>
+                <a:cubicBezTo>
+                  <a:pt x="1231972" y="85315"/>
+                  <a:pt x="1235450" y="76347"/>
+                  <a:pt x="1234440" y="68580"/>
+                </a:cubicBezTo>
+                <a:cubicBezTo>
+                  <a:pt x="1146366" y="85071"/>
+                  <a:pt x="967749" y="65985"/>
+                  <a:pt x="835304" y="68580"/>
+                </a:cubicBezTo>
+                <a:cubicBezTo>
+                  <a:pt x="702859" y="71175"/>
+                  <a:pt x="576883" y="61756"/>
+                  <a:pt x="411480" y="68580"/>
+                </a:cubicBezTo>
+                <a:cubicBezTo>
+                  <a:pt x="246077" y="75404"/>
+                  <a:pt x="149053" y="38457"/>
+                  <a:pt x="0" y="68580"/>
+                </a:cubicBezTo>
+                <a:cubicBezTo>
+                  <a:pt x="-1807" y="58495"/>
+                  <a:pt x="3415" y="45172"/>
+                  <a:pt x="0" y="22860"/>
+                </a:cubicBezTo>
+                <a:close/>
+              </a:path>
+              <a:path w="1280160" h="91440" stroke="0" extrusionOk="0">
+                <a:moveTo>
+                  <a:pt x="0" y="22860"/>
+                </a:moveTo>
+                <a:cubicBezTo>
+                  <a:pt x="94095" y="-669"/>
+                  <a:pt x="247466" y="29917"/>
+                  <a:pt x="374447" y="22860"/>
+                </a:cubicBezTo>
+                <a:cubicBezTo>
+                  <a:pt x="501428" y="15803"/>
+                  <a:pt x="596533" y="28849"/>
+                  <a:pt x="785927" y="22860"/>
+                </a:cubicBezTo>
+                <a:cubicBezTo>
+                  <a:pt x="975321" y="16871"/>
+                  <a:pt x="1021363" y="34574"/>
+                  <a:pt x="1234440" y="22860"/>
+                </a:cubicBezTo>
+                <a:cubicBezTo>
+                  <a:pt x="1233410" y="18238"/>
+                  <a:pt x="1237041" y="8988"/>
+                  <a:pt x="1234440" y="0"/>
+                </a:cubicBezTo>
+                <a:cubicBezTo>
+                  <a:pt x="1245116" y="8893"/>
+                  <a:pt x="1260452" y="26784"/>
+                  <a:pt x="1280160" y="45720"/>
+                </a:cubicBezTo>
+                <a:cubicBezTo>
+                  <a:pt x="1264610" y="69633"/>
+                  <a:pt x="1248932" y="68380"/>
+                  <a:pt x="1234440" y="91440"/>
+                </a:cubicBezTo>
+                <a:cubicBezTo>
+                  <a:pt x="1232749" y="86433"/>
+                  <a:pt x="1236855" y="74792"/>
+                  <a:pt x="1234440" y="68580"/>
+                </a:cubicBezTo>
+                <a:cubicBezTo>
+                  <a:pt x="1059826" y="85214"/>
+                  <a:pt x="1006446" y="33727"/>
+                  <a:pt x="798271" y="68580"/>
+                </a:cubicBezTo>
+                <a:cubicBezTo>
+                  <a:pt x="590096" y="103433"/>
+                  <a:pt x="555807" y="37752"/>
+                  <a:pt x="386791" y="68580"/>
+                </a:cubicBezTo>
+                <a:cubicBezTo>
+                  <a:pt x="217775" y="99408"/>
+                  <a:pt x="143717" y="37225"/>
+                  <a:pt x="0" y="68580"/>
+                </a:cubicBezTo>
+                <a:cubicBezTo>
+                  <a:pt x="-3076" y="57483"/>
+                  <a:pt x="204" y="43755"/>
+                  <a:pt x="0" y="22860"/>
+                </a:cubicBezTo>
+                <a:close/>
+              </a:path>
+            </a:pathLst>
+          </a:custGeom>
+          <a:ln>
+            <a:extLst>
+              <a:ext uri="{C807C97D-BFC1-408E-A445-0C87EB9F89A2}">
+                <ask:lineSketchStyleProps xmlns:ask="http://schemas.microsoft.com/office/drawing/2018/sketchyshapes" sd="1398590423">
+                  <a:prstGeom prst="rightArrow">
+                    <a:avLst/>
+                  </a:prstGeom>
+                  <ask:type>
+                    <ask:lineSketchScribble/>
+                  </ask:type>
+                </ask:lineSketchStyleProps>
+              </a:ext>
+            </a:extLst>
+          </a:ln>
+        </p:spPr>
+        <p:style>
+          <a:lnRef idx="2">
+            <a:schemeClr val="accent1">
+              <a:shade val="50000"/>
+            </a:schemeClr>
+          </a:lnRef>
+          <a:fillRef idx="1">
+            <a:schemeClr val="accent1"/>
+          </a:fillRef>
+          <a:effectRef idx="0">
+            <a:schemeClr val="accent1"/>
+          </a:effectRef>
+          <a:fontRef idx="minor">
+            <a:schemeClr val="lt1"/>
+          </a:fontRef>
+        </p:style>
+        <p:txBody>
+          <a:bodyPr rtlCol="0" anchor="ctr"/>
+          <a:lstStyle/>
+          <a:p>
+            <a:pPr algn="ctr"/>
+            <a:endParaRPr lang="en-US"/>
+          </a:p>
+        </p:txBody>
+      </p:sp>
+    </p:spTree>
+    <p:extLst>
+      <p:ext uri="{BB962C8B-B14F-4D97-AF65-F5344CB8AC3E}">
+        <p14:creationId xmlns:p14="http://schemas.microsoft.com/office/powerpoint/2010/main" val="1735832946"/>
+      </p:ext>
+    </p:extLst>
+  </p:cSld>
+  <p:clrMapOvr>
+    <a:masterClrMapping/>
+  </p:clrMapOvr>
+</p:sld>
+</file>
+
+<file path=ppt/slides/slide15.xml><?xml version="1.0" encoding="utf-8"?>
+<p:sld xmlns:a="http://schemas.openxmlformats.org/drawingml/2006/main" xmlns:r="http://schemas.openxmlformats.org/officeDocument/2006/relationships" xmlns:p="http://schemas.openxmlformats.org/presentationml/2006/main">
+  <p:cSld>
+    <p:spTree>
+      <p:nvGrpSpPr>
+        <p:cNvPr id="1" name=""/>
+        <p:cNvGrpSpPr/>
+        <p:nvPr/>
+      </p:nvGrpSpPr>
+      <p:grpSpPr>
+        <a:xfrm>
+          <a:off x="0" y="0"/>
+          <a:ext cx="0" cy="0"/>
+          <a:chOff x="0" y="0"/>
+          <a:chExt cx="0" cy="0"/>
+        </a:xfrm>
+      </p:grpSpPr>
+      <p:sp>
+        <p:nvSpPr>
+          <p:cNvPr id="2" name="Title 1">
+            <a:extLst>
+              <a:ext uri="{FF2B5EF4-FFF2-40B4-BE49-F238E27FC236}">
+                <a16:creationId xmlns:a16="http://schemas.microsoft.com/office/drawing/2014/main" id="{4DF178C7-120D-4AE8-B26F-BFA3959D9798}"/>
+              </a:ext>
+            </a:extLst>
+          </p:cNvPr>
+          <p:cNvSpPr>
+            <a:spLocks noGrp="1"/>
+          </p:cNvSpPr>
+          <p:nvPr>
+            <p:ph type="title"/>
+          </p:nvPr>
+        </p:nvSpPr>
+        <p:spPr/>
+        <p:txBody>
+          <a:bodyPr/>
+          <a:lstStyle/>
+          <a:p>
+            <a:r>
+              <a:rPr lang="en-US" dirty="0"/>
+              <a:t>Setting up your Repo</a:t>
+            </a:r>
+          </a:p>
+        </p:txBody>
+      </p:sp>
+      <p:sp>
+        <p:nvSpPr>
+          <p:cNvPr id="3" name="Content Placeholder 2">
+            <a:extLst>
+              <a:ext uri="{FF2B5EF4-FFF2-40B4-BE49-F238E27FC236}">
+                <a16:creationId xmlns:a16="http://schemas.microsoft.com/office/drawing/2014/main" id="{C36822C3-41DF-469F-8956-912A332FA942}"/>
+              </a:ext>
+            </a:extLst>
+          </p:cNvPr>
+          <p:cNvSpPr>
+            <a:spLocks noGrp="1"/>
+          </p:cNvSpPr>
+          <p:nvPr>
+            <p:ph idx="1"/>
+          </p:nvPr>
+        </p:nvSpPr>
+        <p:spPr/>
+        <p:txBody>
+          <a:bodyPr/>
+          <a:lstStyle/>
+          <a:p>
+            <a:r>
+              <a:rPr lang="en-US" dirty="0"/>
+              <a:t>Five</a:t>
+            </a:r>
+          </a:p>
+        </p:txBody>
+      </p:sp>
+    </p:spTree>
+    <p:extLst>
+      <p:ext uri="{BB962C8B-B14F-4D97-AF65-F5344CB8AC3E}">
+        <p14:creationId xmlns:p14="http://schemas.microsoft.com/office/powerpoint/2010/main" val="3458720652"/>
+      </p:ext>
+    </p:extLst>
+  </p:cSld>
+  <p:clrMapOvr>
+    <a:masterClrMapping/>
+  </p:clrMapOvr>
+</p:sld>
+</file>
+
+<file path=ppt/slides/slide16.xml><?xml version="1.0" encoding="utf-8"?>
+<p:sld xmlns:a="http://schemas.openxmlformats.org/drawingml/2006/main" xmlns:r="http://schemas.openxmlformats.org/officeDocument/2006/relationships" xmlns:p="http://schemas.openxmlformats.org/presentationml/2006/main">
+  <p:cSld>
+    <p:spTree>
+      <p:nvGrpSpPr>
+        <p:cNvPr id="1" name=""/>
+        <p:cNvGrpSpPr/>
+        <p:nvPr/>
+      </p:nvGrpSpPr>
+      <p:grpSpPr>
+        <a:xfrm>
+          <a:off x="0" y="0"/>
+          <a:ext cx="0" cy="0"/>
+          <a:chOff x="0" y="0"/>
+          <a:chExt cx="0" cy="0"/>
+        </a:xfrm>
+      </p:grpSpPr>
       <p:sp>
         <p:nvSpPr>
           <p:cNvPr id="2" name="Title 1">
@@ -5291,23 +7872,25 @@
                   <a:gd name="connsiteX2" fmla="*/ 232541 w 465082"/>
                   <a:gd name="connsiteY2" fmla="*/ 3684836 h 4280536"/>
                   <a:gd name="connsiteX3" fmla="*/ 232541 w 465082"/>
-                  <a:gd name="connsiteY3" fmla="*/ 3169147 h 4280536"/>
+                  <a:gd name="connsiteY3" fmla="*/ 3210402 h 4280536"/>
                   <a:gd name="connsiteX4" fmla="*/ 232541 w 465082"/>
-                  <a:gd name="connsiteY4" fmla="*/ 2179023 h 4280536"/>
-                  <a:gd name="connsiteX5" fmla="*/ 0 w 465082"/>
-                  <a:gd name="connsiteY5" fmla="*/ 2140268 h 4280536"/>
-                  <a:gd name="connsiteX6" fmla="*/ 232541 w 465082"/>
-                  <a:gd name="connsiteY6" fmla="*/ 2101513 h 4280536"/>
+                  <a:gd name="connsiteY4" fmla="*/ 2715340 h 4280536"/>
+                  <a:gd name="connsiteX5" fmla="*/ 232541 w 465082"/>
+                  <a:gd name="connsiteY5" fmla="*/ 2179023 h 4280536"/>
+                  <a:gd name="connsiteX6" fmla="*/ 0 w 465082"/>
+                  <a:gd name="connsiteY6" fmla="*/ 2140268 h 4280536"/>
                   <a:gd name="connsiteX7" fmla="*/ 232541 w 465082"/>
-                  <a:gd name="connsiteY7" fmla="*/ 1606451 h 4280536"/>
+                  <a:gd name="connsiteY7" fmla="*/ 2101513 h 4280536"/>
                   <a:gd name="connsiteX8" fmla="*/ 232541 w 465082"/>
-                  <a:gd name="connsiteY8" fmla="*/ 1132017 h 4280536"/>
+                  <a:gd name="connsiteY8" fmla="*/ 1647706 h 4280536"/>
                   <a:gd name="connsiteX9" fmla="*/ 232541 w 465082"/>
-                  <a:gd name="connsiteY9" fmla="*/ 616327 h 4280536"/>
+                  <a:gd name="connsiteY9" fmla="*/ 1193899 h 4280536"/>
                   <a:gd name="connsiteX10" fmla="*/ 232541 w 465082"/>
-                  <a:gd name="connsiteY10" fmla="*/ 38755 h 4280536"/>
-                  <a:gd name="connsiteX11" fmla="*/ 465082 w 465082"/>
-                  <a:gd name="connsiteY11" fmla="*/ 0 h 4280536"/>
+                  <a:gd name="connsiteY10" fmla="*/ 657582 h 4280536"/>
+                  <a:gd name="connsiteX11" fmla="*/ 232541 w 465082"/>
+                  <a:gd name="connsiteY11" fmla="*/ 38755 h 4280536"/>
+                  <a:gd name="connsiteX12" fmla="*/ 465082 w 465082"/>
+                  <a:gd name="connsiteY12" fmla="*/ 0 h 4280536"/>
                 </a:gdLst>
                 <a:ahLst/>
                 <a:cxnLst>
@@ -5346,6 +7929,9 @@
                   </a:cxn>
                   <a:cxn ang="0">
                     <a:pos x="connsiteX11" y="connsiteY11"/>
+                  </a:cxn>
+                  <a:cxn ang="0">
+                    <a:pos x="connsiteX12" y="connsiteY12"/>
                   </a:cxn>
                 </a:cxnLst>
                 <a:rect l="l" t="t" r="r" b="b"/>
@@ -5462,6 +8048,71 @@
                     <a:close/>
                   </a:path>
                   <a:path w="465082" h="4280536" fill="none" extrusionOk="0">
+                    <a:moveTo>
+                      <a:pt x="465082" y="4280536"/>
+                    </a:moveTo>
+                    <a:cubicBezTo>
+                      <a:pt x="340368" y="4281011"/>
+                      <a:pt x="228738" y="4259964"/>
+                      <a:pt x="232541" y="4241781"/>
+                    </a:cubicBezTo>
+                    <a:cubicBezTo>
+                      <a:pt x="213189" y="3977545"/>
+                      <a:pt x="257029" y="3796694"/>
+                      <a:pt x="232541" y="3684836"/>
+                    </a:cubicBezTo>
+                    <a:cubicBezTo>
+                      <a:pt x="208053" y="3572978"/>
+                      <a:pt x="258350" y="3388279"/>
+                      <a:pt x="232541" y="3210402"/>
+                    </a:cubicBezTo>
+                    <a:cubicBezTo>
+                      <a:pt x="206732" y="3032525"/>
+                      <a:pt x="269943" y="2872236"/>
+                      <a:pt x="232541" y="2715340"/>
+                    </a:cubicBezTo>
+                    <a:cubicBezTo>
+                      <a:pt x="195139" y="2558444"/>
+                      <a:pt x="278908" y="2360616"/>
+                      <a:pt x="232541" y="2179023"/>
+                    </a:cubicBezTo>
+                    <a:cubicBezTo>
+                      <a:pt x="238768" y="2166063"/>
+                      <a:pt x="134794" y="2140555"/>
+                      <a:pt x="0" y="2140268"/>
+                    </a:cubicBezTo>
+                    <a:cubicBezTo>
+                      <a:pt x="130129" y="2139728"/>
+                      <a:pt x="234985" y="2122054"/>
+                      <a:pt x="232541" y="2101513"/>
+                    </a:cubicBezTo>
+                    <a:cubicBezTo>
+                      <a:pt x="220242" y="1877645"/>
+                      <a:pt x="245059" y="1788997"/>
+                      <a:pt x="232541" y="1647706"/>
+                    </a:cubicBezTo>
+                    <a:cubicBezTo>
+                      <a:pt x="220023" y="1506415"/>
+                      <a:pt x="269548" y="1397114"/>
+                      <a:pt x="232541" y="1193899"/>
+                    </a:cubicBezTo>
+                    <a:cubicBezTo>
+                      <a:pt x="195534" y="990684"/>
+                      <a:pt x="264223" y="797942"/>
+                      <a:pt x="232541" y="657582"/>
+                    </a:cubicBezTo>
+                    <a:cubicBezTo>
+                      <a:pt x="200859" y="517222"/>
+                      <a:pt x="258151" y="188209"/>
+                      <a:pt x="232541" y="38755"/>
+                    </a:cubicBezTo>
+                    <a:cubicBezTo>
+                      <a:pt x="235150" y="-2927"/>
+                      <a:pt x="359967" y="11728"/>
+                      <a:pt x="465082" y="0"/>
+                    </a:cubicBezTo>
+                  </a:path>
+                  <a:path w="465082" h="4280536" fill="none" stroke="0" extrusionOk="0">
                     <a:moveTo>
                       <a:pt x="465082" y="4280536"/>
                     </a:moveTo>
@@ -5972,6 +8623,1217 @@
           </a:prstGeom>
         </p:spPr>
       </p:pic>
+      <p:grpSp>
+        <p:nvGrpSpPr>
+          <p:cNvPr id="6" name="Group 5">
+            <a:extLst>
+              <a:ext uri="{FF2B5EF4-FFF2-40B4-BE49-F238E27FC236}">
+                <a16:creationId xmlns:a16="http://schemas.microsoft.com/office/drawing/2014/main" id="{DAC1234A-34CD-4448-B111-477C18A701B6}"/>
+              </a:ext>
+            </a:extLst>
+          </p:cNvPr>
+          <p:cNvGrpSpPr/>
+          <p:nvPr/>
+        </p:nvGrpSpPr>
+        <p:grpSpPr>
+          <a:xfrm>
+            <a:off x="1711609" y="1245475"/>
+            <a:ext cx="3350175" cy="596176"/>
+            <a:chOff x="1711609" y="1245475"/>
+            <a:chExt cx="3350175" cy="596176"/>
+          </a:xfrm>
+        </p:grpSpPr>
+        <p:sp>
+          <p:nvSpPr>
+            <p:cNvPr id="3" name="Rectangle: Rounded Corners 2">
+              <a:extLst>
+                <a:ext uri="{FF2B5EF4-FFF2-40B4-BE49-F238E27FC236}">
+                  <a16:creationId xmlns:a16="http://schemas.microsoft.com/office/drawing/2014/main" id="{C66410D3-B5A7-47DA-8DD5-0469109CBF45}"/>
+                </a:ext>
+              </a:extLst>
+            </p:cNvPr>
+            <p:cNvSpPr/>
+            <p:nvPr/>
+          </p:nvSpPr>
+          <p:spPr>
+            <a:xfrm>
+              <a:off x="1852448" y="1245475"/>
+              <a:ext cx="740979" cy="282867"/>
+            </a:xfrm>
+            <a:custGeom>
+              <a:avLst/>
+              <a:gdLst>
+                <a:gd name="connsiteX0" fmla="*/ 0 w 740979"/>
+                <a:gd name="connsiteY0" fmla="*/ 47145 h 282867"/>
+                <a:gd name="connsiteX1" fmla="*/ 47145 w 740979"/>
+                <a:gd name="connsiteY1" fmla="*/ 0 h 282867"/>
+                <a:gd name="connsiteX2" fmla="*/ 376956 w 740979"/>
+                <a:gd name="connsiteY2" fmla="*/ 0 h 282867"/>
+                <a:gd name="connsiteX3" fmla="*/ 693834 w 740979"/>
+                <a:gd name="connsiteY3" fmla="*/ 0 h 282867"/>
+                <a:gd name="connsiteX4" fmla="*/ 740979 w 740979"/>
+                <a:gd name="connsiteY4" fmla="*/ 47145 h 282867"/>
+                <a:gd name="connsiteX5" fmla="*/ 740979 w 740979"/>
+                <a:gd name="connsiteY5" fmla="*/ 235722 h 282867"/>
+                <a:gd name="connsiteX6" fmla="*/ 693834 w 740979"/>
+                <a:gd name="connsiteY6" fmla="*/ 282867 h 282867"/>
+                <a:gd name="connsiteX7" fmla="*/ 383423 w 740979"/>
+                <a:gd name="connsiteY7" fmla="*/ 282867 h 282867"/>
+                <a:gd name="connsiteX8" fmla="*/ 47145 w 740979"/>
+                <a:gd name="connsiteY8" fmla="*/ 282867 h 282867"/>
+                <a:gd name="connsiteX9" fmla="*/ 0 w 740979"/>
+                <a:gd name="connsiteY9" fmla="*/ 235722 h 282867"/>
+                <a:gd name="connsiteX10" fmla="*/ 0 w 740979"/>
+                <a:gd name="connsiteY10" fmla="*/ 47145 h 282867"/>
+              </a:gdLst>
+              <a:ahLst/>
+              <a:cxnLst>
+                <a:cxn ang="0">
+                  <a:pos x="connsiteX0" y="connsiteY0"/>
+                </a:cxn>
+                <a:cxn ang="0">
+                  <a:pos x="connsiteX1" y="connsiteY1"/>
+                </a:cxn>
+                <a:cxn ang="0">
+                  <a:pos x="connsiteX2" y="connsiteY2"/>
+                </a:cxn>
+                <a:cxn ang="0">
+                  <a:pos x="connsiteX3" y="connsiteY3"/>
+                </a:cxn>
+                <a:cxn ang="0">
+                  <a:pos x="connsiteX4" y="connsiteY4"/>
+                </a:cxn>
+                <a:cxn ang="0">
+                  <a:pos x="connsiteX5" y="connsiteY5"/>
+                </a:cxn>
+                <a:cxn ang="0">
+                  <a:pos x="connsiteX6" y="connsiteY6"/>
+                </a:cxn>
+                <a:cxn ang="0">
+                  <a:pos x="connsiteX7" y="connsiteY7"/>
+                </a:cxn>
+                <a:cxn ang="0">
+                  <a:pos x="connsiteX8" y="connsiteY8"/>
+                </a:cxn>
+                <a:cxn ang="0">
+                  <a:pos x="connsiteX9" y="connsiteY9"/>
+                </a:cxn>
+                <a:cxn ang="0">
+                  <a:pos x="connsiteX10" y="connsiteY10"/>
+                </a:cxn>
+              </a:cxnLst>
+              <a:rect l="l" t="t" r="r" b="b"/>
+              <a:pathLst>
+                <a:path w="740979" h="282867" extrusionOk="0">
+                  <a:moveTo>
+                    <a:pt x="0" y="47145"/>
+                  </a:moveTo>
+                  <a:cubicBezTo>
+                    <a:pt x="-3485" y="16000"/>
+                    <a:pt x="22574" y="-5902"/>
+                    <a:pt x="47145" y="0"/>
+                  </a:cubicBezTo>
+                  <a:cubicBezTo>
+                    <a:pt x="209554" y="-13360"/>
+                    <a:pt x="219521" y="13025"/>
+                    <a:pt x="376956" y="0"/>
+                  </a:cubicBezTo>
+                  <a:cubicBezTo>
+                    <a:pt x="534391" y="-13025"/>
+                    <a:pt x="558935" y="36825"/>
+                    <a:pt x="693834" y="0"/>
+                  </a:cubicBezTo>
+                  <a:cubicBezTo>
+                    <a:pt x="720982" y="-2909"/>
+                    <a:pt x="744430" y="22427"/>
+                    <a:pt x="740979" y="47145"/>
+                  </a:cubicBezTo>
+                  <a:cubicBezTo>
+                    <a:pt x="749258" y="110422"/>
+                    <a:pt x="734321" y="167354"/>
+                    <a:pt x="740979" y="235722"/>
+                  </a:cubicBezTo>
+                  <a:cubicBezTo>
+                    <a:pt x="742142" y="259882"/>
+                    <a:pt x="716546" y="279647"/>
+                    <a:pt x="693834" y="282867"/>
+                  </a:cubicBezTo>
+                  <a:cubicBezTo>
+                    <a:pt x="624453" y="316392"/>
+                    <a:pt x="489005" y="245653"/>
+                    <a:pt x="383423" y="282867"/>
+                  </a:cubicBezTo>
+                  <a:cubicBezTo>
+                    <a:pt x="277841" y="320081"/>
+                    <a:pt x="179298" y="281810"/>
+                    <a:pt x="47145" y="282867"/>
+                  </a:cubicBezTo>
+                  <a:cubicBezTo>
+                    <a:pt x="23439" y="277284"/>
+                    <a:pt x="-3089" y="260460"/>
+                    <a:pt x="0" y="235722"/>
+                  </a:cubicBezTo>
+                  <a:cubicBezTo>
+                    <a:pt x="-7841" y="178933"/>
+                    <a:pt x="15671" y="93929"/>
+                    <a:pt x="0" y="47145"/>
+                  </a:cubicBezTo>
+                  <a:close/>
+                </a:path>
+              </a:pathLst>
+            </a:custGeom>
+            <a:noFill/>
+            <a:ln w="38100">
+              <a:extLst>
+                <a:ext uri="{C807C97D-BFC1-408E-A445-0C87EB9F89A2}">
+                  <ask:lineSketchStyleProps xmlns:ask="http://schemas.microsoft.com/office/drawing/2018/sketchyshapes" sd="590317558">
+                    <a:prstGeom prst="roundRect">
+                      <a:avLst/>
+                    </a:prstGeom>
+                    <ask:type>
+                      <ask:lineSketchScribble/>
+                    </ask:type>
+                  </ask:lineSketchStyleProps>
+                </a:ext>
+              </a:extLst>
+            </a:ln>
+          </p:spPr>
+          <p:style>
+            <a:lnRef idx="2">
+              <a:schemeClr val="accent1">
+                <a:shade val="50000"/>
+              </a:schemeClr>
+            </a:lnRef>
+            <a:fillRef idx="1">
+              <a:schemeClr val="accent1"/>
+            </a:fillRef>
+            <a:effectRef idx="0">
+              <a:schemeClr val="accent1"/>
+            </a:effectRef>
+            <a:fontRef idx="minor">
+              <a:schemeClr val="lt1"/>
+            </a:fontRef>
+          </p:style>
+          <p:txBody>
+            <a:bodyPr rtlCol="0" anchor="ctr"/>
+            <a:lstStyle/>
+            <a:p>
+              <a:pPr algn="ctr"/>
+              <a:endParaRPr lang="en-US"/>
+            </a:p>
+          </p:txBody>
+        </p:sp>
+        <p:sp>
+          <p:nvSpPr>
+            <p:cNvPr id="5" name="TextBox 4">
+              <a:extLst>
+                <a:ext uri="{FF2B5EF4-FFF2-40B4-BE49-F238E27FC236}">
+                  <a16:creationId xmlns:a16="http://schemas.microsoft.com/office/drawing/2014/main" id="{83F77FF2-1185-4613-89B9-2AF8C2A179D0}"/>
+                </a:ext>
+              </a:extLst>
+            </p:cNvPr>
+            <p:cNvSpPr txBox="1"/>
+            <p:nvPr/>
+          </p:nvSpPr>
+          <p:spPr>
+            <a:xfrm>
+              <a:off x="1711609" y="1503097"/>
+              <a:ext cx="3350175" cy="338554"/>
+            </a:xfrm>
+            <a:prstGeom prst="rect">
+              <a:avLst/>
+            </a:prstGeom>
+            <a:noFill/>
+          </p:spPr>
+          <p:txBody>
+            <a:bodyPr wrap="square" rtlCol="0">
+              <a:spAutoFit/>
+            </a:bodyPr>
+            <a:lstStyle/>
+            <a:p>
+              <a:r>
+                <a:rPr lang="en-US" sz="1600" b="1" dirty="0">
+                  <a:solidFill>
+                    <a:schemeClr val="accent2"/>
+                  </a:solidFill>
+                </a:rPr>
+                <a:t>Current repo – one per project</a:t>
+              </a:r>
+            </a:p>
+          </p:txBody>
+        </p:sp>
+      </p:grpSp>
+      <p:grpSp>
+        <p:nvGrpSpPr>
+          <p:cNvPr id="8" name="Group 7">
+            <a:extLst>
+              <a:ext uri="{FF2B5EF4-FFF2-40B4-BE49-F238E27FC236}">
+                <a16:creationId xmlns:a16="http://schemas.microsoft.com/office/drawing/2014/main" id="{05AAD65D-D4CA-4E12-8E78-871856B2E623}"/>
+              </a:ext>
+            </a:extLst>
+          </p:cNvPr>
+          <p:cNvGrpSpPr/>
+          <p:nvPr/>
+        </p:nvGrpSpPr>
+        <p:grpSpPr>
+          <a:xfrm>
+            <a:off x="355773" y="2147776"/>
+            <a:ext cx="3215115" cy="605437"/>
+            <a:chOff x="1756276" y="922905"/>
+            <a:chExt cx="3215115" cy="605437"/>
+          </a:xfrm>
+        </p:grpSpPr>
+        <p:sp>
+          <p:nvSpPr>
+            <p:cNvPr id="9" name="Rectangle: Rounded Corners 8">
+              <a:extLst>
+                <a:ext uri="{FF2B5EF4-FFF2-40B4-BE49-F238E27FC236}">
+                  <a16:creationId xmlns:a16="http://schemas.microsoft.com/office/drawing/2014/main" id="{CE01AEF1-ABFF-4396-8509-DA9F865C727B}"/>
+                </a:ext>
+              </a:extLst>
+            </p:cNvPr>
+            <p:cNvSpPr/>
+            <p:nvPr/>
+          </p:nvSpPr>
+          <p:spPr>
+            <a:xfrm>
+              <a:off x="1852447" y="1245475"/>
+              <a:ext cx="1005840" cy="282867"/>
+            </a:xfrm>
+            <a:custGeom>
+              <a:avLst/>
+              <a:gdLst>
+                <a:gd name="connsiteX0" fmla="*/ 0 w 1005840"/>
+                <a:gd name="connsiteY0" fmla="*/ 47145 h 282867"/>
+                <a:gd name="connsiteX1" fmla="*/ 47145 w 1005840"/>
+                <a:gd name="connsiteY1" fmla="*/ 0 h 282867"/>
+                <a:gd name="connsiteX2" fmla="*/ 512036 w 1005840"/>
+                <a:gd name="connsiteY2" fmla="*/ 0 h 282867"/>
+                <a:gd name="connsiteX3" fmla="*/ 958695 w 1005840"/>
+                <a:gd name="connsiteY3" fmla="*/ 0 h 282867"/>
+                <a:gd name="connsiteX4" fmla="*/ 1005840 w 1005840"/>
+                <a:gd name="connsiteY4" fmla="*/ 47145 h 282867"/>
+                <a:gd name="connsiteX5" fmla="*/ 1005840 w 1005840"/>
+                <a:gd name="connsiteY5" fmla="*/ 235722 h 282867"/>
+                <a:gd name="connsiteX6" fmla="*/ 958695 w 1005840"/>
+                <a:gd name="connsiteY6" fmla="*/ 282867 h 282867"/>
+                <a:gd name="connsiteX7" fmla="*/ 521151 w 1005840"/>
+                <a:gd name="connsiteY7" fmla="*/ 282867 h 282867"/>
+                <a:gd name="connsiteX8" fmla="*/ 47145 w 1005840"/>
+                <a:gd name="connsiteY8" fmla="*/ 282867 h 282867"/>
+                <a:gd name="connsiteX9" fmla="*/ 0 w 1005840"/>
+                <a:gd name="connsiteY9" fmla="*/ 235722 h 282867"/>
+                <a:gd name="connsiteX10" fmla="*/ 0 w 1005840"/>
+                <a:gd name="connsiteY10" fmla="*/ 47145 h 282867"/>
+              </a:gdLst>
+              <a:ahLst/>
+              <a:cxnLst>
+                <a:cxn ang="0">
+                  <a:pos x="connsiteX0" y="connsiteY0"/>
+                </a:cxn>
+                <a:cxn ang="0">
+                  <a:pos x="connsiteX1" y="connsiteY1"/>
+                </a:cxn>
+                <a:cxn ang="0">
+                  <a:pos x="connsiteX2" y="connsiteY2"/>
+                </a:cxn>
+                <a:cxn ang="0">
+                  <a:pos x="connsiteX3" y="connsiteY3"/>
+                </a:cxn>
+                <a:cxn ang="0">
+                  <a:pos x="connsiteX4" y="connsiteY4"/>
+                </a:cxn>
+                <a:cxn ang="0">
+                  <a:pos x="connsiteX5" y="connsiteY5"/>
+                </a:cxn>
+                <a:cxn ang="0">
+                  <a:pos x="connsiteX6" y="connsiteY6"/>
+                </a:cxn>
+                <a:cxn ang="0">
+                  <a:pos x="connsiteX7" y="connsiteY7"/>
+                </a:cxn>
+                <a:cxn ang="0">
+                  <a:pos x="connsiteX8" y="connsiteY8"/>
+                </a:cxn>
+                <a:cxn ang="0">
+                  <a:pos x="connsiteX9" y="connsiteY9"/>
+                </a:cxn>
+                <a:cxn ang="0">
+                  <a:pos x="connsiteX10" y="connsiteY10"/>
+                </a:cxn>
+              </a:cxnLst>
+              <a:rect l="l" t="t" r="r" b="b"/>
+              <a:pathLst>
+                <a:path w="1005840" h="282867" extrusionOk="0">
+                  <a:moveTo>
+                    <a:pt x="0" y="47145"/>
+                  </a:moveTo>
+                  <a:cubicBezTo>
+                    <a:pt x="-3485" y="16000"/>
+                    <a:pt x="22574" y="-5902"/>
+                    <a:pt x="47145" y="0"/>
+                  </a:cubicBezTo>
+                  <a:cubicBezTo>
+                    <a:pt x="151588" y="-25422"/>
+                    <a:pt x="338812" y="48008"/>
+                    <a:pt x="512036" y="0"/>
+                  </a:cubicBezTo>
+                  <a:cubicBezTo>
+                    <a:pt x="685260" y="-48008"/>
+                    <a:pt x="794448" y="11332"/>
+                    <a:pt x="958695" y="0"/>
+                  </a:cubicBezTo>
+                  <a:cubicBezTo>
+                    <a:pt x="985843" y="-2909"/>
+                    <a:pt x="1009291" y="22427"/>
+                    <a:pt x="1005840" y="47145"/>
+                  </a:cubicBezTo>
+                  <a:cubicBezTo>
+                    <a:pt x="1014119" y="110422"/>
+                    <a:pt x="999182" y="167354"/>
+                    <a:pt x="1005840" y="235722"/>
+                  </a:cubicBezTo>
+                  <a:cubicBezTo>
+                    <a:pt x="1007003" y="259882"/>
+                    <a:pt x="981407" y="279647"/>
+                    <a:pt x="958695" y="282867"/>
+                  </a:cubicBezTo>
+                  <a:cubicBezTo>
+                    <a:pt x="846917" y="287115"/>
+                    <a:pt x="687528" y="239273"/>
+                    <a:pt x="521151" y="282867"/>
+                  </a:cubicBezTo>
+                  <a:cubicBezTo>
+                    <a:pt x="354774" y="326461"/>
+                    <a:pt x="243023" y="280932"/>
+                    <a:pt x="47145" y="282867"/>
+                  </a:cubicBezTo>
+                  <a:cubicBezTo>
+                    <a:pt x="23439" y="277284"/>
+                    <a:pt x="-3089" y="260460"/>
+                    <a:pt x="0" y="235722"/>
+                  </a:cubicBezTo>
+                  <a:cubicBezTo>
+                    <a:pt x="-7841" y="178933"/>
+                    <a:pt x="15671" y="93929"/>
+                    <a:pt x="0" y="47145"/>
+                  </a:cubicBezTo>
+                  <a:close/>
+                </a:path>
+              </a:pathLst>
+            </a:custGeom>
+            <a:noFill/>
+            <a:ln w="38100">
+              <a:extLst>
+                <a:ext uri="{C807C97D-BFC1-408E-A445-0C87EB9F89A2}">
+                  <ask:lineSketchStyleProps xmlns:ask="http://schemas.microsoft.com/office/drawing/2018/sketchyshapes" sd="590317558">
+                    <a:prstGeom prst="roundRect">
+                      <a:avLst/>
+                    </a:prstGeom>
+                    <ask:type>
+                      <ask:lineSketchScribble/>
+                    </ask:type>
+                  </ask:lineSketchStyleProps>
+                </a:ext>
+              </a:extLst>
+            </a:ln>
+          </p:spPr>
+          <p:style>
+            <a:lnRef idx="2">
+              <a:schemeClr val="accent1">
+                <a:shade val="50000"/>
+              </a:schemeClr>
+            </a:lnRef>
+            <a:fillRef idx="1">
+              <a:schemeClr val="accent1"/>
+            </a:fillRef>
+            <a:effectRef idx="0">
+              <a:schemeClr val="accent1"/>
+            </a:effectRef>
+            <a:fontRef idx="minor">
+              <a:schemeClr val="lt1"/>
+            </a:fontRef>
+          </p:style>
+          <p:txBody>
+            <a:bodyPr rtlCol="0" anchor="ctr"/>
+            <a:lstStyle/>
+            <a:p>
+              <a:pPr algn="ctr"/>
+              <a:endParaRPr lang="en-US"/>
+            </a:p>
+          </p:txBody>
+        </p:sp>
+        <p:sp>
+          <p:nvSpPr>
+            <p:cNvPr id="10" name="TextBox 9">
+              <a:extLst>
+                <a:ext uri="{FF2B5EF4-FFF2-40B4-BE49-F238E27FC236}">
+                  <a16:creationId xmlns:a16="http://schemas.microsoft.com/office/drawing/2014/main" id="{F4103827-36D9-4687-BDF9-83631A4EA060}"/>
+                </a:ext>
+              </a:extLst>
+            </p:cNvPr>
+            <p:cNvSpPr txBox="1"/>
+            <p:nvPr/>
+          </p:nvSpPr>
+          <p:spPr>
+            <a:xfrm>
+              <a:off x="1756276" y="922905"/>
+              <a:ext cx="3215115" cy="338554"/>
+            </a:xfrm>
+            <a:prstGeom prst="rect">
+              <a:avLst/>
+            </a:prstGeom>
+            <a:noFill/>
+          </p:spPr>
+          <p:txBody>
+            <a:bodyPr wrap="square" rtlCol="0">
+              <a:spAutoFit/>
+            </a:bodyPr>
+            <a:lstStyle/>
+            <a:p>
+              <a:r>
+                <a:rPr lang="en-US" sz="1600" b="1" dirty="0">
+                  <a:solidFill>
+                    <a:schemeClr val="accent2"/>
+                  </a:solidFill>
+                </a:rPr>
+                <a:t>Current branch – master is default</a:t>
+              </a:r>
+            </a:p>
+          </p:txBody>
+        </p:sp>
+      </p:grpSp>
+      <p:grpSp>
+        <p:nvGrpSpPr>
+          <p:cNvPr id="11" name="Group 10">
+            <a:extLst>
+              <a:ext uri="{FF2B5EF4-FFF2-40B4-BE49-F238E27FC236}">
+                <a16:creationId xmlns:a16="http://schemas.microsoft.com/office/drawing/2014/main" id="{9524BF4D-1DF6-4230-9D41-07BD783D6E42}"/>
+              </a:ext>
+            </a:extLst>
+          </p:cNvPr>
+          <p:cNvGrpSpPr/>
+          <p:nvPr/>
+        </p:nvGrpSpPr>
+        <p:grpSpPr>
+          <a:xfrm>
+            <a:off x="446164" y="3449167"/>
+            <a:ext cx="8525467" cy="1374677"/>
+            <a:chOff x="1852446" y="1245475"/>
+            <a:chExt cx="8525467" cy="1374677"/>
+          </a:xfrm>
+        </p:grpSpPr>
+        <p:sp>
+          <p:nvSpPr>
+            <p:cNvPr id="12" name="Rectangle: Rounded Corners 11">
+              <a:extLst>
+                <a:ext uri="{FF2B5EF4-FFF2-40B4-BE49-F238E27FC236}">
+                  <a16:creationId xmlns:a16="http://schemas.microsoft.com/office/drawing/2014/main" id="{22655990-6159-44B9-B8A4-ED0CB54989D5}"/>
+                </a:ext>
+              </a:extLst>
+            </p:cNvPr>
+            <p:cNvSpPr/>
+            <p:nvPr/>
+          </p:nvSpPr>
+          <p:spPr>
+            <a:xfrm>
+              <a:off x="1852446" y="1245475"/>
+              <a:ext cx="8319463" cy="1036123"/>
+            </a:xfrm>
+            <a:custGeom>
+              <a:avLst/>
+              <a:gdLst>
+                <a:gd name="connsiteX0" fmla="*/ 0 w 8319463"/>
+                <a:gd name="connsiteY0" fmla="*/ 172691 h 1036123"/>
+                <a:gd name="connsiteX1" fmla="*/ 172691 w 8319463"/>
+                <a:gd name="connsiteY1" fmla="*/ 0 h 1036123"/>
+                <a:gd name="connsiteX2" fmla="*/ 822009 w 8319463"/>
+                <a:gd name="connsiteY2" fmla="*/ 0 h 1036123"/>
+                <a:gd name="connsiteX3" fmla="*/ 1471327 w 8319463"/>
+                <a:gd name="connsiteY3" fmla="*/ 0 h 1036123"/>
+                <a:gd name="connsiteX4" fmla="*/ 1881423 w 8319463"/>
+                <a:gd name="connsiteY4" fmla="*/ 0 h 1036123"/>
+                <a:gd name="connsiteX5" fmla="*/ 2211777 w 8319463"/>
+                <a:gd name="connsiteY5" fmla="*/ 0 h 1036123"/>
+                <a:gd name="connsiteX6" fmla="*/ 2701614 w 8319463"/>
+                <a:gd name="connsiteY6" fmla="*/ 0 h 1036123"/>
+                <a:gd name="connsiteX7" fmla="*/ 3111709 w 8319463"/>
+                <a:gd name="connsiteY7" fmla="*/ 0 h 1036123"/>
+                <a:gd name="connsiteX8" fmla="*/ 3761027 w 8319463"/>
+                <a:gd name="connsiteY8" fmla="*/ 0 h 1036123"/>
+                <a:gd name="connsiteX9" fmla="*/ 4490086 w 8319463"/>
+                <a:gd name="connsiteY9" fmla="*/ 0 h 1036123"/>
+                <a:gd name="connsiteX10" fmla="*/ 5219145 w 8319463"/>
+                <a:gd name="connsiteY10" fmla="*/ 0 h 1036123"/>
+                <a:gd name="connsiteX11" fmla="*/ 5708982 w 8319463"/>
+                <a:gd name="connsiteY11" fmla="*/ 0 h 1036123"/>
+                <a:gd name="connsiteX12" fmla="*/ 6198818 w 8319463"/>
+                <a:gd name="connsiteY12" fmla="*/ 0 h 1036123"/>
+                <a:gd name="connsiteX13" fmla="*/ 6927877 w 8319463"/>
+                <a:gd name="connsiteY13" fmla="*/ 0 h 1036123"/>
+                <a:gd name="connsiteX14" fmla="*/ 7337972 w 8319463"/>
+                <a:gd name="connsiteY14" fmla="*/ 0 h 1036123"/>
+                <a:gd name="connsiteX15" fmla="*/ 8146772 w 8319463"/>
+                <a:gd name="connsiteY15" fmla="*/ 0 h 1036123"/>
+                <a:gd name="connsiteX16" fmla="*/ 8319463 w 8319463"/>
+                <a:gd name="connsiteY16" fmla="*/ 172691 h 1036123"/>
+                <a:gd name="connsiteX17" fmla="*/ 8319463 w 8319463"/>
+                <a:gd name="connsiteY17" fmla="*/ 524969 h 1036123"/>
+                <a:gd name="connsiteX18" fmla="*/ 8319463 w 8319463"/>
+                <a:gd name="connsiteY18" fmla="*/ 863432 h 1036123"/>
+                <a:gd name="connsiteX19" fmla="*/ 8146772 w 8319463"/>
+                <a:gd name="connsiteY19" fmla="*/ 1036123 h 1036123"/>
+                <a:gd name="connsiteX20" fmla="*/ 7656936 w 8319463"/>
+                <a:gd name="connsiteY20" fmla="*/ 1036123 h 1036123"/>
+                <a:gd name="connsiteX21" fmla="*/ 7246840 w 8319463"/>
+                <a:gd name="connsiteY21" fmla="*/ 1036123 h 1036123"/>
+                <a:gd name="connsiteX22" fmla="*/ 6916485 w 8319463"/>
+                <a:gd name="connsiteY22" fmla="*/ 1036123 h 1036123"/>
+                <a:gd name="connsiteX23" fmla="*/ 6267167 w 8319463"/>
+                <a:gd name="connsiteY23" fmla="*/ 1036123 h 1036123"/>
+                <a:gd name="connsiteX24" fmla="*/ 5936812 w 8319463"/>
+                <a:gd name="connsiteY24" fmla="*/ 1036123 h 1036123"/>
+                <a:gd name="connsiteX25" fmla="*/ 5367235 w 8319463"/>
+                <a:gd name="connsiteY25" fmla="*/ 1036123 h 1036123"/>
+                <a:gd name="connsiteX26" fmla="*/ 4957140 w 8319463"/>
+                <a:gd name="connsiteY26" fmla="*/ 1036123 h 1036123"/>
+                <a:gd name="connsiteX27" fmla="*/ 4547044 w 8319463"/>
+                <a:gd name="connsiteY27" fmla="*/ 1036123 h 1036123"/>
+                <a:gd name="connsiteX28" fmla="*/ 4216689 w 8319463"/>
+                <a:gd name="connsiteY28" fmla="*/ 1036123 h 1036123"/>
+                <a:gd name="connsiteX29" fmla="*/ 3567371 w 8319463"/>
+                <a:gd name="connsiteY29" fmla="*/ 1036123 h 1036123"/>
+                <a:gd name="connsiteX30" fmla="*/ 2997794 w 8319463"/>
+                <a:gd name="connsiteY30" fmla="*/ 1036123 h 1036123"/>
+                <a:gd name="connsiteX31" fmla="*/ 2428217 w 8319463"/>
+                <a:gd name="connsiteY31" fmla="*/ 1036123 h 1036123"/>
+                <a:gd name="connsiteX32" fmla="*/ 1858640 w 8319463"/>
+                <a:gd name="connsiteY32" fmla="*/ 1036123 h 1036123"/>
+                <a:gd name="connsiteX33" fmla="*/ 1289062 w 8319463"/>
+                <a:gd name="connsiteY33" fmla="*/ 1036123 h 1036123"/>
+                <a:gd name="connsiteX34" fmla="*/ 172691 w 8319463"/>
+                <a:gd name="connsiteY34" fmla="*/ 1036123 h 1036123"/>
+                <a:gd name="connsiteX35" fmla="*/ 0 w 8319463"/>
+                <a:gd name="connsiteY35" fmla="*/ 863432 h 1036123"/>
+                <a:gd name="connsiteX36" fmla="*/ 0 w 8319463"/>
+                <a:gd name="connsiteY36" fmla="*/ 524969 h 1036123"/>
+                <a:gd name="connsiteX37" fmla="*/ 0 w 8319463"/>
+                <a:gd name="connsiteY37" fmla="*/ 172691 h 1036123"/>
+              </a:gdLst>
+              <a:ahLst/>
+              <a:cxnLst>
+                <a:cxn ang="0">
+                  <a:pos x="connsiteX0" y="connsiteY0"/>
+                </a:cxn>
+                <a:cxn ang="0">
+                  <a:pos x="connsiteX1" y="connsiteY1"/>
+                </a:cxn>
+                <a:cxn ang="0">
+                  <a:pos x="connsiteX2" y="connsiteY2"/>
+                </a:cxn>
+                <a:cxn ang="0">
+                  <a:pos x="connsiteX3" y="connsiteY3"/>
+                </a:cxn>
+                <a:cxn ang="0">
+                  <a:pos x="connsiteX4" y="connsiteY4"/>
+                </a:cxn>
+                <a:cxn ang="0">
+                  <a:pos x="connsiteX5" y="connsiteY5"/>
+                </a:cxn>
+                <a:cxn ang="0">
+                  <a:pos x="connsiteX6" y="connsiteY6"/>
+                </a:cxn>
+                <a:cxn ang="0">
+                  <a:pos x="connsiteX7" y="connsiteY7"/>
+                </a:cxn>
+                <a:cxn ang="0">
+                  <a:pos x="connsiteX8" y="connsiteY8"/>
+                </a:cxn>
+                <a:cxn ang="0">
+                  <a:pos x="connsiteX9" y="connsiteY9"/>
+                </a:cxn>
+                <a:cxn ang="0">
+                  <a:pos x="connsiteX10" y="connsiteY10"/>
+                </a:cxn>
+                <a:cxn ang="0">
+                  <a:pos x="connsiteX11" y="connsiteY11"/>
+                </a:cxn>
+                <a:cxn ang="0">
+                  <a:pos x="connsiteX12" y="connsiteY12"/>
+                </a:cxn>
+                <a:cxn ang="0">
+                  <a:pos x="connsiteX13" y="connsiteY13"/>
+                </a:cxn>
+                <a:cxn ang="0">
+                  <a:pos x="connsiteX14" y="connsiteY14"/>
+                </a:cxn>
+                <a:cxn ang="0">
+                  <a:pos x="connsiteX15" y="connsiteY15"/>
+                </a:cxn>
+                <a:cxn ang="0">
+                  <a:pos x="connsiteX16" y="connsiteY16"/>
+                </a:cxn>
+                <a:cxn ang="0">
+                  <a:pos x="connsiteX17" y="connsiteY17"/>
+                </a:cxn>
+                <a:cxn ang="0">
+                  <a:pos x="connsiteX18" y="connsiteY18"/>
+                </a:cxn>
+                <a:cxn ang="0">
+                  <a:pos x="connsiteX19" y="connsiteY19"/>
+                </a:cxn>
+                <a:cxn ang="0">
+                  <a:pos x="connsiteX20" y="connsiteY20"/>
+                </a:cxn>
+                <a:cxn ang="0">
+                  <a:pos x="connsiteX21" y="connsiteY21"/>
+                </a:cxn>
+                <a:cxn ang="0">
+                  <a:pos x="connsiteX22" y="connsiteY22"/>
+                </a:cxn>
+                <a:cxn ang="0">
+                  <a:pos x="connsiteX23" y="connsiteY23"/>
+                </a:cxn>
+                <a:cxn ang="0">
+                  <a:pos x="connsiteX24" y="connsiteY24"/>
+                </a:cxn>
+                <a:cxn ang="0">
+                  <a:pos x="connsiteX25" y="connsiteY25"/>
+                </a:cxn>
+                <a:cxn ang="0">
+                  <a:pos x="connsiteX26" y="connsiteY26"/>
+                </a:cxn>
+                <a:cxn ang="0">
+                  <a:pos x="connsiteX27" y="connsiteY27"/>
+                </a:cxn>
+                <a:cxn ang="0">
+                  <a:pos x="connsiteX28" y="connsiteY28"/>
+                </a:cxn>
+                <a:cxn ang="0">
+                  <a:pos x="connsiteX29" y="connsiteY29"/>
+                </a:cxn>
+                <a:cxn ang="0">
+                  <a:pos x="connsiteX30" y="connsiteY30"/>
+                </a:cxn>
+                <a:cxn ang="0">
+                  <a:pos x="connsiteX31" y="connsiteY31"/>
+                </a:cxn>
+                <a:cxn ang="0">
+                  <a:pos x="connsiteX32" y="connsiteY32"/>
+                </a:cxn>
+                <a:cxn ang="0">
+                  <a:pos x="connsiteX33" y="connsiteY33"/>
+                </a:cxn>
+                <a:cxn ang="0">
+                  <a:pos x="connsiteX34" y="connsiteY34"/>
+                </a:cxn>
+                <a:cxn ang="0">
+                  <a:pos x="connsiteX35" y="connsiteY35"/>
+                </a:cxn>
+                <a:cxn ang="0">
+                  <a:pos x="connsiteX36" y="connsiteY36"/>
+                </a:cxn>
+                <a:cxn ang="0">
+                  <a:pos x="connsiteX37" y="connsiteY37"/>
+                </a:cxn>
+              </a:cxnLst>
+              <a:rect l="l" t="t" r="r" b="b"/>
+              <a:pathLst>
+                <a:path w="8319463" h="1036123" extrusionOk="0">
+                  <a:moveTo>
+                    <a:pt x="0" y="172691"/>
+                  </a:moveTo>
+                  <a:cubicBezTo>
+                    <a:pt x="-4545" y="70653"/>
+                    <a:pt x="80511" y="-12859"/>
+                    <a:pt x="172691" y="0"/>
+                  </a:cubicBezTo>
+                  <a:cubicBezTo>
+                    <a:pt x="396013" y="-26100"/>
+                    <a:pt x="646696" y="51279"/>
+                    <a:pt x="822009" y="0"/>
+                  </a:cubicBezTo>
+                  <a:cubicBezTo>
+                    <a:pt x="997322" y="-51279"/>
+                    <a:pt x="1219197" y="18853"/>
+                    <a:pt x="1471327" y="0"/>
+                  </a:cubicBezTo>
+                  <a:cubicBezTo>
+                    <a:pt x="1723457" y="-18853"/>
+                    <a:pt x="1692269" y="36933"/>
+                    <a:pt x="1881423" y="0"/>
+                  </a:cubicBezTo>
+                  <a:cubicBezTo>
+                    <a:pt x="2070577" y="-36933"/>
+                    <a:pt x="2135423" y="6580"/>
+                    <a:pt x="2211777" y="0"/>
+                  </a:cubicBezTo>
+                  <a:cubicBezTo>
+                    <a:pt x="2288131" y="-6580"/>
+                    <a:pt x="2559101" y="39970"/>
+                    <a:pt x="2701614" y="0"/>
+                  </a:cubicBezTo>
+                  <a:cubicBezTo>
+                    <a:pt x="2844127" y="-39970"/>
+                    <a:pt x="2975128" y="32860"/>
+                    <a:pt x="3111709" y="0"/>
+                  </a:cubicBezTo>
+                  <a:cubicBezTo>
+                    <a:pt x="3248290" y="-32860"/>
+                    <a:pt x="3508522" y="74693"/>
+                    <a:pt x="3761027" y="0"/>
+                  </a:cubicBezTo>
+                  <a:cubicBezTo>
+                    <a:pt x="4013532" y="-74693"/>
+                    <a:pt x="4152649" y="5138"/>
+                    <a:pt x="4490086" y="0"/>
+                  </a:cubicBezTo>
+                  <a:cubicBezTo>
+                    <a:pt x="4827523" y="-5138"/>
+                    <a:pt x="5050640" y="3406"/>
+                    <a:pt x="5219145" y="0"/>
+                  </a:cubicBezTo>
+                  <a:cubicBezTo>
+                    <a:pt x="5387650" y="-3406"/>
+                    <a:pt x="5574375" y="49294"/>
+                    <a:pt x="5708982" y="0"/>
+                  </a:cubicBezTo>
+                  <a:cubicBezTo>
+                    <a:pt x="5843589" y="-49294"/>
+                    <a:pt x="6044308" y="51546"/>
+                    <a:pt x="6198818" y="0"/>
+                  </a:cubicBezTo>
+                  <a:cubicBezTo>
+                    <a:pt x="6353328" y="-51546"/>
+                    <a:pt x="6697033" y="42612"/>
+                    <a:pt x="6927877" y="0"/>
+                  </a:cubicBezTo>
+                  <a:cubicBezTo>
+                    <a:pt x="7158721" y="-42612"/>
+                    <a:pt x="7186847" y="30713"/>
+                    <a:pt x="7337972" y="0"/>
+                  </a:cubicBezTo>
+                  <a:cubicBezTo>
+                    <a:pt x="7489097" y="-30713"/>
+                    <a:pt x="7821020" y="76802"/>
+                    <a:pt x="8146772" y="0"/>
+                  </a:cubicBezTo>
+                  <a:cubicBezTo>
+                    <a:pt x="8246204" y="-914"/>
+                    <a:pt x="8315792" y="72353"/>
+                    <a:pt x="8319463" y="172691"/>
+                  </a:cubicBezTo>
+                  <a:cubicBezTo>
+                    <a:pt x="8346752" y="253334"/>
+                    <a:pt x="8280274" y="435730"/>
+                    <a:pt x="8319463" y="524969"/>
+                  </a:cubicBezTo>
+                  <a:cubicBezTo>
+                    <a:pt x="8358652" y="614208"/>
+                    <a:pt x="8296062" y="735665"/>
+                    <a:pt x="8319463" y="863432"/>
+                  </a:cubicBezTo>
+                  <a:cubicBezTo>
+                    <a:pt x="8299245" y="950884"/>
+                    <a:pt x="8262826" y="1021160"/>
+                    <a:pt x="8146772" y="1036123"/>
+                  </a:cubicBezTo>
+                  <a:cubicBezTo>
+                    <a:pt x="7996280" y="1038708"/>
+                    <a:pt x="7862280" y="1030578"/>
+                    <a:pt x="7656936" y="1036123"/>
+                  </a:cubicBezTo>
+                  <a:cubicBezTo>
+                    <a:pt x="7451592" y="1041668"/>
+                    <a:pt x="7349842" y="1018130"/>
+                    <a:pt x="7246840" y="1036123"/>
+                  </a:cubicBezTo>
+                  <a:cubicBezTo>
+                    <a:pt x="7143838" y="1054116"/>
+                    <a:pt x="6982742" y="1034813"/>
+                    <a:pt x="6916485" y="1036123"/>
+                  </a:cubicBezTo>
+                  <a:cubicBezTo>
+                    <a:pt x="6850229" y="1037433"/>
+                    <a:pt x="6477832" y="1028272"/>
+                    <a:pt x="6267167" y="1036123"/>
+                  </a:cubicBezTo>
+                  <a:cubicBezTo>
+                    <a:pt x="6056502" y="1043974"/>
+                    <a:pt x="6100975" y="1016865"/>
+                    <a:pt x="5936812" y="1036123"/>
+                  </a:cubicBezTo>
+                  <a:cubicBezTo>
+                    <a:pt x="5772650" y="1055381"/>
+                    <a:pt x="5585064" y="974526"/>
+                    <a:pt x="5367235" y="1036123"/>
+                  </a:cubicBezTo>
+                  <a:cubicBezTo>
+                    <a:pt x="5149406" y="1097720"/>
+                    <a:pt x="5090475" y="1007684"/>
+                    <a:pt x="4957140" y="1036123"/>
+                  </a:cubicBezTo>
+                  <a:cubicBezTo>
+                    <a:pt x="4823806" y="1064562"/>
+                    <a:pt x="4737138" y="1009954"/>
+                    <a:pt x="4547044" y="1036123"/>
+                  </a:cubicBezTo>
+                  <a:cubicBezTo>
+                    <a:pt x="4356950" y="1062292"/>
+                    <a:pt x="4336294" y="1006230"/>
+                    <a:pt x="4216689" y="1036123"/>
+                  </a:cubicBezTo>
+                  <a:cubicBezTo>
+                    <a:pt x="4097084" y="1066016"/>
+                    <a:pt x="3804400" y="994429"/>
+                    <a:pt x="3567371" y="1036123"/>
+                  </a:cubicBezTo>
+                  <a:cubicBezTo>
+                    <a:pt x="3330342" y="1077817"/>
+                    <a:pt x="3146436" y="1003537"/>
+                    <a:pt x="2997794" y="1036123"/>
+                  </a:cubicBezTo>
+                  <a:cubicBezTo>
+                    <a:pt x="2849152" y="1068709"/>
+                    <a:pt x="2601910" y="1027065"/>
+                    <a:pt x="2428217" y="1036123"/>
+                  </a:cubicBezTo>
+                  <a:cubicBezTo>
+                    <a:pt x="2254524" y="1045181"/>
+                    <a:pt x="2102052" y="1013864"/>
+                    <a:pt x="1858640" y="1036123"/>
+                  </a:cubicBezTo>
+                  <a:cubicBezTo>
+                    <a:pt x="1615228" y="1058382"/>
+                    <a:pt x="1446918" y="1017414"/>
+                    <a:pt x="1289062" y="1036123"/>
+                  </a:cubicBezTo>
+                  <a:cubicBezTo>
+                    <a:pt x="1131206" y="1054832"/>
+                    <a:pt x="449732" y="1029923"/>
+                    <a:pt x="172691" y="1036123"/>
+                  </a:cubicBezTo>
+                  <a:cubicBezTo>
+                    <a:pt x="79574" y="1032748"/>
+                    <a:pt x="-22999" y="962119"/>
+                    <a:pt x="0" y="863432"/>
+                  </a:cubicBezTo>
+                  <a:cubicBezTo>
+                    <a:pt x="-35447" y="736226"/>
+                    <a:pt x="7954" y="597081"/>
+                    <a:pt x="0" y="524969"/>
+                  </a:cubicBezTo>
+                  <a:cubicBezTo>
+                    <a:pt x="-7954" y="452857"/>
+                    <a:pt x="21691" y="288824"/>
+                    <a:pt x="0" y="172691"/>
+                  </a:cubicBezTo>
+                  <a:close/>
+                </a:path>
+              </a:pathLst>
+            </a:custGeom>
+            <a:noFill/>
+            <a:ln w="38100">
+              <a:extLst>
+                <a:ext uri="{C807C97D-BFC1-408E-A445-0C87EB9F89A2}">
+                  <ask:lineSketchStyleProps xmlns:ask="http://schemas.microsoft.com/office/drawing/2018/sketchyshapes" sd="590317558">
+                    <a:prstGeom prst="roundRect">
+                      <a:avLst/>
+                    </a:prstGeom>
+                    <ask:type>
+                      <ask:lineSketchScribble/>
+                    </ask:type>
+                  </ask:lineSketchStyleProps>
+                </a:ext>
+              </a:extLst>
+            </a:ln>
+          </p:spPr>
+          <p:style>
+            <a:lnRef idx="2">
+              <a:schemeClr val="accent1">
+                <a:shade val="50000"/>
+              </a:schemeClr>
+            </a:lnRef>
+            <a:fillRef idx="1">
+              <a:schemeClr val="accent1"/>
+            </a:fillRef>
+            <a:effectRef idx="0">
+              <a:schemeClr val="accent1"/>
+            </a:effectRef>
+            <a:fontRef idx="minor">
+              <a:schemeClr val="lt1"/>
+            </a:fontRef>
+          </p:style>
+          <p:txBody>
+            <a:bodyPr rtlCol="0" anchor="ctr"/>
+            <a:lstStyle/>
+            <a:p>
+              <a:pPr algn="ctr"/>
+              <a:endParaRPr lang="en-US"/>
+            </a:p>
+          </p:txBody>
+        </p:sp>
+        <p:sp>
+          <p:nvSpPr>
+            <p:cNvPr id="13" name="TextBox 12">
+              <a:extLst>
+                <a:ext uri="{FF2B5EF4-FFF2-40B4-BE49-F238E27FC236}">
+                  <a16:creationId xmlns:a16="http://schemas.microsoft.com/office/drawing/2014/main" id="{26CD9D37-730B-46BF-9212-BF7716ADA2E1}"/>
+                </a:ext>
+              </a:extLst>
+            </p:cNvPr>
+            <p:cNvSpPr txBox="1"/>
+            <p:nvPr/>
+          </p:nvSpPr>
+          <p:spPr>
+            <a:xfrm>
+              <a:off x="6222649" y="2281598"/>
+              <a:ext cx="4155264" cy="338554"/>
+            </a:xfrm>
+            <a:prstGeom prst="rect">
+              <a:avLst/>
+            </a:prstGeom>
+            <a:noFill/>
+          </p:spPr>
+          <p:txBody>
+            <a:bodyPr wrap="square" rtlCol="0">
+              <a:spAutoFit/>
+            </a:bodyPr>
+            <a:lstStyle/>
+            <a:p>
+              <a:pPr algn="ctr"/>
+              <a:r>
+                <a:rPr lang="en-US" sz="1600" b="1" dirty="0">
+                  <a:solidFill>
+                    <a:schemeClr val="accent2"/>
+                  </a:solidFill>
+                </a:rPr>
+                <a:t>Code &amp; related information in current branch</a:t>
+              </a:r>
+            </a:p>
+          </p:txBody>
+        </p:sp>
+      </p:grpSp>
+      <p:grpSp>
+        <p:nvGrpSpPr>
+          <p:cNvPr id="14" name="Group 13">
+            <a:extLst>
+              <a:ext uri="{FF2B5EF4-FFF2-40B4-BE49-F238E27FC236}">
+                <a16:creationId xmlns:a16="http://schemas.microsoft.com/office/drawing/2014/main" id="{061F6A4F-FF49-413B-8DA9-A45D4E9DC205}"/>
+              </a:ext>
+            </a:extLst>
+          </p:cNvPr>
+          <p:cNvGrpSpPr/>
+          <p:nvPr/>
+        </p:nvGrpSpPr>
+        <p:grpSpPr>
+          <a:xfrm>
+            <a:off x="2675408" y="1217631"/>
+            <a:ext cx="2140959" cy="338554"/>
+            <a:chOff x="1852448" y="1217195"/>
+            <a:chExt cx="2140959" cy="338554"/>
+          </a:xfrm>
+        </p:grpSpPr>
+        <p:sp>
+          <p:nvSpPr>
+            <p:cNvPr id="15" name="Rectangle: Rounded Corners 14">
+              <a:extLst>
+                <a:ext uri="{FF2B5EF4-FFF2-40B4-BE49-F238E27FC236}">
+                  <a16:creationId xmlns:a16="http://schemas.microsoft.com/office/drawing/2014/main" id="{ED749F70-3C78-43F0-ADD7-89149CCFA84C}"/>
+                </a:ext>
+              </a:extLst>
+            </p:cNvPr>
+            <p:cNvSpPr/>
+            <p:nvPr/>
+          </p:nvSpPr>
+          <p:spPr>
+            <a:xfrm>
+              <a:off x="1852448" y="1245475"/>
+              <a:ext cx="457200" cy="282867"/>
+            </a:xfrm>
+            <a:custGeom>
+              <a:avLst/>
+              <a:gdLst>
+                <a:gd name="connsiteX0" fmla="*/ 0 w 457200"/>
+                <a:gd name="connsiteY0" fmla="*/ 47145 h 282867"/>
+                <a:gd name="connsiteX1" fmla="*/ 47145 w 457200"/>
+                <a:gd name="connsiteY1" fmla="*/ 0 h 282867"/>
+                <a:gd name="connsiteX2" fmla="*/ 410055 w 457200"/>
+                <a:gd name="connsiteY2" fmla="*/ 0 h 282867"/>
+                <a:gd name="connsiteX3" fmla="*/ 457200 w 457200"/>
+                <a:gd name="connsiteY3" fmla="*/ 47145 h 282867"/>
+                <a:gd name="connsiteX4" fmla="*/ 457200 w 457200"/>
+                <a:gd name="connsiteY4" fmla="*/ 235722 h 282867"/>
+                <a:gd name="connsiteX5" fmla="*/ 410055 w 457200"/>
+                <a:gd name="connsiteY5" fmla="*/ 282867 h 282867"/>
+                <a:gd name="connsiteX6" fmla="*/ 47145 w 457200"/>
+                <a:gd name="connsiteY6" fmla="*/ 282867 h 282867"/>
+                <a:gd name="connsiteX7" fmla="*/ 0 w 457200"/>
+                <a:gd name="connsiteY7" fmla="*/ 235722 h 282867"/>
+                <a:gd name="connsiteX8" fmla="*/ 0 w 457200"/>
+                <a:gd name="connsiteY8" fmla="*/ 47145 h 282867"/>
+              </a:gdLst>
+              <a:ahLst/>
+              <a:cxnLst>
+                <a:cxn ang="0">
+                  <a:pos x="connsiteX0" y="connsiteY0"/>
+                </a:cxn>
+                <a:cxn ang="0">
+                  <a:pos x="connsiteX1" y="connsiteY1"/>
+                </a:cxn>
+                <a:cxn ang="0">
+                  <a:pos x="connsiteX2" y="connsiteY2"/>
+                </a:cxn>
+                <a:cxn ang="0">
+                  <a:pos x="connsiteX3" y="connsiteY3"/>
+                </a:cxn>
+                <a:cxn ang="0">
+                  <a:pos x="connsiteX4" y="connsiteY4"/>
+                </a:cxn>
+                <a:cxn ang="0">
+                  <a:pos x="connsiteX5" y="connsiteY5"/>
+                </a:cxn>
+                <a:cxn ang="0">
+                  <a:pos x="connsiteX6" y="connsiteY6"/>
+                </a:cxn>
+                <a:cxn ang="0">
+                  <a:pos x="connsiteX7" y="connsiteY7"/>
+                </a:cxn>
+                <a:cxn ang="0">
+                  <a:pos x="connsiteX8" y="connsiteY8"/>
+                </a:cxn>
+              </a:cxnLst>
+              <a:rect l="l" t="t" r="r" b="b"/>
+              <a:pathLst>
+                <a:path w="457200" h="282867" extrusionOk="0">
+                  <a:moveTo>
+                    <a:pt x="0" y="47145"/>
+                  </a:moveTo>
+                  <a:cubicBezTo>
+                    <a:pt x="-3485" y="16000"/>
+                    <a:pt x="22574" y="-5902"/>
+                    <a:pt x="47145" y="0"/>
+                  </a:cubicBezTo>
+                  <a:cubicBezTo>
+                    <a:pt x="162103" y="-26773"/>
+                    <a:pt x="280414" y="14569"/>
+                    <a:pt x="410055" y="0"/>
+                  </a:cubicBezTo>
+                  <a:cubicBezTo>
+                    <a:pt x="439196" y="-4972"/>
+                    <a:pt x="460180" y="22858"/>
+                    <a:pt x="457200" y="47145"/>
+                  </a:cubicBezTo>
+                  <a:cubicBezTo>
+                    <a:pt x="469863" y="131736"/>
+                    <a:pt x="441214" y="145336"/>
+                    <a:pt x="457200" y="235722"/>
+                  </a:cubicBezTo>
+                  <a:cubicBezTo>
+                    <a:pt x="461275" y="266456"/>
+                    <a:pt x="436665" y="285355"/>
+                    <a:pt x="410055" y="282867"/>
+                  </a:cubicBezTo>
+                  <a:cubicBezTo>
+                    <a:pt x="274413" y="302017"/>
+                    <a:pt x="224623" y="259935"/>
+                    <a:pt x="47145" y="282867"/>
+                  </a:cubicBezTo>
+                  <a:cubicBezTo>
+                    <a:pt x="19624" y="284806"/>
+                    <a:pt x="2769" y="260057"/>
+                    <a:pt x="0" y="235722"/>
+                  </a:cubicBezTo>
+                  <a:cubicBezTo>
+                    <a:pt x="-1380" y="167065"/>
+                    <a:pt x="5916" y="137103"/>
+                    <a:pt x="0" y="47145"/>
+                  </a:cubicBezTo>
+                  <a:close/>
+                </a:path>
+              </a:pathLst>
+            </a:custGeom>
+            <a:noFill/>
+            <a:ln w="38100">
+              <a:extLst>
+                <a:ext uri="{C807C97D-BFC1-408E-A445-0C87EB9F89A2}">
+                  <ask:lineSketchStyleProps xmlns:ask="http://schemas.microsoft.com/office/drawing/2018/sketchyshapes" sd="590317558">
+                    <a:prstGeom prst="roundRect">
+                      <a:avLst/>
+                    </a:prstGeom>
+                    <ask:type>
+                      <ask:lineSketchScribble/>
+                    </ask:type>
+                  </ask:lineSketchStyleProps>
+                </a:ext>
+              </a:extLst>
+            </a:ln>
+          </p:spPr>
+          <p:style>
+            <a:lnRef idx="2">
+              <a:schemeClr val="accent1">
+                <a:shade val="50000"/>
+              </a:schemeClr>
+            </a:lnRef>
+            <a:fillRef idx="1">
+              <a:schemeClr val="accent1"/>
+            </a:fillRef>
+            <a:effectRef idx="0">
+              <a:schemeClr val="accent1"/>
+            </a:effectRef>
+            <a:fontRef idx="minor">
+              <a:schemeClr val="lt1"/>
+            </a:fontRef>
+          </p:style>
+          <p:txBody>
+            <a:bodyPr rtlCol="0" anchor="ctr"/>
+            <a:lstStyle/>
+            <a:p>
+              <a:pPr algn="ctr"/>
+              <a:endParaRPr lang="en-US"/>
+            </a:p>
+          </p:txBody>
+        </p:sp>
+        <p:sp>
+          <p:nvSpPr>
+            <p:cNvPr id="16" name="TextBox 15">
+              <a:extLst>
+                <a:ext uri="{FF2B5EF4-FFF2-40B4-BE49-F238E27FC236}">
+                  <a16:creationId xmlns:a16="http://schemas.microsoft.com/office/drawing/2014/main" id="{38167EB3-6010-46F2-846C-88EA2408255B}"/>
+                </a:ext>
+              </a:extLst>
+            </p:cNvPr>
+            <p:cNvSpPr txBox="1"/>
+            <p:nvPr/>
+          </p:nvSpPr>
+          <p:spPr>
+            <a:xfrm>
+              <a:off x="2293881" y="1217195"/>
+              <a:ext cx="1699526" cy="338554"/>
+            </a:xfrm>
+            <a:prstGeom prst="rect">
+              <a:avLst/>
+            </a:prstGeom>
+            <a:noFill/>
+          </p:spPr>
+          <p:txBody>
+            <a:bodyPr wrap="square" rtlCol="0">
+              <a:spAutoFit/>
+            </a:bodyPr>
+            <a:lstStyle/>
+            <a:p>
+              <a:r>
+                <a:rPr lang="en-US" sz="1600" b="1" dirty="0">
+                  <a:solidFill>
+                    <a:schemeClr val="accent2"/>
+                  </a:solidFill>
+                </a:rPr>
+                <a:t>Repo access type</a:t>
+              </a:r>
+            </a:p>
+          </p:txBody>
+        </p:sp>
+      </p:grpSp>
     </p:spTree>
     <p:extLst>
       <p:ext uri="{BB962C8B-B14F-4D97-AF65-F5344CB8AC3E}">
@@ -6051,10 +9913,341 @@
           <a:bodyPr/>
           <a:lstStyle/>
           <a:p>
-            <a:endParaRPr lang="en-US"/>
+            <a:r>
+              <a:rPr lang="en-US" dirty="0"/>
+              <a:t>First things first: Download necessary software &amp; create accounts</a:t>
+            </a:r>
+          </a:p>
+          <a:p>
+            <a:pPr lvl="1"/>
+            <a:r>
+              <a:rPr lang="en-US" dirty="0"/>
+              <a:t>Git: </a:t>
+            </a:r>
+            <a:r>
+              <a:rPr lang="en-US" dirty="0">
+                <a:hlinkClick r:id="rId2"/>
+              </a:rPr>
+              <a:t>Download Git for Windows here</a:t>
+            </a:r>
+            <a:r>
+              <a:rPr lang="en-US" dirty="0"/>
+              <a:t>; download Git for Mac here?</a:t>
+            </a:r>
+          </a:p>
+          <a:p>
+            <a:pPr lvl="1"/>
+            <a:r>
+              <a:rPr lang="en-US" dirty="0"/>
+              <a:t>GitHub: </a:t>
+            </a:r>
+            <a:r>
+              <a:rPr lang="en-US" dirty="0">
+                <a:hlinkClick r:id="rId3"/>
+              </a:rPr>
+              <a:t>Create an account here</a:t>
+            </a:r>
+            <a:endParaRPr lang="en-US" dirty="0"/>
+          </a:p>
+          <a:p>
+            <a:r>
+              <a:rPr lang="en-US" dirty="0"/>
+              <a:t>Create your first repo on GitHub</a:t>
+            </a:r>
+          </a:p>
+          <a:p>
+            <a:pPr lvl="1"/>
+            <a:r>
+              <a:rPr lang="en-US" dirty="0"/>
+              <a:t>Call it “XXX </a:t>
+            </a:r>
+            <a:r>
+              <a:rPr lang="en-US" dirty="0" err="1"/>
+              <a:t>XXX</a:t>
+            </a:r>
+            <a:r>
+              <a:rPr lang="en-US" dirty="0"/>
+              <a:t>”</a:t>
+            </a:r>
           </a:p>
         </p:txBody>
       </p:sp>
+      <p:pic>
+        <p:nvPicPr>
+          <p:cNvPr id="5" name="Picture 4" descr="Graphical user interface, text, application&#10;&#10;Description automatically generated">
+            <a:extLst>
+              <a:ext uri="{FF2B5EF4-FFF2-40B4-BE49-F238E27FC236}">
+                <a16:creationId xmlns:a16="http://schemas.microsoft.com/office/drawing/2014/main" id="{CC762DAB-C63C-4478-A389-F99CCFF2389A}"/>
+              </a:ext>
+            </a:extLst>
+          </p:cNvPr>
+          <p:cNvPicPr>
+            <a:picLocks noChangeAspect="1"/>
+          </p:cNvPicPr>
+          <p:nvPr/>
+        </p:nvPicPr>
+        <p:blipFill>
+          <a:blip r:embed="rId4">
+            <a:extLst>
+              <a:ext uri="{28A0092B-C50C-407E-A947-70E740481C1C}">
+                <a14:useLocalDpi xmlns:a14="http://schemas.microsoft.com/office/drawing/2010/main" val="0"/>
+              </a:ext>
+            </a:extLst>
+          </a:blip>
+          <a:stretch>
+            <a:fillRect/>
+          </a:stretch>
+        </p:blipFill>
+        <p:spPr>
+          <a:xfrm>
+            <a:off x="253699" y="3748715"/>
+            <a:ext cx="11684601" cy="2425825"/>
+          </a:xfrm>
+          <a:prstGeom prst="rect">
+            <a:avLst/>
+          </a:prstGeom>
+        </p:spPr>
+      </p:pic>
+      <p:grpSp>
+        <p:nvGrpSpPr>
+          <p:cNvPr id="6" name="Group 5">
+            <a:extLst>
+              <a:ext uri="{FF2B5EF4-FFF2-40B4-BE49-F238E27FC236}">
+                <a16:creationId xmlns:a16="http://schemas.microsoft.com/office/drawing/2014/main" id="{5CD726C9-2A4E-4AC0-A212-B38308CE4037}"/>
+              </a:ext>
+            </a:extLst>
+          </p:cNvPr>
+          <p:cNvGrpSpPr/>
+          <p:nvPr/>
+        </p:nvGrpSpPr>
+        <p:grpSpPr>
+          <a:xfrm>
+            <a:off x="1981724" y="4273732"/>
+            <a:ext cx="2881937" cy="573690"/>
+            <a:chOff x="1734206" y="954652"/>
+            <a:chExt cx="2881937" cy="573690"/>
+          </a:xfrm>
+        </p:grpSpPr>
+        <p:sp>
+          <p:nvSpPr>
+            <p:cNvPr id="7" name="Rectangle: Rounded Corners 6">
+              <a:extLst>
+                <a:ext uri="{FF2B5EF4-FFF2-40B4-BE49-F238E27FC236}">
+                  <a16:creationId xmlns:a16="http://schemas.microsoft.com/office/drawing/2014/main" id="{0603DBEC-D1EB-4CE1-99FE-ED182FC17F9C}"/>
+                </a:ext>
+              </a:extLst>
+            </p:cNvPr>
+            <p:cNvSpPr/>
+            <p:nvPr/>
+          </p:nvSpPr>
+          <p:spPr>
+            <a:xfrm>
+              <a:off x="1852448" y="1245475"/>
+              <a:ext cx="731520" cy="282867"/>
+            </a:xfrm>
+            <a:custGeom>
+              <a:avLst/>
+              <a:gdLst>
+                <a:gd name="connsiteX0" fmla="*/ 0 w 731520"/>
+                <a:gd name="connsiteY0" fmla="*/ 47145 h 282867"/>
+                <a:gd name="connsiteX1" fmla="*/ 47145 w 731520"/>
+                <a:gd name="connsiteY1" fmla="*/ 0 h 282867"/>
+                <a:gd name="connsiteX2" fmla="*/ 372132 w 731520"/>
+                <a:gd name="connsiteY2" fmla="*/ 0 h 282867"/>
+                <a:gd name="connsiteX3" fmla="*/ 684375 w 731520"/>
+                <a:gd name="connsiteY3" fmla="*/ 0 h 282867"/>
+                <a:gd name="connsiteX4" fmla="*/ 731520 w 731520"/>
+                <a:gd name="connsiteY4" fmla="*/ 47145 h 282867"/>
+                <a:gd name="connsiteX5" fmla="*/ 731520 w 731520"/>
+                <a:gd name="connsiteY5" fmla="*/ 235722 h 282867"/>
+                <a:gd name="connsiteX6" fmla="*/ 684375 w 731520"/>
+                <a:gd name="connsiteY6" fmla="*/ 282867 h 282867"/>
+                <a:gd name="connsiteX7" fmla="*/ 378505 w 731520"/>
+                <a:gd name="connsiteY7" fmla="*/ 282867 h 282867"/>
+                <a:gd name="connsiteX8" fmla="*/ 47145 w 731520"/>
+                <a:gd name="connsiteY8" fmla="*/ 282867 h 282867"/>
+                <a:gd name="connsiteX9" fmla="*/ 0 w 731520"/>
+                <a:gd name="connsiteY9" fmla="*/ 235722 h 282867"/>
+                <a:gd name="connsiteX10" fmla="*/ 0 w 731520"/>
+                <a:gd name="connsiteY10" fmla="*/ 47145 h 282867"/>
+              </a:gdLst>
+              <a:ahLst/>
+              <a:cxnLst>
+                <a:cxn ang="0">
+                  <a:pos x="connsiteX0" y="connsiteY0"/>
+                </a:cxn>
+                <a:cxn ang="0">
+                  <a:pos x="connsiteX1" y="connsiteY1"/>
+                </a:cxn>
+                <a:cxn ang="0">
+                  <a:pos x="connsiteX2" y="connsiteY2"/>
+                </a:cxn>
+                <a:cxn ang="0">
+                  <a:pos x="connsiteX3" y="connsiteY3"/>
+                </a:cxn>
+                <a:cxn ang="0">
+                  <a:pos x="connsiteX4" y="connsiteY4"/>
+                </a:cxn>
+                <a:cxn ang="0">
+                  <a:pos x="connsiteX5" y="connsiteY5"/>
+                </a:cxn>
+                <a:cxn ang="0">
+                  <a:pos x="connsiteX6" y="connsiteY6"/>
+                </a:cxn>
+                <a:cxn ang="0">
+                  <a:pos x="connsiteX7" y="connsiteY7"/>
+                </a:cxn>
+                <a:cxn ang="0">
+                  <a:pos x="connsiteX8" y="connsiteY8"/>
+                </a:cxn>
+                <a:cxn ang="0">
+                  <a:pos x="connsiteX9" y="connsiteY9"/>
+                </a:cxn>
+                <a:cxn ang="0">
+                  <a:pos x="connsiteX10" y="connsiteY10"/>
+                </a:cxn>
+              </a:cxnLst>
+              <a:rect l="l" t="t" r="r" b="b"/>
+              <a:pathLst>
+                <a:path w="731520" h="282867" extrusionOk="0">
+                  <a:moveTo>
+                    <a:pt x="0" y="47145"/>
+                  </a:moveTo>
+                  <a:cubicBezTo>
+                    <a:pt x="-3485" y="16000"/>
+                    <a:pt x="22574" y="-5902"/>
+                    <a:pt x="47145" y="0"/>
+                  </a:cubicBezTo>
+                  <a:cubicBezTo>
+                    <a:pt x="195693" y="-10630"/>
+                    <a:pt x="250671" y="27782"/>
+                    <a:pt x="372132" y="0"/>
+                  </a:cubicBezTo>
+                  <a:cubicBezTo>
+                    <a:pt x="493593" y="-27782"/>
+                    <a:pt x="578636" y="36267"/>
+                    <a:pt x="684375" y="0"/>
+                  </a:cubicBezTo>
+                  <a:cubicBezTo>
+                    <a:pt x="711523" y="-2909"/>
+                    <a:pt x="734971" y="22427"/>
+                    <a:pt x="731520" y="47145"/>
+                  </a:cubicBezTo>
+                  <a:cubicBezTo>
+                    <a:pt x="739799" y="110422"/>
+                    <a:pt x="724862" y="167354"/>
+                    <a:pt x="731520" y="235722"/>
+                  </a:cubicBezTo>
+                  <a:cubicBezTo>
+                    <a:pt x="732683" y="259882"/>
+                    <a:pt x="707087" y="279647"/>
+                    <a:pt x="684375" y="282867"/>
+                  </a:cubicBezTo>
+                  <a:cubicBezTo>
+                    <a:pt x="590412" y="314440"/>
+                    <a:pt x="524849" y="253885"/>
+                    <a:pt x="378505" y="282867"/>
+                  </a:cubicBezTo>
+                  <a:cubicBezTo>
+                    <a:pt x="232161" y="311849"/>
+                    <a:pt x="187591" y="246561"/>
+                    <a:pt x="47145" y="282867"/>
+                  </a:cubicBezTo>
+                  <a:cubicBezTo>
+                    <a:pt x="23439" y="277284"/>
+                    <a:pt x="-3089" y="260460"/>
+                    <a:pt x="0" y="235722"/>
+                  </a:cubicBezTo>
+                  <a:cubicBezTo>
+                    <a:pt x="-7841" y="178933"/>
+                    <a:pt x="15671" y="93929"/>
+                    <a:pt x="0" y="47145"/>
+                  </a:cubicBezTo>
+                  <a:close/>
+                </a:path>
+              </a:pathLst>
+            </a:custGeom>
+            <a:noFill/>
+            <a:ln w="38100">
+              <a:extLst>
+                <a:ext uri="{C807C97D-BFC1-408E-A445-0C87EB9F89A2}">
+                  <ask:lineSketchStyleProps xmlns:ask="http://schemas.microsoft.com/office/drawing/2018/sketchyshapes" sd="590317558">
+                    <a:prstGeom prst="roundRect">
+                      <a:avLst/>
+                    </a:prstGeom>
+                    <ask:type>
+                      <ask:lineSketchScribble/>
+                    </ask:type>
+                  </ask:lineSketchStyleProps>
+                </a:ext>
+              </a:extLst>
+            </a:ln>
+          </p:spPr>
+          <p:style>
+            <a:lnRef idx="2">
+              <a:schemeClr val="accent1">
+                <a:shade val="50000"/>
+              </a:schemeClr>
+            </a:lnRef>
+            <a:fillRef idx="1">
+              <a:schemeClr val="accent1"/>
+            </a:fillRef>
+            <a:effectRef idx="0">
+              <a:schemeClr val="accent1"/>
+            </a:effectRef>
+            <a:fontRef idx="minor">
+              <a:schemeClr val="lt1"/>
+            </a:fontRef>
+          </p:style>
+          <p:txBody>
+            <a:bodyPr rtlCol="0" anchor="ctr"/>
+            <a:lstStyle/>
+            <a:p>
+              <a:pPr algn="ctr"/>
+              <a:endParaRPr lang="en-US"/>
+            </a:p>
+          </p:txBody>
+        </p:sp>
+        <p:sp>
+          <p:nvSpPr>
+            <p:cNvPr id="8" name="TextBox 7">
+              <a:extLst>
+                <a:ext uri="{FF2B5EF4-FFF2-40B4-BE49-F238E27FC236}">
+                  <a16:creationId xmlns:a16="http://schemas.microsoft.com/office/drawing/2014/main" id="{61D0D7AE-6656-4031-AE45-84C37918EB32}"/>
+                </a:ext>
+              </a:extLst>
+            </p:cNvPr>
+            <p:cNvSpPr txBox="1"/>
+            <p:nvPr/>
+          </p:nvSpPr>
+          <p:spPr>
+            <a:xfrm>
+              <a:off x="1734206" y="954652"/>
+              <a:ext cx="2881937" cy="338554"/>
+            </a:xfrm>
+            <a:prstGeom prst="rect">
+              <a:avLst/>
+            </a:prstGeom>
+            <a:noFill/>
+          </p:spPr>
+          <p:txBody>
+            <a:bodyPr wrap="square" rtlCol="0">
+              <a:spAutoFit/>
+            </a:bodyPr>
+            <a:lstStyle/>
+            <a:p>
+              <a:r>
+                <a:rPr lang="en-US" sz="1600" b="1" dirty="0">
+                  <a:solidFill>
+                    <a:schemeClr val="accent2"/>
+                  </a:solidFill>
+                </a:rPr>
+                <a:t>Click here to create new repo!</a:t>
+              </a:r>
+            </a:p>
+          </p:txBody>
+        </p:sp>
+      </p:grpSp>
     </p:spTree>
     <p:extLst>
       <p:ext uri="{BB962C8B-B14F-4D97-AF65-F5344CB8AC3E}">
@@ -6085,60 +10278,1364 @@
           <a:chExt cx="0" cy="0"/>
         </a:xfrm>
       </p:grpSpPr>
-      <p:sp>
-        <p:nvSpPr>
-          <p:cNvPr id="2" name="Title 1">
+      <p:pic>
+        <p:nvPicPr>
+          <p:cNvPr id="9" name="Content Placeholder 8">
             <a:extLst>
               <a:ext uri="{FF2B5EF4-FFF2-40B4-BE49-F238E27FC236}">
-                <a16:creationId xmlns:a16="http://schemas.microsoft.com/office/drawing/2014/main" id="{4DF178C7-120D-4AE8-B26F-BFA3959D9798}"/>
+                <a16:creationId xmlns:a16="http://schemas.microsoft.com/office/drawing/2014/main" id="{043DFF0A-D743-4CE8-8848-130B34D78407}"/>
               </a:ext>
             </a:extLst>
           </p:cNvPr>
-          <p:cNvSpPr>
-            <a:spLocks noGrp="1"/>
-          </p:cNvSpPr>
+          <p:cNvPicPr>
+            <a:picLocks noGrp="1" noChangeAspect="1"/>
+          </p:cNvPicPr>
           <p:nvPr>
-            <p:ph type="title"/>
+            <p:ph idx="1"/>
           </p:nvPr>
-        </p:nvSpPr>
-        <p:spPr/>
-        <p:txBody>
-          <a:bodyPr/>
-          <a:lstStyle/>
-          <a:p>
-            <a:endParaRPr lang="en-US"/>
-          </a:p>
-        </p:txBody>
-      </p:sp>
-      <p:sp>
-        <p:nvSpPr>
-          <p:cNvPr id="3" name="Content Placeholder 2">
+        </p:nvPicPr>
+        <p:blipFill>
+          <a:blip r:embed="rId2">
+            <a:extLst>
+              <a:ext uri="{28A0092B-C50C-407E-A947-70E740481C1C}">
+                <a14:useLocalDpi xmlns:a14="http://schemas.microsoft.com/office/drawing/2010/main" val="0"/>
+              </a:ext>
+            </a:extLst>
+          </a:blip>
+          <a:srcRect/>
+          <a:stretch/>
+        </p:blipFill>
+        <p:spPr>
+          <a:xfrm>
+            <a:off x="2441832" y="135703"/>
+            <a:ext cx="7308335" cy="6159785"/>
+          </a:xfrm>
+        </p:spPr>
+      </p:pic>
+      <p:grpSp>
+        <p:nvGrpSpPr>
+          <p:cNvPr id="12" name="Group 11">
             <a:extLst>
               <a:ext uri="{FF2B5EF4-FFF2-40B4-BE49-F238E27FC236}">
-                <a16:creationId xmlns:a16="http://schemas.microsoft.com/office/drawing/2014/main" id="{C36822C3-41DF-469F-8956-912A332FA942}"/>
+                <a16:creationId xmlns:a16="http://schemas.microsoft.com/office/drawing/2014/main" id="{D0E7DF7C-BEF2-4F3D-99E9-5A98C0B762E3}"/>
               </a:ext>
             </a:extLst>
           </p:cNvPr>
-          <p:cNvSpPr>
-            <a:spLocks noGrp="1"/>
-          </p:cNvSpPr>
-          <p:nvPr>
-            <p:ph idx="1"/>
-          </p:nvPr>
-        </p:nvSpPr>
-        <p:spPr/>
-        <p:txBody>
-          <a:bodyPr/>
-          <a:lstStyle/>
-          <a:p>
-            <a:endParaRPr lang="en-US"/>
-          </a:p>
-        </p:txBody>
-      </p:sp>
+          <p:cNvGrpSpPr/>
+          <p:nvPr/>
+        </p:nvGrpSpPr>
+        <p:grpSpPr>
+          <a:xfrm>
+            <a:off x="4181013" y="1159606"/>
+            <a:ext cx="2834642" cy="976622"/>
+            <a:chOff x="1765736" y="906921"/>
+            <a:chExt cx="2834642" cy="976622"/>
+          </a:xfrm>
+        </p:grpSpPr>
+        <p:sp>
+          <p:nvSpPr>
+            <p:cNvPr id="13" name="Rectangle: Rounded Corners 12">
+              <a:extLst>
+                <a:ext uri="{FF2B5EF4-FFF2-40B4-BE49-F238E27FC236}">
+                  <a16:creationId xmlns:a16="http://schemas.microsoft.com/office/drawing/2014/main" id="{CF416E77-E8BB-4075-8AD4-3C435EBE2B06}"/>
+                </a:ext>
+              </a:extLst>
+            </p:cNvPr>
+            <p:cNvSpPr/>
+            <p:nvPr/>
+          </p:nvSpPr>
+          <p:spPr>
+            <a:xfrm>
+              <a:off x="1852448" y="1245475"/>
+              <a:ext cx="2747930" cy="638068"/>
+            </a:xfrm>
+            <a:custGeom>
+              <a:avLst/>
+              <a:gdLst>
+                <a:gd name="connsiteX0" fmla="*/ 0 w 2747930"/>
+                <a:gd name="connsiteY0" fmla="*/ 106347 h 638068"/>
+                <a:gd name="connsiteX1" fmla="*/ 106347 w 2747930"/>
+                <a:gd name="connsiteY1" fmla="*/ 0 h 638068"/>
+                <a:gd name="connsiteX2" fmla="*/ 638747 w 2747930"/>
+                <a:gd name="connsiteY2" fmla="*/ 0 h 638068"/>
+                <a:gd name="connsiteX3" fmla="*/ 1171146 w 2747930"/>
+                <a:gd name="connsiteY3" fmla="*/ 0 h 638068"/>
+                <a:gd name="connsiteX4" fmla="*/ 1627489 w 2747930"/>
+                <a:gd name="connsiteY4" fmla="*/ 0 h 638068"/>
+                <a:gd name="connsiteX5" fmla="*/ 2058479 w 2747930"/>
+                <a:gd name="connsiteY5" fmla="*/ 0 h 638068"/>
+                <a:gd name="connsiteX6" fmla="*/ 2641583 w 2747930"/>
+                <a:gd name="connsiteY6" fmla="*/ 0 h 638068"/>
+                <a:gd name="connsiteX7" fmla="*/ 2747930 w 2747930"/>
+                <a:gd name="connsiteY7" fmla="*/ 106347 h 638068"/>
+                <a:gd name="connsiteX8" fmla="*/ 2747930 w 2747930"/>
+                <a:gd name="connsiteY8" fmla="*/ 531721 h 638068"/>
+                <a:gd name="connsiteX9" fmla="*/ 2641583 w 2747930"/>
+                <a:gd name="connsiteY9" fmla="*/ 638068 h 638068"/>
+                <a:gd name="connsiteX10" fmla="*/ 2134536 w 2747930"/>
+                <a:gd name="connsiteY10" fmla="*/ 638068 h 638068"/>
+                <a:gd name="connsiteX11" fmla="*/ 1576784 w 2747930"/>
+                <a:gd name="connsiteY11" fmla="*/ 638068 h 638068"/>
+                <a:gd name="connsiteX12" fmla="*/ 1120441 w 2747930"/>
+                <a:gd name="connsiteY12" fmla="*/ 638068 h 638068"/>
+                <a:gd name="connsiteX13" fmla="*/ 588042 w 2747930"/>
+                <a:gd name="connsiteY13" fmla="*/ 638068 h 638068"/>
+                <a:gd name="connsiteX14" fmla="*/ 106347 w 2747930"/>
+                <a:gd name="connsiteY14" fmla="*/ 638068 h 638068"/>
+                <a:gd name="connsiteX15" fmla="*/ 0 w 2747930"/>
+                <a:gd name="connsiteY15" fmla="*/ 531721 h 638068"/>
+                <a:gd name="connsiteX16" fmla="*/ 0 w 2747930"/>
+                <a:gd name="connsiteY16" fmla="*/ 106347 h 638068"/>
+              </a:gdLst>
+              <a:ahLst/>
+              <a:cxnLst>
+                <a:cxn ang="0">
+                  <a:pos x="connsiteX0" y="connsiteY0"/>
+                </a:cxn>
+                <a:cxn ang="0">
+                  <a:pos x="connsiteX1" y="connsiteY1"/>
+                </a:cxn>
+                <a:cxn ang="0">
+                  <a:pos x="connsiteX2" y="connsiteY2"/>
+                </a:cxn>
+                <a:cxn ang="0">
+                  <a:pos x="connsiteX3" y="connsiteY3"/>
+                </a:cxn>
+                <a:cxn ang="0">
+                  <a:pos x="connsiteX4" y="connsiteY4"/>
+                </a:cxn>
+                <a:cxn ang="0">
+                  <a:pos x="connsiteX5" y="connsiteY5"/>
+                </a:cxn>
+                <a:cxn ang="0">
+                  <a:pos x="connsiteX6" y="connsiteY6"/>
+                </a:cxn>
+                <a:cxn ang="0">
+                  <a:pos x="connsiteX7" y="connsiteY7"/>
+                </a:cxn>
+                <a:cxn ang="0">
+                  <a:pos x="connsiteX8" y="connsiteY8"/>
+                </a:cxn>
+                <a:cxn ang="0">
+                  <a:pos x="connsiteX9" y="connsiteY9"/>
+                </a:cxn>
+                <a:cxn ang="0">
+                  <a:pos x="connsiteX10" y="connsiteY10"/>
+                </a:cxn>
+                <a:cxn ang="0">
+                  <a:pos x="connsiteX11" y="connsiteY11"/>
+                </a:cxn>
+                <a:cxn ang="0">
+                  <a:pos x="connsiteX12" y="connsiteY12"/>
+                </a:cxn>
+                <a:cxn ang="0">
+                  <a:pos x="connsiteX13" y="connsiteY13"/>
+                </a:cxn>
+                <a:cxn ang="0">
+                  <a:pos x="connsiteX14" y="connsiteY14"/>
+                </a:cxn>
+                <a:cxn ang="0">
+                  <a:pos x="connsiteX15" y="connsiteY15"/>
+                </a:cxn>
+                <a:cxn ang="0">
+                  <a:pos x="connsiteX16" y="connsiteY16"/>
+                </a:cxn>
+              </a:cxnLst>
+              <a:rect l="l" t="t" r="r" b="b"/>
+              <a:pathLst>
+                <a:path w="2747930" h="638068" extrusionOk="0">
+                  <a:moveTo>
+                    <a:pt x="0" y="106347"/>
+                  </a:moveTo>
+                  <a:cubicBezTo>
+                    <a:pt x="-5448" y="39627"/>
+                    <a:pt x="49561" y="-7842"/>
+                    <a:pt x="106347" y="0"/>
+                  </a:cubicBezTo>
+                  <a:cubicBezTo>
+                    <a:pt x="345429" y="-425"/>
+                    <a:pt x="378216" y="3729"/>
+                    <a:pt x="638747" y="0"/>
+                  </a:cubicBezTo>
+                  <a:cubicBezTo>
+                    <a:pt x="899278" y="-3729"/>
+                    <a:pt x="953875" y="40912"/>
+                    <a:pt x="1171146" y="0"/>
+                  </a:cubicBezTo>
+                  <a:cubicBezTo>
+                    <a:pt x="1388417" y="-40912"/>
+                    <a:pt x="1502330" y="3084"/>
+                    <a:pt x="1627489" y="0"/>
+                  </a:cubicBezTo>
+                  <a:cubicBezTo>
+                    <a:pt x="1752648" y="-3084"/>
+                    <a:pt x="1891231" y="39104"/>
+                    <a:pt x="2058479" y="0"/>
+                  </a:cubicBezTo>
+                  <a:cubicBezTo>
+                    <a:pt x="2225727" y="-39104"/>
+                    <a:pt x="2522741" y="57268"/>
+                    <a:pt x="2641583" y="0"/>
+                  </a:cubicBezTo>
+                  <a:cubicBezTo>
+                    <a:pt x="2704265" y="-6369"/>
+                    <a:pt x="2745578" y="45335"/>
+                    <a:pt x="2747930" y="106347"/>
+                  </a:cubicBezTo>
+                  <a:cubicBezTo>
+                    <a:pt x="2777669" y="213541"/>
+                    <a:pt x="2738938" y="411412"/>
+                    <a:pt x="2747930" y="531721"/>
+                  </a:cubicBezTo>
+                  <a:cubicBezTo>
+                    <a:pt x="2752068" y="597632"/>
+                    <a:pt x="2708623" y="638718"/>
+                    <a:pt x="2641583" y="638068"/>
+                  </a:cubicBezTo>
+                  <a:cubicBezTo>
+                    <a:pt x="2526138" y="677719"/>
+                    <a:pt x="2241974" y="619801"/>
+                    <a:pt x="2134536" y="638068"/>
+                  </a:cubicBezTo>
+                  <a:cubicBezTo>
+                    <a:pt x="2027098" y="656335"/>
+                    <a:pt x="1814840" y="581764"/>
+                    <a:pt x="1576784" y="638068"/>
+                  </a:cubicBezTo>
+                  <a:cubicBezTo>
+                    <a:pt x="1338728" y="694372"/>
+                    <a:pt x="1272265" y="603330"/>
+                    <a:pt x="1120441" y="638068"/>
+                  </a:cubicBezTo>
+                  <a:cubicBezTo>
+                    <a:pt x="968617" y="672806"/>
+                    <a:pt x="741009" y="601413"/>
+                    <a:pt x="588042" y="638068"/>
+                  </a:cubicBezTo>
+                  <a:cubicBezTo>
+                    <a:pt x="435075" y="674723"/>
+                    <a:pt x="234961" y="621822"/>
+                    <a:pt x="106347" y="638068"/>
+                  </a:cubicBezTo>
+                  <a:cubicBezTo>
+                    <a:pt x="36002" y="644237"/>
+                    <a:pt x="4492" y="603006"/>
+                    <a:pt x="0" y="531721"/>
+                  </a:cubicBezTo>
+                  <a:cubicBezTo>
+                    <a:pt x="-17980" y="321128"/>
+                    <a:pt x="20044" y="313970"/>
+                    <a:pt x="0" y="106347"/>
+                  </a:cubicBezTo>
+                  <a:close/>
+                </a:path>
+              </a:pathLst>
+            </a:custGeom>
+            <a:noFill/>
+            <a:ln w="38100">
+              <a:extLst>
+                <a:ext uri="{C807C97D-BFC1-408E-A445-0C87EB9F89A2}">
+                  <ask:lineSketchStyleProps xmlns:ask="http://schemas.microsoft.com/office/drawing/2018/sketchyshapes" sd="590317558">
+                    <a:prstGeom prst="roundRect">
+                      <a:avLst/>
+                    </a:prstGeom>
+                    <ask:type>
+                      <ask:lineSketchScribble/>
+                    </ask:type>
+                  </ask:lineSketchStyleProps>
+                </a:ext>
+              </a:extLst>
+            </a:ln>
+          </p:spPr>
+          <p:style>
+            <a:lnRef idx="2">
+              <a:schemeClr val="accent1">
+                <a:shade val="50000"/>
+              </a:schemeClr>
+            </a:lnRef>
+            <a:fillRef idx="1">
+              <a:schemeClr val="accent1"/>
+            </a:fillRef>
+            <a:effectRef idx="0">
+              <a:schemeClr val="accent1"/>
+            </a:effectRef>
+            <a:fontRef idx="minor">
+              <a:schemeClr val="lt1"/>
+            </a:fontRef>
+          </p:style>
+          <p:txBody>
+            <a:bodyPr rtlCol="0" anchor="ctr"/>
+            <a:lstStyle/>
+            <a:p>
+              <a:pPr algn="ctr"/>
+              <a:endParaRPr lang="en-US"/>
+            </a:p>
+          </p:txBody>
+        </p:sp>
+        <p:sp>
+          <p:nvSpPr>
+            <p:cNvPr id="14" name="TextBox 13">
+              <a:extLst>
+                <a:ext uri="{FF2B5EF4-FFF2-40B4-BE49-F238E27FC236}">
+                  <a16:creationId xmlns:a16="http://schemas.microsoft.com/office/drawing/2014/main" id="{AF0EE338-CDF0-4EFE-AB16-D8673F49406B}"/>
+                </a:ext>
+              </a:extLst>
+            </p:cNvPr>
+            <p:cNvSpPr txBox="1"/>
+            <p:nvPr/>
+          </p:nvSpPr>
+          <p:spPr>
+            <a:xfrm>
+              <a:off x="1765736" y="906921"/>
+              <a:ext cx="1699526" cy="338554"/>
+            </a:xfrm>
+            <a:prstGeom prst="rect">
+              <a:avLst/>
+            </a:prstGeom>
+            <a:noFill/>
+          </p:spPr>
+          <p:txBody>
+            <a:bodyPr wrap="square" rtlCol="0">
+              <a:spAutoFit/>
+            </a:bodyPr>
+            <a:lstStyle/>
+            <a:p>
+              <a:r>
+                <a:rPr lang="en-US" sz="1600" b="1" dirty="0">
+                  <a:solidFill>
+                    <a:schemeClr val="accent2"/>
+                  </a:solidFill>
+                </a:rPr>
+                <a:t>Name your repo </a:t>
+              </a:r>
+            </a:p>
+          </p:txBody>
+        </p:sp>
+      </p:grpSp>
+      <p:grpSp>
+        <p:nvGrpSpPr>
+          <p:cNvPr id="15" name="Group 14">
+            <a:extLst>
+              <a:ext uri="{FF2B5EF4-FFF2-40B4-BE49-F238E27FC236}">
+                <a16:creationId xmlns:a16="http://schemas.microsoft.com/office/drawing/2014/main" id="{059BDD4E-B35D-4246-9205-50FE2006388A}"/>
+              </a:ext>
+            </a:extLst>
+          </p:cNvPr>
+          <p:cNvGrpSpPr/>
+          <p:nvPr/>
+        </p:nvGrpSpPr>
+        <p:grpSpPr>
+          <a:xfrm>
+            <a:off x="2394256" y="3991738"/>
+            <a:ext cx="7459192" cy="525083"/>
+            <a:chOff x="1852448" y="1245475"/>
+            <a:chExt cx="7459192" cy="525083"/>
+          </a:xfrm>
+        </p:grpSpPr>
+        <p:sp>
+          <p:nvSpPr>
+            <p:cNvPr id="16" name="Rectangle: Rounded Corners 15">
+              <a:extLst>
+                <a:ext uri="{FF2B5EF4-FFF2-40B4-BE49-F238E27FC236}">
+                  <a16:creationId xmlns:a16="http://schemas.microsoft.com/office/drawing/2014/main" id="{FE5A57C6-F02B-4CC8-A27E-8050E2731BB7}"/>
+                </a:ext>
+              </a:extLst>
+            </p:cNvPr>
+            <p:cNvSpPr/>
+            <p:nvPr/>
+          </p:nvSpPr>
+          <p:spPr>
+            <a:xfrm>
+              <a:off x="1852448" y="1245475"/>
+              <a:ext cx="3904068" cy="525083"/>
+            </a:xfrm>
+            <a:custGeom>
+              <a:avLst/>
+              <a:gdLst>
+                <a:gd name="connsiteX0" fmla="*/ 0 w 3904068"/>
+                <a:gd name="connsiteY0" fmla="*/ 87516 h 525083"/>
+                <a:gd name="connsiteX1" fmla="*/ 87516 w 3904068"/>
+                <a:gd name="connsiteY1" fmla="*/ 0 h 525083"/>
+                <a:gd name="connsiteX2" fmla="*/ 657526 w 3904068"/>
+                <a:gd name="connsiteY2" fmla="*/ 0 h 525083"/>
+                <a:gd name="connsiteX3" fmla="*/ 1227536 w 3904068"/>
+                <a:gd name="connsiteY3" fmla="*/ 0 h 525083"/>
+                <a:gd name="connsiteX4" fmla="*/ 1685674 w 3904068"/>
+                <a:gd name="connsiteY4" fmla="*/ 0 h 525083"/>
+                <a:gd name="connsiteX5" fmla="*/ 2106523 w 3904068"/>
+                <a:gd name="connsiteY5" fmla="*/ 0 h 525083"/>
+                <a:gd name="connsiteX6" fmla="*/ 2601952 w 3904068"/>
+                <a:gd name="connsiteY6" fmla="*/ 0 h 525083"/>
+                <a:gd name="connsiteX7" fmla="*/ 3060090 w 3904068"/>
+                <a:gd name="connsiteY7" fmla="*/ 0 h 525083"/>
+                <a:gd name="connsiteX8" fmla="*/ 3816552 w 3904068"/>
+                <a:gd name="connsiteY8" fmla="*/ 0 h 525083"/>
+                <a:gd name="connsiteX9" fmla="*/ 3904068 w 3904068"/>
+                <a:gd name="connsiteY9" fmla="*/ 87516 h 525083"/>
+                <a:gd name="connsiteX10" fmla="*/ 3904068 w 3904068"/>
+                <a:gd name="connsiteY10" fmla="*/ 437567 h 525083"/>
+                <a:gd name="connsiteX11" fmla="*/ 3816552 w 3904068"/>
+                <a:gd name="connsiteY11" fmla="*/ 525083 h 525083"/>
+                <a:gd name="connsiteX12" fmla="*/ 3283833 w 3904068"/>
+                <a:gd name="connsiteY12" fmla="*/ 525083 h 525083"/>
+                <a:gd name="connsiteX13" fmla="*/ 2713823 w 3904068"/>
+                <a:gd name="connsiteY13" fmla="*/ 525083 h 525083"/>
+                <a:gd name="connsiteX14" fmla="*/ 2181103 w 3904068"/>
+                <a:gd name="connsiteY14" fmla="*/ 525083 h 525083"/>
+                <a:gd name="connsiteX15" fmla="*/ 1648384 w 3904068"/>
+                <a:gd name="connsiteY15" fmla="*/ 525083 h 525083"/>
+                <a:gd name="connsiteX16" fmla="*/ 1190245 w 3904068"/>
+                <a:gd name="connsiteY16" fmla="*/ 525083 h 525083"/>
+                <a:gd name="connsiteX17" fmla="*/ 620235 w 3904068"/>
+                <a:gd name="connsiteY17" fmla="*/ 525083 h 525083"/>
+                <a:gd name="connsiteX18" fmla="*/ 87516 w 3904068"/>
+                <a:gd name="connsiteY18" fmla="*/ 525083 h 525083"/>
+                <a:gd name="connsiteX19" fmla="*/ 0 w 3904068"/>
+                <a:gd name="connsiteY19" fmla="*/ 437567 h 525083"/>
+                <a:gd name="connsiteX20" fmla="*/ 0 w 3904068"/>
+                <a:gd name="connsiteY20" fmla="*/ 87516 h 525083"/>
+              </a:gdLst>
+              <a:ahLst/>
+              <a:cxnLst>
+                <a:cxn ang="0">
+                  <a:pos x="connsiteX0" y="connsiteY0"/>
+                </a:cxn>
+                <a:cxn ang="0">
+                  <a:pos x="connsiteX1" y="connsiteY1"/>
+                </a:cxn>
+                <a:cxn ang="0">
+                  <a:pos x="connsiteX2" y="connsiteY2"/>
+                </a:cxn>
+                <a:cxn ang="0">
+                  <a:pos x="connsiteX3" y="connsiteY3"/>
+                </a:cxn>
+                <a:cxn ang="0">
+                  <a:pos x="connsiteX4" y="connsiteY4"/>
+                </a:cxn>
+                <a:cxn ang="0">
+                  <a:pos x="connsiteX5" y="connsiteY5"/>
+                </a:cxn>
+                <a:cxn ang="0">
+                  <a:pos x="connsiteX6" y="connsiteY6"/>
+                </a:cxn>
+                <a:cxn ang="0">
+                  <a:pos x="connsiteX7" y="connsiteY7"/>
+                </a:cxn>
+                <a:cxn ang="0">
+                  <a:pos x="connsiteX8" y="connsiteY8"/>
+                </a:cxn>
+                <a:cxn ang="0">
+                  <a:pos x="connsiteX9" y="connsiteY9"/>
+                </a:cxn>
+                <a:cxn ang="0">
+                  <a:pos x="connsiteX10" y="connsiteY10"/>
+                </a:cxn>
+                <a:cxn ang="0">
+                  <a:pos x="connsiteX11" y="connsiteY11"/>
+                </a:cxn>
+                <a:cxn ang="0">
+                  <a:pos x="connsiteX12" y="connsiteY12"/>
+                </a:cxn>
+                <a:cxn ang="0">
+                  <a:pos x="connsiteX13" y="connsiteY13"/>
+                </a:cxn>
+                <a:cxn ang="0">
+                  <a:pos x="connsiteX14" y="connsiteY14"/>
+                </a:cxn>
+                <a:cxn ang="0">
+                  <a:pos x="connsiteX15" y="connsiteY15"/>
+                </a:cxn>
+                <a:cxn ang="0">
+                  <a:pos x="connsiteX16" y="connsiteY16"/>
+                </a:cxn>
+                <a:cxn ang="0">
+                  <a:pos x="connsiteX17" y="connsiteY17"/>
+                </a:cxn>
+                <a:cxn ang="0">
+                  <a:pos x="connsiteX18" y="connsiteY18"/>
+                </a:cxn>
+                <a:cxn ang="0">
+                  <a:pos x="connsiteX19" y="connsiteY19"/>
+                </a:cxn>
+                <a:cxn ang="0">
+                  <a:pos x="connsiteX20" y="connsiteY20"/>
+                </a:cxn>
+              </a:cxnLst>
+              <a:rect l="l" t="t" r="r" b="b"/>
+              <a:pathLst>
+                <a:path w="3904068" h="525083" extrusionOk="0">
+                  <a:moveTo>
+                    <a:pt x="0" y="87516"/>
+                  </a:moveTo>
+                  <a:cubicBezTo>
+                    <a:pt x="-3305" y="34337"/>
+                    <a:pt x="39731" y="-2211"/>
+                    <a:pt x="87516" y="0"/>
+                  </a:cubicBezTo>
+                  <a:cubicBezTo>
+                    <a:pt x="217946" y="-7746"/>
+                    <a:pt x="424027" y="8901"/>
+                    <a:pt x="657526" y="0"/>
+                  </a:cubicBezTo>
+                  <a:cubicBezTo>
+                    <a:pt x="891025" y="-8901"/>
+                    <a:pt x="1102649" y="12074"/>
+                    <a:pt x="1227536" y="0"/>
+                  </a:cubicBezTo>
+                  <a:cubicBezTo>
+                    <a:pt x="1352423" y="-12074"/>
+                    <a:pt x="1532678" y="7162"/>
+                    <a:pt x="1685674" y="0"/>
+                  </a:cubicBezTo>
+                  <a:cubicBezTo>
+                    <a:pt x="1838670" y="-7162"/>
+                    <a:pt x="1994419" y="40174"/>
+                    <a:pt x="2106523" y="0"/>
+                  </a:cubicBezTo>
+                  <a:cubicBezTo>
+                    <a:pt x="2218627" y="-40174"/>
+                    <a:pt x="2420927" y="39580"/>
+                    <a:pt x="2601952" y="0"/>
+                  </a:cubicBezTo>
+                  <a:cubicBezTo>
+                    <a:pt x="2782977" y="-39580"/>
+                    <a:pt x="2960525" y="44606"/>
+                    <a:pt x="3060090" y="0"/>
+                  </a:cubicBezTo>
+                  <a:cubicBezTo>
+                    <a:pt x="3159655" y="-44606"/>
+                    <a:pt x="3476892" y="2879"/>
+                    <a:pt x="3816552" y="0"/>
+                  </a:cubicBezTo>
+                  <a:cubicBezTo>
+                    <a:pt x="3862989" y="2477"/>
+                    <a:pt x="3914164" y="32978"/>
+                    <a:pt x="3904068" y="87516"/>
+                  </a:cubicBezTo>
+                  <a:cubicBezTo>
+                    <a:pt x="3906077" y="228358"/>
+                    <a:pt x="3885970" y="321299"/>
+                    <a:pt x="3904068" y="437567"/>
+                  </a:cubicBezTo>
+                  <a:cubicBezTo>
+                    <a:pt x="3907386" y="483648"/>
+                    <a:pt x="3862601" y="535176"/>
+                    <a:pt x="3816552" y="525083"/>
+                  </a:cubicBezTo>
+                  <a:cubicBezTo>
+                    <a:pt x="3666188" y="583535"/>
+                    <a:pt x="3419058" y="490589"/>
+                    <a:pt x="3283833" y="525083"/>
+                  </a:cubicBezTo>
+                  <a:cubicBezTo>
+                    <a:pt x="3148608" y="559577"/>
+                    <a:pt x="2919699" y="496079"/>
+                    <a:pt x="2713823" y="525083"/>
+                  </a:cubicBezTo>
+                  <a:cubicBezTo>
+                    <a:pt x="2507947" y="554087"/>
+                    <a:pt x="2425228" y="512241"/>
+                    <a:pt x="2181103" y="525083"/>
+                  </a:cubicBezTo>
+                  <a:cubicBezTo>
+                    <a:pt x="1936978" y="537925"/>
+                    <a:pt x="1840979" y="509308"/>
+                    <a:pt x="1648384" y="525083"/>
+                  </a:cubicBezTo>
+                  <a:cubicBezTo>
+                    <a:pt x="1455789" y="540858"/>
+                    <a:pt x="1405680" y="503845"/>
+                    <a:pt x="1190245" y="525083"/>
+                  </a:cubicBezTo>
+                  <a:cubicBezTo>
+                    <a:pt x="974810" y="546321"/>
+                    <a:pt x="819294" y="473859"/>
+                    <a:pt x="620235" y="525083"/>
+                  </a:cubicBezTo>
+                  <a:cubicBezTo>
+                    <a:pt x="421176" y="576307"/>
+                    <a:pt x="267557" y="466102"/>
+                    <a:pt x="87516" y="525083"/>
+                  </a:cubicBezTo>
+                  <a:cubicBezTo>
+                    <a:pt x="48221" y="523119"/>
+                    <a:pt x="4052" y="494753"/>
+                    <a:pt x="0" y="437567"/>
+                  </a:cubicBezTo>
+                  <a:cubicBezTo>
+                    <a:pt x="-36059" y="286065"/>
+                    <a:pt x="6982" y="178771"/>
+                    <a:pt x="0" y="87516"/>
+                  </a:cubicBezTo>
+                  <a:close/>
+                </a:path>
+              </a:pathLst>
+            </a:custGeom>
+            <a:noFill/>
+            <a:ln w="38100">
+              <a:extLst>
+                <a:ext uri="{C807C97D-BFC1-408E-A445-0C87EB9F89A2}">
+                  <ask:lineSketchStyleProps xmlns:ask="http://schemas.microsoft.com/office/drawing/2018/sketchyshapes" sd="590317558">
+                    <a:prstGeom prst="roundRect">
+                      <a:avLst/>
+                    </a:prstGeom>
+                    <ask:type>
+                      <ask:lineSketchScribble/>
+                    </ask:type>
+                  </ask:lineSketchStyleProps>
+                </a:ext>
+              </a:extLst>
+            </a:ln>
+          </p:spPr>
+          <p:style>
+            <a:lnRef idx="2">
+              <a:schemeClr val="accent1">
+                <a:shade val="50000"/>
+              </a:schemeClr>
+            </a:lnRef>
+            <a:fillRef idx="1">
+              <a:schemeClr val="accent1"/>
+            </a:fillRef>
+            <a:effectRef idx="0">
+              <a:schemeClr val="accent1"/>
+            </a:effectRef>
+            <a:fontRef idx="minor">
+              <a:schemeClr val="lt1"/>
+            </a:fontRef>
+          </p:style>
+          <p:txBody>
+            <a:bodyPr rtlCol="0" anchor="ctr"/>
+            <a:lstStyle/>
+            <a:p>
+              <a:pPr algn="ctr"/>
+              <a:endParaRPr lang="en-US"/>
+            </a:p>
+          </p:txBody>
+        </p:sp>
+        <p:sp>
+          <p:nvSpPr>
+            <p:cNvPr id="17" name="TextBox 16">
+              <a:extLst>
+                <a:ext uri="{FF2B5EF4-FFF2-40B4-BE49-F238E27FC236}">
+                  <a16:creationId xmlns:a16="http://schemas.microsoft.com/office/drawing/2014/main" id="{45235A4B-ED28-42F6-B71A-1962B41D486F}"/>
+                </a:ext>
+              </a:extLst>
+            </p:cNvPr>
+            <p:cNvSpPr txBox="1"/>
+            <p:nvPr/>
+          </p:nvSpPr>
+          <p:spPr>
+            <a:xfrm>
+              <a:off x="5756516" y="1338739"/>
+              <a:ext cx="3555124" cy="338554"/>
+            </a:xfrm>
+            <a:prstGeom prst="rect">
+              <a:avLst/>
+            </a:prstGeom>
+            <a:noFill/>
+          </p:spPr>
+          <p:txBody>
+            <a:bodyPr wrap="square" rtlCol="0">
+              <a:spAutoFit/>
+            </a:bodyPr>
+            <a:lstStyle/>
+            <a:p>
+              <a:r>
+                <a:rPr lang="en-US" sz="1600" b="1" dirty="0">
+                  <a:solidFill>
+                    <a:schemeClr val="accent2"/>
+                  </a:solidFill>
+                </a:rPr>
+                <a:t>Make repo private for this course</a:t>
+              </a:r>
+            </a:p>
+          </p:txBody>
+        </p:sp>
+      </p:grpSp>
+      <p:grpSp>
+        <p:nvGrpSpPr>
+          <p:cNvPr id="18" name="Group 17">
+            <a:extLst>
+              <a:ext uri="{FF2B5EF4-FFF2-40B4-BE49-F238E27FC236}">
+                <a16:creationId xmlns:a16="http://schemas.microsoft.com/office/drawing/2014/main" id="{7D555D46-B73D-4CC9-8E7D-AF42C1EF5071}"/>
+              </a:ext>
+            </a:extLst>
+          </p:cNvPr>
+          <p:cNvGrpSpPr/>
+          <p:nvPr/>
+        </p:nvGrpSpPr>
+        <p:grpSpPr>
+          <a:xfrm>
+            <a:off x="2441832" y="4975355"/>
+            <a:ext cx="7459192" cy="724207"/>
+            <a:chOff x="1852448" y="1030585"/>
+            <a:chExt cx="7459192" cy="724207"/>
+          </a:xfrm>
+        </p:grpSpPr>
+        <p:sp>
+          <p:nvSpPr>
+            <p:cNvPr id="19" name="Rectangle: Rounded Corners 18">
+              <a:extLst>
+                <a:ext uri="{FF2B5EF4-FFF2-40B4-BE49-F238E27FC236}">
+                  <a16:creationId xmlns:a16="http://schemas.microsoft.com/office/drawing/2014/main" id="{9C9F820C-3724-4A4A-8B3E-15EF18932BD5}"/>
+                </a:ext>
+              </a:extLst>
+            </p:cNvPr>
+            <p:cNvSpPr/>
+            <p:nvPr/>
+          </p:nvSpPr>
+          <p:spPr>
+            <a:xfrm>
+              <a:off x="1852448" y="1322973"/>
+              <a:ext cx="3904068" cy="431819"/>
+            </a:xfrm>
+            <a:custGeom>
+              <a:avLst/>
+              <a:gdLst>
+                <a:gd name="connsiteX0" fmla="*/ 0 w 3904068"/>
+                <a:gd name="connsiteY0" fmla="*/ 71971 h 431819"/>
+                <a:gd name="connsiteX1" fmla="*/ 71971 w 3904068"/>
+                <a:gd name="connsiteY1" fmla="*/ 0 h 431819"/>
+                <a:gd name="connsiteX2" fmla="*/ 646733 w 3904068"/>
+                <a:gd name="connsiteY2" fmla="*/ 0 h 431819"/>
+                <a:gd name="connsiteX3" fmla="*/ 1221495 w 3904068"/>
+                <a:gd name="connsiteY3" fmla="*/ 0 h 431819"/>
+                <a:gd name="connsiteX4" fmla="*/ 1683454 w 3904068"/>
+                <a:gd name="connsiteY4" fmla="*/ 0 h 431819"/>
+                <a:gd name="connsiteX5" fmla="*/ 2107811 w 3904068"/>
+                <a:gd name="connsiteY5" fmla="*/ 0 h 431819"/>
+                <a:gd name="connsiteX6" fmla="*/ 2607370 w 3904068"/>
+                <a:gd name="connsiteY6" fmla="*/ 0 h 431819"/>
+                <a:gd name="connsiteX7" fmla="*/ 3069329 w 3904068"/>
+                <a:gd name="connsiteY7" fmla="*/ 0 h 431819"/>
+                <a:gd name="connsiteX8" fmla="*/ 3832097 w 3904068"/>
+                <a:gd name="connsiteY8" fmla="*/ 0 h 431819"/>
+                <a:gd name="connsiteX9" fmla="*/ 3904068 w 3904068"/>
+                <a:gd name="connsiteY9" fmla="*/ 71971 h 431819"/>
+                <a:gd name="connsiteX10" fmla="*/ 3904068 w 3904068"/>
+                <a:gd name="connsiteY10" fmla="*/ 359848 h 431819"/>
+                <a:gd name="connsiteX11" fmla="*/ 3832097 w 3904068"/>
+                <a:gd name="connsiteY11" fmla="*/ 431819 h 431819"/>
+                <a:gd name="connsiteX12" fmla="*/ 3294936 w 3904068"/>
+                <a:gd name="connsiteY12" fmla="*/ 431819 h 431819"/>
+                <a:gd name="connsiteX13" fmla="*/ 2720174 w 3904068"/>
+                <a:gd name="connsiteY13" fmla="*/ 431819 h 431819"/>
+                <a:gd name="connsiteX14" fmla="*/ 2183013 w 3904068"/>
+                <a:gd name="connsiteY14" fmla="*/ 431819 h 431819"/>
+                <a:gd name="connsiteX15" fmla="*/ 1645852 w 3904068"/>
+                <a:gd name="connsiteY15" fmla="*/ 431819 h 431819"/>
+                <a:gd name="connsiteX16" fmla="*/ 1183894 w 3904068"/>
+                <a:gd name="connsiteY16" fmla="*/ 431819 h 431819"/>
+                <a:gd name="connsiteX17" fmla="*/ 609132 w 3904068"/>
+                <a:gd name="connsiteY17" fmla="*/ 431819 h 431819"/>
+                <a:gd name="connsiteX18" fmla="*/ 71971 w 3904068"/>
+                <a:gd name="connsiteY18" fmla="*/ 431819 h 431819"/>
+                <a:gd name="connsiteX19" fmla="*/ 0 w 3904068"/>
+                <a:gd name="connsiteY19" fmla="*/ 359848 h 431819"/>
+                <a:gd name="connsiteX20" fmla="*/ 0 w 3904068"/>
+                <a:gd name="connsiteY20" fmla="*/ 71971 h 431819"/>
+              </a:gdLst>
+              <a:ahLst/>
+              <a:cxnLst>
+                <a:cxn ang="0">
+                  <a:pos x="connsiteX0" y="connsiteY0"/>
+                </a:cxn>
+                <a:cxn ang="0">
+                  <a:pos x="connsiteX1" y="connsiteY1"/>
+                </a:cxn>
+                <a:cxn ang="0">
+                  <a:pos x="connsiteX2" y="connsiteY2"/>
+                </a:cxn>
+                <a:cxn ang="0">
+                  <a:pos x="connsiteX3" y="connsiteY3"/>
+                </a:cxn>
+                <a:cxn ang="0">
+                  <a:pos x="connsiteX4" y="connsiteY4"/>
+                </a:cxn>
+                <a:cxn ang="0">
+                  <a:pos x="connsiteX5" y="connsiteY5"/>
+                </a:cxn>
+                <a:cxn ang="0">
+                  <a:pos x="connsiteX6" y="connsiteY6"/>
+                </a:cxn>
+                <a:cxn ang="0">
+                  <a:pos x="connsiteX7" y="connsiteY7"/>
+                </a:cxn>
+                <a:cxn ang="0">
+                  <a:pos x="connsiteX8" y="connsiteY8"/>
+                </a:cxn>
+                <a:cxn ang="0">
+                  <a:pos x="connsiteX9" y="connsiteY9"/>
+                </a:cxn>
+                <a:cxn ang="0">
+                  <a:pos x="connsiteX10" y="connsiteY10"/>
+                </a:cxn>
+                <a:cxn ang="0">
+                  <a:pos x="connsiteX11" y="connsiteY11"/>
+                </a:cxn>
+                <a:cxn ang="0">
+                  <a:pos x="connsiteX12" y="connsiteY12"/>
+                </a:cxn>
+                <a:cxn ang="0">
+                  <a:pos x="connsiteX13" y="connsiteY13"/>
+                </a:cxn>
+                <a:cxn ang="0">
+                  <a:pos x="connsiteX14" y="connsiteY14"/>
+                </a:cxn>
+                <a:cxn ang="0">
+                  <a:pos x="connsiteX15" y="connsiteY15"/>
+                </a:cxn>
+                <a:cxn ang="0">
+                  <a:pos x="connsiteX16" y="connsiteY16"/>
+                </a:cxn>
+                <a:cxn ang="0">
+                  <a:pos x="connsiteX17" y="connsiteY17"/>
+                </a:cxn>
+                <a:cxn ang="0">
+                  <a:pos x="connsiteX18" y="connsiteY18"/>
+                </a:cxn>
+                <a:cxn ang="0">
+                  <a:pos x="connsiteX19" y="connsiteY19"/>
+                </a:cxn>
+                <a:cxn ang="0">
+                  <a:pos x="connsiteX20" y="connsiteY20"/>
+                </a:cxn>
+              </a:cxnLst>
+              <a:rect l="l" t="t" r="r" b="b"/>
+              <a:pathLst>
+                <a:path w="3904068" h="431819" extrusionOk="0">
+                  <a:moveTo>
+                    <a:pt x="0" y="71971"/>
+                  </a:moveTo>
+                  <a:cubicBezTo>
+                    <a:pt x="-5492" y="24172"/>
+                    <a:pt x="34924" y="-10874"/>
+                    <a:pt x="71971" y="0"/>
+                  </a:cubicBezTo>
+                  <a:cubicBezTo>
+                    <a:pt x="355483" y="-13359"/>
+                    <a:pt x="385996" y="45525"/>
+                    <a:pt x="646733" y="0"/>
+                  </a:cubicBezTo>
+                  <a:cubicBezTo>
+                    <a:pt x="907470" y="-45525"/>
+                    <a:pt x="1033932" y="18574"/>
+                    <a:pt x="1221495" y="0"/>
+                  </a:cubicBezTo>
+                  <a:cubicBezTo>
+                    <a:pt x="1409058" y="-18574"/>
+                    <a:pt x="1551453" y="54074"/>
+                    <a:pt x="1683454" y="0"/>
+                  </a:cubicBezTo>
+                  <a:cubicBezTo>
+                    <a:pt x="1815455" y="-54074"/>
+                    <a:pt x="1936733" y="40137"/>
+                    <a:pt x="2107811" y="0"/>
+                  </a:cubicBezTo>
+                  <a:cubicBezTo>
+                    <a:pt x="2278889" y="-40137"/>
+                    <a:pt x="2411271" y="59443"/>
+                    <a:pt x="2607370" y="0"/>
+                  </a:cubicBezTo>
+                  <a:cubicBezTo>
+                    <a:pt x="2803469" y="-59443"/>
+                    <a:pt x="2869839" y="23699"/>
+                    <a:pt x="3069329" y="0"/>
+                  </a:cubicBezTo>
+                  <a:cubicBezTo>
+                    <a:pt x="3268819" y="-23699"/>
+                    <a:pt x="3523704" y="42655"/>
+                    <a:pt x="3832097" y="0"/>
+                  </a:cubicBezTo>
+                  <a:cubicBezTo>
+                    <a:pt x="3870123" y="2249"/>
+                    <a:pt x="3911011" y="27956"/>
+                    <a:pt x="3904068" y="71971"/>
+                  </a:cubicBezTo>
+                  <a:cubicBezTo>
+                    <a:pt x="3931990" y="147016"/>
+                    <a:pt x="3894626" y="245551"/>
+                    <a:pt x="3904068" y="359848"/>
+                  </a:cubicBezTo>
+                  <a:cubicBezTo>
+                    <a:pt x="3907838" y="397036"/>
+                    <a:pt x="3871163" y="434831"/>
+                    <a:pt x="3832097" y="431819"/>
+                  </a:cubicBezTo>
+                  <a:cubicBezTo>
+                    <a:pt x="3623164" y="458671"/>
+                    <a:pt x="3541574" y="428871"/>
+                    <a:pt x="3294936" y="431819"/>
+                  </a:cubicBezTo>
+                  <a:cubicBezTo>
+                    <a:pt x="3048298" y="434767"/>
+                    <a:pt x="2948744" y="366780"/>
+                    <a:pt x="2720174" y="431819"/>
+                  </a:cubicBezTo>
+                  <a:cubicBezTo>
+                    <a:pt x="2491604" y="496858"/>
+                    <a:pt x="2451311" y="384023"/>
+                    <a:pt x="2183013" y="431819"/>
+                  </a:cubicBezTo>
+                  <a:cubicBezTo>
+                    <a:pt x="1914715" y="479615"/>
+                    <a:pt x="1794810" y="395942"/>
+                    <a:pt x="1645852" y="431819"/>
+                  </a:cubicBezTo>
+                  <a:cubicBezTo>
+                    <a:pt x="1496894" y="467696"/>
+                    <a:pt x="1293018" y="426640"/>
+                    <a:pt x="1183894" y="431819"/>
+                  </a:cubicBezTo>
+                  <a:cubicBezTo>
+                    <a:pt x="1074770" y="436998"/>
+                    <a:pt x="804942" y="375227"/>
+                    <a:pt x="609132" y="431819"/>
+                  </a:cubicBezTo>
+                  <a:cubicBezTo>
+                    <a:pt x="413322" y="488411"/>
+                    <a:pt x="317347" y="368580"/>
+                    <a:pt x="71971" y="431819"/>
+                  </a:cubicBezTo>
+                  <a:cubicBezTo>
+                    <a:pt x="34967" y="431223"/>
+                    <a:pt x="3165" y="406512"/>
+                    <a:pt x="0" y="359848"/>
+                  </a:cubicBezTo>
+                  <a:cubicBezTo>
+                    <a:pt x="-31536" y="242874"/>
+                    <a:pt x="17520" y="133341"/>
+                    <a:pt x="0" y="71971"/>
+                  </a:cubicBezTo>
+                  <a:close/>
+                </a:path>
+              </a:pathLst>
+            </a:custGeom>
+            <a:noFill/>
+            <a:ln w="38100">
+              <a:extLst>
+                <a:ext uri="{C807C97D-BFC1-408E-A445-0C87EB9F89A2}">
+                  <ask:lineSketchStyleProps xmlns:ask="http://schemas.microsoft.com/office/drawing/2018/sketchyshapes" sd="590317558">
+                    <a:prstGeom prst="roundRect">
+                      <a:avLst/>
+                    </a:prstGeom>
+                    <ask:type>
+                      <ask:lineSketchScribble/>
+                    </ask:type>
+                  </ask:lineSketchStyleProps>
+                </a:ext>
+              </a:extLst>
+            </a:ln>
+          </p:spPr>
+          <p:style>
+            <a:lnRef idx="2">
+              <a:schemeClr val="accent1">
+                <a:shade val="50000"/>
+              </a:schemeClr>
+            </a:lnRef>
+            <a:fillRef idx="1">
+              <a:schemeClr val="accent1"/>
+            </a:fillRef>
+            <a:effectRef idx="0">
+              <a:schemeClr val="accent1"/>
+            </a:effectRef>
+            <a:fontRef idx="minor">
+              <a:schemeClr val="lt1"/>
+            </a:fontRef>
+          </p:style>
+          <p:txBody>
+            <a:bodyPr rtlCol="0" anchor="ctr"/>
+            <a:lstStyle/>
+            <a:p>
+              <a:pPr algn="ctr"/>
+              <a:endParaRPr lang="en-US"/>
+            </a:p>
+          </p:txBody>
+        </p:sp>
+        <p:sp>
+          <p:nvSpPr>
+            <p:cNvPr id="20" name="TextBox 19">
+              <a:extLst>
+                <a:ext uri="{FF2B5EF4-FFF2-40B4-BE49-F238E27FC236}">
+                  <a16:creationId xmlns:a16="http://schemas.microsoft.com/office/drawing/2014/main" id="{4E365DC4-ABB7-4458-9DDF-75AB3B9DC07A}"/>
+                </a:ext>
+              </a:extLst>
+            </p:cNvPr>
+            <p:cNvSpPr txBox="1"/>
+            <p:nvPr/>
+          </p:nvSpPr>
+          <p:spPr>
+            <a:xfrm>
+              <a:off x="5756516" y="1030585"/>
+              <a:ext cx="3555124" cy="584775"/>
+            </a:xfrm>
+            <a:prstGeom prst="rect">
+              <a:avLst/>
+            </a:prstGeom>
+            <a:noFill/>
+          </p:spPr>
+          <p:txBody>
+            <a:bodyPr wrap="square" rtlCol="0">
+              <a:spAutoFit/>
+            </a:bodyPr>
+            <a:lstStyle/>
+            <a:p>
+              <a:r>
+                <a:rPr lang="en-US" sz="1600" b="1" dirty="0">
+                  <a:solidFill>
+                    <a:schemeClr val="accent2"/>
+                  </a:solidFill>
+                </a:rPr>
+                <a:t>This file will help you describe what the repo is for, as well as how it works</a:t>
+              </a:r>
+            </a:p>
+          </p:txBody>
+        </p:sp>
+      </p:grpSp>
+      <p:grpSp>
+        <p:nvGrpSpPr>
+          <p:cNvPr id="21" name="Group 20">
+            <a:extLst>
+              <a:ext uri="{FF2B5EF4-FFF2-40B4-BE49-F238E27FC236}">
+                <a16:creationId xmlns:a16="http://schemas.microsoft.com/office/drawing/2014/main" id="{5D8138A4-1C28-420B-9BCE-1DB486D27856}"/>
+              </a:ext>
+            </a:extLst>
+          </p:cNvPr>
+          <p:cNvGrpSpPr/>
+          <p:nvPr/>
+        </p:nvGrpSpPr>
+        <p:grpSpPr>
+          <a:xfrm>
+            <a:off x="2441832" y="5764437"/>
+            <a:ext cx="8436375" cy="584775"/>
+            <a:chOff x="1852448" y="1259185"/>
+            <a:chExt cx="8436375" cy="584775"/>
+          </a:xfrm>
+        </p:grpSpPr>
+        <p:sp>
+          <p:nvSpPr>
+            <p:cNvPr id="22" name="Rectangle: Rounded Corners 21">
+              <a:extLst>
+                <a:ext uri="{FF2B5EF4-FFF2-40B4-BE49-F238E27FC236}">
+                  <a16:creationId xmlns:a16="http://schemas.microsoft.com/office/drawing/2014/main" id="{F5E2D74A-3CAA-4A91-9E28-9E16A26226A7}"/>
+                </a:ext>
+              </a:extLst>
+            </p:cNvPr>
+            <p:cNvSpPr/>
+            <p:nvPr/>
+          </p:nvSpPr>
+          <p:spPr>
+            <a:xfrm>
+              <a:off x="1852448" y="1322973"/>
+              <a:ext cx="3904068" cy="431819"/>
+            </a:xfrm>
+            <a:custGeom>
+              <a:avLst/>
+              <a:gdLst>
+                <a:gd name="connsiteX0" fmla="*/ 0 w 3904068"/>
+                <a:gd name="connsiteY0" fmla="*/ 71971 h 431819"/>
+                <a:gd name="connsiteX1" fmla="*/ 71971 w 3904068"/>
+                <a:gd name="connsiteY1" fmla="*/ 0 h 431819"/>
+                <a:gd name="connsiteX2" fmla="*/ 646733 w 3904068"/>
+                <a:gd name="connsiteY2" fmla="*/ 0 h 431819"/>
+                <a:gd name="connsiteX3" fmla="*/ 1221495 w 3904068"/>
+                <a:gd name="connsiteY3" fmla="*/ 0 h 431819"/>
+                <a:gd name="connsiteX4" fmla="*/ 1683454 w 3904068"/>
+                <a:gd name="connsiteY4" fmla="*/ 0 h 431819"/>
+                <a:gd name="connsiteX5" fmla="*/ 2107811 w 3904068"/>
+                <a:gd name="connsiteY5" fmla="*/ 0 h 431819"/>
+                <a:gd name="connsiteX6" fmla="*/ 2607370 w 3904068"/>
+                <a:gd name="connsiteY6" fmla="*/ 0 h 431819"/>
+                <a:gd name="connsiteX7" fmla="*/ 3069329 w 3904068"/>
+                <a:gd name="connsiteY7" fmla="*/ 0 h 431819"/>
+                <a:gd name="connsiteX8" fmla="*/ 3832097 w 3904068"/>
+                <a:gd name="connsiteY8" fmla="*/ 0 h 431819"/>
+                <a:gd name="connsiteX9" fmla="*/ 3904068 w 3904068"/>
+                <a:gd name="connsiteY9" fmla="*/ 71971 h 431819"/>
+                <a:gd name="connsiteX10" fmla="*/ 3904068 w 3904068"/>
+                <a:gd name="connsiteY10" fmla="*/ 359848 h 431819"/>
+                <a:gd name="connsiteX11" fmla="*/ 3832097 w 3904068"/>
+                <a:gd name="connsiteY11" fmla="*/ 431819 h 431819"/>
+                <a:gd name="connsiteX12" fmla="*/ 3294936 w 3904068"/>
+                <a:gd name="connsiteY12" fmla="*/ 431819 h 431819"/>
+                <a:gd name="connsiteX13" fmla="*/ 2720174 w 3904068"/>
+                <a:gd name="connsiteY13" fmla="*/ 431819 h 431819"/>
+                <a:gd name="connsiteX14" fmla="*/ 2183013 w 3904068"/>
+                <a:gd name="connsiteY14" fmla="*/ 431819 h 431819"/>
+                <a:gd name="connsiteX15" fmla="*/ 1645852 w 3904068"/>
+                <a:gd name="connsiteY15" fmla="*/ 431819 h 431819"/>
+                <a:gd name="connsiteX16" fmla="*/ 1183894 w 3904068"/>
+                <a:gd name="connsiteY16" fmla="*/ 431819 h 431819"/>
+                <a:gd name="connsiteX17" fmla="*/ 609132 w 3904068"/>
+                <a:gd name="connsiteY17" fmla="*/ 431819 h 431819"/>
+                <a:gd name="connsiteX18" fmla="*/ 71971 w 3904068"/>
+                <a:gd name="connsiteY18" fmla="*/ 431819 h 431819"/>
+                <a:gd name="connsiteX19" fmla="*/ 0 w 3904068"/>
+                <a:gd name="connsiteY19" fmla="*/ 359848 h 431819"/>
+                <a:gd name="connsiteX20" fmla="*/ 0 w 3904068"/>
+                <a:gd name="connsiteY20" fmla="*/ 71971 h 431819"/>
+              </a:gdLst>
+              <a:ahLst/>
+              <a:cxnLst>
+                <a:cxn ang="0">
+                  <a:pos x="connsiteX0" y="connsiteY0"/>
+                </a:cxn>
+                <a:cxn ang="0">
+                  <a:pos x="connsiteX1" y="connsiteY1"/>
+                </a:cxn>
+                <a:cxn ang="0">
+                  <a:pos x="connsiteX2" y="connsiteY2"/>
+                </a:cxn>
+                <a:cxn ang="0">
+                  <a:pos x="connsiteX3" y="connsiteY3"/>
+                </a:cxn>
+                <a:cxn ang="0">
+                  <a:pos x="connsiteX4" y="connsiteY4"/>
+                </a:cxn>
+                <a:cxn ang="0">
+                  <a:pos x="connsiteX5" y="connsiteY5"/>
+                </a:cxn>
+                <a:cxn ang="0">
+                  <a:pos x="connsiteX6" y="connsiteY6"/>
+                </a:cxn>
+                <a:cxn ang="0">
+                  <a:pos x="connsiteX7" y="connsiteY7"/>
+                </a:cxn>
+                <a:cxn ang="0">
+                  <a:pos x="connsiteX8" y="connsiteY8"/>
+                </a:cxn>
+                <a:cxn ang="0">
+                  <a:pos x="connsiteX9" y="connsiteY9"/>
+                </a:cxn>
+                <a:cxn ang="0">
+                  <a:pos x="connsiteX10" y="connsiteY10"/>
+                </a:cxn>
+                <a:cxn ang="0">
+                  <a:pos x="connsiteX11" y="connsiteY11"/>
+                </a:cxn>
+                <a:cxn ang="0">
+                  <a:pos x="connsiteX12" y="connsiteY12"/>
+                </a:cxn>
+                <a:cxn ang="0">
+                  <a:pos x="connsiteX13" y="connsiteY13"/>
+                </a:cxn>
+                <a:cxn ang="0">
+                  <a:pos x="connsiteX14" y="connsiteY14"/>
+                </a:cxn>
+                <a:cxn ang="0">
+                  <a:pos x="connsiteX15" y="connsiteY15"/>
+                </a:cxn>
+                <a:cxn ang="0">
+                  <a:pos x="connsiteX16" y="connsiteY16"/>
+                </a:cxn>
+                <a:cxn ang="0">
+                  <a:pos x="connsiteX17" y="connsiteY17"/>
+                </a:cxn>
+                <a:cxn ang="0">
+                  <a:pos x="connsiteX18" y="connsiteY18"/>
+                </a:cxn>
+                <a:cxn ang="0">
+                  <a:pos x="connsiteX19" y="connsiteY19"/>
+                </a:cxn>
+                <a:cxn ang="0">
+                  <a:pos x="connsiteX20" y="connsiteY20"/>
+                </a:cxn>
+              </a:cxnLst>
+              <a:rect l="l" t="t" r="r" b="b"/>
+              <a:pathLst>
+                <a:path w="3904068" h="431819" extrusionOk="0">
+                  <a:moveTo>
+                    <a:pt x="0" y="71971"/>
+                  </a:moveTo>
+                  <a:cubicBezTo>
+                    <a:pt x="-5492" y="24172"/>
+                    <a:pt x="34924" y="-10874"/>
+                    <a:pt x="71971" y="0"/>
+                  </a:cubicBezTo>
+                  <a:cubicBezTo>
+                    <a:pt x="355483" y="-13359"/>
+                    <a:pt x="385996" y="45525"/>
+                    <a:pt x="646733" y="0"/>
+                  </a:cubicBezTo>
+                  <a:cubicBezTo>
+                    <a:pt x="907470" y="-45525"/>
+                    <a:pt x="1033932" y="18574"/>
+                    <a:pt x="1221495" y="0"/>
+                  </a:cubicBezTo>
+                  <a:cubicBezTo>
+                    <a:pt x="1409058" y="-18574"/>
+                    <a:pt x="1551453" y="54074"/>
+                    <a:pt x="1683454" y="0"/>
+                  </a:cubicBezTo>
+                  <a:cubicBezTo>
+                    <a:pt x="1815455" y="-54074"/>
+                    <a:pt x="1936733" y="40137"/>
+                    <a:pt x="2107811" y="0"/>
+                  </a:cubicBezTo>
+                  <a:cubicBezTo>
+                    <a:pt x="2278889" y="-40137"/>
+                    <a:pt x="2411271" y="59443"/>
+                    <a:pt x="2607370" y="0"/>
+                  </a:cubicBezTo>
+                  <a:cubicBezTo>
+                    <a:pt x="2803469" y="-59443"/>
+                    <a:pt x="2869839" y="23699"/>
+                    <a:pt x="3069329" y="0"/>
+                  </a:cubicBezTo>
+                  <a:cubicBezTo>
+                    <a:pt x="3268819" y="-23699"/>
+                    <a:pt x="3523704" y="42655"/>
+                    <a:pt x="3832097" y="0"/>
+                  </a:cubicBezTo>
+                  <a:cubicBezTo>
+                    <a:pt x="3870123" y="2249"/>
+                    <a:pt x="3911011" y="27956"/>
+                    <a:pt x="3904068" y="71971"/>
+                  </a:cubicBezTo>
+                  <a:cubicBezTo>
+                    <a:pt x="3931990" y="147016"/>
+                    <a:pt x="3894626" y="245551"/>
+                    <a:pt x="3904068" y="359848"/>
+                  </a:cubicBezTo>
+                  <a:cubicBezTo>
+                    <a:pt x="3907838" y="397036"/>
+                    <a:pt x="3871163" y="434831"/>
+                    <a:pt x="3832097" y="431819"/>
+                  </a:cubicBezTo>
+                  <a:cubicBezTo>
+                    <a:pt x="3623164" y="458671"/>
+                    <a:pt x="3541574" y="428871"/>
+                    <a:pt x="3294936" y="431819"/>
+                  </a:cubicBezTo>
+                  <a:cubicBezTo>
+                    <a:pt x="3048298" y="434767"/>
+                    <a:pt x="2948744" y="366780"/>
+                    <a:pt x="2720174" y="431819"/>
+                  </a:cubicBezTo>
+                  <a:cubicBezTo>
+                    <a:pt x="2491604" y="496858"/>
+                    <a:pt x="2451311" y="384023"/>
+                    <a:pt x="2183013" y="431819"/>
+                  </a:cubicBezTo>
+                  <a:cubicBezTo>
+                    <a:pt x="1914715" y="479615"/>
+                    <a:pt x="1794810" y="395942"/>
+                    <a:pt x="1645852" y="431819"/>
+                  </a:cubicBezTo>
+                  <a:cubicBezTo>
+                    <a:pt x="1496894" y="467696"/>
+                    <a:pt x="1293018" y="426640"/>
+                    <a:pt x="1183894" y="431819"/>
+                  </a:cubicBezTo>
+                  <a:cubicBezTo>
+                    <a:pt x="1074770" y="436998"/>
+                    <a:pt x="804942" y="375227"/>
+                    <a:pt x="609132" y="431819"/>
+                  </a:cubicBezTo>
+                  <a:cubicBezTo>
+                    <a:pt x="413322" y="488411"/>
+                    <a:pt x="317347" y="368580"/>
+                    <a:pt x="71971" y="431819"/>
+                  </a:cubicBezTo>
+                  <a:cubicBezTo>
+                    <a:pt x="34967" y="431223"/>
+                    <a:pt x="3165" y="406512"/>
+                    <a:pt x="0" y="359848"/>
+                  </a:cubicBezTo>
+                  <a:cubicBezTo>
+                    <a:pt x="-31536" y="242874"/>
+                    <a:pt x="17520" y="133341"/>
+                    <a:pt x="0" y="71971"/>
+                  </a:cubicBezTo>
+                  <a:close/>
+                </a:path>
+              </a:pathLst>
+            </a:custGeom>
+            <a:noFill/>
+            <a:ln w="38100">
+              <a:extLst>
+                <a:ext uri="{C807C97D-BFC1-408E-A445-0C87EB9F89A2}">
+                  <ask:lineSketchStyleProps xmlns:ask="http://schemas.microsoft.com/office/drawing/2018/sketchyshapes" sd="590317558">
+                    <a:prstGeom prst="roundRect">
+                      <a:avLst/>
+                    </a:prstGeom>
+                    <ask:type>
+                      <ask:lineSketchScribble/>
+                    </ask:type>
+                  </ask:lineSketchStyleProps>
+                </a:ext>
+              </a:extLst>
+            </a:ln>
+          </p:spPr>
+          <p:style>
+            <a:lnRef idx="2">
+              <a:schemeClr val="accent1">
+                <a:shade val="50000"/>
+              </a:schemeClr>
+            </a:lnRef>
+            <a:fillRef idx="1">
+              <a:schemeClr val="accent1"/>
+            </a:fillRef>
+            <a:effectRef idx="0">
+              <a:schemeClr val="accent1"/>
+            </a:effectRef>
+            <a:fontRef idx="minor">
+              <a:schemeClr val="lt1"/>
+            </a:fontRef>
+          </p:style>
+          <p:txBody>
+            <a:bodyPr rtlCol="0" anchor="ctr"/>
+            <a:lstStyle/>
+            <a:p>
+              <a:pPr algn="ctr"/>
+              <a:endParaRPr lang="en-US"/>
+            </a:p>
+          </p:txBody>
+        </p:sp>
+        <p:sp>
+          <p:nvSpPr>
+            <p:cNvPr id="23" name="TextBox 22">
+              <a:extLst>
+                <a:ext uri="{FF2B5EF4-FFF2-40B4-BE49-F238E27FC236}">
+                  <a16:creationId xmlns:a16="http://schemas.microsoft.com/office/drawing/2014/main" id="{97EDF7E4-BC7A-455F-BDEE-5147D4AA9364}"/>
+                </a:ext>
+              </a:extLst>
+            </p:cNvPr>
+            <p:cNvSpPr txBox="1"/>
+            <p:nvPr/>
+          </p:nvSpPr>
+          <p:spPr>
+            <a:xfrm>
+              <a:off x="5756515" y="1259185"/>
+              <a:ext cx="4532308" cy="584775"/>
+            </a:xfrm>
+            <a:prstGeom prst="rect">
+              <a:avLst/>
+            </a:prstGeom>
+            <a:noFill/>
+          </p:spPr>
+          <p:txBody>
+            <a:bodyPr wrap="square" rtlCol="0">
+              <a:spAutoFit/>
+            </a:bodyPr>
+            <a:lstStyle/>
+            <a:p>
+              <a:r>
+                <a:rPr lang="en-US" sz="1600" b="1" dirty="0">
+                  <a:solidFill>
+                    <a:schemeClr val="accent2"/>
+                  </a:solidFill>
+                </a:rPr>
+                <a:t>This file tells Git what types of files should not be added to staging/repo… Set “template” to Python</a:t>
+              </a:r>
+            </a:p>
+          </p:txBody>
+        </p:sp>
+      </p:grpSp>
     </p:spTree>
     <p:extLst>
       <p:ext uri="{BB962C8B-B14F-4D97-AF65-F5344CB8AC3E}">
-        <p14:creationId xmlns:p14="http://schemas.microsoft.com/office/powerpoint/2010/main" val="1735832946"/>
+        <p14:creationId xmlns:p14="http://schemas.microsoft.com/office/powerpoint/2010/main" val="2446784280"/>
       </p:ext>
     </p:extLst>
   </p:cSld>
@@ -6429,4 +11926,299 @@
     </a:ext>
   </a:extLst>
 </a:theme>
+</file>
+
+<file path=ppt/theme/theme2.xml><?xml version="1.0" encoding="utf-8"?>
+<a:theme xmlns:a="http://schemas.openxmlformats.org/drawingml/2006/main" name="Office Theme">
+  <a:themeElements>
+    <a:clrScheme name="Office">
+      <a:dk1>
+        <a:sysClr val="windowText" lastClr="000000"/>
+      </a:dk1>
+      <a:lt1>
+        <a:sysClr val="window" lastClr="FFFFFF"/>
+      </a:lt1>
+      <a:dk2>
+        <a:srgbClr val="44546A"/>
+      </a:dk2>
+      <a:lt2>
+        <a:srgbClr val="E7E6E6"/>
+      </a:lt2>
+      <a:accent1>
+        <a:srgbClr val="4472C4"/>
+      </a:accent1>
+      <a:accent2>
+        <a:srgbClr val="ED7D31"/>
+      </a:accent2>
+      <a:accent3>
+        <a:srgbClr val="A5A5A5"/>
+      </a:accent3>
+      <a:accent4>
+        <a:srgbClr val="FFC000"/>
+      </a:accent4>
+      <a:accent5>
+        <a:srgbClr val="5B9BD5"/>
+      </a:accent5>
+      <a:accent6>
+        <a:srgbClr val="70AD47"/>
+      </a:accent6>
+      <a:hlink>
+        <a:srgbClr val="0563C1"/>
+      </a:hlink>
+      <a:folHlink>
+        <a:srgbClr val="954F72"/>
+      </a:folHlink>
+    </a:clrScheme>
+    <a:fontScheme name="Office">
+      <a:majorFont>
+        <a:latin typeface="Calibri Light" panose="020F0302020204030204"/>
+        <a:ea typeface=""/>
+        <a:cs typeface=""/>
+        <a:font script="Jpan" typeface="游ゴシック Light"/>
+        <a:font script="Hang" typeface="맑은 고딕"/>
+        <a:font script="Hans" typeface="等线 Light"/>
+        <a:font script="Hant" typeface="新細明體"/>
+        <a:font script="Arab" typeface="Times New Roman"/>
+        <a:font script="Hebr" typeface="Times New Roman"/>
+        <a:font script="Thai" typeface="Angsana New"/>
+        <a:font script="Ethi" typeface="Nyala"/>
+        <a:font script="Beng" typeface="Vrinda"/>
+        <a:font script="Gujr" typeface="Shruti"/>
+        <a:font script="Khmr" typeface="MoolBoran"/>
+        <a:font script="Knda" typeface="Tunga"/>
+        <a:font script="Guru" typeface="Raavi"/>
+        <a:font script="Cans" typeface="Euphemia"/>
+        <a:font script="Cher" typeface="Plantagenet Cherokee"/>
+        <a:font script="Yiii" typeface="Microsoft Yi Baiti"/>
+        <a:font script="Tibt" typeface="Microsoft Himalaya"/>
+        <a:font script="Thaa" typeface="MV Boli"/>
+        <a:font script="Deva" typeface="Mangal"/>
+        <a:font script="Telu" typeface="Gautami"/>
+        <a:font script="Taml" typeface="Latha"/>
+        <a:font script="Syrc" typeface="Estrangelo Edessa"/>
+        <a:font script="Orya" typeface="Kalinga"/>
+        <a:font script="Mlym" typeface="Kartika"/>
+        <a:font script="Laoo" typeface="DokChampa"/>
+        <a:font script="Sinh" typeface="Iskoola Pota"/>
+        <a:font script="Mong" typeface="Mongolian Baiti"/>
+        <a:font script="Viet" typeface="Times New Roman"/>
+        <a:font script="Uigh" typeface="Microsoft Uighur"/>
+        <a:font script="Geor" typeface="Sylfaen"/>
+        <a:font script="Armn" typeface="Arial"/>
+        <a:font script="Bugi" typeface="Leelawadee UI"/>
+        <a:font script="Bopo" typeface="Microsoft JhengHei"/>
+        <a:font script="Java" typeface="Javanese Text"/>
+        <a:font script="Lisu" typeface="Segoe UI"/>
+        <a:font script="Mymr" typeface="Myanmar Text"/>
+        <a:font script="Nkoo" typeface="Ebrima"/>
+        <a:font script="Olck" typeface="Nirmala UI"/>
+        <a:font script="Osma" typeface="Ebrima"/>
+        <a:font script="Phag" typeface="Phagspa"/>
+        <a:font script="Syrn" typeface="Estrangelo Edessa"/>
+        <a:font script="Syrj" typeface="Estrangelo Edessa"/>
+        <a:font script="Syre" typeface="Estrangelo Edessa"/>
+        <a:font script="Sora" typeface="Nirmala UI"/>
+        <a:font script="Tale" typeface="Microsoft Tai Le"/>
+        <a:font script="Talu" typeface="Microsoft New Tai Lue"/>
+        <a:font script="Tfng" typeface="Ebrima"/>
+      </a:majorFont>
+      <a:minorFont>
+        <a:latin typeface="Calibri" panose="020F0502020204030204"/>
+        <a:ea typeface=""/>
+        <a:cs typeface=""/>
+        <a:font script="Jpan" typeface="游ゴシック"/>
+        <a:font script="Hang" typeface="맑은 고딕"/>
+        <a:font script="Hans" typeface="等线"/>
+        <a:font script="Hant" typeface="新細明體"/>
+        <a:font script="Arab" typeface="Arial"/>
+        <a:font script="Hebr" typeface="Arial"/>
+        <a:font script="Thai" typeface="Cordia New"/>
+        <a:font script="Ethi" typeface="Nyala"/>
+        <a:font script="Beng" typeface="Vrinda"/>
+        <a:font script="Gujr" typeface="Shruti"/>
+        <a:font script="Khmr" typeface="DaunPenh"/>
+        <a:font script="Knda" typeface="Tunga"/>
+        <a:font script="Guru" typeface="Raavi"/>
+        <a:font script="Cans" typeface="Euphemia"/>
+        <a:font script="Cher" typeface="Plantagenet Cherokee"/>
+        <a:font script="Yiii" typeface="Microsoft Yi Baiti"/>
+        <a:font script="Tibt" typeface="Microsoft Himalaya"/>
+        <a:font script="Thaa" typeface="MV Boli"/>
+        <a:font script="Deva" typeface="Mangal"/>
+        <a:font script="Telu" typeface="Gautami"/>
+        <a:font script="Taml" typeface="Latha"/>
+        <a:font script="Syrc" typeface="Estrangelo Edessa"/>
+        <a:font script="Orya" typeface="Kalinga"/>
+        <a:font script="Mlym" typeface="Kartika"/>
+        <a:font script="Laoo" typeface="DokChampa"/>
+        <a:font script="Sinh" typeface="Iskoola Pota"/>
+        <a:font script="Mong" typeface="Mongolian Baiti"/>
+        <a:font script="Viet" typeface="Arial"/>
+        <a:font script="Uigh" typeface="Microsoft Uighur"/>
+        <a:font script="Geor" typeface="Sylfaen"/>
+        <a:font script="Armn" typeface="Arial"/>
+        <a:font script="Bugi" typeface="Leelawadee UI"/>
+        <a:font script="Bopo" typeface="Microsoft JhengHei"/>
+        <a:font script="Java" typeface="Javanese Text"/>
+        <a:font script="Lisu" typeface="Segoe UI"/>
+        <a:font script="Mymr" typeface="Myanmar Text"/>
+        <a:font script="Nkoo" typeface="Ebrima"/>
+        <a:font script="Olck" typeface="Nirmala UI"/>
+        <a:font script="Osma" typeface="Ebrima"/>
+        <a:font script="Phag" typeface="Phagspa"/>
+        <a:font script="Syrn" typeface="Estrangelo Edessa"/>
+        <a:font script="Syrj" typeface="Estrangelo Edessa"/>
+        <a:font script="Syre" typeface="Estrangelo Edessa"/>
+        <a:font script="Sora" typeface="Nirmala UI"/>
+        <a:font script="Tale" typeface="Microsoft Tai Le"/>
+        <a:font script="Talu" typeface="Microsoft New Tai Lue"/>
+        <a:font script="Tfng" typeface="Ebrima"/>
+      </a:minorFont>
+    </a:fontScheme>
+    <a:fmtScheme name="Office">
+      <a:fillStyleLst>
+        <a:solidFill>
+          <a:schemeClr val="phClr"/>
+        </a:solidFill>
+        <a:gradFill rotWithShape="1">
+          <a:gsLst>
+            <a:gs pos="0">
+              <a:schemeClr val="phClr">
+                <a:lumMod val="110000"/>
+                <a:satMod val="105000"/>
+                <a:tint val="67000"/>
+              </a:schemeClr>
+            </a:gs>
+            <a:gs pos="50000">
+              <a:schemeClr val="phClr">
+                <a:lumMod val="105000"/>
+                <a:satMod val="103000"/>
+                <a:tint val="73000"/>
+              </a:schemeClr>
+            </a:gs>
+            <a:gs pos="100000">
+              <a:schemeClr val="phClr">
+                <a:lumMod val="105000"/>
+                <a:satMod val="109000"/>
+                <a:tint val="81000"/>
+              </a:schemeClr>
+            </a:gs>
+          </a:gsLst>
+          <a:lin ang="5400000" scaled="0"/>
+        </a:gradFill>
+        <a:gradFill rotWithShape="1">
+          <a:gsLst>
+            <a:gs pos="0">
+              <a:schemeClr val="phClr">
+                <a:satMod val="103000"/>
+                <a:lumMod val="102000"/>
+                <a:tint val="94000"/>
+              </a:schemeClr>
+            </a:gs>
+            <a:gs pos="50000">
+              <a:schemeClr val="phClr">
+                <a:satMod val="110000"/>
+                <a:lumMod val="100000"/>
+                <a:shade val="100000"/>
+              </a:schemeClr>
+            </a:gs>
+            <a:gs pos="100000">
+              <a:schemeClr val="phClr">
+                <a:lumMod val="99000"/>
+                <a:satMod val="120000"/>
+                <a:shade val="78000"/>
+              </a:schemeClr>
+            </a:gs>
+          </a:gsLst>
+          <a:lin ang="5400000" scaled="0"/>
+        </a:gradFill>
+      </a:fillStyleLst>
+      <a:lnStyleLst>
+        <a:ln w="6350" cap="flat" cmpd="sng" algn="ctr">
+          <a:solidFill>
+            <a:schemeClr val="phClr"/>
+          </a:solidFill>
+          <a:prstDash val="solid"/>
+          <a:miter lim="800000"/>
+        </a:ln>
+        <a:ln w="12700" cap="flat" cmpd="sng" algn="ctr">
+          <a:solidFill>
+            <a:schemeClr val="phClr"/>
+          </a:solidFill>
+          <a:prstDash val="solid"/>
+          <a:miter lim="800000"/>
+        </a:ln>
+        <a:ln w="19050" cap="flat" cmpd="sng" algn="ctr">
+          <a:solidFill>
+            <a:schemeClr val="phClr"/>
+          </a:solidFill>
+          <a:prstDash val="solid"/>
+          <a:miter lim="800000"/>
+        </a:ln>
+      </a:lnStyleLst>
+      <a:effectStyleLst>
+        <a:effectStyle>
+          <a:effectLst/>
+        </a:effectStyle>
+        <a:effectStyle>
+          <a:effectLst/>
+        </a:effectStyle>
+        <a:effectStyle>
+          <a:effectLst>
+            <a:outerShdw blurRad="57150" dist="19050" dir="5400000" algn="ctr" rotWithShape="0">
+              <a:srgbClr val="000000">
+                <a:alpha val="63000"/>
+              </a:srgbClr>
+            </a:outerShdw>
+          </a:effectLst>
+        </a:effectStyle>
+      </a:effectStyleLst>
+      <a:bgFillStyleLst>
+        <a:solidFill>
+          <a:schemeClr val="phClr"/>
+        </a:solidFill>
+        <a:solidFill>
+          <a:schemeClr val="phClr">
+            <a:tint val="95000"/>
+            <a:satMod val="170000"/>
+          </a:schemeClr>
+        </a:solidFill>
+        <a:gradFill rotWithShape="1">
+          <a:gsLst>
+            <a:gs pos="0">
+              <a:schemeClr val="phClr">
+                <a:tint val="93000"/>
+                <a:satMod val="150000"/>
+                <a:shade val="98000"/>
+                <a:lumMod val="102000"/>
+              </a:schemeClr>
+            </a:gs>
+            <a:gs pos="50000">
+              <a:schemeClr val="phClr">
+                <a:tint val="98000"/>
+                <a:satMod val="130000"/>
+                <a:shade val="90000"/>
+                <a:lumMod val="103000"/>
+              </a:schemeClr>
+            </a:gs>
+            <a:gs pos="100000">
+              <a:schemeClr val="phClr">
+                <a:shade val="63000"/>
+                <a:satMod val="120000"/>
+              </a:schemeClr>
+            </a:gs>
+          </a:gsLst>
+          <a:lin ang="5400000" scaled="0"/>
+        </a:gradFill>
+      </a:bgFillStyleLst>
+    </a:fmtScheme>
+  </a:themeElements>
+  <a:objectDefaults/>
+  <a:extraClrSchemeLst/>
+  <a:extLst>
+    <a:ext uri="{05A4C25C-085E-4340-85A3-A5531E510DB2}">
+      <thm15:themeFamily xmlns:thm15="http://schemas.microsoft.com/office/thememl/2012/main" name="Office Theme" id="{62F939B6-93AF-4DB8-9C6B-D6C7DFDC589F}" vid="{4A3C46E8-61CC-4603-A589-7422A47A8E4A}"/>
+    </a:ext>
+  </a:extLst>
+</a:theme>
 </file>
--- a/Working/2_VersionControl/2_VersionControl.pptx
+++ b/Working/2_VersionControl/2_VersionControl.pptx
@@ -5,7 +5,7 @@
     <p:sldMasterId id="2147483672" r:id="rId1"/>
   </p:sldMasterIdLst>
   <p:notesMasterIdLst>
-    <p:notesMasterId r:id="rId18"/>
+    <p:notesMasterId r:id="rId20"/>
   </p:notesMasterIdLst>
   <p:sldIdLst>
     <p:sldId id="256" r:id="rId2"/>
@@ -23,7 +23,9 @@
     <p:sldId id="273" r:id="rId14"/>
     <p:sldId id="263" r:id="rId15"/>
     <p:sldId id="274" r:id="rId16"/>
-    <p:sldId id="264" r:id="rId17"/>
+    <p:sldId id="275" r:id="rId17"/>
+    <p:sldId id="276" r:id="rId18"/>
+    <p:sldId id="264" r:id="rId19"/>
   </p:sldIdLst>
   <p:sldSz cx="12192000" cy="6858000"/>
   <p:notesSz cx="6858000" cy="9144000"/>
@@ -158,6 +160,8 @@
           <p14:sldIdLst>
             <p14:sldId id="263"/>
             <p14:sldId id="274"/>
+            <p14:sldId id="275"/>
+            <p14:sldId id="276"/>
           </p14:sldIdLst>
         </p14:section>
         <p14:section name="Collaboration" id="{72AFF26A-9BA0-422A-B9C0-556DE85F6220}">
@@ -685,6 +689,214 @@
     <p:extLst>
       <p:ext uri="{BB962C8B-B14F-4D97-AF65-F5344CB8AC3E}">
         <p14:creationId xmlns:p14="http://schemas.microsoft.com/office/powerpoint/2010/main" val="2105981036"/>
+      </p:ext>
+    </p:extLst>
+  </p:cSld>
+  <p:clrMapOvr>
+    <a:masterClrMapping/>
+  </p:clrMapOvr>
+</p:notes>
+</file>
+
+<file path=ppt/notesSlides/notesSlide3.xml><?xml version="1.0" encoding="utf-8"?>
+<p:notes xmlns:a="http://schemas.openxmlformats.org/drawingml/2006/main" xmlns:r="http://schemas.openxmlformats.org/officeDocument/2006/relationships" xmlns:p="http://schemas.openxmlformats.org/presentationml/2006/main">
+  <p:cSld>
+    <p:spTree>
+      <p:nvGrpSpPr>
+        <p:cNvPr id="1" name=""/>
+        <p:cNvGrpSpPr/>
+        <p:nvPr/>
+      </p:nvGrpSpPr>
+      <p:grpSpPr>
+        <a:xfrm>
+          <a:off x="0" y="0"/>
+          <a:ext cx="0" cy="0"/>
+          <a:chOff x="0" y="0"/>
+          <a:chExt cx="0" cy="0"/>
+        </a:xfrm>
+      </p:grpSpPr>
+      <p:sp>
+        <p:nvSpPr>
+          <p:cNvPr id="2" name="Slide Image Placeholder 1"/>
+          <p:cNvSpPr>
+            <a:spLocks noGrp="1" noRot="1" noChangeAspect="1"/>
+          </p:cNvSpPr>
+          <p:nvPr>
+            <p:ph type="sldImg"/>
+          </p:nvPr>
+        </p:nvSpPr>
+        <p:spPr/>
+      </p:sp>
+      <p:sp>
+        <p:nvSpPr>
+          <p:cNvPr id="3" name="Notes Placeholder 2"/>
+          <p:cNvSpPr>
+            <a:spLocks noGrp="1"/>
+          </p:cNvSpPr>
+          <p:nvPr>
+            <p:ph type="body" idx="1"/>
+          </p:nvPr>
+        </p:nvSpPr>
+        <p:spPr/>
+        <p:txBody>
+          <a:bodyPr/>
+          <a:lstStyle/>
+          <a:p>
+            <a:pPr marL="0" marR="0" lvl="0" indent="0" algn="l" defTabSz="914400" rtl="0" eaLnBrk="1" fontAlgn="auto" latinLnBrk="0" hangingPunct="1">
+              <a:lnSpc>
+                <a:spcPct val="100000"/>
+              </a:lnSpc>
+              <a:spcBef>
+                <a:spcPts val="0"/>
+              </a:spcBef>
+              <a:spcAft>
+                <a:spcPts val="0"/>
+              </a:spcAft>
+              <a:buClrTx/>
+              <a:buSzTx/>
+              <a:buFontTx/>
+              <a:buNone/>
+              <a:tabLst/>
+              <a:defRPr/>
+            </a:pPr>
+            <a:r>
+              <a:rPr lang="en-US" dirty="0"/>
+              <a:t>Do a live demo of the workflow using a dummy file.</a:t>
+            </a:r>
+          </a:p>
+        </p:txBody>
+      </p:sp>
+      <p:sp>
+        <p:nvSpPr>
+          <p:cNvPr id="4" name="Slide Number Placeholder 3"/>
+          <p:cNvSpPr>
+            <a:spLocks noGrp="1"/>
+          </p:cNvSpPr>
+          <p:nvPr>
+            <p:ph type="sldNum" sz="quarter" idx="5"/>
+          </p:nvPr>
+        </p:nvSpPr>
+        <p:spPr/>
+        <p:txBody>
+          <a:bodyPr/>
+          <a:lstStyle/>
+          <a:p>
+            <a:fld id="{850BCB3C-34B7-4811-8687-6EA5C8C7A053}" type="slidenum">
+              <a:rPr lang="en-US" smtClean="0"/>
+              <a:t>16</a:t>
+            </a:fld>
+            <a:endParaRPr lang="en-US"/>
+          </a:p>
+        </p:txBody>
+      </p:sp>
+    </p:spTree>
+    <p:extLst>
+      <p:ext uri="{BB962C8B-B14F-4D97-AF65-F5344CB8AC3E}">
+        <p14:creationId xmlns:p14="http://schemas.microsoft.com/office/powerpoint/2010/main" val="2974112058"/>
+      </p:ext>
+    </p:extLst>
+  </p:cSld>
+  <p:clrMapOvr>
+    <a:masterClrMapping/>
+  </p:clrMapOvr>
+</p:notes>
+</file>
+
+<file path=ppt/notesSlides/notesSlide4.xml><?xml version="1.0" encoding="utf-8"?>
+<p:notes xmlns:a="http://schemas.openxmlformats.org/drawingml/2006/main" xmlns:r="http://schemas.openxmlformats.org/officeDocument/2006/relationships" xmlns:p="http://schemas.openxmlformats.org/presentationml/2006/main">
+  <p:cSld>
+    <p:spTree>
+      <p:nvGrpSpPr>
+        <p:cNvPr id="1" name=""/>
+        <p:cNvGrpSpPr/>
+        <p:nvPr/>
+      </p:nvGrpSpPr>
+      <p:grpSpPr>
+        <a:xfrm>
+          <a:off x="0" y="0"/>
+          <a:ext cx="0" cy="0"/>
+          <a:chOff x="0" y="0"/>
+          <a:chExt cx="0" cy="0"/>
+        </a:xfrm>
+      </p:grpSpPr>
+      <p:sp>
+        <p:nvSpPr>
+          <p:cNvPr id="2" name="Slide Image Placeholder 1"/>
+          <p:cNvSpPr>
+            <a:spLocks noGrp="1" noRot="1" noChangeAspect="1"/>
+          </p:cNvSpPr>
+          <p:nvPr>
+            <p:ph type="sldImg"/>
+          </p:nvPr>
+        </p:nvSpPr>
+        <p:spPr/>
+      </p:sp>
+      <p:sp>
+        <p:nvSpPr>
+          <p:cNvPr id="3" name="Notes Placeholder 2"/>
+          <p:cNvSpPr>
+            <a:spLocks noGrp="1"/>
+          </p:cNvSpPr>
+          <p:nvPr>
+            <p:ph type="body" idx="1"/>
+          </p:nvPr>
+        </p:nvSpPr>
+        <p:spPr/>
+        <p:txBody>
+          <a:bodyPr/>
+          <a:lstStyle/>
+          <a:p>
+            <a:pPr marL="0" marR="0" lvl="0" indent="0" algn="l" defTabSz="914400" rtl="0" eaLnBrk="1" fontAlgn="auto" latinLnBrk="0" hangingPunct="1">
+              <a:lnSpc>
+                <a:spcPct val="100000"/>
+              </a:lnSpc>
+              <a:spcBef>
+                <a:spcPts val="0"/>
+              </a:spcBef>
+              <a:spcAft>
+                <a:spcPts val="0"/>
+              </a:spcAft>
+              <a:buClrTx/>
+              <a:buSzTx/>
+              <a:buFontTx/>
+              <a:buNone/>
+              <a:tabLst/>
+              <a:defRPr/>
+            </a:pPr>
+            <a:r>
+              <a:rPr lang="en-US" dirty="0"/>
+              <a:t>Do a live demo of the workflow using a dummy file.</a:t>
+            </a:r>
+          </a:p>
+        </p:txBody>
+      </p:sp>
+      <p:sp>
+        <p:nvSpPr>
+          <p:cNvPr id="4" name="Slide Number Placeholder 3"/>
+          <p:cNvSpPr>
+            <a:spLocks noGrp="1"/>
+          </p:cNvSpPr>
+          <p:nvPr>
+            <p:ph type="sldNum" sz="quarter" idx="5"/>
+          </p:nvPr>
+        </p:nvSpPr>
+        <p:spPr/>
+        <p:txBody>
+          <a:bodyPr/>
+          <a:lstStyle/>
+          <a:p>
+            <a:fld id="{850BCB3C-34B7-4811-8687-6EA5C8C7A053}" type="slidenum">
+              <a:rPr lang="en-US" smtClean="0"/>
+              <a:t>17</a:t>
+            </a:fld>
+            <a:endParaRPr lang="en-US"/>
+          </a:p>
+        </p:txBody>
+      </p:sp>
+    </p:spTree>
+    <p:extLst>
+      <p:ext uri="{BB962C8B-B14F-4D97-AF65-F5344CB8AC3E}">
+        <p14:creationId xmlns:p14="http://schemas.microsoft.com/office/powerpoint/2010/main" val="1640391596"/>
       </p:ext>
     </p:extLst>
   </p:cSld>
@@ -5475,7 +5687,7 @@
                   <a:schemeClr val="accent2"/>
                 </a:solidFill>
               </a:rPr>
-              <a:t>Note: In general, backticks (`) indicate code or commands</a:t>
+              <a:t>Note: In general, backticks (`) indicate commands or lines of code</a:t>
             </a:r>
           </a:p>
         </p:txBody>
@@ -5992,7 +6204,7 @@
           <a:p>
             <a:r>
               <a:rPr lang="en-US" dirty="0"/>
-              <a:t>Using Git</a:t>
+              <a:t>Git: Basic Workflow</a:t>
             </a:r>
           </a:p>
         </p:txBody>
@@ -6013,7 +6225,12 @@
             <p:ph idx="1"/>
           </p:nvPr>
         </p:nvSpPr>
-        <p:spPr/>
+        <p:spPr>
+          <a:xfrm>
+            <a:off x="1097279" y="1845734"/>
+            <a:ext cx="10207293" cy="4023360"/>
+          </a:xfrm>
+        </p:spPr>
         <p:txBody>
           <a:bodyPr/>
           <a:lstStyle/>
@@ -6107,7 +6324,15 @@
             <a:pPr lvl="1"/>
             <a:r>
               <a:rPr lang="en-US" dirty="0"/>
-              <a:t>`git pull` – Pull most recent updates from repo (only necessary for collaborative work)</a:t>
+              <a:t>`git </a:t>
+            </a:r>
+            <a:r>
+              <a:rPr lang="en-US" b="1" dirty="0"/>
+              <a:t>pull</a:t>
+            </a:r>
+            <a:r>
+              <a:rPr lang="en-US" dirty="0"/>
+              <a:t>` – Pull most recent commit from repo (only necessary for collaborative work)</a:t>
             </a:r>
           </a:p>
         </p:txBody>
@@ -6358,6 +6583,9 @@
               </a:path>
             </a:pathLst>
           </a:custGeom>
+          <a:solidFill>
+            <a:schemeClr val="bg1"/>
+          </a:solidFill>
           <a:ln>
             <a:extLst>
               <a:ext uri="{C807C97D-BFC1-408E-A445-0C87EB9F89A2}">
@@ -6451,7 +6679,7 @@
           <a:p>
             <a:r>
               <a:rPr lang="en-US" dirty="0"/>
-              <a:t>Setting up your Repo</a:t>
+              <a:t>Git: Branching</a:t>
             </a:r>
           </a:p>
         </p:txBody>
@@ -6472,18 +6700,1213 @@
             <p:ph idx="1"/>
           </p:nvPr>
         </p:nvSpPr>
-        <p:spPr/>
+        <p:spPr>
+          <a:xfrm>
+            <a:off x="1097280" y="1845734"/>
+            <a:ext cx="6286533" cy="4023360"/>
+          </a:xfrm>
+        </p:spPr>
         <p:txBody>
           <a:bodyPr/>
           <a:lstStyle/>
           <a:p>
             <a:r>
               <a:rPr lang="en-US" dirty="0"/>
-              <a:t>Five</a:t>
+              <a:t>What is a branch? </a:t>
+            </a:r>
+          </a:p>
+          <a:p>
+            <a:pPr lvl="1"/>
+            <a:r>
+              <a:rPr lang="en-US" dirty="0"/>
+              <a:t>Branches are essentially tracked copies of the master </a:t>
+            </a:r>
+          </a:p>
+          <a:p>
+            <a:pPr lvl="1"/>
+            <a:r>
+              <a:rPr lang="en-US" dirty="0"/>
+              <a:t>Modifications in a branch aren’t incorporated into the master until explicitly merged</a:t>
+            </a:r>
+          </a:p>
+          <a:p>
+            <a:r>
+              <a:rPr lang="en-US" dirty="0"/>
+              <a:t>Why branching?</a:t>
+            </a:r>
+          </a:p>
+          <a:p>
+            <a:pPr lvl="1"/>
+            <a:r>
+              <a:rPr lang="en-US" dirty="0"/>
+              <a:t>Allows you to modify code w/o the risk of breaking it</a:t>
+            </a:r>
+          </a:p>
+          <a:p>
+            <a:pPr lvl="1"/>
+            <a:r>
+              <a:rPr lang="en-US" dirty="0"/>
+              <a:t>Simplifies (</a:t>
+            </a:r>
+            <a:r>
+              <a:rPr lang="en-US" dirty="0" err="1"/>
+              <a:t>kinda</a:t>
+            </a:r>
+            <a:r>
+              <a:rPr lang="en-US" dirty="0"/>
+              <a:t>) collaboration on projects</a:t>
+            </a:r>
+          </a:p>
+          <a:p>
+            <a:r>
+              <a:rPr lang="en-US" dirty="0"/>
+              <a:t>When to create a branch?</a:t>
+            </a:r>
+          </a:p>
+          <a:p>
+            <a:pPr lvl="1"/>
+            <a:r>
+              <a:rPr lang="en-US" dirty="0"/>
+              <a:t>Developing a new feature</a:t>
+            </a:r>
+          </a:p>
+          <a:p>
+            <a:pPr lvl="1"/>
+            <a:r>
+              <a:rPr lang="en-US" dirty="0"/>
+              <a:t>Making significant updates to current code</a:t>
             </a:r>
           </a:p>
         </p:txBody>
       </p:sp>
+      <p:sp>
+        <p:nvSpPr>
+          <p:cNvPr id="12" name="TextBox 11">
+            <a:extLst>
+              <a:ext uri="{FF2B5EF4-FFF2-40B4-BE49-F238E27FC236}">
+                <a16:creationId xmlns:a16="http://schemas.microsoft.com/office/drawing/2014/main" id="{E5752DFD-7079-4C9E-8134-8646A0815741}"/>
+              </a:ext>
+            </a:extLst>
+          </p:cNvPr>
+          <p:cNvSpPr txBox="1"/>
+          <p:nvPr/>
+        </p:nvSpPr>
+        <p:spPr>
+          <a:xfrm>
+            <a:off x="0" y="6432897"/>
+            <a:ext cx="6936828" cy="276999"/>
+          </a:xfrm>
+          <a:prstGeom prst="rect">
+            <a:avLst/>
+          </a:prstGeom>
+          <a:noFill/>
+        </p:spPr>
+        <p:txBody>
+          <a:bodyPr wrap="square" rtlCol="0">
+            <a:spAutoFit/>
+          </a:bodyPr>
+          <a:lstStyle/>
+          <a:p>
+            <a:r>
+              <a:rPr lang="en-US" sz="1200" dirty="0">
+                <a:solidFill>
+                  <a:schemeClr val="bg2"/>
+                </a:solidFill>
+              </a:rPr>
+              <a:t>Sources: </a:t>
+            </a:r>
+            <a:r>
+              <a:rPr lang="en-US" sz="1200" dirty="0">
+                <a:solidFill>
+                  <a:schemeClr val="bg2"/>
+                </a:solidFill>
+                <a:hlinkClick r:id="rId3">
+                  <a:extLst>
+                    <a:ext uri="{A12FA001-AC4F-418D-AE19-62706E023703}">
+                      <ahyp:hlinkClr xmlns:ahyp="http://schemas.microsoft.com/office/drawing/2018/hyperlinkcolor" val="tx"/>
+                    </a:ext>
+                  </a:extLst>
+                </a:hlinkClick>
+              </a:rPr>
+              <a:t>https://git-scm.com/book/en/v2/Git-Branching-Basic-Branching-and-Merging</a:t>
+            </a:r>
+            <a:r>
+              <a:rPr lang="en-US" sz="1200" dirty="0">
+                <a:solidFill>
+                  <a:schemeClr val="bg2"/>
+                </a:solidFill>
+              </a:rPr>
+              <a:t>    </a:t>
+            </a:r>
+          </a:p>
+        </p:txBody>
+      </p:sp>
+      <p:grpSp>
+        <p:nvGrpSpPr>
+          <p:cNvPr id="15" name="Group 14">
+            <a:extLst>
+              <a:ext uri="{FF2B5EF4-FFF2-40B4-BE49-F238E27FC236}">
+                <a16:creationId xmlns:a16="http://schemas.microsoft.com/office/drawing/2014/main" id="{BEB75D5E-0DF0-44F3-8F35-47C001E642FC}"/>
+              </a:ext>
+            </a:extLst>
+          </p:cNvPr>
+          <p:cNvGrpSpPr/>
+          <p:nvPr/>
+        </p:nvGrpSpPr>
+        <p:grpSpPr>
+          <a:xfrm>
+            <a:off x="6561916" y="2357284"/>
+            <a:ext cx="5852160" cy="3000259"/>
+            <a:chOff x="6561916" y="2357284"/>
+            <a:chExt cx="5852160" cy="3000259"/>
+          </a:xfrm>
+        </p:grpSpPr>
+        <p:grpSp>
+          <p:nvGrpSpPr>
+            <p:cNvPr id="11" name="Group 10">
+              <a:extLst>
+                <a:ext uri="{FF2B5EF4-FFF2-40B4-BE49-F238E27FC236}">
+                  <a16:creationId xmlns:a16="http://schemas.microsoft.com/office/drawing/2014/main" id="{3B74E6D3-E242-40A0-B3AF-FFBBFB8A6306}"/>
+                </a:ext>
+              </a:extLst>
+            </p:cNvPr>
+            <p:cNvGrpSpPr/>
+            <p:nvPr/>
+          </p:nvGrpSpPr>
+          <p:grpSpPr>
+            <a:xfrm>
+              <a:off x="6561916" y="2357284"/>
+              <a:ext cx="5852160" cy="3000259"/>
+              <a:chOff x="5760805" y="2446296"/>
+              <a:chExt cx="5852160" cy="3000259"/>
+            </a:xfrm>
+          </p:grpSpPr>
+          <p:pic>
+            <p:nvPicPr>
+              <p:cNvPr id="4" name="Picture 3" descr="A picture containing text, indoor, toy&#10;&#10;Description automatically generated">
+                <a:extLst>
+                  <a:ext uri="{FF2B5EF4-FFF2-40B4-BE49-F238E27FC236}">
+                    <a16:creationId xmlns:a16="http://schemas.microsoft.com/office/drawing/2014/main" id="{1B18E0A8-D016-406C-869A-7825F2B1F390}"/>
+                  </a:ext>
+                </a:extLst>
+              </p:cNvPr>
+              <p:cNvPicPr>
+                <a:picLocks noChangeAspect="1"/>
+              </p:cNvPicPr>
+              <p:nvPr/>
+            </p:nvPicPr>
+            <p:blipFill>
+              <a:blip r:embed="rId4">
+                <a:extLst>
+                  <a:ext uri="{28A0092B-C50C-407E-A947-70E740481C1C}">
+                    <a14:useLocalDpi xmlns:a14="http://schemas.microsoft.com/office/drawing/2010/main" val="0"/>
+                  </a:ext>
+                </a:extLst>
+              </a:blip>
+              <a:stretch>
+                <a:fillRect/>
+              </a:stretch>
+            </p:blipFill>
+            <p:spPr>
+              <a:xfrm>
+                <a:off x="6582702" y="2446296"/>
+                <a:ext cx="4512018" cy="3000259"/>
+              </a:xfrm>
+              <a:prstGeom prst="rect">
+                <a:avLst/>
+              </a:prstGeom>
+            </p:spPr>
+          </p:pic>
+          <p:grpSp>
+            <p:nvGrpSpPr>
+              <p:cNvPr id="10" name="Group 9">
+                <a:extLst>
+                  <a:ext uri="{FF2B5EF4-FFF2-40B4-BE49-F238E27FC236}">
+                    <a16:creationId xmlns:a16="http://schemas.microsoft.com/office/drawing/2014/main" id="{89BF180F-3503-40D7-BDFA-7BF0FE0B3888}"/>
+                  </a:ext>
+                </a:extLst>
+              </p:cNvPr>
+              <p:cNvGrpSpPr/>
+              <p:nvPr/>
+            </p:nvGrpSpPr>
+            <p:grpSpPr>
+              <a:xfrm>
+                <a:off x="5760805" y="3210498"/>
+                <a:ext cx="5852160" cy="778401"/>
+                <a:chOff x="5821765" y="3121486"/>
+                <a:chExt cx="5852160" cy="778401"/>
+              </a:xfrm>
+            </p:grpSpPr>
+            <p:sp>
+              <p:nvSpPr>
+                <p:cNvPr id="6" name="Arrow: Right 5">
+                  <a:extLst>
+                    <a:ext uri="{FF2B5EF4-FFF2-40B4-BE49-F238E27FC236}">
+                      <a16:creationId xmlns:a16="http://schemas.microsoft.com/office/drawing/2014/main" id="{A50C976D-EFCF-4343-88F8-7E4F950F9CE5}"/>
+                    </a:ext>
+                  </a:extLst>
+                </p:cNvPr>
+                <p:cNvSpPr/>
+                <p:nvPr/>
+              </p:nvSpPr>
+              <p:spPr>
+                <a:xfrm rot="12609495">
+                  <a:off x="5821765" y="3717007"/>
+                  <a:ext cx="5852160" cy="182880"/>
+                </a:xfrm>
+                <a:custGeom>
+                  <a:avLst/>
+                  <a:gdLst>
+                    <a:gd name="connsiteX0" fmla="*/ 0 w 5852160"/>
+                    <a:gd name="connsiteY0" fmla="*/ 45720 h 182880"/>
+                    <a:gd name="connsiteX1" fmla="*/ 460858 w 5852160"/>
+                    <a:gd name="connsiteY1" fmla="*/ 45720 h 182880"/>
+                    <a:gd name="connsiteX2" fmla="*/ 1036930 w 5852160"/>
+                    <a:gd name="connsiteY2" fmla="*/ 45720 h 182880"/>
+                    <a:gd name="connsiteX3" fmla="*/ 1555394 w 5852160"/>
+                    <a:gd name="connsiteY3" fmla="*/ 45720 h 182880"/>
+                    <a:gd name="connsiteX4" fmla="*/ 1958645 w 5852160"/>
+                    <a:gd name="connsiteY4" fmla="*/ 45720 h 182880"/>
+                    <a:gd name="connsiteX5" fmla="*/ 2419502 w 5852160"/>
+                    <a:gd name="connsiteY5" fmla="*/ 45720 h 182880"/>
+                    <a:gd name="connsiteX6" fmla="*/ 2937967 w 5852160"/>
+                    <a:gd name="connsiteY6" fmla="*/ 45720 h 182880"/>
+                    <a:gd name="connsiteX7" fmla="*/ 3514039 w 5852160"/>
+                    <a:gd name="connsiteY7" fmla="*/ 45720 h 182880"/>
+                    <a:gd name="connsiteX8" fmla="*/ 4147718 w 5852160"/>
+                    <a:gd name="connsiteY8" fmla="*/ 45720 h 182880"/>
+                    <a:gd name="connsiteX9" fmla="*/ 4666183 w 5852160"/>
+                    <a:gd name="connsiteY9" fmla="*/ 45720 h 182880"/>
+                    <a:gd name="connsiteX10" fmla="*/ 5069434 w 5852160"/>
+                    <a:gd name="connsiteY10" fmla="*/ 45720 h 182880"/>
+                    <a:gd name="connsiteX11" fmla="*/ 5760720 w 5852160"/>
+                    <a:gd name="connsiteY11" fmla="*/ 45720 h 182880"/>
+                    <a:gd name="connsiteX12" fmla="*/ 5760720 w 5852160"/>
+                    <a:gd name="connsiteY12" fmla="*/ 0 h 182880"/>
+                    <a:gd name="connsiteX13" fmla="*/ 5852160 w 5852160"/>
+                    <a:gd name="connsiteY13" fmla="*/ 91440 h 182880"/>
+                    <a:gd name="connsiteX14" fmla="*/ 5760720 w 5852160"/>
+                    <a:gd name="connsiteY14" fmla="*/ 182880 h 182880"/>
+                    <a:gd name="connsiteX15" fmla="*/ 5760720 w 5852160"/>
+                    <a:gd name="connsiteY15" fmla="*/ 137160 h 182880"/>
+                    <a:gd name="connsiteX16" fmla="*/ 5357470 w 5852160"/>
+                    <a:gd name="connsiteY16" fmla="*/ 137160 h 182880"/>
+                    <a:gd name="connsiteX17" fmla="*/ 4666183 w 5852160"/>
+                    <a:gd name="connsiteY17" fmla="*/ 137160 h 182880"/>
+                    <a:gd name="connsiteX18" fmla="*/ 3974897 w 5852160"/>
+                    <a:gd name="connsiteY18" fmla="*/ 137160 h 182880"/>
+                    <a:gd name="connsiteX19" fmla="*/ 3514039 w 5852160"/>
+                    <a:gd name="connsiteY19" fmla="*/ 137160 h 182880"/>
+                    <a:gd name="connsiteX20" fmla="*/ 3110789 w 5852160"/>
+                    <a:gd name="connsiteY20" fmla="*/ 137160 h 182880"/>
+                    <a:gd name="connsiteX21" fmla="*/ 2419502 w 5852160"/>
+                    <a:gd name="connsiteY21" fmla="*/ 137160 h 182880"/>
+                    <a:gd name="connsiteX22" fmla="*/ 1785823 w 5852160"/>
+                    <a:gd name="connsiteY22" fmla="*/ 137160 h 182880"/>
+                    <a:gd name="connsiteX23" fmla="*/ 1094537 w 5852160"/>
+                    <a:gd name="connsiteY23" fmla="*/ 137160 h 182880"/>
+                    <a:gd name="connsiteX24" fmla="*/ 691286 w 5852160"/>
+                    <a:gd name="connsiteY24" fmla="*/ 137160 h 182880"/>
+                    <a:gd name="connsiteX25" fmla="*/ 0 w 5852160"/>
+                    <a:gd name="connsiteY25" fmla="*/ 137160 h 182880"/>
+                    <a:gd name="connsiteX26" fmla="*/ 0 w 5852160"/>
+                    <a:gd name="connsiteY26" fmla="*/ 45720 h 182880"/>
+                  </a:gdLst>
+                  <a:ahLst/>
+                  <a:cxnLst>
+                    <a:cxn ang="0">
+                      <a:pos x="connsiteX0" y="connsiteY0"/>
+                    </a:cxn>
+                    <a:cxn ang="0">
+                      <a:pos x="connsiteX1" y="connsiteY1"/>
+                    </a:cxn>
+                    <a:cxn ang="0">
+                      <a:pos x="connsiteX2" y="connsiteY2"/>
+                    </a:cxn>
+                    <a:cxn ang="0">
+                      <a:pos x="connsiteX3" y="connsiteY3"/>
+                    </a:cxn>
+                    <a:cxn ang="0">
+                      <a:pos x="connsiteX4" y="connsiteY4"/>
+                    </a:cxn>
+                    <a:cxn ang="0">
+                      <a:pos x="connsiteX5" y="connsiteY5"/>
+                    </a:cxn>
+                    <a:cxn ang="0">
+                      <a:pos x="connsiteX6" y="connsiteY6"/>
+                    </a:cxn>
+                    <a:cxn ang="0">
+                      <a:pos x="connsiteX7" y="connsiteY7"/>
+                    </a:cxn>
+                    <a:cxn ang="0">
+                      <a:pos x="connsiteX8" y="connsiteY8"/>
+                    </a:cxn>
+                    <a:cxn ang="0">
+                      <a:pos x="connsiteX9" y="connsiteY9"/>
+                    </a:cxn>
+                    <a:cxn ang="0">
+                      <a:pos x="connsiteX10" y="connsiteY10"/>
+                    </a:cxn>
+                    <a:cxn ang="0">
+                      <a:pos x="connsiteX11" y="connsiteY11"/>
+                    </a:cxn>
+                    <a:cxn ang="0">
+                      <a:pos x="connsiteX12" y="connsiteY12"/>
+                    </a:cxn>
+                    <a:cxn ang="0">
+                      <a:pos x="connsiteX13" y="connsiteY13"/>
+                    </a:cxn>
+                    <a:cxn ang="0">
+                      <a:pos x="connsiteX14" y="connsiteY14"/>
+                    </a:cxn>
+                    <a:cxn ang="0">
+                      <a:pos x="connsiteX15" y="connsiteY15"/>
+                    </a:cxn>
+                    <a:cxn ang="0">
+                      <a:pos x="connsiteX16" y="connsiteY16"/>
+                    </a:cxn>
+                    <a:cxn ang="0">
+                      <a:pos x="connsiteX17" y="connsiteY17"/>
+                    </a:cxn>
+                    <a:cxn ang="0">
+                      <a:pos x="connsiteX18" y="connsiteY18"/>
+                    </a:cxn>
+                    <a:cxn ang="0">
+                      <a:pos x="connsiteX19" y="connsiteY19"/>
+                    </a:cxn>
+                    <a:cxn ang="0">
+                      <a:pos x="connsiteX20" y="connsiteY20"/>
+                    </a:cxn>
+                    <a:cxn ang="0">
+                      <a:pos x="connsiteX21" y="connsiteY21"/>
+                    </a:cxn>
+                    <a:cxn ang="0">
+                      <a:pos x="connsiteX22" y="connsiteY22"/>
+                    </a:cxn>
+                    <a:cxn ang="0">
+                      <a:pos x="connsiteX23" y="connsiteY23"/>
+                    </a:cxn>
+                    <a:cxn ang="0">
+                      <a:pos x="connsiteX24" y="connsiteY24"/>
+                    </a:cxn>
+                    <a:cxn ang="0">
+                      <a:pos x="connsiteX25" y="connsiteY25"/>
+                    </a:cxn>
+                    <a:cxn ang="0">
+                      <a:pos x="connsiteX26" y="connsiteY26"/>
+                    </a:cxn>
+                  </a:cxnLst>
+                  <a:rect l="l" t="t" r="r" b="b"/>
+                  <a:pathLst>
+                    <a:path w="5852160" h="182880" fill="none" extrusionOk="0">
+                      <a:moveTo>
+                        <a:pt x="0" y="45720"/>
+                      </a:moveTo>
+                      <a:cubicBezTo>
+                        <a:pt x="118508" y="13932"/>
+                        <a:pt x="322862" y="70739"/>
+                        <a:pt x="460858" y="45720"/>
+                      </a:cubicBezTo>
+                      <a:cubicBezTo>
+                        <a:pt x="598854" y="20701"/>
+                        <a:pt x="771162" y="85324"/>
+                        <a:pt x="1036930" y="45720"/>
+                      </a:cubicBezTo>
+                      <a:cubicBezTo>
+                        <a:pt x="1302698" y="6116"/>
+                        <a:pt x="1324370" y="88898"/>
+                        <a:pt x="1555394" y="45720"/>
+                      </a:cubicBezTo>
+                      <a:cubicBezTo>
+                        <a:pt x="1786418" y="2542"/>
+                        <a:pt x="1850458" y="68005"/>
+                        <a:pt x="1958645" y="45720"/>
+                      </a:cubicBezTo>
+                      <a:cubicBezTo>
+                        <a:pt x="2066832" y="23435"/>
+                        <a:pt x="2191962" y="59335"/>
+                        <a:pt x="2419502" y="45720"/>
+                      </a:cubicBezTo>
+                      <a:cubicBezTo>
+                        <a:pt x="2647042" y="32105"/>
+                        <a:pt x="2829248" y="89256"/>
+                        <a:pt x="2937967" y="45720"/>
+                      </a:cubicBezTo>
+                      <a:cubicBezTo>
+                        <a:pt x="3046686" y="2184"/>
+                        <a:pt x="3269202" y="103639"/>
+                        <a:pt x="3514039" y="45720"/>
+                      </a:cubicBezTo>
+                      <a:cubicBezTo>
+                        <a:pt x="3758876" y="-12199"/>
+                        <a:pt x="3964492" y="114807"/>
+                        <a:pt x="4147718" y="45720"/>
+                      </a:cubicBezTo>
+                      <a:cubicBezTo>
+                        <a:pt x="4330944" y="-23367"/>
+                        <a:pt x="4466857" y="60740"/>
+                        <a:pt x="4666183" y="45720"/>
+                      </a:cubicBezTo>
+                      <a:cubicBezTo>
+                        <a:pt x="4865510" y="30700"/>
+                        <a:pt x="4895710" y="70236"/>
+                        <a:pt x="5069434" y="45720"/>
+                      </a:cubicBezTo>
+                      <a:cubicBezTo>
+                        <a:pt x="5243158" y="21204"/>
+                        <a:pt x="5501629" y="126076"/>
+                        <a:pt x="5760720" y="45720"/>
+                      </a:cubicBezTo>
+                      <a:cubicBezTo>
+                        <a:pt x="5755526" y="34309"/>
+                        <a:pt x="5765726" y="19119"/>
+                        <a:pt x="5760720" y="0"/>
+                      </a:cubicBezTo>
+                      <a:cubicBezTo>
+                        <a:pt x="5785919" y="21300"/>
+                        <a:pt x="5805829" y="64734"/>
+                        <a:pt x="5852160" y="91440"/>
+                      </a:cubicBezTo>
+                      <a:cubicBezTo>
+                        <a:pt x="5814378" y="137076"/>
+                        <a:pt x="5778874" y="143697"/>
+                        <a:pt x="5760720" y="182880"/>
+                      </a:cubicBezTo>
+                      <a:cubicBezTo>
+                        <a:pt x="5755757" y="171907"/>
+                        <a:pt x="5762967" y="152916"/>
+                        <a:pt x="5760720" y="137160"/>
+                      </a:cubicBezTo>
+                      <a:cubicBezTo>
+                        <a:pt x="5587578" y="149778"/>
+                        <a:pt x="5497414" y="102790"/>
+                        <a:pt x="5357470" y="137160"/>
+                      </a:cubicBezTo>
+                      <a:cubicBezTo>
+                        <a:pt x="5217526" y="171530"/>
+                        <a:pt x="4848089" y="59991"/>
+                        <a:pt x="4666183" y="137160"/>
+                      </a:cubicBezTo>
+                      <a:cubicBezTo>
+                        <a:pt x="4484277" y="214329"/>
+                        <a:pt x="4303377" y="60087"/>
+                        <a:pt x="3974897" y="137160"/>
+                      </a:cubicBezTo>
+                      <a:cubicBezTo>
+                        <a:pt x="3646417" y="214233"/>
+                        <a:pt x="3735237" y="123010"/>
+                        <a:pt x="3514039" y="137160"/>
+                      </a:cubicBezTo>
+                      <a:cubicBezTo>
+                        <a:pt x="3292841" y="151310"/>
+                        <a:pt x="3200346" y="123189"/>
+                        <a:pt x="3110789" y="137160"/>
+                      </a:cubicBezTo>
+                      <a:cubicBezTo>
+                        <a:pt x="3021232" y="151131"/>
+                        <a:pt x="2615179" y="56083"/>
+                        <a:pt x="2419502" y="137160"/>
+                      </a:cubicBezTo>
+                      <a:cubicBezTo>
+                        <a:pt x="2223825" y="218237"/>
+                        <a:pt x="1997952" y="86551"/>
+                        <a:pt x="1785823" y="137160"/>
+                      </a:cubicBezTo>
+                      <a:cubicBezTo>
+                        <a:pt x="1573694" y="187769"/>
+                        <a:pt x="1305518" y="104440"/>
+                        <a:pt x="1094537" y="137160"/>
+                      </a:cubicBezTo>
+                      <a:cubicBezTo>
+                        <a:pt x="883556" y="169880"/>
+                        <a:pt x="853873" y="124899"/>
+                        <a:pt x="691286" y="137160"/>
+                      </a:cubicBezTo>
+                      <a:cubicBezTo>
+                        <a:pt x="528699" y="149421"/>
+                        <a:pt x="309890" y="132273"/>
+                        <a:pt x="0" y="137160"/>
+                      </a:cubicBezTo>
+                      <a:cubicBezTo>
+                        <a:pt x="-2879" y="103784"/>
+                        <a:pt x="8440" y="76383"/>
+                        <a:pt x="0" y="45720"/>
+                      </a:cubicBezTo>
+                      <a:close/>
+                    </a:path>
+                    <a:path w="5852160" h="182880" stroke="0" extrusionOk="0">
+                      <a:moveTo>
+                        <a:pt x="0" y="45720"/>
+                      </a:moveTo>
+                      <a:cubicBezTo>
+                        <a:pt x="170758" y="43569"/>
+                        <a:pt x="258367" y="90197"/>
+                        <a:pt x="403250" y="45720"/>
+                      </a:cubicBezTo>
+                      <a:cubicBezTo>
+                        <a:pt x="548133" y="1243"/>
+                        <a:pt x="734010" y="110963"/>
+                        <a:pt x="979322" y="45720"/>
+                      </a:cubicBezTo>
+                      <a:cubicBezTo>
+                        <a:pt x="1224634" y="-19523"/>
+                        <a:pt x="1276963" y="98399"/>
+                        <a:pt x="1440180" y="45720"/>
+                      </a:cubicBezTo>
+                      <a:cubicBezTo>
+                        <a:pt x="1603397" y="-6959"/>
+                        <a:pt x="1716076" y="88893"/>
+                        <a:pt x="1843430" y="45720"/>
+                      </a:cubicBezTo>
+                      <a:cubicBezTo>
+                        <a:pt x="1970784" y="2547"/>
+                        <a:pt x="2069027" y="66921"/>
+                        <a:pt x="2246681" y="45720"/>
+                      </a:cubicBezTo>
+                      <a:cubicBezTo>
+                        <a:pt x="2424335" y="24519"/>
+                        <a:pt x="2511026" y="65652"/>
+                        <a:pt x="2707538" y="45720"/>
+                      </a:cubicBezTo>
+                      <a:cubicBezTo>
+                        <a:pt x="2904050" y="25788"/>
+                        <a:pt x="3080507" y="46015"/>
+                        <a:pt x="3398825" y="45720"/>
+                      </a:cubicBezTo>
+                      <a:cubicBezTo>
+                        <a:pt x="3717143" y="45425"/>
+                        <a:pt x="3612997" y="64301"/>
+                        <a:pt x="3802075" y="45720"/>
+                      </a:cubicBezTo>
+                      <a:cubicBezTo>
+                        <a:pt x="3991153" y="27139"/>
+                        <a:pt x="4149400" y="73970"/>
+                        <a:pt x="4262933" y="45720"/>
+                      </a:cubicBezTo>
+                      <a:cubicBezTo>
+                        <a:pt x="4376466" y="17470"/>
+                        <a:pt x="4534274" y="76340"/>
+                        <a:pt x="4723790" y="45720"/>
+                      </a:cubicBezTo>
+                      <a:cubicBezTo>
+                        <a:pt x="4913306" y="15100"/>
+                        <a:pt x="4993508" y="85142"/>
+                        <a:pt x="5127041" y="45720"/>
+                      </a:cubicBezTo>
+                      <a:cubicBezTo>
+                        <a:pt x="5260574" y="6298"/>
+                        <a:pt x="5628969" y="98389"/>
+                        <a:pt x="5760720" y="45720"/>
+                      </a:cubicBezTo>
+                      <a:cubicBezTo>
+                        <a:pt x="5759830" y="26436"/>
+                        <a:pt x="5765754" y="17520"/>
+                        <a:pt x="5760720" y="0"/>
+                      </a:cubicBezTo>
+                      <a:cubicBezTo>
+                        <a:pt x="5790828" y="10118"/>
+                        <a:pt x="5812603" y="72890"/>
+                        <a:pt x="5852160" y="91440"/>
+                      </a:cubicBezTo>
+                      <a:cubicBezTo>
+                        <a:pt x="5817294" y="132304"/>
+                        <a:pt x="5774072" y="150825"/>
+                        <a:pt x="5760720" y="182880"/>
+                      </a:cubicBezTo>
+                      <a:cubicBezTo>
+                        <a:pt x="5758318" y="163804"/>
+                        <a:pt x="5762795" y="156563"/>
+                        <a:pt x="5760720" y="137160"/>
+                      </a:cubicBezTo>
+                      <a:cubicBezTo>
+                        <a:pt x="5604803" y="137608"/>
+                        <a:pt x="5317765" y="107247"/>
+                        <a:pt x="5069434" y="137160"/>
+                      </a:cubicBezTo>
+                      <a:cubicBezTo>
+                        <a:pt x="4821103" y="167073"/>
+                        <a:pt x="4712923" y="133281"/>
+                        <a:pt x="4378147" y="137160"/>
+                      </a:cubicBezTo>
+                      <a:cubicBezTo>
+                        <a:pt x="4043371" y="141039"/>
+                        <a:pt x="4007769" y="69015"/>
+                        <a:pt x="3802075" y="137160"/>
+                      </a:cubicBezTo>
+                      <a:cubicBezTo>
+                        <a:pt x="3596381" y="205305"/>
+                        <a:pt x="3420251" y="57987"/>
+                        <a:pt x="3110789" y="137160"/>
+                      </a:cubicBezTo>
+                      <a:cubicBezTo>
+                        <a:pt x="2801327" y="216333"/>
+                        <a:pt x="2765827" y="121949"/>
+                        <a:pt x="2534717" y="137160"/>
+                      </a:cubicBezTo>
+                      <a:cubicBezTo>
+                        <a:pt x="2303607" y="152371"/>
+                        <a:pt x="2272210" y="102958"/>
+                        <a:pt x="2131466" y="137160"/>
+                      </a:cubicBezTo>
+                      <a:cubicBezTo>
+                        <a:pt x="1990722" y="171362"/>
+                        <a:pt x="1716732" y="112102"/>
+                        <a:pt x="1613002" y="137160"/>
+                      </a:cubicBezTo>
+                      <a:cubicBezTo>
+                        <a:pt x="1509272" y="162218"/>
+                        <a:pt x="1204886" y="71284"/>
+                        <a:pt x="921715" y="137160"/>
+                      </a:cubicBezTo>
+                      <a:cubicBezTo>
+                        <a:pt x="638544" y="203036"/>
+                        <a:pt x="247142" y="43098"/>
+                        <a:pt x="0" y="137160"/>
+                      </a:cubicBezTo>
+                      <a:cubicBezTo>
+                        <a:pt x="-7162" y="103267"/>
+                        <a:pt x="3679" y="73356"/>
+                        <a:pt x="0" y="45720"/>
+                      </a:cubicBezTo>
+                      <a:close/>
+                    </a:path>
+                  </a:pathLst>
+                </a:custGeom>
+                <a:solidFill>
+                  <a:schemeClr val="bg1"/>
+                </a:solidFill>
+                <a:ln>
+                  <a:extLst>
+                    <a:ext uri="{C807C97D-BFC1-408E-A445-0C87EB9F89A2}">
+                      <ask:lineSketchStyleProps xmlns:ask="http://schemas.microsoft.com/office/drawing/2018/sketchyshapes" sd="1398590423">
+                        <a:prstGeom prst="rightArrow">
+                          <a:avLst/>
+                        </a:prstGeom>
+                        <ask:type>
+                          <ask:lineSketchScribble/>
+                        </ask:type>
+                      </ask:lineSketchStyleProps>
+                    </a:ext>
+                  </a:extLst>
+                </a:ln>
+              </p:spPr>
+              <p:style>
+                <a:lnRef idx="2">
+                  <a:schemeClr val="accent1">
+                    <a:shade val="50000"/>
+                  </a:schemeClr>
+                </a:lnRef>
+                <a:fillRef idx="1">
+                  <a:schemeClr val="accent1"/>
+                </a:fillRef>
+                <a:effectRef idx="0">
+                  <a:schemeClr val="accent1"/>
+                </a:effectRef>
+                <a:fontRef idx="minor">
+                  <a:schemeClr val="lt1"/>
+                </a:fontRef>
+              </p:style>
+              <p:txBody>
+                <a:bodyPr rtlCol="0" anchor="ctr"/>
+                <a:lstStyle/>
+                <a:p>
+                  <a:pPr algn="ctr"/>
+                  <a:endParaRPr lang="en-US"/>
+                </a:p>
+              </p:txBody>
+            </p:sp>
+            <p:sp>
+              <p:nvSpPr>
+                <p:cNvPr id="7" name="TextBox 6">
+                  <a:extLst>
+                    <a:ext uri="{FF2B5EF4-FFF2-40B4-BE49-F238E27FC236}">
+                      <a16:creationId xmlns:a16="http://schemas.microsoft.com/office/drawing/2014/main" id="{3FAC795E-460A-4313-AF20-A0847BA1F2EB}"/>
+                    </a:ext>
+                  </a:extLst>
+                </p:cNvPr>
+                <p:cNvSpPr txBox="1"/>
+                <p:nvPr/>
+              </p:nvSpPr>
+              <p:spPr>
+                <a:xfrm>
+                  <a:off x="8458707" y="3121486"/>
+                  <a:ext cx="1699526" cy="338554"/>
+                </a:xfrm>
+                <a:prstGeom prst="rect">
+                  <a:avLst/>
+                </a:prstGeom>
+                <a:noFill/>
+              </p:spPr>
+              <p:txBody>
+                <a:bodyPr wrap="square" rtlCol="0">
+                  <a:spAutoFit/>
+                </a:bodyPr>
+                <a:lstStyle/>
+                <a:p>
+                  <a:pPr algn="r"/>
+                  <a:r>
+                    <a:rPr lang="en-US" sz="1600" b="1" dirty="0">
+                      <a:solidFill>
+                        <a:schemeClr val="accent2"/>
+                      </a:solidFill>
+                    </a:rPr>
+                    <a:t>Master branch</a:t>
+                  </a:r>
+                </a:p>
+              </p:txBody>
+            </p:sp>
+          </p:grpSp>
+          <p:grpSp>
+            <p:nvGrpSpPr>
+              <p:cNvPr id="9" name="Group 8">
+                <a:extLst>
+                  <a:ext uri="{FF2B5EF4-FFF2-40B4-BE49-F238E27FC236}">
+                    <a16:creationId xmlns:a16="http://schemas.microsoft.com/office/drawing/2014/main" id="{80EADD21-B315-4A56-B3B9-AD4F37606733}"/>
+                  </a:ext>
+                </a:extLst>
+              </p:cNvPr>
+              <p:cNvGrpSpPr/>
+              <p:nvPr/>
+            </p:nvGrpSpPr>
+            <p:grpSpPr>
+              <a:xfrm>
+                <a:off x="6008641" y="4110663"/>
+                <a:ext cx="2743200" cy="901573"/>
+                <a:chOff x="6069601" y="4021651"/>
+                <a:chExt cx="2743200" cy="901573"/>
+              </a:xfrm>
+            </p:grpSpPr>
+            <p:sp>
+              <p:nvSpPr>
+                <p:cNvPr id="5" name="Arrow: Right 4">
+                  <a:extLst>
+                    <a:ext uri="{FF2B5EF4-FFF2-40B4-BE49-F238E27FC236}">
+                      <a16:creationId xmlns:a16="http://schemas.microsoft.com/office/drawing/2014/main" id="{F855FEC3-5AC2-4B33-9DA3-E53FF8C0ADAE}"/>
+                    </a:ext>
+                  </a:extLst>
+                </p:cNvPr>
+                <p:cNvSpPr/>
+                <p:nvPr/>
+              </p:nvSpPr>
+              <p:spPr>
+                <a:xfrm rot="12609495">
+                  <a:off x="6069601" y="4021651"/>
+                  <a:ext cx="2743200" cy="182880"/>
+                </a:xfrm>
+                <a:custGeom>
+                  <a:avLst/>
+                  <a:gdLst>
+                    <a:gd name="connsiteX0" fmla="*/ 0 w 2743200"/>
+                    <a:gd name="connsiteY0" fmla="*/ 45720 h 182880"/>
+                    <a:gd name="connsiteX1" fmla="*/ 503834 w 2743200"/>
+                    <a:gd name="connsiteY1" fmla="*/ 45720 h 182880"/>
+                    <a:gd name="connsiteX2" fmla="*/ 1087222 w 2743200"/>
+                    <a:gd name="connsiteY2" fmla="*/ 45720 h 182880"/>
+                    <a:gd name="connsiteX3" fmla="*/ 1538021 w 2743200"/>
+                    <a:gd name="connsiteY3" fmla="*/ 45720 h 182880"/>
+                    <a:gd name="connsiteX4" fmla="*/ 2041855 w 2743200"/>
+                    <a:gd name="connsiteY4" fmla="*/ 45720 h 182880"/>
+                    <a:gd name="connsiteX5" fmla="*/ 2651760 w 2743200"/>
+                    <a:gd name="connsiteY5" fmla="*/ 45720 h 182880"/>
+                    <a:gd name="connsiteX6" fmla="*/ 2651760 w 2743200"/>
+                    <a:gd name="connsiteY6" fmla="*/ 0 h 182880"/>
+                    <a:gd name="connsiteX7" fmla="*/ 2743200 w 2743200"/>
+                    <a:gd name="connsiteY7" fmla="*/ 91440 h 182880"/>
+                    <a:gd name="connsiteX8" fmla="*/ 2651760 w 2743200"/>
+                    <a:gd name="connsiteY8" fmla="*/ 182880 h 182880"/>
+                    <a:gd name="connsiteX9" fmla="*/ 2651760 w 2743200"/>
+                    <a:gd name="connsiteY9" fmla="*/ 137160 h 182880"/>
+                    <a:gd name="connsiteX10" fmla="*/ 2121408 w 2743200"/>
+                    <a:gd name="connsiteY10" fmla="*/ 137160 h 182880"/>
+                    <a:gd name="connsiteX11" fmla="*/ 1670609 w 2743200"/>
+                    <a:gd name="connsiteY11" fmla="*/ 137160 h 182880"/>
+                    <a:gd name="connsiteX12" fmla="*/ 1166774 w 2743200"/>
+                    <a:gd name="connsiteY12" fmla="*/ 137160 h 182880"/>
+                    <a:gd name="connsiteX13" fmla="*/ 636422 w 2743200"/>
+                    <a:gd name="connsiteY13" fmla="*/ 137160 h 182880"/>
+                    <a:gd name="connsiteX14" fmla="*/ 0 w 2743200"/>
+                    <a:gd name="connsiteY14" fmla="*/ 137160 h 182880"/>
+                    <a:gd name="connsiteX15" fmla="*/ 0 w 2743200"/>
+                    <a:gd name="connsiteY15" fmla="*/ 45720 h 182880"/>
+                  </a:gdLst>
+                  <a:ahLst/>
+                  <a:cxnLst>
+                    <a:cxn ang="0">
+                      <a:pos x="connsiteX0" y="connsiteY0"/>
+                    </a:cxn>
+                    <a:cxn ang="0">
+                      <a:pos x="connsiteX1" y="connsiteY1"/>
+                    </a:cxn>
+                    <a:cxn ang="0">
+                      <a:pos x="connsiteX2" y="connsiteY2"/>
+                    </a:cxn>
+                    <a:cxn ang="0">
+                      <a:pos x="connsiteX3" y="connsiteY3"/>
+                    </a:cxn>
+                    <a:cxn ang="0">
+                      <a:pos x="connsiteX4" y="connsiteY4"/>
+                    </a:cxn>
+                    <a:cxn ang="0">
+                      <a:pos x="connsiteX5" y="connsiteY5"/>
+                    </a:cxn>
+                    <a:cxn ang="0">
+                      <a:pos x="connsiteX6" y="connsiteY6"/>
+                    </a:cxn>
+                    <a:cxn ang="0">
+                      <a:pos x="connsiteX7" y="connsiteY7"/>
+                    </a:cxn>
+                    <a:cxn ang="0">
+                      <a:pos x="connsiteX8" y="connsiteY8"/>
+                    </a:cxn>
+                    <a:cxn ang="0">
+                      <a:pos x="connsiteX9" y="connsiteY9"/>
+                    </a:cxn>
+                    <a:cxn ang="0">
+                      <a:pos x="connsiteX10" y="connsiteY10"/>
+                    </a:cxn>
+                    <a:cxn ang="0">
+                      <a:pos x="connsiteX11" y="connsiteY11"/>
+                    </a:cxn>
+                    <a:cxn ang="0">
+                      <a:pos x="connsiteX12" y="connsiteY12"/>
+                    </a:cxn>
+                    <a:cxn ang="0">
+                      <a:pos x="connsiteX13" y="connsiteY13"/>
+                    </a:cxn>
+                    <a:cxn ang="0">
+                      <a:pos x="connsiteX14" y="connsiteY14"/>
+                    </a:cxn>
+                    <a:cxn ang="0">
+                      <a:pos x="connsiteX15" y="connsiteY15"/>
+                    </a:cxn>
+                  </a:cxnLst>
+                  <a:rect l="l" t="t" r="r" b="b"/>
+                  <a:pathLst>
+                    <a:path w="2743200" h="182880" fill="none" extrusionOk="0">
+                      <a:moveTo>
+                        <a:pt x="0" y="45720"/>
+                      </a:moveTo>
+                      <a:cubicBezTo>
+                        <a:pt x="132349" y="41775"/>
+                        <a:pt x="319681" y="73981"/>
+                        <a:pt x="503834" y="45720"/>
+                      </a:cubicBezTo>
+                      <a:cubicBezTo>
+                        <a:pt x="687987" y="17459"/>
+                        <a:pt x="876050" y="104235"/>
+                        <a:pt x="1087222" y="45720"/>
+                      </a:cubicBezTo>
+                      <a:cubicBezTo>
+                        <a:pt x="1298394" y="-12795"/>
+                        <a:pt x="1365099" y="55931"/>
+                        <a:pt x="1538021" y="45720"/>
+                      </a:cubicBezTo>
+                      <a:cubicBezTo>
+                        <a:pt x="1710943" y="35509"/>
+                        <a:pt x="1805547" y="72389"/>
+                        <a:pt x="2041855" y="45720"/>
+                      </a:cubicBezTo>
+                      <a:cubicBezTo>
+                        <a:pt x="2278163" y="19051"/>
+                        <a:pt x="2449942" y="93727"/>
+                        <a:pt x="2651760" y="45720"/>
+                      </a:cubicBezTo>
+                      <a:cubicBezTo>
+                        <a:pt x="2649292" y="23816"/>
+                        <a:pt x="2652770" y="19175"/>
+                        <a:pt x="2651760" y="0"/>
+                      </a:cubicBezTo>
+                      <a:cubicBezTo>
+                        <a:pt x="2693201" y="34386"/>
+                        <a:pt x="2689371" y="57588"/>
+                        <a:pt x="2743200" y="91440"/>
+                      </a:cubicBezTo>
+                      <a:cubicBezTo>
+                        <a:pt x="2718029" y="134467"/>
+                        <a:pt x="2695434" y="138859"/>
+                        <a:pt x="2651760" y="182880"/>
+                      </a:cubicBezTo>
+                      <a:cubicBezTo>
+                        <a:pt x="2651328" y="161290"/>
+                        <a:pt x="2655798" y="153030"/>
+                        <a:pt x="2651760" y="137160"/>
+                      </a:cubicBezTo>
+                      <a:cubicBezTo>
+                        <a:pt x="2528034" y="190858"/>
+                        <a:pt x="2255954" y="133030"/>
+                        <a:pt x="2121408" y="137160"/>
+                      </a:cubicBezTo>
+                      <a:cubicBezTo>
+                        <a:pt x="1986862" y="141290"/>
+                        <a:pt x="1835082" y="96435"/>
+                        <a:pt x="1670609" y="137160"/>
+                      </a:cubicBezTo>
+                      <a:cubicBezTo>
+                        <a:pt x="1506136" y="177885"/>
+                        <a:pt x="1370473" y="124871"/>
+                        <a:pt x="1166774" y="137160"/>
+                      </a:cubicBezTo>
+                      <a:cubicBezTo>
+                        <a:pt x="963075" y="149449"/>
+                        <a:pt x="882386" y="136900"/>
+                        <a:pt x="636422" y="137160"/>
+                      </a:cubicBezTo>
+                      <a:cubicBezTo>
+                        <a:pt x="390458" y="137420"/>
+                        <a:pt x="184903" y="78992"/>
+                        <a:pt x="0" y="137160"/>
+                      </a:cubicBezTo>
+                      <a:cubicBezTo>
+                        <a:pt x="-10774" y="95565"/>
+                        <a:pt x="5250" y="68661"/>
+                        <a:pt x="0" y="45720"/>
+                      </a:cubicBezTo>
+                      <a:close/>
+                    </a:path>
+                    <a:path w="2743200" h="182880" stroke="0" extrusionOk="0">
+                      <a:moveTo>
+                        <a:pt x="0" y="45720"/>
+                      </a:moveTo>
+                      <a:cubicBezTo>
+                        <a:pt x="191232" y="22127"/>
+                        <a:pt x="234905" y="75345"/>
+                        <a:pt x="450799" y="45720"/>
+                      </a:cubicBezTo>
+                      <a:cubicBezTo>
+                        <a:pt x="666693" y="16095"/>
+                        <a:pt x="752848" y="94503"/>
+                        <a:pt x="981151" y="45720"/>
+                      </a:cubicBezTo>
+                      <a:cubicBezTo>
+                        <a:pt x="1209454" y="-3063"/>
+                        <a:pt x="1329315" y="68322"/>
+                        <a:pt x="1458468" y="45720"/>
+                      </a:cubicBezTo>
+                      <a:cubicBezTo>
+                        <a:pt x="1587621" y="23118"/>
+                        <a:pt x="1790849" y="99197"/>
+                        <a:pt x="1909267" y="45720"/>
+                      </a:cubicBezTo>
+                      <a:cubicBezTo>
+                        <a:pt x="2027685" y="-7757"/>
+                        <a:pt x="2391799" y="119953"/>
+                        <a:pt x="2651760" y="45720"/>
+                      </a:cubicBezTo>
+                      <a:cubicBezTo>
+                        <a:pt x="2647283" y="35082"/>
+                        <a:pt x="2652480" y="10709"/>
+                        <a:pt x="2651760" y="0"/>
+                      </a:cubicBezTo>
+                      <a:cubicBezTo>
+                        <a:pt x="2705255" y="37758"/>
+                        <a:pt x="2699124" y="49304"/>
+                        <a:pt x="2743200" y="91440"/>
+                      </a:cubicBezTo>
+                      <a:cubicBezTo>
+                        <a:pt x="2714058" y="134471"/>
+                        <a:pt x="2691730" y="135050"/>
+                        <a:pt x="2651760" y="182880"/>
+                      </a:cubicBezTo>
+                      <a:cubicBezTo>
+                        <a:pt x="2647511" y="163473"/>
+                        <a:pt x="2655953" y="157476"/>
+                        <a:pt x="2651760" y="137160"/>
+                      </a:cubicBezTo>
+                      <a:cubicBezTo>
+                        <a:pt x="2492134" y="153253"/>
+                        <a:pt x="2359354" y="75213"/>
+                        <a:pt x="2121408" y="137160"/>
+                      </a:cubicBezTo>
+                      <a:cubicBezTo>
+                        <a:pt x="1883462" y="199107"/>
+                        <a:pt x="1806246" y="111678"/>
+                        <a:pt x="1538021" y="137160"/>
+                      </a:cubicBezTo>
+                      <a:cubicBezTo>
+                        <a:pt x="1269796" y="162642"/>
+                        <a:pt x="1229192" y="118897"/>
+                        <a:pt x="981151" y="137160"/>
+                      </a:cubicBezTo>
+                      <a:cubicBezTo>
+                        <a:pt x="733110" y="155423"/>
+                        <a:pt x="206735" y="100830"/>
+                        <a:pt x="0" y="137160"/>
+                      </a:cubicBezTo>
+                      <a:cubicBezTo>
+                        <a:pt x="-485" y="109369"/>
+                        <a:pt x="3084" y="79755"/>
+                        <a:pt x="0" y="45720"/>
+                      </a:cubicBezTo>
+                      <a:close/>
+                    </a:path>
+                  </a:pathLst>
+                </a:custGeom>
+                <a:solidFill>
+                  <a:schemeClr val="bg1"/>
+                </a:solidFill>
+                <a:ln>
+                  <a:extLst>
+                    <a:ext uri="{C807C97D-BFC1-408E-A445-0C87EB9F89A2}">
+                      <ask:lineSketchStyleProps xmlns:ask="http://schemas.microsoft.com/office/drawing/2018/sketchyshapes" sd="1398590423">
+                        <a:prstGeom prst="rightArrow">
+                          <a:avLst/>
+                        </a:prstGeom>
+                        <ask:type>
+                          <ask:lineSketchScribble/>
+                        </ask:type>
+                      </ask:lineSketchStyleProps>
+                    </a:ext>
+                  </a:extLst>
+                </a:ln>
+              </p:spPr>
+              <p:style>
+                <a:lnRef idx="2">
+                  <a:schemeClr val="accent1">
+                    <a:shade val="50000"/>
+                  </a:schemeClr>
+                </a:lnRef>
+                <a:fillRef idx="1">
+                  <a:schemeClr val="accent1"/>
+                </a:fillRef>
+                <a:effectRef idx="0">
+                  <a:schemeClr val="accent1"/>
+                </a:effectRef>
+                <a:fontRef idx="minor">
+                  <a:schemeClr val="lt1"/>
+                </a:fontRef>
+              </p:style>
+              <p:txBody>
+                <a:bodyPr rtlCol="0" anchor="ctr"/>
+                <a:lstStyle/>
+                <a:p>
+                  <a:pPr algn="ctr"/>
+                  <a:endParaRPr lang="en-US"/>
+                </a:p>
+              </p:txBody>
+            </p:sp>
+            <p:sp>
+              <p:nvSpPr>
+                <p:cNvPr id="8" name="TextBox 7">
+                  <a:extLst>
+                    <a:ext uri="{FF2B5EF4-FFF2-40B4-BE49-F238E27FC236}">
+                      <a16:creationId xmlns:a16="http://schemas.microsoft.com/office/drawing/2014/main" id="{667BB74C-6A64-484C-BD77-E9BF7429161F}"/>
+                    </a:ext>
+                  </a:extLst>
+                </p:cNvPr>
+                <p:cNvSpPr txBox="1"/>
+                <p:nvPr/>
+              </p:nvSpPr>
+              <p:spPr>
+                <a:xfrm>
+                  <a:off x="6398275" y="4584670"/>
+                  <a:ext cx="1699526" cy="338554"/>
+                </a:xfrm>
+                <a:prstGeom prst="rect">
+                  <a:avLst/>
+                </a:prstGeom>
+                <a:noFill/>
+              </p:spPr>
+              <p:txBody>
+                <a:bodyPr wrap="square" rtlCol="0">
+                  <a:spAutoFit/>
+                </a:bodyPr>
+                <a:lstStyle/>
+                <a:p>
+                  <a:pPr algn="r"/>
+                  <a:r>
+                    <a:rPr lang="en-US" sz="1600" b="1" dirty="0">
+                      <a:solidFill>
+                        <a:schemeClr val="accent2"/>
+                      </a:solidFill>
+                    </a:rPr>
+                    <a:t>Slave branch</a:t>
+                  </a:r>
+                </a:p>
+              </p:txBody>
+            </p:sp>
+          </p:grpSp>
+        </p:grpSp>
+        <p:sp>
+          <p:nvSpPr>
+            <p:cNvPr id="13" name="TextBox 12">
+              <a:extLst>
+                <a:ext uri="{FF2B5EF4-FFF2-40B4-BE49-F238E27FC236}">
+                  <a16:creationId xmlns:a16="http://schemas.microsoft.com/office/drawing/2014/main" id="{547B6904-7A34-4CB6-966C-4C99FC7E0532}"/>
+                </a:ext>
+              </a:extLst>
+            </p:cNvPr>
+            <p:cNvSpPr txBox="1"/>
+            <p:nvPr/>
+          </p:nvSpPr>
+          <p:spPr>
+            <a:xfrm>
+              <a:off x="9395194" y="4798453"/>
+              <a:ext cx="1699526" cy="338554"/>
+            </a:xfrm>
+            <a:prstGeom prst="rect">
+              <a:avLst/>
+            </a:prstGeom>
+            <a:noFill/>
+          </p:spPr>
+          <p:txBody>
+            <a:bodyPr wrap="square" rtlCol="0">
+              <a:spAutoFit/>
+            </a:bodyPr>
+            <a:lstStyle/>
+            <a:p>
+              <a:pPr algn="ctr"/>
+              <a:r>
+                <a:rPr lang="en-US" sz="1600" b="1" dirty="0">
+                  <a:solidFill>
+                    <a:schemeClr val="accent2"/>
+                  </a:solidFill>
+                </a:rPr>
+                <a:t>Create branch</a:t>
+              </a:r>
+            </a:p>
+          </p:txBody>
+        </p:sp>
+        <p:sp>
+          <p:nvSpPr>
+            <p:cNvPr id="14" name="TextBox 13">
+              <a:extLst>
+                <a:ext uri="{FF2B5EF4-FFF2-40B4-BE49-F238E27FC236}">
+                  <a16:creationId xmlns:a16="http://schemas.microsoft.com/office/drawing/2014/main" id="{ABCC965D-17AA-49DE-A5A3-0AA8526A47D7}"/>
+                </a:ext>
+              </a:extLst>
+            </p:cNvPr>
+            <p:cNvSpPr txBox="1"/>
+            <p:nvPr/>
+          </p:nvSpPr>
+          <p:spPr>
+            <a:xfrm>
+              <a:off x="7005815" y="2992484"/>
+              <a:ext cx="1102404" cy="584775"/>
+            </a:xfrm>
+            <a:prstGeom prst="rect">
+              <a:avLst/>
+            </a:prstGeom>
+            <a:noFill/>
+          </p:spPr>
+          <p:txBody>
+            <a:bodyPr wrap="square" rtlCol="0">
+              <a:spAutoFit/>
+            </a:bodyPr>
+            <a:lstStyle/>
+            <a:p>
+              <a:pPr algn="ctr"/>
+              <a:r>
+                <a:rPr lang="en-US" sz="1600" b="1" dirty="0">
+                  <a:solidFill>
+                    <a:schemeClr val="accent2"/>
+                  </a:solidFill>
+                </a:rPr>
+                <a:t>Merge branch</a:t>
+              </a:r>
+            </a:p>
+          </p:txBody>
+        </p:sp>
+      </p:grpSp>
     </p:spTree>
     <p:extLst>
       <p:ext uri="{BB962C8B-B14F-4D97-AF65-F5344CB8AC3E}">
@@ -6535,7 +7958,438 @@
           <a:bodyPr/>
           <a:lstStyle/>
           <a:p>
-            <a:endParaRPr lang="en-US"/>
+            <a:r>
+              <a:rPr lang="en-US" dirty="0"/>
+              <a:t>Git: Branching</a:t>
+            </a:r>
+          </a:p>
+        </p:txBody>
+      </p:sp>
+      <p:sp>
+        <p:nvSpPr>
+          <p:cNvPr id="3" name="Content Placeholder 2">
+            <a:extLst>
+              <a:ext uri="{FF2B5EF4-FFF2-40B4-BE49-F238E27FC236}">
+                <a16:creationId xmlns:a16="http://schemas.microsoft.com/office/drawing/2014/main" id="{C36822C3-41DF-469F-8956-912A332FA942}"/>
+              </a:ext>
+            </a:extLst>
+          </p:cNvPr>
+          <p:cNvSpPr>
+            <a:spLocks noGrp="1"/>
+          </p:cNvSpPr>
+          <p:nvPr>
+            <p:ph idx="1"/>
+          </p:nvPr>
+        </p:nvSpPr>
+        <p:spPr>
+          <a:xfrm>
+            <a:off x="1097280" y="1845734"/>
+            <a:ext cx="10174925" cy="4023360"/>
+          </a:xfrm>
+        </p:spPr>
+        <p:txBody>
+          <a:bodyPr/>
+          <a:lstStyle/>
+          <a:p>
+            <a:r>
+              <a:rPr lang="en-US" dirty="0"/>
+              <a:t>Step 1: Create the branch</a:t>
+            </a:r>
+          </a:p>
+          <a:p>
+            <a:pPr lvl="1"/>
+            <a:r>
+              <a:rPr lang="en-US" dirty="0"/>
+              <a:t>Create new branch: `git checkout -b &lt;</a:t>
+            </a:r>
+            <a:r>
+              <a:rPr lang="en-US" dirty="0" err="1"/>
+              <a:t>branchname</a:t>
+            </a:r>
+            <a:r>
+              <a:rPr lang="en-US" dirty="0"/>
+              <a:t>&gt;`</a:t>
+            </a:r>
+          </a:p>
+          <a:p>
+            <a:pPr lvl="1"/>
+            <a:r>
+              <a:rPr lang="en-US" dirty="0"/>
+              <a:t>Push branch to repo: `git push origin -u &lt;</a:t>
+            </a:r>
+            <a:r>
+              <a:rPr lang="en-US" dirty="0" err="1"/>
+              <a:t>branchname</a:t>
+            </a:r>
+            <a:r>
+              <a:rPr lang="en-US" dirty="0"/>
+              <a:t>&gt;`</a:t>
+            </a:r>
+          </a:p>
+          <a:p>
+            <a:r>
+              <a:rPr lang="en-US" dirty="0"/>
+              <a:t>Step 2: Do work in branch</a:t>
+            </a:r>
+          </a:p>
+          <a:p>
+            <a:pPr lvl="1"/>
+            <a:r>
+              <a:rPr lang="en-US" dirty="0"/>
+              <a:t>Switch to branch: `git checkout &lt;</a:t>
+            </a:r>
+            <a:r>
+              <a:rPr lang="en-US" dirty="0" err="1"/>
+              <a:t>branchname</a:t>
+            </a:r>
+            <a:r>
+              <a:rPr lang="en-US" dirty="0"/>
+              <a:t>&gt;`</a:t>
+            </a:r>
+          </a:p>
+          <a:p>
+            <a:pPr lvl="1"/>
+            <a:r>
+              <a:rPr lang="en-US" dirty="0"/>
+              <a:t>Make your updates; add, commit, push to repo as if nothing has changed</a:t>
+            </a:r>
+          </a:p>
+          <a:p>
+            <a:r>
+              <a:rPr lang="en-US" dirty="0"/>
+              <a:t>Step 3: Merge branch</a:t>
+            </a:r>
+          </a:p>
+          <a:p>
+            <a:pPr lvl="1"/>
+            <a:r>
+              <a:rPr lang="en-US" dirty="0"/>
+              <a:t>Once feature/update is complete, checkout master: `git checkout master`</a:t>
+            </a:r>
+          </a:p>
+          <a:p>
+            <a:pPr lvl="1"/>
+            <a:r>
+              <a:rPr lang="en-US" dirty="0"/>
+              <a:t>Then merge branch w/ master: `git merge &lt;</a:t>
+            </a:r>
+            <a:r>
+              <a:rPr lang="en-US" dirty="0" err="1"/>
+              <a:t>branchname</a:t>
+            </a:r>
+            <a:r>
+              <a:rPr lang="en-US" dirty="0"/>
+              <a:t>&gt;`</a:t>
+            </a:r>
+          </a:p>
+          <a:p>
+            <a:pPr lvl="1"/>
+            <a:r>
+              <a:rPr lang="en-US" dirty="0"/>
+              <a:t>Delete branch using: `git branch -d &lt;</a:t>
+            </a:r>
+            <a:r>
+              <a:rPr lang="en-US" dirty="0" err="1"/>
+              <a:t>branchname</a:t>
+            </a:r>
+            <a:r>
+              <a:rPr lang="en-US" dirty="0"/>
+              <a:t>&gt;`</a:t>
+            </a:r>
+          </a:p>
+          <a:p>
+            <a:pPr lvl="1"/>
+            <a:r>
+              <a:rPr lang="en-US" dirty="0"/>
+              <a:t>Push deletion to repo: `git push origin –d &lt;</a:t>
+            </a:r>
+            <a:r>
+              <a:rPr lang="en-US" dirty="0" err="1"/>
+              <a:t>branchname</a:t>
+            </a:r>
+            <a:r>
+              <a:rPr lang="en-US" dirty="0"/>
+              <a:t>&gt;`</a:t>
+            </a:r>
+          </a:p>
+        </p:txBody>
+      </p:sp>
+      <p:sp>
+        <p:nvSpPr>
+          <p:cNvPr id="12" name="TextBox 11">
+            <a:extLst>
+              <a:ext uri="{FF2B5EF4-FFF2-40B4-BE49-F238E27FC236}">
+                <a16:creationId xmlns:a16="http://schemas.microsoft.com/office/drawing/2014/main" id="{E5752DFD-7079-4C9E-8134-8646A0815741}"/>
+              </a:ext>
+            </a:extLst>
+          </p:cNvPr>
+          <p:cNvSpPr txBox="1"/>
+          <p:nvPr/>
+        </p:nvSpPr>
+        <p:spPr>
+          <a:xfrm>
+            <a:off x="0" y="6432897"/>
+            <a:ext cx="6936828" cy="276999"/>
+          </a:xfrm>
+          <a:prstGeom prst="rect">
+            <a:avLst/>
+          </a:prstGeom>
+          <a:noFill/>
+        </p:spPr>
+        <p:txBody>
+          <a:bodyPr wrap="square" rtlCol="0">
+            <a:spAutoFit/>
+          </a:bodyPr>
+          <a:lstStyle/>
+          <a:p>
+            <a:r>
+              <a:rPr lang="en-US" sz="1200" dirty="0">
+                <a:solidFill>
+                  <a:schemeClr val="bg2"/>
+                </a:solidFill>
+              </a:rPr>
+              <a:t>Sources: </a:t>
+            </a:r>
+            <a:r>
+              <a:rPr lang="en-US" sz="1200" dirty="0">
+                <a:solidFill>
+                  <a:schemeClr val="bg2"/>
+                </a:solidFill>
+                <a:hlinkClick r:id="rId3">
+                  <a:extLst>
+                    <a:ext uri="{A12FA001-AC4F-418D-AE19-62706E023703}">
+                      <ahyp:hlinkClr xmlns:ahyp="http://schemas.microsoft.com/office/drawing/2018/hyperlinkcolor" val="tx"/>
+                    </a:ext>
+                  </a:extLst>
+                </a:hlinkClick>
+              </a:rPr>
+              <a:t>https://git-scm.com/book/en/v2/Git-Branching-Basic-Branching-and-Merging</a:t>
+            </a:r>
+            <a:r>
+              <a:rPr lang="en-US" sz="1200" dirty="0">
+                <a:solidFill>
+                  <a:schemeClr val="bg2"/>
+                </a:solidFill>
+              </a:rPr>
+              <a:t>    </a:t>
+            </a:r>
+          </a:p>
+        </p:txBody>
+      </p:sp>
+    </p:spTree>
+    <p:extLst>
+      <p:ext uri="{BB962C8B-B14F-4D97-AF65-F5344CB8AC3E}">
+        <p14:creationId xmlns:p14="http://schemas.microsoft.com/office/powerpoint/2010/main" val="605820079"/>
+      </p:ext>
+    </p:extLst>
+  </p:cSld>
+  <p:clrMapOvr>
+    <a:masterClrMapping/>
+  </p:clrMapOvr>
+</p:sld>
+</file>
+
+<file path=ppt/slides/slide17.xml><?xml version="1.0" encoding="utf-8"?>
+<p:sld xmlns:a="http://schemas.openxmlformats.org/drawingml/2006/main" xmlns:r="http://schemas.openxmlformats.org/officeDocument/2006/relationships" xmlns:p="http://schemas.openxmlformats.org/presentationml/2006/main">
+  <p:cSld>
+    <p:spTree>
+      <p:nvGrpSpPr>
+        <p:cNvPr id="1" name=""/>
+        <p:cNvGrpSpPr/>
+        <p:nvPr/>
+      </p:nvGrpSpPr>
+      <p:grpSpPr>
+        <a:xfrm>
+          <a:off x="0" y="0"/>
+          <a:ext cx="0" cy="0"/>
+          <a:chOff x="0" y="0"/>
+          <a:chExt cx="0" cy="0"/>
+        </a:xfrm>
+      </p:grpSpPr>
+      <p:sp>
+        <p:nvSpPr>
+          <p:cNvPr id="2" name="Title 1">
+            <a:extLst>
+              <a:ext uri="{FF2B5EF4-FFF2-40B4-BE49-F238E27FC236}">
+                <a16:creationId xmlns:a16="http://schemas.microsoft.com/office/drawing/2014/main" id="{4DF178C7-120D-4AE8-B26F-BFA3959D9798}"/>
+              </a:ext>
+            </a:extLst>
+          </p:cNvPr>
+          <p:cNvSpPr>
+            <a:spLocks noGrp="1"/>
+          </p:cNvSpPr>
+          <p:nvPr>
+            <p:ph type="title"/>
+          </p:nvPr>
+        </p:nvSpPr>
+        <p:spPr/>
+        <p:txBody>
+          <a:bodyPr/>
+          <a:lstStyle/>
+          <a:p>
+            <a:r>
+              <a:rPr lang="en-US" dirty="0"/>
+              <a:t>Preparing for Success</a:t>
+            </a:r>
+          </a:p>
+        </p:txBody>
+      </p:sp>
+      <p:sp>
+        <p:nvSpPr>
+          <p:cNvPr id="3" name="Content Placeholder 2">
+            <a:extLst>
+              <a:ext uri="{FF2B5EF4-FFF2-40B4-BE49-F238E27FC236}">
+                <a16:creationId xmlns:a16="http://schemas.microsoft.com/office/drawing/2014/main" id="{C36822C3-41DF-469F-8956-912A332FA942}"/>
+              </a:ext>
+            </a:extLst>
+          </p:cNvPr>
+          <p:cNvSpPr>
+            <a:spLocks noGrp="1"/>
+          </p:cNvSpPr>
+          <p:nvPr>
+            <p:ph idx="1"/>
+          </p:nvPr>
+        </p:nvSpPr>
+        <p:spPr>
+          <a:xfrm>
+            <a:off x="1097280" y="1845734"/>
+            <a:ext cx="10174925" cy="4023360"/>
+          </a:xfrm>
+        </p:spPr>
+        <p:txBody>
+          <a:bodyPr/>
+          <a:lstStyle/>
+          <a:p>
+            <a:r>
+              <a:rPr lang="en-US" dirty="0"/>
+              <a:t>Documentation</a:t>
+            </a:r>
+          </a:p>
+          <a:p>
+            <a:r>
+              <a:rPr lang="en-US" dirty="0"/>
+              <a:t>File system</a:t>
+            </a:r>
+          </a:p>
+        </p:txBody>
+      </p:sp>
+      <p:sp>
+        <p:nvSpPr>
+          <p:cNvPr id="12" name="TextBox 11">
+            <a:extLst>
+              <a:ext uri="{FF2B5EF4-FFF2-40B4-BE49-F238E27FC236}">
+                <a16:creationId xmlns:a16="http://schemas.microsoft.com/office/drawing/2014/main" id="{E5752DFD-7079-4C9E-8134-8646A0815741}"/>
+              </a:ext>
+            </a:extLst>
+          </p:cNvPr>
+          <p:cNvSpPr txBox="1"/>
+          <p:nvPr/>
+        </p:nvSpPr>
+        <p:spPr>
+          <a:xfrm>
+            <a:off x="0" y="6432897"/>
+            <a:ext cx="6936828" cy="276999"/>
+          </a:xfrm>
+          <a:prstGeom prst="rect">
+            <a:avLst/>
+          </a:prstGeom>
+          <a:noFill/>
+        </p:spPr>
+        <p:txBody>
+          <a:bodyPr wrap="square" rtlCol="0">
+            <a:spAutoFit/>
+          </a:bodyPr>
+          <a:lstStyle/>
+          <a:p>
+            <a:r>
+              <a:rPr lang="en-US" sz="1200" dirty="0">
+                <a:solidFill>
+                  <a:schemeClr val="bg2"/>
+                </a:solidFill>
+              </a:rPr>
+              <a:t>Sources: </a:t>
+            </a:r>
+            <a:r>
+              <a:rPr lang="en-US" sz="1200" dirty="0">
+                <a:solidFill>
+                  <a:schemeClr val="bg2"/>
+                </a:solidFill>
+                <a:hlinkClick r:id="rId3">
+                  <a:extLst>
+                    <a:ext uri="{A12FA001-AC4F-418D-AE19-62706E023703}">
+                      <ahyp:hlinkClr xmlns:ahyp="http://schemas.microsoft.com/office/drawing/2018/hyperlinkcolor" val="tx"/>
+                    </a:ext>
+                  </a:extLst>
+                </a:hlinkClick>
+              </a:rPr>
+              <a:t>https://git-scm.com/book/en/v2/Git-Branching-Basic-Branching-and-Merging</a:t>
+            </a:r>
+            <a:r>
+              <a:rPr lang="en-US" sz="1200" dirty="0">
+                <a:solidFill>
+                  <a:schemeClr val="bg2"/>
+                </a:solidFill>
+              </a:rPr>
+              <a:t>    </a:t>
+            </a:r>
+          </a:p>
+        </p:txBody>
+      </p:sp>
+    </p:spTree>
+    <p:extLst>
+      <p:ext uri="{BB962C8B-B14F-4D97-AF65-F5344CB8AC3E}">
+        <p14:creationId xmlns:p14="http://schemas.microsoft.com/office/powerpoint/2010/main" val="4288853160"/>
+      </p:ext>
+    </p:extLst>
+  </p:cSld>
+  <p:clrMapOvr>
+    <a:masterClrMapping/>
+  </p:clrMapOvr>
+</p:sld>
+</file>
+
+<file path=ppt/slides/slide18.xml><?xml version="1.0" encoding="utf-8"?>
+<p:sld xmlns:a="http://schemas.openxmlformats.org/drawingml/2006/main" xmlns:r="http://schemas.openxmlformats.org/officeDocument/2006/relationships" xmlns:p="http://schemas.openxmlformats.org/presentationml/2006/main">
+  <p:cSld>
+    <p:spTree>
+      <p:nvGrpSpPr>
+        <p:cNvPr id="1" name=""/>
+        <p:cNvGrpSpPr/>
+        <p:nvPr/>
+      </p:nvGrpSpPr>
+      <p:grpSpPr>
+        <a:xfrm>
+          <a:off x="0" y="0"/>
+          <a:ext cx="0" cy="0"/>
+          <a:chOff x="0" y="0"/>
+          <a:chExt cx="0" cy="0"/>
+        </a:xfrm>
+      </p:grpSpPr>
+      <p:sp>
+        <p:nvSpPr>
+          <p:cNvPr id="2" name="Title 1">
+            <a:extLst>
+              <a:ext uri="{FF2B5EF4-FFF2-40B4-BE49-F238E27FC236}">
+                <a16:creationId xmlns:a16="http://schemas.microsoft.com/office/drawing/2014/main" id="{4DF178C7-120D-4AE8-B26F-BFA3959D9798}"/>
+              </a:ext>
+            </a:extLst>
+          </p:cNvPr>
+          <p:cNvSpPr>
+            <a:spLocks noGrp="1"/>
+          </p:cNvSpPr>
+          <p:nvPr>
+            <p:ph type="title"/>
+          </p:nvPr>
+        </p:nvSpPr>
+        <p:spPr/>
+        <p:txBody>
+          <a:bodyPr/>
+          <a:lstStyle/>
+          <a:p>
+            <a:r>
+              <a:rPr lang="en-US" dirty="0"/>
+              <a:t>Git: Collaborative Coding</a:t>
+            </a:r>
           </a:p>
         </p:txBody>
       </p:sp>
@@ -6560,7 +8414,10 @@
           <a:bodyPr/>
           <a:lstStyle/>
           <a:p>
-            <a:endParaRPr lang="en-US"/>
+            <a:r>
+              <a:rPr lang="en-US" dirty="0"/>
+              <a:t>…</a:t>
+            </a:r>
           </a:p>
         </p:txBody>
       </p:sp>
@@ -8175,6 +10032,9 @@
                 </a:pathLst>
               </a:custGeom>
               <a:ln w="38100">
+                <a:solidFill>
+                  <a:schemeClr val="accent2"/>
+                </a:solidFill>
                 <a:extLst>
                   <a:ext uri="{C807C97D-BFC1-408E-A445-0C87EB9F89A2}">
                     <ask:lineSketchStyleProps xmlns:ask="http://schemas.microsoft.com/office/drawing/2018/sketchyshapes" sd="70388535">
@@ -8422,7 +10282,10 @@
                   </a:path>
                 </a:pathLst>
               </a:custGeom>
-              <a:ln>
+              <a:solidFill>
+                <a:schemeClr val="bg1"/>
+              </a:solidFill>
+              <a:ln w="38100">
                 <a:extLst>
                   <a:ext uri="{C807C97D-BFC1-408E-A445-0C87EB9F89A2}">
                     <ask:lineSketchStyleProps xmlns:ask="http://schemas.microsoft.com/office/drawing/2018/sketchyshapes" sd="1398590423">

--- a/Working/2_VersionControl/2_VersionControl.pptx
+++ b/Working/2_VersionControl/2_VersionControl.pptx
@@ -5,7 +5,7 @@
     <p:sldMasterId id="2147483672" r:id="rId1"/>
   </p:sldMasterIdLst>
   <p:notesMasterIdLst>
-    <p:notesMasterId r:id="rId20"/>
+    <p:notesMasterId r:id="rId24"/>
   </p:notesMasterIdLst>
   <p:sldIdLst>
     <p:sldId id="256" r:id="rId2"/>
@@ -25,7 +25,11 @@
     <p:sldId id="274" r:id="rId16"/>
     <p:sldId id="275" r:id="rId17"/>
     <p:sldId id="276" r:id="rId18"/>
-    <p:sldId id="264" r:id="rId19"/>
+    <p:sldId id="278" r:id="rId19"/>
+    <p:sldId id="279" r:id="rId20"/>
+    <p:sldId id="264" r:id="rId21"/>
+    <p:sldId id="281" r:id="rId22"/>
+    <p:sldId id="280" r:id="rId23"/>
   </p:sldIdLst>
   <p:sldSz cx="12192000" cy="6858000"/>
   <p:notesSz cx="6858000" cy="9144000"/>
@@ -162,11 +166,19 @@
             <p14:sldId id="274"/>
             <p14:sldId id="275"/>
             <p14:sldId id="276"/>
+            <p14:sldId id="278"/>
+            <p14:sldId id="279"/>
           </p14:sldIdLst>
         </p14:section>
         <p14:section name="Collaboration" id="{72AFF26A-9BA0-422A-B9C0-556DE85F6220}">
           <p14:sldIdLst>
             <p14:sldId id="264"/>
+          </p14:sldIdLst>
+        </p14:section>
+        <p14:section name="Conclusion" id="{CAC51866-A034-4C9F-821E-64A3ADF45A6C}">
+          <p14:sldIdLst>
+            <p14:sldId id="281"/>
+            <p14:sldId id="280"/>
           </p14:sldIdLst>
         </p14:section>
       </p14:sectionLst>
@@ -865,7 +877,7 @@
             </a:pPr>
             <a:r>
               <a:rPr lang="en-US" dirty="0"/>
-              <a:t>Do a live demo of the workflow using a dummy file.</a:t>
+              <a:t>Will only really cover the “readme.md” file today – Will come back to many of these later in the course though. </a:t>
             </a:r>
           </a:p>
         </p:txBody>
@@ -897,6 +909,107 @@
     <p:extLst>
       <p:ext uri="{BB962C8B-B14F-4D97-AF65-F5344CB8AC3E}">
         <p14:creationId xmlns:p14="http://schemas.microsoft.com/office/powerpoint/2010/main" val="1640391596"/>
+      </p:ext>
+    </p:extLst>
+  </p:cSld>
+  <p:clrMapOvr>
+    <a:masterClrMapping/>
+  </p:clrMapOvr>
+</p:notes>
+</file>
+
+<file path=ppt/notesSlides/notesSlide5.xml><?xml version="1.0" encoding="utf-8"?>
+<p:notes xmlns:a="http://schemas.openxmlformats.org/drawingml/2006/main" xmlns:r="http://schemas.openxmlformats.org/officeDocument/2006/relationships" xmlns:p="http://schemas.openxmlformats.org/presentationml/2006/main">
+  <p:cSld>
+    <p:spTree>
+      <p:nvGrpSpPr>
+        <p:cNvPr id="1" name=""/>
+        <p:cNvGrpSpPr/>
+        <p:nvPr/>
+      </p:nvGrpSpPr>
+      <p:grpSpPr>
+        <a:xfrm>
+          <a:off x="0" y="0"/>
+          <a:ext cx="0" cy="0"/>
+          <a:chOff x="0" y="0"/>
+          <a:chExt cx="0" cy="0"/>
+        </a:xfrm>
+      </p:grpSpPr>
+      <p:sp>
+        <p:nvSpPr>
+          <p:cNvPr id="2" name="Slide Image Placeholder 1"/>
+          <p:cNvSpPr>
+            <a:spLocks noGrp="1" noRot="1" noChangeAspect="1"/>
+          </p:cNvSpPr>
+          <p:nvPr>
+            <p:ph type="sldImg"/>
+          </p:nvPr>
+        </p:nvSpPr>
+        <p:spPr/>
+      </p:sp>
+      <p:sp>
+        <p:nvSpPr>
+          <p:cNvPr id="3" name="Notes Placeholder 2"/>
+          <p:cNvSpPr>
+            <a:spLocks noGrp="1"/>
+          </p:cNvSpPr>
+          <p:nvPr>
+            <p:ph type="body" idx="1"/>
+          </p:nvPr>
+        </p:nvSpPr>
+        <p:spPr/>
+        <p:txBody>
+          <a:bodyPr/>
+          <a:lstStyle/>
+          <a:p>
+            <a:pPr marL="0" marR="0" lvl="0" indent="0" algn="l" defTabSz="914400" rtl="0" eaLnBrk="1" fontAlgn="auto" latinLnBrk="0" hangingPunct="1">
+              <a:lnSpc>
+                <a:spcPct val="100000"/>
+              </a:lnSpc>
+              <a:spcBef>
+                <a:spcPts val="0"/>
+              </a:spcBef>
+              <a:spcAft>
+                <a:spcPts val="0"/>
+              </a:spcAft>
+              <a:buClrTx/>
+              <a:buSzTx/>
+              <a:buFontTx/>
+              <a:buNone/>
+              <a:tabLst/>
+              <a:defRPr/>
+            </a:pPr>
+            <a:endParaRPr lang="en-US" dirty="0"/>
+          </a:p>
+        </p:txBody>
+      </p:sp>
+      <p:sp>
+        <p:nvSpPr>
+          <p:cNvPr id="4" name="Slide Number Placeholder 3"/>
+          <p:cNvSpPr>
+            <a:spLocks noGrp="1"/>
+          </p:cNvSpPr>
+          <p:nvPr>
+            <p:ph type="sldNum" sz="quarter" idx="5"/>
+          </p:nvPr>
+        </p:nvSpPr>
+        <p:spPr/>
+        <p:txBody>
+          <a:bodyPr/>
+          <a:lstStyle/>
+          <a:p>
+            <a:fld id="{850BCB3C-34B7-4811-8687-6EA5C8C7A053}" type="slidenum">
+              <a:rPr lang="en-US" smtClean="0"/>
+              <a:t>19</a:t>
+            </a:fld>
+            <a:endParaRPr lang="en-US"/>
+          </a:p>
+        </p:txBody>
+      </p:sp>
+    </p:spTree>
+    <p:extLst>
+      <p:ext uri="{BB962C8B-B14F-4D97-AF65-F5344CB8AC3E}">
+        <p14:creationId xmlns:p14="http://schemas.microsoft.com/office/powerpoint/2010/main" val="1711034275"/>
       </p:ext>
     </p:extLst>
   </p:cSld>
@@ -6931,10 +7044,10 @@
             </p:nvGrpSpPr>
             <p:grpSpPr>
               <a:xfrm>
-                <a:off x="5760805" y="3210498"/>
-                <a:ext cx="5852160" cy="778401"/>
-                <a:chOff x="5821765" y="3121486"/>
-                <a:chExt cx="5852160" cy="778401"/>
+                <a:off x="5760805" y="3204606"/>
+                <a:ext cx="5852160" cy="784293"/>
+                <a:chOff x="5821765" y="3115594"/>
+                <a:chExt cx="5852160" cy="784293"/>
               </a:xfrm>
             </p:grpSpPr>
             <p:sp>
@@ -7429,7 +7542,7 @@
               </p:nvSpPr>
               <p:spPr>
                 <a:xfrm>
-                  <a:off x="8458707" y="3121486"/>
+                  <a:off x="8475826" y="3115594"/>
                   <a:ext cx="1699526" cy="338554"/>
                 </a:xfrm>
                 <a:prstGeom prst="rect">
@@ -7443,7 +7556,7 @@
                 </a:bodyPr>
                 <a:lstStyle/>
                 <a:p>
-                  <a:pPr algn="r"/>
+                  <a:pPr algn="ctr"/>
                   <a:r>
                     <a:rPr lang="en-US" sz="1600" b="1" dirty="0">
                       <a:solidFill>
@@ -8262,79 +8375,1818 @@
           <a:p>
             <a:r>
               <a:rPr lang="en-US" dirty="0"/>
-              <a:t>Documentation</a:t>
-            </a:r>
-          </a:p>
-          <a:p>
-            <a:r>
-              <a:rPr lang="en-US" dirty="0"/>
-              <a:t>File system</a:t>
-            </a:r>
+              <a:t>Directory structure</a:t>
+            </a:r>
+          </a:p>
+          <a:p>
+            <a:pPr lvl="1"/>
+            <a:r>
+              <a:rPr lang="en-US" dirty="0"/>
+              <a:t>Create a system for organizing code &amp; related files</a:t>
+            </a:r>
+          </a:p>
+          <a:p>
+            <a:pPr lvl="1"/>
+            <a:r>
+              <a:rPr lang="en-US" dirty="0"/>
+              <a:t>Stick to it (but don’t be afraid to adapt)!</a:t>
+            </a:r>
+          </a:p>
+          <a:p>
+            <a:pPr lvl="1"/>
+            <a:r>
+              <a:rPr lang="en-US" dirty="0"/>
+              <a:t>Highly dependent on the type of work you do</a:t>
+            </a:r>
+          </a:p>
+          <a:p>
+            <a:r>
+              <a:rPr lang="en-US" dirty="0"/>
+              <a:t>Internal documentation</a:t>
+            </a:r>
+          </a:p>
+          <a:p>
+            <a:pPr lvl="1"/>
+            <a:r>
+              <a:rPr lang="en-US" dirty="0"/>
+              <a:t>Header detailing what the code does, inputs/outputs (I/O), etc.</a:t>
+            </a:r>
+          </a:p>
+          <a:p>
+            <a:pPr lvl="1"/>
+            <a:r>
+              <a:rPr lang="en-US" dirty="0"/>
+              <a:t>Comments describing what blocks of code do</a:t>
+            </a:r>
+          </a:p>
+          <a:p>
+            <a:r>
+              <a:rPr lang="en-US" dirty="0"/>
+              <a:t>External documentation</a:t>
+            </a:r>
+          </a:p>
+          <a:p>
+            <a:pPr lvl="1"/>
+            <a:r>
+              <a:rPr lang="en-US" b="1" dirty="0"/>
+              <a:t>“README.md” in Git repo – What is intent? How do files relate?</a:t>
+            </a:r>
+          </a:p>
+          <a:p>
+            <a:pPr lvl="1"/>
+            <a:r>
+              <a:rPr lang="en-US" dirty="0"/>
+              <a:t>User manual – Not relevant here, but could be in future</a:t>
+            </a:r>
+          </a:p>
+          <a:p>
+            <a:pPr lvl="1"/>
+            <a:endParaRPr lang="en-US" dirty="0"/>
           </a:p>
         </p:txBody>
       </p:sp>
-      <p:sp>
-        <p:nvSpPr>
-          <p:cNvPr id="12" name="TextBox 11">
+      <p:grpSp>
+        <p:nvGrpSpPr>
+          <p:cNvPr id="29" name="Group 28">
             <a:extLst>
               <a:ext uri="{FF2B5EF4-FFF2-40B4-BE49-F238E27FC236}">
-                <a16:creationId xmlns:a16="http://schemas.microsoft.com/office/drawing/2014/main" id="{E5752DFD-7079-4C9E-8134-8646A0815741}"/>
+                <a16:creationId xmlns:a16="http://schemas.microsoft.com/office/drawing/2014/main" id="{048C9A53-801B-4E69-8C70-7E4091B6C8E4}"/>
               </a:ext>
             </a:extLst>
           </p:cNvPr>
-          <p:cNvSpPr txBox="1"/>
+          <p:cNvGrpSpPr/>
           <p:nvPr/>
-        </p:nvSpPr>
-        <p:spPr>
+        </p:nvGrpSpPr>
+        <p:grpSpPr>
           <a:xfrm>
-            <a:off x="0" y="6432897"/>
-            <a:ext cx="6936828" cy="276999"/>
+            <a:off x="7370373" y="1927409"/>
+            <a:ext cx="2052391" cy="3905950"/>
+            <a:chOff x="7125073" y="1845734"/>
+            <a:chExt cx="2052391" cy="3905950"/>
           </a:xfrm>
-          <a:prstGeom prst="rect">
-            <a:avLst/>
-          </a:prstGeom>
-          <a:noFill/>
-        </p:spPr>
-        <p:txBody>
-          <a:bodyPr wrap="square" rtlCol="0">
-            <a:spAutoFit/>
-          </a:bodyPr>
-          <a:lstStyle/>
-          <a:p>
-            <a:r>
-              <a:rPr lang="en-US" sz="1200" dirty="0">
-                <a:solidFill>
-                  <a:schemeClr val="bg2"/>
-                </a:solidFill>
-              </a:rPr>
-              <a:t>Sources: </a:t>
-            </a:r>
-            <a:r>
-              <a:rPr lang="en-US" sz="1200" dirty="0">
-                <a:solidFill>
-                  <a:schemeClr val="bg2"/>
-                </a:solidFill>
-                <a:hlinkClick r:id="rId3">
-                  <a:extLst>
-                    <a:ext uri="{A12FA001-AC4F-418D-AE19-62706E023703}">
-                      <ahyp:hlinkClr xmlns:ahyp="http://schemas.microsoft.com/office/drawing/2018/hyperlinkcolor" val="tx"/>
-                    </a:ext>
-                  </a:extLst>
-                </a:hlinkClick>
-              </a:rPr>
-              <a:t>https://git-scm.com/book/en/v2/Git-Branching-Basic-Branching-and-Merging</a:t>
-            </a:r>
-            <a:r>
-              <a:rPr lang="en-US" sz="1200" dirty="0">
-                <a:solidFill>
-                  <a:schemeClr val="bg2"/>
-                </a:solidFill>
-              </a:rPr>
-              <a:t>    </a:t>
-            </a:r>
-          </a:p>
-        </p:txBody>
-      </p:sp>
+        </p:grpSpPr>
+        <p:grpSp>
+          <p:nvGrpSpPr>
+            <p:cNvPr id="6" name="Group 5">
+              <a:extLst>
+                <a:ext uri="{FF2B5EF4-FFF2-40B4-BE49-F238E27FC236}">
+                  <a16:creationId xmlns:a16="http://schemas.microsoft.com/office/drawing/2014/main" id="{A0353102-3277-4797-82D6-9B04F9B6EDE1}"/>
+                </a:ext>
+              </a:extLst>
+            </p:cNvPr>
+            <p:cNvGrpSpPr/>
+            <p:nvPr/>
+          </p:nvGrpSpPr>
+          <p:grpSpPr>
+            <a:xfrm>
+              <a:off x="7125073" y="1845734"/>
+              <a:ext cx="1553265" cy="657882"/>
+              <a:chOff x="4960418" y="1845734"/>
+              <a:chExt cx="1553265" cy="657882"/>
+            </a:xfrm>
+          </p:grpSpPr>
+          <p:pic>
+            <p:nvPicPr>
+              <p:cNvPr id="5" name="Graphic 4" descr="Open folder outline">
+                <a:extLst>
+                  <a:ext uri="{FF2B5EF4-FFF2-40B4-BE49-F238E27FC236}">
+                    <a16:creationId xmlns:a16="http://schemas.microsoft.com/office/drawing/2014/main" id="{C925BFB8-4E2C-4AEA-998D-44BB64AFD760}"/>
+                  </a:ext>
+                </a:extLst>
+              </p:cNvPr>
+              <p:cNvPicPr>
+                <a:picLocks noChangeAspect="1"/>
+              </p:cNvPicPr>
+              <p:nvPr/>
+            </p:nvPicPr>
+            <p:blipFill>
+              <a:blip r:embed="rId3">
+                <a:extLst>
+                  <a:ext uri="{28A0092B-C50C-407E-A947-70E740481C1C}">
+                    <a14:useLocalDpi xmlns:a14="http://schemas.microsoft.com/office/drawing/2010/main" val="0"/>
+                  </a:ext>
+                  <a:ext uri="{96DAC541-7B7A-43D3-8B79-37D633B846F1}">
+                    <asvg:svgBlip xmlns:asvg="http://schemas.microsoft.com/office/drawing/2016/SVG/main" r:embed="rId4"/>
+                  </a:ext>
+                </a:extLst>
+              </a:blip>
+              <a:stretch>
+                <a:fillRect/>
+              </a:stretch>
+            </p:blipFill>
+            <p:spPr>
+              <a:xfrm>
+                <a:off x="5855801" y="1845734"/>
+                <a:ext cx="657882" cy="657882"/>
+              </a:xfrm>
+              <a:prstGeom prst="rect">
+                <a:avLst/>
+              </a:prstGeom>
+            </p:spPr>
+          </p:pic>
+          <p:sp>
+            <p:nvSpPr>
+              <p:cNvPr id="8" name="TextBox 7">
+                <a:extLst>
+                  <a:ext uri="{FF2B5EF4-FFF2-40B4-BE49-F238E27FC236}">
+                    <a16:creationId xmlns:a16="http://schemas.microsoft.com/office/drawing/2014/main" id="{D20A8963-C238-4D6C-9813-682FF95FC13B}"/>
+                  </a:ext>
+                </a:extLst>
+              </p:cNvPr>
+              <p:cNvSpPr txBox="1"/>
+              <p:nvPr/>
+            </p:nvSpPr>
+            <p:spPr>
+              <a:xfrm>
+                <a:off x="4960418" y="2005398"/>
+                <a:ext cx="998252" cy="338554"/>
+              </a:xfrm>
+              <a:prstGeom prst="rect">
+                <a:avLst/>
+              </a:prstGeom>
+              <a:noFill/>
+            </p:spPr>
+            <p:txBody>
+              <a:bodyPr wrap="square" rtlCol="0">
+                <a:spAutoFit/>
+              </a:bodyPr>
+              <a:lstStyle/>
+              <a:p>
+                <a:pPr algn="r"/>
+                <a:r>
+                  <a:rPr lang="en-US" sz="1600" b="1" dirty="0">
+                    <a:solidFill>
+                      <a:schemeClr val="accent2"/>
+                    </a:solidFill>
+                  </a:rPr>
+                  <a:t>CWD</a:t>
+                </a:r>
+              </a:p>
+            </p:txBody>
+          </p:sp>
+        </p:grpSp>
+        <p:grpSp>
+          <p:nvGrpSpPr>
+            <p:cNvPr id="10" name="Group 9">
+              <a:extLst>
+                <a:ext uri="{FF2B5EF4-FFF2-40B4-BE49-F238E27FC236}">
+                  <a16:creationId xmlns:a16="http://schemas.microsoft.com/office/drawing/2014/main" id="{80583E4E-9B5B-492F-B5EC-C09D0FFEFE4C}"/>
+                </a:ext>
+              </a:extLst>
+            </p:cNvPr>
+            <p:cNvGrpSpPr/>
+            <p:nvPr/>
+          </p:nvGrpSpPr>
+          <p:grpSpPr>
+            <a:xfrm>
+              <a:off x="7624199" y="2334339"/>
+              <a:ext cx="1553265" cy="657882"/>
+              <a:chOff x="4960418" y="1845734"/>
+              <a:chExt cx="1553265" cy="657882"/>
+            </a:xfrm>
+          </p:grpSpPr>
+          <p:pic>
+            <p:nvPicPr>
+              <p:cNvPr id="11" name="Graphic 10" descr="Open folder outline">
+                <a:extLst>
+                  <a:ext uri="{FF2B5EF4-FFF2-40B4-BE49-F238E27FC236}">
+                    <a16:creationId xmlns:a16="http://schemas.microsoft.com/office/drawing/2014/main" id="{AAB3FD86-4928-4D63-B78B-7C498EBAAD54}"/>
+                  </a:ext>
+                </a:extLst>
+              </p:cNvPr>
+              <p:cNvPicPr>
+                <a:picLocks noChangeAspect="1"/>
+              </p:cNvPicPr>
+              <p:nvPr/>
+            </p:nvPicPr>
+            <p:blipFill>
+              <a:blip r:embed="rId3">
+                <a:extLst>
+                  <a:ext uri="{28A0092B-C50C-407E-A947-70E740481C1C}">
+                    <a14:useLocalDpi xmlns:a14="http://schemas.microsoft.com/office/drawing/2010/main" val="0"/>
+                  </a:ext>
+                  <a:ext uri="{96DAC541-7B7A-43D3-8B79-37D633B846F1}">
+                    <asvg:svgBlip xmlns:asvg="http://schemas.microsoft.com/office/drawing/2016/SVG/main" r:embed="rId4"/>
+                  </a:ext>
+                </a:extLst>
+              </a:blip>
+              <a:stretch>
+                <a:fillRect/>
+              </a:stretch>
+            </p:blipFill>
+            <p:spPr>
+              <a:xfrm>
+                <a:off x="5855801" y="1845734"/>
+                <a:ext cx="657882" cy="657882"/>
+              </a:xfrm>
+              <a:prstGeom prst="rect">
+                <a:avLst/>
+              </a:prstGeom>
+            </p:spPr>
+          </p:pic>
+          <p:sp>
+            <p:nvSpPr>
+              <p:cNvPr id="13" name="TextBox 12">
+                <a:extLst>
+                  <a:ext uri="{FF2B5EF4-FFF2-40B4-BE49-F238E27FC236}">
+                    <a16:creationId xmlns:a16="http://schemas.microsoft.com/office/drawing/2014/main" id="{DC407270-4C52-457A-B052-89171A195FE4}"/>
+                  </a:ext>
+                </a:extLst>
+              </p:cNvPr>
+              <p:cNvSpPr txBox="1"/>
+              <p:nvPr/>
+            </p:nvSpPr>
+            <p:spPr>
+              <a:xfrm>
+                <a:off x="4960418" y="2005398"/>
+                <a:ext cx="998252" cy="338554"/>
+              </a:xfrm>
+              <a:prstGeom prst="rect">
+                <a:avLst/>
+              </a:prstGeom>
+              <a:noFill/>
+            </p:spPr>
+            <p:txBody>
+              <a:bodyPr wrap="square" rtlCol="0">
+                <a:spAutoFit/>
+              </a:bodyPr>
+              <a:lstStyle/>
+              <a:p>
+                <a:pPr algn="r"/>
+                <a:r>
+                  <a:rPr lang="en-US" sz="1600" b="1" dirty="0">
+                    <a:solidFill>
+                      <a:schemeClr val="accent2"/>
+                    </a:solidFill>
+                  </a:rPr>
+                  <a:t>Archive</a:t>
+                </a:r>
+              </a:p>
+            </p:txBody>
+          </p:sp>
+        </p:grpSp>
+        <p:grpSp>
+          <p:nvGrpSpPr>
+            <p:cNvPr id="14" name="Group 13">
+              <a:extLst>
+                <a:ext uri="{FF2B5EF4-FFF2-40B4-BE49-F238E27FC236}">
+                  <a16:creationId xmlns:a16="http://schemas.microsoft.com/office/drawing/2014/main" id="{C194E5CC-EA50-4FED-8345-B6C903D1D654}"/>
+                </a:ext>
+              </a:extLst>
+            </p:cNvPr>
+            <p:cNvGrpSpPr/>
+            <p:nvPr/>
+          </p:nvGrpSpPr>
+          <p:grpSpPr>
+            <a:xfrm>
+              <a:off x="7624199" y="2832557"/>
+              <a:ext cx="1553265" cy="657882"/>
+              <a:chOff x="4960418" y="1845734"/>
+              <a:chExt cx="1553265" cy="657882"/>
+            </a:xfrm>
+          </p:grpSpPr>
+          <p:pic>
+            <p:nvPicPr>
+              <p:cNvPr id="15" name="Graphic 14" descr="Open folder outline">
+                <a:extLst>
+                  <a:ext uri="{FF2B5EF4-FFF2-40B4-BE49-F238E27FC236}">
+                    <a16:creationId xmlns:a16="http://schemas.microsoft.com/office/drawing/2014/main" id="{3048308A-0096-4606-96AD-A661F3AAFA67}"/>
+                  </a:ext>
+                </a:extLst>
+              </p:cNvPr>
+              <p:cNvPicPr>
+                <a:picLocks noChangeAspect="1"/>
+              </p:cNvPicPr>
+              <p:nvPr/>
+            </p:nvPicPr>
+            <p:blipFill>
+              <a:blip r:embed="rId3">
+                <a:extLst>
+                  <a:ext uri="{28A0092B-C50C-407E-A947-70E740481C1C}">
+                    <a14:useLocalDpi xmlns:a14="http://schemas.microsoft.com/office/drawing/2010/main" val="0"/>
+                  </a:ext>
+                  <a:ext uri="{96DAC541-7B7A-43D3-8B79-37D633B846F1}">
+                    <asvg:svgBlip xmlns:asvg="http://schemas.microsoft.com/office/drawing/2016/SVG/main" r:embed="rId4"/>
+                  </a:ext>
+                </a:extLst>
+              </a:blip>
+              <a:stretch>
+                <a:fillRect/>
+              </a:stretch>
+            </p:blipFill>
+            <p:spPr>
+              <a:xfrm>
+                <a:off x="5855801" y="1845734"/>
+                <a:ext cx="657882" cy="657882"/>
+              </a:xfrm>
+              <a:prstGeom prst="rect">
+                <a:avLst/>
+              </a:prstGeom>
+            </p:spPr>
+          </p:pic>
+          <p:sp>
+            <p:nvSpPr>
+              <p:cNvPr id="16" name="TextBox 15">
+                <a:extLst>
+                  <a:ext uri="{FF2B5EF4-FFF2-40B4-BE49-F238E27FC236}">
+                    <a16:creationId xmlns:a16="http://schemas.microsoft.com/office/drawing/2014/main" id="{005A56D8-5BE3-4A02-8555-FA762D19BC01}"/>
+                  </a:ext>
+                </a:extLst>
+              </p:cNvPr>
+              <p:cNvSpPr txBox="1"/>
+              <p:nvPr/>
+            </p:nvSpPr>
+            <p:spPr>
+              <a:xfrm>
+                <a:off x="4960418" y="2005398"/>
+                <a:ext cx="998252" cy="338554"/>
+              </a:xfrm>
+              <a:prstGeom prst="rect">
+                <a:avLst/>
+              </a:prstGeom>
+              <a:noFill/>
+            </p:spPr>
+            <p:txBody>
+              <a:bodyPr wrap="square" rtlCol="0">
+                <a:spAutoFit/>
+              </a:bodyPr>
+              <a:lstStyle/>
+              <a:p>
+                <a:pPr algn="r"/>
+                <a:r>
+                  <a:rPr lang="en-US" sz="1600" b="1" dirty="0">
+                    <a:solidFill>
+                      <a:schemeClr val="accent2"/>
+                    </a:solidFill>
+                  </a:rPr>
+                  <a:t>Data</a:t>
+                </a:r>
+              </a:p>
+            </p:txBody>
+          </p:sp>
+        </p:grpSp>
+        <p:grpSp>
+          <p:nvGrpSpPr>
+            <p:cNvPr id="17" name="Group 16">
+              <a:extLst>
+                <a:ext uri="{FF2B5EF4-FFF2-40B4-BE49-F238E27FC236}">
+                  <a16:creationId xmlns:a16="http://schemas.microsoft.com/office/drawing/2014/main" id="{34C89574-D5AF-4C60-8D26-8376FAF701E6}"/>
+                </a:ext>
+              </a:extLst>
+            </p:cNvPr>
+            <p:cNvGrpSpPr/>
+            <p:nvPr/>
+          </p:nvGrpSpPr>
+          <p:grpSpPr>
+            <a:xfrm>
+              <a:off x="7335466" y="3321162"/>
+              <a:ext cx="1841998" cy="657882"/>
+              <a:chOff x="4671685" y="1845734"/>
+              <a:chExt cx="1841998" cy="657882"/>
+            </a:xfrm>
+          </p:grpSpPr>
+          <p:pic>
+            <p:nvPicPr>
+              <p:cNvPr id="18" name="Graphic 17" descr="Open folder outline">
+                <a:extLst>
+                  <a:ext uri="{FF2B5EF4-FFF2-40B4-BE49-F238E27FC236}">
+                    <a16:creationId xmlns:a16="http://schemas.microsoft.com/office/drawing/2014/main" id="{BF7B8E11-B594-461E-96CA-924D2CB449C2}"/>
+                  </a:ext>
+                </a:extLst>
+              </p:cNvPr>
+              <p:cNvPicPr>
+                <a:picLocks noChangeAspect="1"/>
+              </p:cNvPicPr>
+              <p:nvPr/>
+            </p:nvPicPr>
+            <p:blipFill>
+              <a:blip r:embed="rId3">
+                <a:extLst>
+                  <a:ext uri="{28A0092B-C50C-407E-A947-70E740481C1C}">
+                    <a14:useLocalDpi xmlns:a14="http://schemas.microsoft.com/office/drawing/2010/main" val="0"/>
+                  </a:ext>
+                  <a:ext uri="{96DAC541-7B7A-43D3-8B79-37D633B846F1}">
+                    <asvg:svgBlip xmlns:asvg="http://schemas.microsoft.com/office/drawing/2016/SVG/main" r:embed="rId4"/>
+                  </a:ext>
+                </a:extLst>
+              </a:blip>
+              <a:stretch>
+                <a:fillRect/>
+              </a:stretch>
+            </p:blipFill>
+            <p:spPr>
+              <a:xfrm>
+                <a:off x="5855801" y="1845734"/>
+                <a:ext cx="657882" cy="657882"/>
+              </a:xfrm>
+              <a:prstGeom prst="rect">
+                <a:avLst/>
+              </a:prstGeom>
+            </p:spPr>
+          </p:pic>
+          <p:sp>
+            <p:nvSpPr>
+              <p:cNvPr id="19" name="TextBox 18">
+                <a:extLst>
+                  <a:ext uri="{FF2B5EF4-FFF2-40B4-BE49-F238E27FC236}">
+                    <a16:creationId xmlns:a16="http://schemas.microsoft.com/office/drawing/2014/main" id="{0EBA7847-782A-436B-A24A-28D959B108C0}"/>
+                  </a:ext>
+                </a:extLst>
+              </p:cNvPr>
+              <p:cNvSpPr txBox="1"/>
+              <p:nvPr/>
+            </p:nvSpPr>
+            <p:spPr>
+              <a:xfrm>
+                <a:off x="4671685" y="2005398"/>
+                <a:ext cx="1286985" cy="338554"/>
+              </a:xfrm>
+              <a:prstGeom prst="rect">
+                <a:avLst/>
+              </a:prstGeom>
+              <a:noFill/>
+            </p:spPr>
+            <p:txBody>
+              <a:bodyPr wrap="square" rtlCol="0">
+                <a:spAutoFit/>
+              </a:bodyPr>
+              <a:lstStyle/>
+              <a:p>
+                <a:pPr algn="r"/>
+                <a:r>
+                  <a:rPr lang="en-US" sz="1600" b="1" dirty="0">
+                    <a:solidFill>
+                      <a:schemeClr val="accent2"/>
+                    </a:solidFill>
+                  </a:rPr>
+                  <a:t>Deliverables</a:t>
+                </a:r>
+              </a:p>
+            </p:txBody>
+          </p:sp>
+        </p:grpSp>
+        <p:grpSp>
+          <p:nvGrpSpPr>
+            <p:cNvPr id="20" name="Group 19">
+              <a:extLst>
+                <a:ext uri="{FF2B5EF4-FFF2-40B4-BE49-F238E27FC236}">
+                  <a16:creationId xmlns:a16="http://schemas.microsoft.com/office/drawing/2014/main" id="{0219F014-3BF4-42AE-BC8A-5AB57D3C16F0}"/>
+                </a:ext>
+              </a:extLst>
+            </p:cNvPr>
+            <p:cNvGrpSpPr/>
+            <p:nvPr/>
+          </p:nvGrpSpPr>
+          <p:grpSpPr>
+            <a:xfrm>
+              <a:off x="7335466" y="3819380"/>
+              <a:ext cx="1841998" cy="657882"/>
+              <a:chOff x="4671685" y="1845734"/>
+              <a:chExt cx="1841998" cy="657882"/>
+            </a:xfrm>
+          </p:grpSpPr>
+          <p:pic>
+            <p:nvPicPr>
+              <p:cNvPr id="21" name="Graphic 20" descr="Open folder outline">
+                <a:extLst>
+                  <a:ext uri="{FF2B5EF4-FFF2-40B4-BE49-F238E27FC236}">
+                    <a16:creationId xmlns:a16="http://schemas.microsoft.com/office/drawing/2014/main" id="{E57C417F-129F-4B62-ACA4-22132770D8B0}"/>
+                  </a:ext>
+                </a:extLst>
+              </p:cNvPr>
+              <p:cNvPicPr>
+                <a:picLocks noChangeAspect="1"/>
+              </p:cNvPicPr>
+              <p:nvPr/>
+            </p:nvPicPr>
+            <p:blipFill>
+              <a:blip r:embed="rId3">
+                <a:extLst>
+                  <a:ext uri="{28A0092B-C50C-407E-A947-70E740481C1C}">
+                    <a14:useLocalDpi xmlns:a14="http://schemas.microsoft.com/office/drawing/2010/main" val="0"/>
+                  </a:ext>
+                  <a:ext uri="{96DAC541-7B7A-43D3-8B79-37D633B846F1}">
+                    <asvg:svgBlip xmlns:asvg="http://schemas.microsoft.com/office/drawing/2016/SVG/main" r:embed="rId4"/>
+                  </a:ext>
+                </a:extLst>
+              </a:blip>
+              <a:stretch>
+                <a:fillRect/>
+              </a:stretch>
+            </p:blipFill>
+            <p:spPr>
+              <a:xfrm>
+                <a:off x="5855801" y="1845734"/>
+                <a:ext cx="657882" cy="657882"/>
+              </a:xfrm>
+              <a:prstGeom prst="rect">
+                <a:avLst/>
+              </a:prstGeom>
+            </p:spPr>
+          </p:pic>
+          <p:sp>
+            <p:nvSpPr>
+              <p:cNvPr id="22" name="TextBox 21">
+                <a:extLst>
+                  <a:ext uri="{FF2B5EF4-FFF2-40B4-BE49-F238E27FC236}">
+                    <a16:creationId xmlns:a16="http://schemas.microsoft.com/office/drawing/2014/main" id="{FEB0EA9A-C874-4FF4-90FC-0929CABD2839}"/>
+                  </a:ext>
+                </a:extLst>
+              </p:cNvPr>
+              <p:cNvSpPr txBox="1"/>
+              <p:nvPr/>
+            </p:nvSpPr>
+            <p:spPr>
+              <a:xfrm>
+                <a:off x="4671685" y="2005398"/>
+                <a:ext cx="1286985" cy="338554"/>
+              </a:xfrm>
+              <a:prstGeom prst="rect">
+                <a:avLst/>
+              </a:prstGeom>
+              <a:noFill/>
+            </p:spPr>
+            <p:txBody>
+              <a:bodyPr wrap="square" rtlCol="0">
+                <a:spAutoFit/>
+              </a:bodyPr>
+              <a:lstStyle/>
+              <a:p>
+                <a:pPr algn="r"/>
+                <a:r>
+                  <a:rPr lang="en-US" sz="1600" b="1" dirty="0">
+                    <a:solidFill>
+                      <a:schemeClr val="accent2"/>
+                    </a:solidFill>
+                  </a:rPr>
+                  <a:t>Output</a:t>
+                </a:r>
+              </a:p>
+            </p:txBody>
+          </p:sp>
+        </p:grpSp>
+        <p:grpSp>
+          <p:nvGrpSpPr>
+            <p:cNvPr id="23" name="Group 22">
+              <a:extLst>
+                <a:ext uri="{FF2B5EF4-FFF2-40B4-BE49-F238E27FC236}">
+                  <a16:creationId xmlns:a16="http://schemas.microsoft.com/office/drawing/2014/main" id="{AF23176C-951A-47DA-89AE-5A0EA93281EB}"/>
+                </a:ext>
+              </a:extLst>
+            </p:cNvPr>
+            <p:cNvGrpSpPr/>
+            <p:nvPr/>
+          </p:nvGrpSpPr>
+          <p:grpSpPr>
+            <a:xfrm>
+              <a:off x="7448754" y="4307985"/>
+              <a:ext cx="1728710" cy="657882"/>
+              <a:chOff x="4784973" y="1845734"/>
+              <a:chExt cx="1728710" cy="657882"/>
+            </a:xfrm>
+          </p:grpSpPr>
+          <p:pic>
+            <p:nvPicPr>
+              <p:cNvPr id="24" name="Graphic 23" descr="Open folder outline">
+                <a:extLst>
+                  <a:ext uri="{FF2B5EF4-FFF2-40B4-BE49-F238E27FC236}">
+                    <a16:creationId xmlns:a16="http://schemas.microsoft.com/office/drawing/2014/main" id="{232B8370-EE3B-47AD-8B41-7242C91AB0E3}"/>
+                  </a:ext>
+                </a:extLst>
+              </p:cNvPr>
+              <p:cNvPicPr>
+                <a:picLocks noChangeAspect="1"/>
+              </p:cNvPicPr>
+              <p:nvPr/>
+            </p:nvPicPr>
+            <p:blipFill>
+              <a:blip r:embed="rId3">
+                <a:extLst>
+                  <a:ext uri="{28A0092B-C50C-407E-A947-70E740481C1C}">
+                    <a14:useLocalDpi xmlns:a14="http://schemas.microsoft.com/office/drawing/2010/main" val="0"/>
+                  </a:ext>
+                  <a:ext uri="{96DAC541-7B7A-43D3-8B79-37D633B846F1}">
+                    <asvg:svgBlip xmlns:asvg="http://schemas.microsoft.com/office/drawing/2016/SVG/main" r:embed="rId4"/>
+                  </a:ext>
+                </a:extLst>
+              </a:blip>
+              <a:stretch>
+                <a:fillRect/>
+              </a:stretch>
+            </p:blipFill>
+            <p:spPr>
+              <a:xfrm>
+                <a:off x="5855801" y="1845734"/>
+                <a:ext cx="657882" cy="657882"/>
+              </a:xfrm>
+              <a:prstGeom prst="rect">
+                <a:avLst/>
+              </a:prstGeom>
+            </p:spPr>
+          </p:pic>
+          <p:sp>
+            <p:nvSpPr>
+              <p:cNvPr id="25" name="TextBox 24">
+                <a:extLst>
+                  <a:ext uri="{FF2B5EF4-FFF2-40B4-BE49-F238E27FC236}">
+                    <a16:creationId xmlns:a16="http://schemas.microsoft.com/office/drawing/2014/main" id="{B42764BA-43EB-4579-9DD7-723E54CFA209}"/>
+                  </a:ext>
+                </a:extLst>
+              </p:cNvPr>
+              <p:cNvSpPr txBox="1"/>
+              <p:nvPr/>
+            </p:nvSpPr>
+            <p:spPr>
+              <a:xfrm>
+                <a:off x="4784973" y="2005398"/>
+                <a:ext cx="1173697" cy="338554"/>
+              </a:xfrm>
+              <a:prstGeom prst="rect">
+                <a:avLst/>
+              </a:prstGeom>
+              <a:noFill/>
+            </p:spPr>
+            <p:txBody>
+              <a:bodyPr wrap="square" rtlCol="0">
+                <a:spAutoFit/>
+              </a:bodyPr>
+              <a:lstStyle/>
+              <a:p>
+                <a:pPr algn="r"/>
+                <a:r>
+                  <a:rPr lang="en-US" sz="1600" b="1" dirty="0">
+                    <a:solidFill>
+                      <a:schemeClr val="accent2"/>
+                    </a:solidFill>
+                  </a:rPr>
+                  <a:t>References</a:t>
+                </a:r>
+              </a:p>
+            </p:txBody>
+          </p:sp>
+        </p:grpSp>
+        <p:grpSp>
+          <p:nvGrpSpPr>
+            <p:cNvPr id="26" name="Group 25">
+              <a:extLst>
+                <a:ext uri="{FF2B5EF4-FFF2-40B4-BE49-F238E27FC236}">
+                  <a16:creationId xmlns:a16="http://schemas.microsoft.com/office/drawing/2014/main" id="{13B98B58-AB1C-4E9C-8604-9057968B3446}"/>
+                </a:ext>
+              </a:extLst>
+            </p:cNvPr>
+            <p:cNvGrpSpPr/>
+            <p:nvPr/>
+          </p:nvGrpSpPr>
+          <p:grpSpPr>
+            <a:xfrm>
+              <a:off x="7624199" y="4796590"/>
+              <a:ext cx="1553265" cy="657882"/>
+              <a:chOff x="4960418" y="1845734"/>
+              <a:chExt cx="1553265" cy="657882"/>
+            </a:xfrm>
+          </p:grpSpPr>
+          <p:pic>
+            <p:nvPicPr>
+              <p:cNvPr id="27" name="Graphic 26" descr="Open folder outline">
+                <a:extLst>
+                  <a:ext uri="{FF2B5EF4-FFF2-40B4-BE49-F238E27FC236}">
+                    <a16:creationId xmlns:a16="http://schemas.microsoft.com/office/drawing/2014/main" id="{A46CD3DF-0025-40E5-89E9-15237579D3F0}"/>
+                  </a:ext>
+                </a:extLst>
+              </p:cNvPr>
+              <p:cNvPicPr>
+                <a:picLocks noChangeAspect="1"/>
+              </p:cNvPicPr>
+              <p:nvPr/>
+            </p:nvPicPr>
+            <p:blipFill>
+              <a:blip r:embed="rId3">
+                <a:extLst>
+                  <a:ext uri="{28A0092B-C50C-407E-A947-70E740481C1C}">
+                    <a14:useLocalDpi xmlns:a14="http://schemas.microsoft.com/office/drawing/2010/main" val="0"/>
+                  </a:ext>
+                  <a:ext uri="{96DAC541-7B7A-43D3-8B79-37D633B846F1}">
+                    <asvg:svgBlip xmlns:asvg="http://schemas.microsoft.com/office/drawing/2016/SVG/main" r:embed="rId4"/>
+                  </a:ext>
+                </a:extLst>
+              </a:blip>
+              <a:stretch>
+                <a:fillRect/>
+              </a:stretch>
+            </p:blipFill>
+            <p:spPr>
+              <a:xfrm>
+                <a:off x="5855801" y="1845734"/>
+                <a:ext cx="657882" cy="657882"/>
+              </a:xfrm>
+              <a:prstGeom prst="rect">
+                <a:avLst/>
+              </a:prstGeom>
+            </p:spPr>
+          </p:pic>
+          <p:sp>
+            <p:nvSpPr>
+              <p:cNvPr id="28" name="TextBox 27">
+                <a:extLst>
+                  <a:ext uri="{FF2B5EF4-FFF2-40B4-BE49-F238E27FC236}">
+                    <a16:creationId xmlns:a16="http://schemas.microsoft.com/office/drawing/2014/main" id="{F9A7721A-57DE-4FCC-B440-37CF3C55D65D}"/>
+                  </a:ext>
+                </a:extLst>
+              </p:cNvPr>
+              <p:cNvSpPr txBox="1"/>
+              <p:nvPr/>
+            </p:nvSpPr>
+            <p:spPr>
+              <a:xfrm>
+                <a:off x="4960418" y="2005398"/>
+                <a:ext cx="998252" cy="338554"/>
+              </a:xfrm>
+              <a:prstGeom prst="rect">
+                <a:avLst/>
+              </a:prstGeom>
+              <a:noFill/>
+            </p:spPr>
+            <p:txBody>
+              <a:bodyPr wrap="square" rtlCol="0">
+                <a:spAutoFit/>
+              </a:bodyPr>
+              <a:lstStyle/>
+              <a:p>
+                <a:pPr algn="r"/>
+                <a:r>
+                  <a:rPr lang="en-US" sz="1600" b="1" dirty="0">
+                    <a:solidFill>
+                      <a:schemeClr val="accent2"/>
+                    </a:solidFill>
+                  </a:rPr>
+                  <a:t>Utilities</a:t>
+                </a:r>
+              </a:p>
+            </p:txBody>
+          </p:sp>
+        </p:grpSp>
+        <p:grpSp>
+          <p:nvGrpSpPr>
+            <p:cNvPr id="9" name="Group 8">
+              <a:extLst>
+                <a:ext uri="{FF2B5EF4-FFF2-40B4-BE49-F238E27FC236}">
+                  <a16:creationId xmlns:a16="http://schemas.microsoft.com/office/drawing/2014/main" id="{337A75F8-64A9-4051-AA24-7205477FB87E}"/>
+                </a:ext>
+              </a:extLst>
+            </p:cNvPr>
+            <p:cNvGrpSpPr/>
+            <p:nvPr/>
+          </p:nvGrpSpPr>
+          <p:grpSpPr>
+            <a:xfrm>
+              <a:off x="7329568" y="5411393"/>
+              <a:ext cx="1528569" cy="340291"/>
+              <a:chOff x="7560156" y="5653731"/>
+              <a:chExt cx="1528569" cy="340291"/>
+            </a:xfrm>
+          </p:grpSpPr>
+          <p:pic>
+            <p:nvPicPr>
+              <p:cNvPr id="7" name="Graphic 6" descr="Scroll outline">
+                <a:extLst>
+                  <a:ext uri="{FF2B5EF4-FFF2-40B4-BE49-F238E27FC236}">
+                    <a16:creationId xmlns:a16="http://schemas.microsoft.com/office/drawing/2014/main" id="{50EB1F91-0270-41F8-8E99-473687252DB5}"/>
+                  </a:ext>
+                </a:extLst>
+              </p:cNvPr>
+              <p:cNvPicPr>
+                <a:picLocks noChangeAspect="1"/>
+              </p:cNvPicPr>
+              <p:nvPr/>
+            </p:nvPicPr>
+            <p:blipFill>
+              <a:blip r:embed="rId5">
+                <a:extLst>
+                  <a:ext uri="{28A0092B-C50C-407E-A947-70E740481C1C}">
+                    <a14:useLocalDpi xmlns:a14="http://schemas.microsoft.com/office/drawing/2010/main" val="0"/>
+                  </a:ext>
+                  <a:ext uri="{96DAC541-7B7A-43D3-8B79-37D633B846F1}">
+                    <asvg:svgBlip xmlns:asvg="http://schemas.microsoft.com/office/drawing/2016/SVG/main" r:embed="rId6"/>
+                  </a:ext>
+                </a:extLst>
+              </a:blip>
+              <a:stretch>
+                <a:fillRect/>
+              </a:stretch>
+            </p:blipFill>
+            <p:spPr>
+              <a:xfrm>
+                <a:off x="8750170" y="5655467"/>
+                <a:ext cx="338555" cy="338555"/>
+              </a:xfrm>
+              <a:prstGeom prst="rect">
+                <a:avLst/>
+              </a:prstGeom>
+            </p:spPr>
+          </p:pic>
+          <p:sp>
+            <p:nvSpPr>
+              <p:cNvPr id="79" name="TextBox 78">
+                <a:extLst>
+                  <a:ext uri="{FF2B5EF4-FFF2-40B4-BE49-F238E27FC236}">
+                    <a16:creationId xmlns:a16="http://schemas.microsoft.com/office/drawing/2014/main" id="{C764E690-7ED6-47BE-8220-338CCE800A35}"/>
+                  </a:ext>
+                </a:extLst>
+              </p:cNvPr>
+              <p:cNvSpPr txBox="1"/>
+              <p:nvPr/>
+            </p:nvSpPr>
+            <p:spPr>
+              <a:xfrm>
+                <a:off x="7560156" y="5653731"/>
+                <a:ext cx="1286985" cy="338554"/>
+              </a:xfrm>
+              <a:prstGeom prst="rect">
+                <a:avLst/>
+              </a:prstGeom>
+              <a:noFill/>
+            </p:spPr>
+            <p:txBody>
+              <a:bodyPr wrap="square" rtlCol="0">
+                <a:spAutoFit/>
+              </a:bodyPr>
+              <a:lstStyle/>
+              <a:p>
+                <a:pPr algn="r"/>
+                <a:r>
+                  <a:rPr lang="en-US" sz="1600" b="1" dirty="0">
+                    <a:solidFill>
+                      <a:schemeClr val="accent2"/>
+                    </a:solidFill>
+                  </a:rPr>
+                  <a:t>script1.py</a:t>
+                </a:r>
+              </a:p>
+            </p:txBody>
+          </p:sp>
+        </p:grpSp>
+      </p:grpSp>
+      <p:grpSp>
+        <p:nvGrpSpPr>
+          <p:cNvPr id="12" name="Group 11">
+            <a:extLst>
+              <a:ext uri="{FF2B5EF4-FFF2-40B4-BE49-F238E27FC236}">
+                <a16:creationId xmlns:a16="http://schemas.microsoft.com/office/drawing/2014/main" id="{D1EED1FC-80A7-4433-94F2-0E81C62845C5}"/>
+              </a:ext>
+            </a:extLst>
+          </p:cNvPr>
+          <p:cNvGrpSpPr/>
+          <p:nvPr/>
+        </p:nvGrpSpPr>
+        <p:grpSpPr>
+          <a:xfrm>
+            <a:off x="9206411" y="1927409"/>
+            <a:ext cx="2574362" cy="4327916"/>
+            <a:chOff x="9085821" y="1845734"/>
+            <a:chExt cx="2574362" cy="4327916"/>
+          </a:xfrm>
+        </p:grpSpPr>
+        <p:grpSp>
+          <p:nvGrpSpPr>
+            <p:cNvPr id="50" name="Group 49">
+              <a:extLst>
+                <a:ext uri="{FF2B5EF4-FFF2-40B4-BE49-F238E27FC236}">
+                  <a16:creationId xmlns:a16="http://schemas.microsoft.com/office/drawing/2014/main" id="{DD40EE7A-9390-4838-92CD-3FEDFB448E07}"/>
+                </a:ext>
+              </a:extLst>
+            </p:cNvPr>
+            <p:cNvGrpSpPr/>
+            <p:nvPr/>
+          </p:nvGrpSpPr>
+          <p:grpSpPr>
+            <a:xfrm>
+              <a:off x="9085821" y="1845734"/>
+              <a:ext cx="1553265" cy="657882"/>
+              <a:chOff x="4960418" y="1845734"/>
+              <a:chExt cx="1553265" cy="657882"/>
+            </a:xfrm>
+          </p:grpSpPr>
+          <p:pic>
+            <p:nvPicPr>
+              <p:cNvPr id="51" name="Graphic 50" descr="Open folder outline">
+                <a:extLst>
+                  <a:ext uri="{FF2B5EF4-FFF2-40B4-BE49-F238E27FC236}">
+                    <a16:creationId xmlns:a16="http://schemas.microsoft.com/office/drawing/2014/main" id="{C45B5DCA-AF00-460C-A33B-A8A87E49E31E}"/>
+                  </a:ext>
+                </a:extLst>
+              </p:cNvPr>
+              <p:cNvPicPr>
+                <a:picLocks noChangeAspect="1"/>
+              </p:cNvPicPr>
+              <p:nvPr/>
+            </p:nvPicPr>
+            <p:blipFill>
+              <a:blip r:embed="rId3">
+                <a:extLst>
+                  <a:ext uri="{28A0092B-C50C-407E-A947-70E740481C1C}">
+                    <a14:useLocalDpi xmlns:a14="http://schemas.microsoft.com/office/drawing/2010/main" val="0"/>
+                  </a:ext>
+                  <a:ext uri="{96DAC541-7B7A-43D3-8B79-37D633B846F1}">
+                    <asvg:svgBlip xmlns:asvg="http://schemas.microsoft.com/office/drawing/2016/SVG/main" r:embed="rId4"/>
+                  </a:ext>
+                </a:extLst>
+              </a:blip>
+              <a:stretch>
+                <a:fillRect/>
+              </a:stretch>
+            </p:blipFill>
+            <p:spPr>
+              <a:xfrm>
+                <a:off x="5855801" y="1845734"/>
+                <a:ext cx="657882" cy="657882"/>
+              </a:xfrm>
+              <a:prstGeom prst="rect">
+                <a:avLst/>
+              </a:prstGeom>
+            </p:spPr>
+          </p:pic>
+          <p:sp>
+            <p:nvSpPr>
+              <p:cNvPr id="52" name="TextBox 51">
+                <a:extLst>
+                  <a:ext uri="{FF2B5EF4-FFF2-40B4-BE49-F238E27FC236}">
+                    <a16:creationId xmlns:a16="http://schemas.microsoft.com/office/drawing/2014/main" id="{2B2466C9-76D9-445B-993C-8BE4CF53AF48}"/>
+                  </a:ext>
+                </a:extLst>
+              </p:cNvPr>
+              <p:cNvSpPr txBox="1"/>
+              <p:nvPr/>
+            </p:nvSpPr>
+            <p:spPr>
+              <a:xfrm>
+                <a:off x="4960418" y="2005398"/>
+                <a:ext cx="998252" cy="338554"/>
+              </a:xfrm>
+              <a:prstGeom prst="rect">
+                <a:avLst/>
+              </a:prstGeom>
+              <a:noFill/>
+            </p:spPr>
+            <p:txBody>
+              <a:bodyPr wrap="square" rtlCol="0">
+                <a:spAutoFit/>
+              </a:bodyPr>
+              <a:lstStyle/>
+              <a:p>
+                <a:pPr algn="r"/>
+                <a:r>
+                  <a:rPr lang="en-US" sz="1600" b="1" dirty="0">
+                    <a:solidFill>
+                      <a:schemeClr val="accent2"/>
+                    </a:solidFill>
+                  </a:rPr>
+                  <a:t>CWD</a:t>
+                </a:r>
+              </a:p>
+            </p:txBody>
+          </p:sp>
+        </p:grpSp>
+        <p:grpSp>
+          <p:nvGrpSpPr>
+            <p:cNvPr id="53" name="Group 52">
+              <a:extLst>
+                <a:ext uri="{FF2B5EF4-FFF2-40B4-BE49-F238E27FC236}">
+                  <a16:creationId xmlns:a16="http://schemas.microsoft.com/office/drawing/2014/main" id="{B28E3A68-2254-4150-ACC1-42F69F048C4E}"/>
+                </a:ext>
+              </a:extLst>
+            </p:cNvPr>
+            <p:cNvGrpSpPr/>
+            <p:nvPr/>
+          </p:nvGrpSpPr>
+          <p:grpSpPr>
+            <a:xfrm>
+              <a:off x="9584947" y="2334339"/>
+              <a:ext cx="1553265" cy="657882"/>
+              <a:chOff x="4960418" y="1845734"/>
+              <a:chExt cx="1553265" cy="657882"/>
+            </a:xfrm>
+          </p:grpSpPr>
+          <p:pic>
+            <p:nvPicPr>
+              <p:cNvPr id="54" name="Graphic 53" descr="Open folder outline">
+                <a:extLst>
+                  <a:ext uri="{FF2B5EF4-FFF2-40B4-BE49-F238E27FC236}">
+                    <a16:creationId xmlns:a16="http://schemas.microsoft.com/office/drawing/2014/main" id="{B5744764-0DB7-4085-8DEC-8DCCC3C65251}"/>
+                  </a:ext>
+                </a:extLst>
+              </p:cNvPr>
+              <p:cNvPicPr>
+                <a:picLocks noChangeAspect="1"/>
+              </p:cNvPicPr>
+              <p:nvPr/>
+            </p:nvPicPr>
+            <p:blipFill>
+              <a:blip r:embed="rId3">
+                <a:extLst>
+                  <a:ext uri="{28A0092B-C50C-407E-A947-70E740481C1C}">
+                    <a14:useLocalDpi xmlns:a14="http://schemas.microsoft.com/office/drawing/2010/main" val="0"/>
+                  </a:ext>
+                  <a:ext uri="{96DAC541-7B7A-43D3-8B79-37D633B846F1}">
+                    <asvg:svgBlip xmlns:asvg="http://schemas.microsoft.com/office/drawing/2016/SVG/main" r:embed="rId4"/>
+                  </a:ext>
+                </a:extLst>
+              </a:blip>
+              <a:stretch>
+                <a:fillRect/>
+              </a:stretch>
+            </p:blipFill>
+            <p:spPr>
+              <a:xfrm>
+                <a:off x="5855801" y="1845734"/>
+                <a:ext cx="657882" cy="657882"/>
+              </a:xfrm>
+              <a:prstGeom prst="rect">
+                <a:avLst/>
+              </a:prstGeom>
+            </p:spPr>
+          </p:pic>
+          <p:sp>
+            <p:nvSpPr>
+              <p:cNvPr id="55" name="TextBox 54">
+                <a:extLst>
+                  <a:ext uri="{FF2B5EF4-FFF2-40B4-BE49-F238E27FC236}">
+                    <a16:creationId xmlns:a16="http://schemas.microsoft.com/office/drawing/2014/main" id="{9C3182F9-5FAF-4549-8E9B-7ED41EE920ED}"/>
+                  </a:ext>
+                </a:extLst>
+              </p:cNvPr>
+              <p:cNvSpPr txBox="1"/>
+              <p:nvPr/>
+            </p:nvSpPr>
+            <p:spPr>
+              <a:xfrm>
+                <a:off x="4960418" y="2005398"/>
+                <a:ext cx="998252" cy="338554"/>
+              </a:xfrm>
+              <a:prstGeom prst="rect">
+                <a:avLst/>
+              </a:prstGeom>
+              <a:noFill/>
+            </p:spPr>
+            <p:txBody>
+              <a:bodyPr wrap="square" rtlCol="0">
+                <a:spAutoFit/>
+              </a:bodyPr>
+              <a:lstStyle/>
+              <a:p>
+                <a:pPr algn="r"/>
+                <a:r>
+                  <a:rPr lang="en-US" sz="1600" b="1" dirty="0">
+                    <a:solidFill>
+                      <a:schemeClr val="accent2"/>
+                    </a:solidFill>
+                  </a:rPr>
+                  <a:t>HW1</a:t>
+                </a:r>
+              </a:p>
+            </p:txBody>
+          </p:sp>
+        </p:grpSp>
+        <p:grpSp>
+          <p:nvGrpSpPr>
+            <p:cNvPr id="56" name="Group 55">
+              <a:extLst>
+                <a:ext uri="{FF2B5EF4-FFF2-40B4-BE49-F238E27FC236}">
+                  <a16:creationId xmlns:a16="http://schemas.microsoft.com/office/drawing/2014/main" id="{07A9D1F9-7436-478B-8FBF-D2ADC74A4921}"/>
+                </a:ext>
+              </a:extLst>
+            </p:cNvPr>
+            <p:cNvGrpSpPr/>
+            <p:nvPr/>
+          </p:nvGrpSpPr>
+          <p:grpSpPr>
+            <a:xfrm>
+              <a:off x="10094743" y="2832557"/>
+              <a:ext cx="1553265" cy="657882"/>
+              <a:chOff x="4960418" y="1845734"/>
+              <a:chExt cx="1553265" cy="657882"/>
+            </a:xfrm>
+          </p:grpSpPr>
+          <p:pic>
+            <p:nvPicPr>
+              <p:cNvPr id="57" name="Graphic 56" descr="Open folder outline">
+                <a:extLst>
+                  <a:ext uri="{FF2B5EF4-FFF2-40B4-BE49-F238E27FC236}">
+                    <a16:creationId xmlns:a16="http://schemas.microsoft.com/office/drawing/2014/main" id="{85A594C5-414F-4D88-8C29-7F46738D092C}"/>
+                  </a:ext>
+                </a:extLst>
+              </p:cNvPr>
+              <p:cNvPicPr>
+                <a:picLocks noChangeAspect="1"/>
+              </p:cNvPicPr>
+              <p:nvPr/>
+            </p:nvPicPr>
+            <p:blipFill>
+              <a:blip r:embed="rId3">
+                <a:extLst>
+                  <a:ext uri="{28A0092B-C50C-407E-A947-70E740481C1C}">
+                    <a14:useLocalDpi xmlns:a14="http://schemas.microsoft.com/office/drawing/2010/main" val="0"/>
+                  </a:ext>
+                  <a:ext uri="{96DAC541-7B7A-43D3-8B79-37D633B846F1}">
+                    <asvg:svgBlip xmlns:asvg="http://schemas.microsoft.com/office/drawing/2016/SVG/main" r:embed="rId4"/>
+                  </a:ext>
+                </a:extLst>
+              </a:blip>
+              <a:stretch>
+                <a:fillRect/>
+              </a:stretch>
+            </p:blipFill>
+            <p:spPr>
+              <a:xfrm>
+                <a:off x="5855801" y="1845734"/>
+                <a:ext cx="657882" cy="657882"/>
+              </a:xfrm>
+              <a:prstGeom prst="rect">
+                <a:avLst/>
+              </a:prstGeom>
+            </p:spPr>
+          </p:pic>
+          <p:sp>
+            <p:nvSpPr>
+              <p:cNvPr id="58" name="TextBox 57">
+                <a:extLst>
+                  <a:ext uri="{FF2B5EF4-FFF2-40B4-BE49-F238E27FC236}">
+                    <a16:creationId xmlns:a16="http://schemas.microsoft.com/office/drawing/2014/main" id="{362CD904-8840-4A42-ADCB-BD22207B195F}"/>
+                  </a:ext>
+                </a:extLst>
+              </p:cNvPr>
+              <p:cNvSpPr txBox="1"/>
+              <p:nvPr/>
+            </p:nvSpPr>
+            <p:spPr>
+              <a:xfrm>
+                <a:off x="4960418" y="2005398"/>
+                <a:ext cx="998252" cy="338554"/>
+              </a:xfrm>
+              <a:prstGeom prst="rect">
+                <a:avLst/>
+              </a:prstGeom>
+              <a:noFill/>
+            </p:spPr>
+            <p:txBody>
+              <a:bodyPr wrap="square" rtlCol="0">
+                <a:spAutoFit/>
+              </a:bodyPr>
+              <a:lstStyle/>
+              <a:p>
+                <a:pPr algn="r"/>
+                <a:r>
+                  <a:rPr lang="en-US" sz="1600" b="1" dirty="0">
+                    <a:solidFill>
+                      <a:schemeClr val="accent2"/>
+                    </a:solidFill>
+                  </a:rPr>
+                  <a:t>Data</a:t>
+                </a:r>
+              </a:p>
+            </p:txBody>
+          </p:sp>
+        </p:grpSp>
+        <p:grpSp>
+          <p:nvGrpSpPr>
+            <p:cNvPr id="59" name="Group 58">
+              <a:extLst>
+                <a:ext uri="{FF2B5EF4-FFF2-40B4-BE49-F238E27FC236}">
+                  <a16:creationId xmlns:a16="http://schemas.microsoft.com/office/drawing/2014/main" id="{C584D8CB-27A9-4845-9B25-DBFAE0E28220}"/>
+                </a:ext>
+              </a:extLst>
+            </p:cNvPr>
+            <p:cNvGrpSpPr/>
+            <p:nvPr/>
+          </p:nvGrpSpPr>
+          <p:grpSpPr>
+            <a:xfrm>
+              <a:off x="9818185" y="3321162"/>
+              <a:ext cx="1841998" cy="657882"/>
+              <a:chOff x="4671685" y="1845734"/>
+              <a:chExt cx="1841998" cy="657882"/>
+            </a:xfrm>
+          </p:grpSpPr>
+          <p:pic>
+            <p:nvPicPr>
+              <p:cNvPr id="60" name="Graphic 59" descr="Open folder outline">
+                <a:extLst>
+                  <a:ext uri="{FF2B5EF4-FFF2-40B4-BE49-F238E27FC236}">
+                    <a16:creationId xmlns:a16="http://schemas.microsoft.com/office/drawing/2014/main" id="{DC90F16A-38E6-46B1-8964-FDA25DB3318D}"/>
+                  </a:ext>
+                </a:extLst>
+              </p:cNvPr>
+              <p:cNvPicPr>
+                <a:picLocks noChangeAspect="1"/>
+              </p:cNvPicPr>
+              <p:nvPr/>
+            </p:nvPicPr>
+            <p:blipFill>
+              <a:blip r:embed="rId3">
+                <a:extLst>
+                  <a:ext uri="{28A0092B-C50C-407E-A947-70E740481C1C}">
+                    <a14:useLocalDpi xmlns:a14="http://schemas.microsoft.com/office/drawing/2010/main" val="0"/>
+                  </a:ext>
+                  <a:ext uri="{96DAC541-7B7A-43D3-8B79-37D633B846F1}">
+                    <asvg:svgBlip xmlns:asvg="http://schemas.microsoft.com/office/drawing/2016/SVG/main" r:embed="rId4"/>
+                  </a:ext>
+                </a:extLst>
+              </a:blip>
+              <a:stretch>
+                <a:fillRect/>
+              </a:stretch>
+            </p:blipFill>
+            <p:spPr>
+              <a:xfrm>
+                <a:off x="5855801" y="1845734"/>
+                <a:ext cx="657882" cy="657882"/>
+              </a:xfrm>
+              <a:prstGeom prst="rect">
+                <a:avLst/>
+              </a:prstGeom>
+            </p:spPr>
+          </p:pic>
+          <p:sp>
+            <p:nvSpPr>
+              <p:cNvPr id="61" name="TextBox 60">
+                <a:extLst>
+                  <a:ext uri="{FF2B5EF4-FFF2-40B4-BE49-F238E27FC236}">
+                    <a16:creationId xmlns:a16="http://schemas.microsoft.com/office/drawing/2014/main" id="{6E5BAE96-1F58-4238-B98C-F88DCDC0F19D}"/>
+                  </a:ext>
+                </a:extLst>
+              </p:cNvPr>
+              <p:cNvSpPr txBox="1"/>
+              <p:nvPr/>
+            </p:nvSpPr>
+            <p:spPr>
+              <a:xfrm>
+                <a:off x="4671685" y="2005398"/>
+                <a:ext cx="1286985" cy="338554"/>
+              </a:xfrm>
+              <a:prstGeom prst="rect">
+                <a:avLst/>
+              </a:prstGeom>
+              <a:noFill/>
+            </p:spPr>
+            <p:txBody>
+              <a:bodyPr wrap="square" rtlCol="0">
+                <a:spAutoFit/>
+              </a:bodyPr>
+              <a:lstStyle/>
+              <a:p>
+                <a:pPr algn="r"/>
+                <a:r>
+                  <a:rPr lang="en-US" sz="1600" b="1" dirty="0">
+                    <a:solidFill>
+                      <a:schemeClr val="accent2"/>
+                    </a:solidFill>
+                  </a:rPr>
+                  <a:t>Output</a:t>
+                </a:r>
+              </a:p>
+            </p:txBody>
+          </p:sp>
+        </p:grpSp>
+        <p:grpSp>
+          <p:nvGrpSpPr>
+            <p:cNvPr id="62" name="Group 61">
+              <a:extLst>
+                <a:ext uri="{FF2B5EF4-FFF2-40B4-BE49-F238E27FC236}">
+                  <a16:creationId xmlns:a16="http://schemas.microsoft.com/office/drawing/2014/main" id="{A1771BC5-A33F-4D83-AD8A-E078B8B5F788}"/>
+                </a:ext>
+              </a:extLst>
+            </p:cNvPr>
+            <p:cNvGrpSpPr/>
+            <p:nvPr/>
+          </p:nvGrpSpPr>
+          <p:grpSpPr>
+            <a:xfrm>
+              <a:off x="9296214" y="4248754"/>
+              <a:ext cx="1841998" cy="657882"/>
+              <a:chOff x="4671685" y="1845734"/>
+              <a:chExt cx="1841998" cy="657882"/>
+            </a:xfrm>
+          </p:grpSpPr>
+          <p:pic>
+            <p:nvPicPr>
+              <p:cNvPr id="63" name="Graphic 62" descr="Open folder outline">
+                <a:extLst>
+                  <a:ext uri="{FF2B5EF4-FFF2-40B4-BE49-F238E27FC236}">
+                    <a16:creationId xmlns:a16="http://schemas.microsoft.com/office/drawing/2014/main" id="{8EC74DAC-48B8-468F-A4A5-F1F4DEFD6718}"/>
+                  </a:ext>
+                </a:extLst>
+              </p:cNvPr>
+              <p:cNvPicPr>
+                <a:picLocks noChangeAspect="1"/>
+              </p:cNvPicPr>
+              <p:nvPr/>
+            </p:nvPicPr>
+            <p:blipFill>
+              <a:blip r:embed="rId3">
+                <a:extLst>
+                  <a:ext uri="{28A0092B-C50C-407E-A947-70E740481C1C}">
+                    <a14:useLocalDpi xmlns:a14="http://schemas.microsoft.com/office/drawing/2010/main" val="0"/>
+                  </a:ext>
+                  <a:ext uri="{96DAC541-7B7A-43D3-8B79-37D633B846F1}">
+                    <asvg:svgBlip xmlns:asvg="http://schemas.microsoft.com/office/drawing/2016/SVG/main" r:embed="rId4"/>
+                  </a:ext>
+                </a:extLst>
+              </a:blip>
+              <a:stretch>
+                <a:fillRect/>
+              </a:stretch>
+            </p:blipFill>
+            <p:spPr>
+              <a:xfrm>
+                <a:off x="5855801" y="1845734"/>
+                <a:ext cx="657882" cy="657882"/>
+              </a:xfrm>
+              <a:prstGeom prst="rect">
+                <a:avLst/>
+              </a:prstGeom>
+            </p:spPr>
+          </p:pic>
+          <p:sp>
+            <p:nvSpPr>
+              <p:cNvPr id="64" name="TextBox 63">
+                <a:extLst>
+                  <a:ext uri="{FF2B5EF4-FFF2-40B4-BE49-F238E27FC236}">
+                    <a16:creationId xmlns:a16="http://schemas.microsoft.com/office/drawing/2014/main" id="{18ABA15A-4DB7-4F75-A38E-94BDE85AE5FB}"/>
+                  </a:ext>
+                </a:extLst>
+              </p:cNvPr>
+              <p:cNvSpPr txBox="1"/>
+              <p:nvPr/>
+            </p:nvSpPr>
+            <p:spPr>
+              <a:xfrm>
+                <a:off x="4671685" y="2005398"/>
+                <a:ext cx="1286985" cy="338554"/>
+              </a:xfrm>
+              <a:prstGeom prst="rect">
+                <a:avLst/>
+              </a:prstGeom>
+              <a:noFill/>
+            </p:spPr>
+            <p:txBody>
+              <a:bodyPr wrap="square" rtlCol="0">
+                <a:spAutoFit/>
+              </a:bodyPr>
+              <a:lstStyle/>
+              <a:p>
+                <a:pPr algn="r"/>
+                <a:r>
+                  <a:rPr lang="en-US" sz="1600" b="1" dirty="0">
+                    <a:solidFill>
+                      <a:schemeClr val="accent2"/>
+                    </a:solidFill>
+                  </a:rPr>
+                  <a:t>HW2</a:t>
+                </a:r>
+              </a:p>
+            </p:txBody>
+          </p:sp>
+        </p:grpSp>
+        <p:grpSp>
+          <p:nvGrpSpPr>
+            <p:cNvPr id="73" name="Group 72">
+              <a:extLst>
+                <a:ext uri="{FF2B5EF4-FFF2-40B4-BE49-F238E27FC236}">
+                  <a16:creationId xmlns:a16="http://schemas.microsoft.com/office/drawing/2014/main" id="{256B3D11-B220-46CA-BCE6-5FF840511217}"/>
+                </a:ext>
+              </a:extLst>
+            </p:cNvPr>
+            <p:cNvGrpSpPr/>
+            <p:nvPr/>
+          </p:nvGrpSpPr>
+          <p:grpSpPr>
+            <a:xfrm>
+              <a:off x="10078745" y="4746972"/>
+              <a:ext cx="1553265" cy="657882"/>
+              <a:chOff x="4960418" y="1845734"/>
+              <a:chExt cx="1553265" cy="657882"/>
+            </a:xfrm>
+          </p:grpSpPr>
+          <p:pic>
+            <p:nvPicPr>
+              <p:cNvPr id="74" name="Graphic 73" descr="Open folder outline">
+                <a:extLst>
+                  <a:ext uri="{FF2B5EF4-FFF2-40B4-BE49-F238E27FC236}">
+                    <a16:creationId xmlns:a16="http://schemas.microsoft.com/office/drawing/2014/main" id="{52771904-FDCA-49AB-B2C4-41C0C1BA0DB5}"/>
+                  </a:ext>
+                </a:extLst>
+              </p:cNvPr>
+              <p:cNvPicPr>
+                <a:picLocks noChangeAspect="1"/>
+              </p:cNvPicPr>
+              <p:nvPr/>
+            </p:nvPicPr>
+            <p:blipFill>
+              <a:blip r:embed="rId7">
+                <a:extLst>
+                  <a:ext uri="{28A0092B-C50C-407E-A947-70E740481C1C}">
+                    <a14:useLocalDpi xmlns:a14="http://schemas.microsoft.com/office/drawing/2010/main" val="0"/>
+                  </a:ext>
+                  <a:ext uri="{96DAC541-7B7A-43D3-8B79-37D633B846F1}">
+                    <asvg:svgBlip xmlns:asvg="http://schemas.microsoft.com/office/drawing/2016/SVG/main" r:embed="rId4"/>
+                  </a:ext>
+                </a:extLst>
+              </a:blip>
+              <a:stretch>
+                <a:fillRect/>
+              </a:stretch>
+            </p:blipFill>
+            <p:spPr>
+              <a:xfrm>
+                <a:off x="5855801" y="1845734"/>
+                <a:ext cx="657882" cy="657882"/>
+              </a:xfrm>
+              <a:prstGeom prst="rect">
+                <a:avLst/>
+              </a:prstGeom>
+            </p:spPr>
+          </p:pic>
+          <p:sp>
+            <p:nvSpPr>
+              <p:cNvPr id="75" name="TextBox 74">
+                <a:extLst>
+                  <a:ext uri="{FF2B5EF4-FFF2-40B4-BE49-F238E27FC236}">
+                    <a16:creationId xmlns:a16="http://schemas.microsoft.com/office/drawing/2014/main" id="{2DA5BEBC-D35C-43EA-9220-E819FEBB8E92}"/>
+                  </a:ext>
+                </a:extLst>
+              </p:cNvPr>
+              <p:cNvSpPr txBox="1"/>
+              <p:nvPr/>
+            </p:nvSpPr>
+            <p:spPr>
+              <a:xfrm>
+                <a:off x="4960418" y="2005398"/>
+                <a:ext cx="998252" cy="338554"/>
+              </a:xfrm>
+              <a:prstGeom prst="rect">
+                <a:avLst/>
+              </a:prstGeom>
+              <a:noFill/>
+            </p:spPr>
+            <p:txBody>
+              <a:bodyPr wrap="square" rtlCol="0">
+                <a:spAutoFit/>
+              </a:bodyPr>
+              <a:lstStyle/>
+              <a:p>
+                <a:pPr algn="r"/>
+                <a:r>
+                  <a:rPr lang="en-US" sz="1600" b="1" dirty="0">
+                    <a:solidFill>
+                      <a:schemeClr val="accent2"/>
+                    </a:solidFill>
+                  </a:rPr>
+                  <a:t>Data</a:t>
+                </a:r>
+              </a:p>
+            </p:txBody>
+          </p:sp>
+        </p:grpSp>
+        <p:grpSp>
+          <p:nvGrpSpPr>
+            <p:cNvPr id="76" name="Group 75">
+              <a:extLst>
+                <a:ext uri="{FF2B5EF4-FFF2-40B4-BE49-F238E27FC236}">
+                  <a16:creationId xmlns:a16="http://schemas.microsoft.com/office/drawing/2014/main" id="{18E70AE3-9F29-4A98-B8AA-9E0B4B8899A1}"/>
+                </a:ext>
+              </a:extLst>
+            </p:cNvPr>
+            <p:cNvGrpSpPr/>
+            <p:nvPr/>
+          </p:nvGrpSpPr>
+          <p:grpSpPr>
+            <a:xfrm>
+              <a:off x="9802187" y="5235577"/>
+              <a:ext cx="1841998" cy="657882"/>
+              <a:chOff x="4671685" y="1845734"/>
+              <a:chExt cx="1841998" cy="657882"/>
+            </a:xfrm>
+          </p:grpSpPr>
+          <p:pic>
+            <p:nvPicPr>
+              <p:cNvPr id="77" name="Graphic 76" descr="Open folder outline">
+                <a:extLst>
+                  <a:ext uri="{FF2B5EF4-FFF2-40B4-BE49-F238E27FC236}">
+                    <a16:creationId xmlns:a16="http://schemas.microsoft.com/office/drawing/2014/main" id="{0A53FCF5-0953-49A5-B7FB-75F2847563B7}"/>
+                  </a:ext>
+                </a:extLst>
+              </p:cNvPr>
+              <p:cNvPicPr>
+                <a:picLocks noChangeAspect="1"/>
+              </p:cNvPicPr>
+              <p:nvPr/>
+            </p:nvPicPr>
+            <p:blipFill>
+              <a:blip r:embed="rId7">
+                <a:extLst>
+                  <a:ext uri="{28A0092B-C50C-407E-A947-70E740481C1C}">
+                    <a14:useLocalDpi xmlns:a14="http://schemas.microsoft.com/office/drawing/2010/main" val="0"/>
+                  </a:ext>
+                  <a:ext uri="{96DAC541-7B7A-43D3-8B79-37D633B846F1}">
+                    <asvg:svgBlip xmlns:asvg="http://schemas.microsoft.com/office/drawing/2016/SVG/main" r:embed="rId4"/>
+                  </a:ext>
+                </a:extLst>
+              </a:blip>
+              <a:stretch>
+                <a:fillRect/>
+              </a:stretch>
+            </p:blipFill>
+            <p:spPr>
+              <a:xfrm>
+                <a:off x="5855801" y="1845734"/>
+                <a:ext cx="657882" cy="657882"/>
+              </a:xfrm>
+              <a:prstGeom prst="rect">
+                <a:avLst/>
+              </a:prstGeom>
+            </p:spPr>
+          </p:pic>
+          <p:sp>
+            <p:nvSpPr>
+              <p:cNvPr id="78" name="TextBox 77">
+                <a:extLst>
+                  <a:ext uri="{FF2B5EF4-FFF2-40B4-BE49-F238E27FC236}">
+                    <a16:creationId xmlns:a16="http://schemas.microsoft.com/office/drawing/2014/main" id="{2F9085BD-AED4-4649-96D6-6E580381EEF8}"/>
+                  </a:ext>
+                </a:extLst>
+              </p:cNvPr>
+              <p:cNvSpPr txBox="1"/>
+              <p:nvPr/>
+            </p:nvSpPr>
+            <p:spPr>
+              <a:xfrm>
+                <a:off x="4671685" y="2005398"/>
+                <a:ext cx="1286985" cy="338554"/>
+              </a:xfrm>
+              <a:prstGeom prst="rect">
+                <a:avLst/>
+              </a:prstGeom>
+              <a:noFill/>
+            </p:spPr>
+            <p:txBody>
+              <a:bodyPr wrap="square" rtlCol="0">
+                <a:spAutoFit/>
+              </a:bodyPr>
+              <a:lstStyle/>
+              <a:p>
+                <a:pPr algn="r"/>
+                <a:r>
+                  <a:rPr lang="en-US" sz="1600" b="1" dirty="0">
+                    <a:solidFill>
+                      <a:schemeClr val="accent2"/>
+                    </a:solidFill>
+                  </a:rPr>
+                  <a:t>Output</a:t>
+                </a:r>
+              </a:p>
+            </p:txBody>
+          </p:sp>
+        </p:grpSp>
+        <p:grpSp>
+          <p:nvGrpSpPr>
+            <p:cNvPr id="80" name="Group 79">
+              <a:extLst>
+                <a:ext uri="{FF2B5EF4-FFF2-40B4-BE49-F238E27FC236}">
+                  <a16:creationId xmlns:a16="http://schemas.microsoft.com/office/drawing/2014/main" id="{CC1B6F9E-CEE0-4F25-88FA-8A53C19A36ED}"/>
+                </a:ext>
+              </a:extLst>
+            </p:cNvPr>
+            <p:cNvGrpSpPr/>
+            <p:nvPr/>
+          </p:nvGrpSpPr>
+          <p:grpSpPr>
+            <a:xfrm>
+              <a:off x="9828881" y="3919983"/>
+              <a:ext cx="1528569" cy="340291"/>
+              <a:chOff x="7560156" y="5677584"/>
+              <a:chExt cx="1528569" cy="340291"/>
+            </a:xfrm>
+          </p:grpSpPr>
+          <p:pic>
+            <p:nvPicPr>
+              <p:cNvPr id="81" name="Graphic 80" descr="Scroll outline">
+                <a:extLst>
+                  <a:ext uri="{FF2B5EF4-FFF2-40B4-BE49-F238E27FC236}">
+                    <a16:creationId xmlns:a16="http://schemas.microsoft.com/office/drawing/2014/main" id="{C3D88A50-4378-4EA0-BDA1-65B0E35CB42B}"/>
+                  </a:ext>
+                </a:extLst>
+              </p:cNvPr>
+              <p:cNvPicPr>
+                <a:picLocks noChangeAspect="1"/>
+              </p:cNvPicPr>
+              <p:nvPr/>
+            </p:nvPicPr>
+            <p:blipFill>
+              <a:blip r:embed="rId5">
+                <a:extLst>
+                  <a:ext uri="{28A0092B-C50C-407E-A947-70E740481C1C}">
+                    <a14:useLocalDpi xmlns:a14="http://schemas.microsoft.com/office/drawing/2010/main" val="0"/>
+                  </a:ext>
+                  <a:ext uri="{96DAC541-7B7A-43D3-8B79-37D633B846F1}">
+                    <asvg:svgBlip xmlns:asvg="http://schemas.microsoft.com/office/drawing/2016/SVG/main" r:embed="rId6"/>
+                  </a:ext>
+                </a:extLst>
+              </a:blip>
+              <a:stretch>
+                <a:fillRect/>
+              </a:stretch>
+            </p:blipFill>
+            <p:spPr>
+              <a:xfrm>
+                <a:off x="8750170" y="5679320"/>
+                <a:ext cx="338555" cy="338555"/>
+              </a:xfrm>
+              <a:prstGeom prst="rect">
+                <a:avLst/>
+              </a:prstGeom>
+            </p:spPr>
+          </p:pic>
+          <p:sp>
+            <p:nvSpPr>
+              <p:cNvPr id="82" name="TextBox 81">
+                <a:extLst>
+                  <a:ext uri="{FF2B5EF4-FFF2-40B4-BE49-F238E27FC236}">
+                    <a16:creationId xmlns:a16="http://schemas.microsoft.com/office/drawing/2014/main" id="{B2E2BC6F-3CB4-464E-A186-6A01714B9C21}"/>
+                  </a:ext>
+                </a:extLst>
+              </p:cNvPr>
+              <p:cNvSpPr txBox="1"/>
+              <p:nvPr/>
+            </p:nvSpPr>
+            <p:spPr>
+              <a:xfrm>
+                <a:off x="7560156" y="5677584"/>
+                <a:ext cx="1286985" cy="338554"/>
+              </a:xfrm>
+              <a:prstGeom prst="rect">
+                <a:avLst/>
+              </a:prstGeom>
+              <a:noFill/>
+            </p:spPr>
+            <p:txBody>
+              <a:bodyPr wrap="square" rtlCol="0">
+                <a:spAutoFit/>
+              </a:bodyPr>
+              <a:lstStyle/>
+              <a:p>
+                <a:pPr algn="r"/>
+                <a:r>
+                  <a:rPr lang="en-US" sz="1600" b="1" dirty="0">
+                    <a:solidFill>
+                      <a:schemeClr val="accent2"/>
+                    </a:solidFill>
+                  </a:rPr>
+                  <a:t>script1.py</a:t>
+                </a:r>
+              </a:p>
+            </p:txBody>
+          </p:sp>
+        </p:grpSp>
+        <p:grpSp>
+          <p:nvGrpSpPr>
+            <p:cNvPr id="83" name="Group 82">
+              <a:extLst>
+                <a:ext uri="{FF2B5EF4-FFF2-40B4-BE49-F238E27FC236}">
+                  <a16:creationId xmlns:a16="http://schemas.microsoft.com/office/drawing/2014/main" id="{01538EBC-5EA6-43A7-84AE-CFC8C0490E5C}"/>
+                </a:ext>
+              </a:extLst>
+            </p:cNvPr>
+            <p:cNvGrpSpPr/>
+            <p:nvPr/>
+          </p:nvGrpSpPr>
+          <p:grpSpPr>
+            <a:xfrm>
+              <a:off x="9829584" y="5833359"/>
+              <a:ext cx="1528569" cy="340291"/>
+              <a:chOff x="7560156" y="5653731"/>
+              <a:chExt cx="1528569" cy="340291"/>
+            </a:xfrm>
+          </p:grpSpPr>
+          <p:pic>
+            <p:nvPicPr>
+              <p:cNvPr id="84" name="Graphic 83" descr="Scroll outline">
+                <a:extLst>
+                  <a:ext uri="{FF2B5EF4-FFF2-40B4-BE49-F238E27FC236}">
+                    <a16:creationId xmlns:a16="http://schemas.microsoft.com/office/drawing/2014/main" id="{685ED5E2-D235-45B1-A471-448E5498DFB5}"/>
+                  </a:ext>
+                </a:extLst>
+              </p:cNvPr>
+              <p:cNvPicPr>
+                <a:picLocks noChangeAspect="1"/>
+              </p:cNvPicPr>
+              <p:nvPr/>
+            </p:nvPicPr>
+            <p:blipFill>
+              <a:blip r:embed="rId5">
+                <a:extLst>
+                  <a:ext uri="{28A0092B-C50C-407E-A947-70E740481C1C}">
+                    <a14:useLocalDpi xmlns:a14="http://schemas.microsoft.com/office/drawing/2010/main" val="0"/>
+                  </a:ext>
+                  <a:ext uri="{96DAC541-7B7A-43D3-8B79-37D633B846F1}">
+                    <asvg:svgBlip xmlns:asvg="http://schemas.microsoft.com/office/drawing/2016/SVG/main" r:embed="rId6"/>
+                  </a:ext>
+                </a:extLst>
+              </a:blip>
+              <a:stretch>
+                <a:fillRect/>
+              </a:stretch>
+            </p:blipFill>
+            <p:spPr>
+              <a:xfrm>
+                <a:off x="8750170" y="5655467"/>
+                <a:ext cx="338555" cy="338555"/>
+              </a:xfrm>
+              <a:prstGeom prst="rect">
+                <a:avLst/>
+              </a:prstGeom>
+            </p:spPr>
+          </p:pic>
+          <p:sp>
+            <p:nvSpPr>
+              <p:cNvPr id="85" name="TextBox 84">
+                <a:extLst>
+                  <a:ext uri="{FF2B5EF4-FFF2-40B4-BE49-F238E27FC236}">
+                    <a16:creationId xmlns:a16="http://schemas.microsoft.com/office/drawing/2014/main" id="{31E6D4AA-6440-4872-9AC6-F5275DC9DC60}"/>
+                  </a:ext>
+                </a:extLst>
+              </p:cNvPr>
+              <p:cNvSpPr txBox="1"/>
+              <p:nvPr/>
+            </p:nvSpPr>
+            <p:spPr>
+              <a:xfrm>
+                <a:off x="7560156" y="5653731"/>
+                <a:ext cx="1286985" cy="338554"/>
+              </a:xfrm>
+              <a:prstGeom prst="rect">
+                <a:avLst/>
+              </a:prstGeom>
+              <a:noFill/>
+            </p:spPr>
+            <p:txBody>
+              <a:bodyPr wrap="square" rtlCol="0">
+                <a:spAutoFit/>
+              </a:bodyPr>
+              <a:lstStyle/>
+              <a:p>
+                <a:pPr algn="r"/>
+                <a:r>
+                  <a:rPr lang="en-US" sz="1600" b="1" dirty="0">
+                    <a:solidFill>
+                      <a:schemeClr val="accent2"/>
+                    </a:solidFill>
+                  </a:rPr>
+                  <a:t>script2.py</a:t>
+                </a:r>
+              </a:p>
+            </p:txBody>
+          </p:sp>
+        </p:grpSp>
+      </p:grpSp>
     </p:spTree>
     <p:extLst>
       <p:ext uri="{BB962C8B-B14F-4D97-AF65-F5344CB8AC3E}">
@@ -8349,6 +10201,233 @@
 </file>
 
 <file path=ppt/slides/slide18.xml><?xml version="1.0" encoding="utf-8"?>
+<p:sld xmlns:a="http://schemas.openxmlformats.org/drawingml/2006/main" xmlns:r="http://schemas.openxmlformats.org/officeDocument/2006/relationships" xmlns:p="http://schemas.openxmlformats.org/presentationml/2006/main">
+  <p:cSld>
+    <p:spTree>
+      <p:nvGrpSpPr>
+        <p:cNvPr id="1" name=""/>
+        <p:cNvGrpSpPr/>
+        <p:nvPr/>
+      </p:nvGrpSpPr>
+      <p:grpSpPr>
+        <a:xfrm>
+          <a:off x="0" y="0"/>
+          <a:ext cx="0" cy="0"/>
+          <a:chOff x="0" y="0"/>
+          <a:chExt cx="0" cy="0"/>
+        </a:xfrm>
+      </p:grpSpPr>
+      <p:sp>
+        <p:nvSpPr>
+          <p:cNvPr id="2" name="Title 1">
+            <a:extLst>
+              <a:ext uri="{FF2B5EF4-FFF2-40B4-BE49-F238E27FC236}">
+                <a16:creationId xmlns:a16="http://schemas.microsoft.com/office/drawing/2014/main" id="{8D133E3C-0BBC-4219-8A6A-EE13CB55454F}"/>
+              </a:ext>
+            </a:extLst>
+          </p:cNvPr>
+          <p:cNvSpPr>
+            <a:spLocks noGrp="1"/>
+          </p:cNvSpPr>
+          <p:nvPr>
+            <p:ph type="title"/>
+          </p:nvPr>
+        </p:nvSpPr>
+        <p:spPr/>
+        <p:txBody>
+          <a:bodyPr/>
+          <a:lstStyle/>
+          <a:p>
+            <a:r>
+              <a:rPr lang="en-US" dirty="0"/>
+              <a:t>“README.md”</a:t>
+            </a:r>
+          </a:p>
+        </p:txBody>
+      </p:sp>
+      <p:sp>
+        <p:nvSpPr>
+          <p:cNvPr id="3" name="Content Placeholder 2">
+            <a:extLst>
+              <a:ext uri="{FF2B5EF4-FFF2-40B4-BE49-F238E27FC236}">
+                <a16:creationId xmlns:a16="http://schemas.microsoft.com/office/drawing/2014/main" id="{91E698ED-977B-4620-BE05-F80B76B4149D}"/>
+              </a:ext>
+            </a:extLst>
+          </p:cNvPr>
+          <p:cNvSpPr>
+            <a:spLocks noGrp="1"/>
+          </p:cNvSpPr>
+          <p:nvPr>
+            <p:ph sz="half" idx="1"/>
+          </p:nvPr>
+        </p:nvSpPr>
+        <p:spPr/>
+        <p:txBody>
+          <a:bodyPr/>
+          <a:lstStyle/>
+          <a:p>
+            <a:r>
+              <a:rPr lang="en-US" dirty="0"/>
+              <a:t>README files are found at top level of repo and inside each analysis folder</a:t>
+            </a:r>
+          </a:p>
+          <a:p>
+            <a:pPr lvl="1"/>
+            <a:r>
+              <a:rPr lang="en-US" dirty="0">
+                <a:hlinkClick r:id="rId2"/>
+              </a:rPr>
+              <a:t>Markdown</a:t>
+            </a:r>
+            <a:r>
+              <a:rPr lang="en-US" dirty="0"/>
+              <a:t> is used to create documentation</a:t>
+            </a:r>
+          </a:p>
+        </p:txBody>
+      </p:sp>
+      <p:sp>
+        <p:nvSpPr>
+          <p:cNvPr id="4" name="Content Placeholder 3">
+            <a:extLst>
+              <a:ext uri="{FF2B5EF4-FFF2-40B4-BE49-F238E27FC236}">
+                <a16:creationId xmlns:a16="http://schemas.microsoft.com/office/drawing/2014/main" id="{A54FC2FD-26F9-4515-8BAD-5725C9BF313F}"/>
+              </a:ext>
+            </a:extLst>
+          </p:cNvPr>
+          <p:cNvSpPr>
+            <a:spLocks noGrp="1"/>
+          </p:cNvSpPr>
+          <p:nvPr>
+            <p:ph sz="half" idx="2"/>
+          </p:nvPr>
+        </p:nvSpPr>
+        <p:spPr/>
+        <p:txBody>
+          <a:bodyPr/>
+          <a:lstStyle/>
+          <a:p>
+            <a:r>
+              <a:rPr lang="en-US" dirty="0"/>
+              <a:t>The simple things</a:t>
+            </a:r>
+          </a:p>
+          <a:p>
+            <a:pPr lvl="1"/>
+            <a:r>
+              <a:rPr lang="en-US" dirty="0"/>
+              <a:t>Title headers are created at three levels using # (largest), ## (second largest), &amp; ### (smallest)</a:t>
+            </a:r>
+          </a:p>
+          <a:p>
+            <a:pPr lvl="1"/>
+            <a:r>
+              <a:rPr lang="en-US" dirty="0"/>
+              <a:t>Text not preceded by # will become body text</a:t>
+            </a:r>
+          </a:p>
+          <a:p>
+            <a:pPr lvl="1"/>
+            <a:r>
+              <a:rPr lang="en-US" dirty="0"/>
+              <a:t>Asterisks or dashes to create bulleted lists </a:t>
+            </a:r>
+          </a:p>
+          <a:p>
+            <a:pPr lvl="1"/>
+            <a:r>
+              <a:rPr lang="en-US" dirty="0"/>
+              <a:t>Inline code: `this will show up as code`</a:t>
+            </a:r>
+          </a:p>
+        </p:txBody>
+      </p:sp>
+      <p:pic>
+        <p:nvPicPr>
+          <p:cNvPr id="5" name="Picture 4" descr="Graphical user interface, text, application, email&#10;&#10;Description automatically generated">
+            <a:extLst>
+              <a:ext uri="{FF2B5EF4-FFF2-40B4-BE49-F238E27FC236}">
+                <a16:creationId xmlns:a16="http://schemas.microsoft.com/office/drawing/2014/main" id="{1F0937FD-6615-4E6A-804D-FDEBC9C1413F}"/>
+              </a:ext>
+            </a:extLst>
+          </p:cNvPr>
+          <p:cNvPicPr>
+            <a:picLocks noChangeAspect="1"/>
+          </p:cNvPicPr>
+          <p:nvPr/>
+        </p:nvPicPr>
+        <p:blipFill>
+          <a:blip r:embed="rId3">
+            <a:extLst>
+              <a:ext uri="{28A0092B-C50C-407E-A947-70E740481C1C}">
+                <a14:useLocalDpi xmlns:a14="http://schemas.microsoft.com/office/drawing/2010/main" val="0"/>
+              </a:ext>
+            </a:extLst>
+          </a:blip>
+          <a:stretch>
+            <a:fillRect/>
+          </a:stretch>
+        </p:blipFill>
+        <p:spPr>
+          <a:xfrm>
+            <a:off x="103129" y="2985173"/>
+            <a:ext cx="5921890" cy="3073853"/>
+          </a:xfrm>
+          <a:prstGeom prst="rect">
+            <a:avLst/>
+          </a:prstGeom>
+        </p:spPr>
+      </p:pic>
+      <p:pic>
+        <p:nvPicPr>
+          <p:cNvPr id="6" name="Picture 5" descr="Graphical user interface, text, application&#10;&#10;Description automatically generated">
+            <a:extLst>
+              <a:ext uri="{FF2B5EF4-FFF2-40B4-BE49-F238E27FC236}">
+                <a16:creationId xmlns:a16="http://schemas.microsoft.com/office/drawing/2014/main" id="{1247B26B-7905-4EA2-85DF-C553C10CDB30}"/>
+              </a:ext>
+            </a:extLst>
+          </p:cNvPr>
+          <p:cNvPicPr>
+            <a:picLocks noChangeAspect="1"/>
+          </p:cNvPicPr>
+          <p:nvPr/>
+        </p:nvPicPr>
+        <p:blipFill>
+          <a:blip r:embed="rId4">
+            <a:extLst>
+              <a:ext uri="{28A0092B-C50C-407E-A947-70E740481C1C}">
+                <a14:useLocalDpi xmlns:a14="http://schemas.microsoft.com/office/drawing/2010/main" val="0"/>
+              </a:ext>
+            </a:extLst>
+          </a:blip>
+          <a:stretch>
+            <a:fillRect/>
+          </a:stretch>
+        </p:blipFill>
+        <p:spPr>
+          <a:xfrm>
+            <a:off x="5974081" y="4118555"/>
+            <a:ext cx="6114790" cy="1940471"/>
+          </a:xfrm>
+          <a:prstGeom prst="rect">
+            <a:avLst/>
+          </a:prstGeom>
+        </p:spPr>
+      </p:pic>
+    </p:spTree>
+    <p:extLst>
+      <p:ext uri="{BB962C8B-B14F-4D97-AF65-F5344CB8AC3E}">
+        <p14:creationId xmlns:p14="http://schemas.microsoft.com/office/powerpoint/2010/main" val="2807701725"/>
+      </p:ext>
+    </p:extLst>
+  </p:cSld>
+  <p:clrMapOvr>
+    <a:masterClrMapping/>
+  </p:clrMapOvr>
+</p:sld>
+</file>
+
+<file path=ppt/slides/slide19.xml><?xml version="1.0" encoding="utf-8"?>
 <p:sld xmlns:a="http://schemas.openxmlformats.org/drawingml/2006/main" xmlns:r="http://schemas.openxmlformats.org/officeDocument/2006/relationships" xmlns:p="http://schemas.openxmlformats.org/presentationml/2006/main">
   <p:cSld>
     <p:spTree>
@@ -8388,7 +10467,15 @@
           <a:p>
             <a:r>
               <a:rPr lang="en-US" dirty="0"/>
-              <a:t>Git: Collaborative Coding</a:t>
+              <a:t>“.</a:t>
+            </a:r>
+            <a:r>
+              <a:rPr lang="en-US" dirty="0" err="1"/>
+              <a:t>gitignore</a:t>
+            </a:r>
+            <a:r>
+              <a:rPr lang="en-US" dirty="0"/>
+              <a:t>”</a:t>
             </a:r>
           </a:p>
         </p:txBody>
@@ -8409,22 +10496,161 @@
             <p:ph idx="1"/>
           </p:nvPr>
         </p:nvSpPr>
-        <p:spPr/>
+        <p:spPr>
+          <a:xfrm>
+            <a:off x="1097280" y="1845734"/>
+            <a:ext cx="10174925" cy="4023360"/>
+          </a:xfrm>
+        </p:spPr>
         <p:txBody>
           <a:bodyPr/>
           <a:lstStyle/>
           <a:p>
             <a:r>
               <a:rPr lang="en-US" dirty="0"/>
-              <a:t>…</a:t>
+              <a:t>“.</a:t>
+            </a:r>
+            <a:r>
+              <a:rPr lang="en-US" dirty="0" err="1"/>
+              <a:t>gitignore</a:t>
+            </a:r>
+            <a:r>
+              <a:rPr lang="en-US" dirty="0"/>
+              <a:t>” file is how you tell repo what not to track</a:t>
+            </a:r>
+          </a:p>
+          <a:p>
+            <a:pPr lvl="1"/>
+            <a:r>
+              <a:rPr lang="en-US" dirty="0"/>
+              <a:t>By default, repos track all files</a:t>
+            </a:r>
+          </a:p>
+          <a:p>
+            <a:r>
+              <a:rPr lang="en-US" dirty="0"/>
+              <a:t>Tend to want to ignore either specific file types… (**/*.&lt;filetype&gt;)</a:t>
+            </a:r>
+          </a:p>
+          <a:p>
+            <a:pPr lvl="1"/>
+            <a:r>
+              <a:rPr lang="en-US" dirty="0"/>
+              <a:t>Data – .csv, .xlsx, .</a:t>
+            </a:r>
+            <a:r>
+              <a:rPr lang="en-US" dirty="0" err="1"/>
+              <a:t>pkl</a:t>
+            </a:r>
+            <a:r>
+              <a:rPr lang="en-US" dirty="0"/>
+              <a:t>, .</a:t>
+            </a:r>
+            <a:r>
+              <a:rPr lang="en-US" dirty="0" err="1"/>
+              <a:t>Rdata</a:t>
+            </a:r>
+            <a:r>
+              <a:rPr lang="en-US" dirty="0"/>
+              <a:t>, etc.</a:t>
+            </a:r>
+          </a:p>
+          <a:p>
+            <a:pPr lvl="1"/>
+            <a:r>
+              <a:rPr lang="en-US" dirty="0"/>
+              <a:t>Output – .</a:t>
+            </a:r>
+            <a:r>
+              <a:rPr lang="en-US" dirty="0" err="1"/>
+              <a:t>png</a:t>
+            </a:r>
+            <a:r>
+              <a:rPr lang="en-US" dirty="0"/>
+              <a:t>, .jpg, .gif, .</a:t>
+            </a:r>
+            <a:r>
+              <a:rPr lang="en-US" dirty="0" err="1"/>
+              <a:t>tif</a:t>
+            </a:r>
+            <a:endParaRPr lang="en-US" dirty="0"/>
+          </a:p>
+          <a:p>
+            <a:pPr lvl="1"/>
+            <a:r>
+              <a:rPr lang="en-US" dirty="0"/>
+              <a:t>Other – .docx, .pdf, .pptx (unless you’re teaching a class…)</a:t>
+            </a:r>
+          </a:p>
+          <a:p>
+            <a:r>
+              <a:rPr lang="en-US" dirty="0"/>
+              <a:t>…or we want to ignore specific directories (directory/* or **/directory/)</a:t>
+            </a:r>
+          </a:p>
+          <a:p>
+            <a:pPr lvl="1"/>
+            <a:r>
+              <a:rPr lang="en-US" dirty="0"/>
+              <a:t>Want to put administrative stuff on GitHub? </a:t>
+            </a:r>
+          </a:p>
+          <a:p>
+            <a:pPr lvl="1"/>
+            <a:r>
+              <a:rPr lang="en-US" dirty="0"/>
+              <a:t>Want to put sandboxes up?</a:t>
+            </a:r>
+          </a:p>
+          <a:p>
+            <a:pPr lvl="1"/>
+            <a:r>
+              <a:rPr lang="en-US" dirty="0"/>
+              <a:t>What about old stuff which is no longer relevant? </a:t>
             </a:r>
           </a:p>
         </p:txBody>
       </p:sp>
+      <p:pic>
+        <p:nvPicPr>
+          <p:cNvPr id="5" name="Picture 4" descr="Text, letter&#10;&#10;Description automatically generated">
+            <a:extLst>
+              <a:ext uri="{FF2B5EF4-FFF2-40B4-BE49-F238E27FC236}">
+                <a16:creationId xmlns:a16="http://schemas.microsoft.com/office/drawing/2014/main" id="{DDD685E5-40EF-4E20-A908-70D4D5C03F37}"/>
+              </a:ext>
+            </a:extLst>
+          </p:cNvPr>
+          <p:cNvPicPr>
+            <a:picLocks noChangeAspect="1"/>
+          </p:cNvPicPr>
+          <p:nvPr/>
+        </p:nvPicPr>
+        <p:blipFill>
+          <a:blip r:embed="rId3">
+            <a:extLst>
+              <a:ext uri="{28A0092B-C50C-407E-A947-70E740481C1C}">
+                <a14:useLocalDpi xmlns:a14="http://schemas.microsoft.com/office/drawing/2010/main" val="0"/>
+              </a:ext>
+            </a:extLst>
+          </a:blip>
+          <a:stretch>
+            <a:fillRect/>
+          </a:stretch>
+        </p:blipFill>
+        <p:spPr>
+          <a:xfrm>
+            <a:off x="9421104" y="2035559"/>
+            <a:ext cx="1520816" cy="3833536"/>
+          </a:xfrm>
+          <a:prstGeom prst="rect">
+            <a:avLst/>
+          </a:prstGeom>
+        </p:spPr>
+      </p:pic>
     </p:spTree>
     <p:extLst>
       <p:ext uri="{BB962C8B-B14F-4D97-AF65-F5344CB8AC3E}">
-        <p14:creationId xmlns:p14="http://schemas.microsoft.com/office/powerpoint/2010/main" val="3310373015"/>
+        <p14:creationId xmlns:p14="http://schemas.microsoft.com/office/powerpoint/2010/main" val="2913802584"/>
       </p:ext>
     </p:extLst>
   </p:cSld>
@@ -8630,6 +10856,268 @@
     <p:extLst>
       <p:ext uri="{BB962C8B-B14F-4D97-AF65-F5344CB8AC3E}">
         <p14:creationId xmlns:p14="http://schemas.microsoft.com/office/powerpoint/2010/main" val="1921457976"/>
+      </p:ext>
+    </p:extLst>
+  </p:cSld>
+  <p:clrMapOvr>
+    <a:masterClrMapping/>
+  </p:clrMapOvr>
+</p:sld>
+</file>
+
+<file path=ppt/slides/slide20.xml><?xml version="1.0" encoding="utf-8"?>
+<p:sld xmlns:a="http://schemas.openxmlformats.org/drawingml/2006/main" xmlns:r="http://schemas.openxmlformats.org/officeDocument/2006/relationships" xmlns:p="http://schemas.openxmlformats.org/presentationml/2006/main">
+  <p:cSld>
+    <p:spTree>
+      <p:nvGrpSpPr>
+        <p:cNvPr id="1" name=""/>
+        <p:cNvGrpSpPr/>
+        <p:nvPr/>
+      </p:nvGrpSpPr>
+      <p:grpSpPr>
+        <a:xfrm>
+          <a:off x="0" y="0"/>
+          <a:ext cx="0" cy="0"/>
+          <a:chOff x="0" y="0"/>
+          <a:chExt cx="0" cy="0"/>
+        </a:xfrm>
+      </p:grpSpPr>
+      <p:sp>
+        <p:nvSpPr>
+          <p:cNvPr id="2" name="Title 1">
+            <a:extLst>
+              <a:ext uri="{FF2B5EF4-FFF2-40B4-BE49-F238E27FC236}">
+                <a16:creationId xmlns:a16="http://schemas.microsoft.com/office/drawing/2014/main" id="{4DF178C7-120D-4AE8-B26F-BFA3959D9798}"/>
+              </a:ext>
+            </a:extLst>
+          </p:cNvPr>
+          <p:cNvSpPr>
+            <a:spLocks noGrp="1"/>
+          </p:cNvSpPr>
+          <p:nvPr>
+            <p:ph type="title"/>
+          </p:nvPr>
+        </p:nvSpPr>
+        <p:spPr/>
+        <p:txBody>
+          <a:bodyPr/>
+          <a:lstStyle/>
+          <a:p>
+            <a:r>
+              <a:rPr lang="en-US" dirty="0"/>
+              <a:t>Git: Collaborative Coding</a:t>
+            </a:r>
+          </a:p>
+        </p:txBody>
+      </p:sp>
+      <p:sp>
+        <p:nvSpPr>
+          <p:cNvPr id="3" name="Content Placeholder 2">
+            <a:extLst>
+              <a:ext uri="{FF2B5EF4-FFF2-40B4-BE49-F238E27FC236}">
+                <a16:creationId xmlns:a16="http://schemas.microsoft.com/office/drawing/2014/main" id="{C36822C3-41DF-469F-8956-912A332FA942}"/>
+              </a:ext>
+            </a:extLst>
+          </p:cNvPr>
+          <p:cNvSpPr>
+            <a:spLocks noGrp="1"/>
+          </p:cNvSpPr>
+          <p:nvPr>
+            <p:ph idx="1"/>
+          </p:nvPr>
+        </p:nvSpPr>
+        <p:spPr/>
+        <p:txBody>
+          <a:bodyPr/>
+          <a:lstStyle/>
+          <a:p>
+            <a:r>
+              <a:rPr lang="en-US" dirty="0"/>
+              <a:t>…</a:t>
+            </a:r>
+          </a:p>
+        </p:txBody>
+      </p:sp>
+    </p:spTree>
+    <p:extLst>
+      <p:ext uri="{BB962C8B-B14F-4D97-AF65-F5344CB8AC3E}">
+        <p14:creationId xmlns:p14="http://schemas.microsoft.com/office/powerpoint/2010/main" val="3310373015"/>
+      </p:ext>
+    </p:extLst>
+  </p:cSld>
+  <p:clrMapOvr>
+    <a:masterClrMapping/>
+  </p:clrMapOvr>
+</p:sld>
+</file>
+
+<file path=ppt/slides/slide21.xml><?xml version="1.0" encoding="utf-8"?>
+<p:sld xmlns:a="http://schemas.openxmlformats.org/drawingml/2006/main" xmlns:r="http://schemas.openxmlformats.org/officeDocument/2006/relationships" xmlns:p="http://schemas.openxmlformats.org/presentationml/2006/main">
+  <p:cSld>
+    <p:spTree>
+      <p:nvGrpSpPr>
+        <p:cNvPr id="1" name=""/>
+        <p:cNvGrpSpPr/>
+        <p:nvPr/>
+      </p:nvGrpSpPr>
+      <p:grpSpPr>
+        <a:xfrm>
+          <a:off x="0" y="0"/>
+          <a:ext cx="0" cy="0"/>
+          <a:chOff x="0" y="0"/>
+          <a:chExt cx="0" cy="0"/>
+        </a:xfrm>
+      </p:grpSpPr>
+      <p:sp>
+        <p:nvSpPr>
+          <p:cNvPr id="2" name="Title 1">
+            <a:extLst>
+              <a:ext uri="{FF2B5EF4-FFF2-40B4-BE49-F238E27FC236}">
+                <a16:creationId xmlns:a16="http://schemas.microsoft.com/office/drawing/2014/main" id="{78437C37-2EC1-46C7-9016-9886F338F8C8}"/>
+              </a:ext>
+            </a:extLst>
+          </p:cNvPr>
+          <p:cNvSpPr>
+            <a:spLocks noGrp="1"/>
+          </p:cNvSpPr>
+          <p:nvPr>
+            <p:ph type="title"/>
+          </p:nvPr>
+        </p:nvSpPr>
+        <p:spPr/>
+        <p:txBody>
+          <a:bodyPr/>
+          <a:lstStyle/>
+          <a:p>
+            <a:r>
+              <a:rPr lang="en-US" dirty="0"/>
+              <a:t>In-Class Activity…</a:t>
+            </a:r>
+          </a:p>
+        </p:txBody>
+      </p:sp>
+      <p:sp>
+        <p:nvSpPr>
+          <p:cNvPr id="3" name="Content Placeholder 2">
+            <a:extLst>
+              <a:ext uri="{FF2B5EF4-FFF2-40B4-BE49-F238E27FC236}">
+                <a16:creationId xmlns:a16="http://schemas.microsoft.com/office/drawing/2014/main" id="{F2D89A16-C2FD-4949-9EC7-BCAF724945E0}"/>
+              </a:ext>
+            </a:extLst>
+          </p:cNvPr>
+          <p:cNvSpPr>
+            <a:spLocks noGrp="1"/>
+          </p:cNvSpPr>
+          <p:nvPr>
+            <p:ph idx="1"/>
+          </p:nvPr>
+        </p:nvSpPr>
+        <p:spPr/>
+        <p:txBody>
+          <a:bodyPr/>
+          <a:lstStyle/>
+          <a:p>
+            <a:r>
+              <a:rPr lang="en-US" dirty="0"/>
+              <a:t>…</a:t>
+            </a:r>
+          </a:p>
+        </p:txBody>
+      </p:sp>
+    </p:spTree>
+    <p:extLst>
+      <p:ext uri="{BB962C8B-B14F-4D97-AF65-F5344CB8AC3E}">
+        <p14:creationId xmlns:p14="http://schemas.microsoft.com/office/powerpoint/2010/main" val="4127993159"/>
+      </p:ext>
+    </p:extLst>
+  </p:cSld>
+  <p:clrMapOvr>
+    <a:masterClrMapping/>
+  </p:clrMapOvr>
+</p:sld>
+</file>
+
+<file path=ppt/slides/slide22.xml><?xml version="1.0" encoding="utf-8"?>
+<p:sld xmlns:a="http://schemas.openxmlformats.org/drawingml/2006/main" xmlns:r="http://schemas.openxmlformats.org/officeDocument/2006/relationships" xmlns:p="http://schemas.openxmlformats.org/presentationml/2006/main">
+  <p:cSld>
+    <p:spTree>
+      <p:nvGrpSpPr>
+        <p:cNvPr id="1" name=""/>
+        <p:cNvGrpSpPr/>
+        <p:nvPr/>
+      </p:nvGrpSpPr>
+      <p:grpSpPr>
+        <a:xfrm>
+          <a:off x="0" y="0"/>
+          <a:ext cx="0" cy="0"/>
+          <a:chOff x="0" y="0"/>
+          <a:chExt cx="0" cy="0"/>
+        </a:xfrm>
+      </p:grpSpPr>
+      <p:sp>
+        <p:nvSpPr>
+          <p:cNvPr id="2" name="Title 1">
+            <a:extLst>
+              <a:ext uri="{FF2B5EF4-FFF2-40B4-BE49-F238E27FC236}">
+                <a16:creationId xmlns:a16="http://schemas.microsoft.com/office/drawing/2014/main" id="{21C5354E-DA38-44CE-9D69-EE7CF38B1C6B}"/>
+              </a:ext>
+            </a:extLst>
+          </p:cNvPr>
+          <p:cNvSpPr>
+            <a:spLocks noGrp="1"/>
+          </p:cNvSpPr>
+          <p:nvPr>
+            <p:ph type="ctrTitle"/>
+          </p:nvPr>
+        </p:nvSpPr>
+        <p:spPr/>
+        <p:txBody>
+          <a:bodyPr/>
+          <a:lstStyle/>
+          <a:p>
+            <a:r>
+              <a:rPr lang="en-US" dirty="0" err="1"/>
+              <a:t>Til</a:t>
+            </a:r>
+            <a:r>
+              <a:rPr lang="en-US" dirty="0"/>
+              <a:t> next time…</a:t>
+            </a:r>
+          </a:p>
+        </p:txBody>
+      </p:sp>
+      <p:sp>
+        <p:nvSpPr>
+          <p:cNvPr id="3" name="Subtitle 2">
+            <a:extLst>
+              <a:ext uri="{FF2B5EF4-FFF2-40B4-BE49-F238E27FC236}">
+                <a16:creationId xmlns:a16="http://schemas.microsoft.com/office/drawing/2014/main" id="{53993D44-4C98-4F7C-95D8-ED4DB2C800D6}"/>
+              </a:ext>
+            </a:extLst>
+          </p:cNvPr>
+          <p:cNvSpPr>
+            <a:spLocks noGrp="1"/>
+          </p:cNvSpPr>
+          <p:nvPr>
+            <p:ph type="subTitle" idx="1"/>
+          </p:nvPr>
+        </p:nvSpPr>
+        <p:spPr/>
+        <p:txBody>
+          <a:bodyPr/>
+          <a:lstStyle/>
+          <a:p>
+            <a:r>
+              <a:rPr lang="en-US" dirty="0"/>
+              <a:t>Homework?</a:t>
+            </a:r>
+          </a:p>
+        </p:txBody>
+      </p:sp>
+    </p:spTree>
+    <p:extLst>
+      <p:ext uri="{BB962C8B-B14F-4D97-AF65-F5344CB8AC3E}">
+        <p14:creationId xmlns:p14="http://schemas.microsoft.com/office/powerpoint/2010/main" val="3682421842"/>
       </p:ext>
     </p:extLst>
   </p:cSld>
